--- a/instructions/instruction_slides.pptx
+++ b/instructions/instruction_slides.pptx
@@ -336,7 +336,7 @@
           <a:p>
             <a:fld id="{720A8C9A-4914-4E30-BB53-2E47D8B0250F}" type="datetimeFigureOut">
               <a:rPr lang="en-GB" smtClean="0"/>
-              <a:t>24/02/2025</a:t>
+              <a:t>26/02/2025</a:t>
             </a:fld>
             <a:endParaRPr lang="en-GB"/>
           </a:p>
@@ -536,7 +536,7 @@
           <a:p>
             <a:fld id="{720A8C9A-4914-4E30-BB53-2E47D8B0250F}" type="datetimeFigureOut">
               <a:rPr lang="en-GB" smtClean="0"/>
-              <a:t>24/02/2025</a:t>
+              <a:t>26/02/2025</a:t>
             </a:fld>
             <a:endParaRPr lang="en-GB"/>
           </a:p>
@@ -746,7 +746,7 @@
           <a:p>
             <a:fld id="{720A8C9A-4914-4E30-BB53-2E47D8B0250F}" type="datetimeFigureOut">
               <a:rPr lang="en-GB" smtClean="0"/>
-              <a:t>24/02/2025</a:t>
+              <a:t>26/02/2025</a:t>
             </a:fld>
             <a:endParaRPr lang="en-GB"/>
           </a:p>
@@ -946,7 +946,7 @@
           <a:p>
             <a:fld id="{720A8C9A-4914-4E30-BB53-2E47D8B0250F}" type="datetimeFigureOut">
               <a:rPr lang="en-GB" smtClean="0"/>
-              <a:t>24/02/2025</a:t>
+              <a:t>26/02/2025</a:t>
             </a:fld>
             <a:endParaRPr lang="en-GB"/>
           </a:p>
@@ -1222,7 +1222,7 @@
           <a:p>
             <a:fld id="{720A8C9A-4914-4E30-BB53-2E47D8B0250F}" type="datetimeFigureOut">
               <a:rPr lang="en-GB" smtClean="0"/>
-              <a:t>24/02/2025</a:t>
+              <a:t>26/02/2025</a:t>
             </a:fld>
             <a:endParaRPr lang="en-GB"/>
           </a:p>
@@ -1490,7 +1490,7 @@
           <a:p>
             <a:fld id="{720A8C9A-4914-4E30-BB53-2E47D8B0250F}" type="datetimeFigureOut">
               <a:rPr lang="en-GB" smtClean="0"/>
-              <a:t>24/02/2025</a:t>
+              <a:t>26/02/2025</a:t>
             </a:fld>
             <a:endParaRPr lang="en-GB"/>
           </a:p>
@@ -1905,7 +1905,7 @@
           <a:p>
             <a:fld id="{720A8C9A-4914-4E30-BB53-2E47D8B0250F}" type="datetimeFigureOut">
               <a:rPr lang="en-GB" smtClean="0"/>
-              <a:t>24/02/2025</a:t>
+              <a:t>26/02/2025</a:t>
             </a:fld>
             <a:endParaRPr lang="en-GB"/>
           </a:p>
@@ -2047,7 +2047,7 @@
           <a:p>
             <a:fld id="{720A8C9A-4914-4E30-BB53-2E47D8B0250F}" type="datetimeFigureOut">
               <a:rPr lang="en-GB" smtClean="0"/>
-              <a:t>24/02/2025</a:t>
+              <a:t>26/02/2025</a:t>
             </a:fld>
             <a:endParaRPr lang="en-GB"/>
           </a:p>
@@ -2160,7 +2160,7 @@
           <a:p>
             <a:fld id="{720A8C9A-4914-4E30-BB53-2E47D8B0250F}" type="datetimeFigureOut">
               <a:rPr lang="en-GB" smtClean="0"/>
-              <a:t>24/02/2025</a:t>
+              <a:t>26/02/2025</a:t>
             </a:fld>
             <a:endParaRPr lang="en-GB"/>
           </a:p>
@@ -2473,7 +2473,7 @@
           <a:p>
             <a:fld id="{720A8C9A-4914-4E30-BB53-2E47D8B0250F}" type="datetimeFigureOut">
               <a:rPr lang="en-GB" smtClean="0"/>
-              <a:t>24/02/2025</a:t>
+              <a:t>26/02/2025</a:t>
             </a:fld>
             <a:endParaRPr lang="en-GB"/>
           </a:p>
@@ -2762,7 +2762,7 @@
           <a:p>
             <a:fld id="{720A8C9A-4914-4E30-BB53-2E47D8B0250F}" type="datetimeFigureOut">
               <a:rPr lang="en-GB" smtClean="0"/>
-              <a:t>24/02/2025</a:t>
+              <a:t>26/02/2025</a:t>
             </a:fld>
             <a:endParaRPr lang="en-GB"/>
           </a:p>
@@ -3005,7 +3005,7 @@
           <a:p>
             <a:fld id="{720A8C9A-4914-4E30-BB53-2E47D8B0250F}" type="datetimeFigureOut">
               <a:rPr lang="en-GB" smtClean="0"/>
-              <a:t>24/02/2025</a:t>
+              <a:t>26/02/2025</a:t>
             </a:fld>
             <a:endParaRPr lang="en-GB"/>
           </a:p>
@@ -19024,7 +19024,7 @@
         <p:spPr>
           <a:xfrm>
             <a:off x="1150070" y="2398929"/>
-            <a:ext cx="9235126" cy="2800767"/>
+            <a:ext cx="9235126" cy="1446550"/>
           </a:xfrm>
           <a:prstGeom prst="rect">
             <a:avLst/>
@@ -19045,13 +19045,7 @@
           <a:p>
             <a:r>
               <a:rPr lang="de-DE" sz="2200" dirty="0"/>
-              <a:t>Dieser Teil des Experiments wird ca. 1 Stunde dauern.</a:t>
-            </a:r>
-          </a:p>
-          <a:p>
-            <a:r>
-              <a:rPr lang="de-DE" sz="2200" dirty="0"/>
-              <a:t>Sie werden eine Reihe von verschiedenen Aufgaben bearbeiten, die im Laufe des Experiments genau erklärt werden und an Beispielen geübt werden.</a:t>
+              <a:t>Dieser Teil des Experiments wird ca. 10 Minuten dauern.</a:t>
             </a:r>
           </a:p>
           <a:p>
@@ -19060,7 +19054,7 @@
           <a:p>
             <a:r>
               <a:rPr lang="de-DE" sz="2200" dirty="0"/>
-              <a:t>Hierbei ist es sehr wichtig, dass Sie alle Aufgaben genau verstehen. Melden Sie sich daher gerne direkt bei der Versuchsleitung, falls bei einer Aufgabe unklar ist, was Sie zu tun haben.</a:t>
+              <a:t>Klicken Sie „M“, um fortzufahren.</a:t>
             </a:r>
           </a:p>
         </p:txBody>
@@ -23690,109 +23684,6 @@
           </a:xfrm>
         </p:spPr>
       </p:pic>
-      <p:sp>
-        <p:nvSpPr>
-          <p:cNvPr id="6" name="TextBox 5">
-            <a:extLst>
-              <a:ext uri="{FF2B5EF4-FFF2-40B4-BE49-F238E27FC236}">
-                <a16:creationId xmlns:a16="http://schemas.microsoft.com/office/drawing/2014/main" id="{A717620C-CFC3-470B-B85B-FF337E9209E7}"/>
-              </a:ext>
-            </a:extLst>
-          </p:cNvPr>
-          <p:cNvSpPr txBox="1"/>
-          <p:nvPr/>
-        </p:nvSpPr>
-        <p:spPr>
-          <a:xfrm>
-            <a:off x="2555630" y="3744389"/>
-            <a:ext cx="7552592" cy="477054"/>
-          </a:xfrm>
-          <a:prstGeom prst="rect">
-            <a:avLst/>
-          </a:prstGeom>
-          <a:noFill/>
-        </p:spPr>
-        <p:txBody>
-          <a:bodyPr wrap="square" rtlCol="0">
-            <a:spAutoFit/>
-          </a:bodyPr>
-          <a:lstStyle/>
-          <a:p>
-            <a:r>
-              <a:rPr lang="en-GB" sz="2500" dirty="0">
-                <a:solidFill>
-                  <a:schemeClr val="bg1"/>
-                </a:solidFill>
-              </a:rPr>
-              <a:t>Bitte </a:t>
-            </a:r>
-            <a:r>
-              <a:rPr lang="en-GB" sz="2500" dirty="0" err="1">
-                <a:solidFill>
-                  <a:schemeClr val="bg1"/>
-                </a:solidFill>
-              </a:rPr>
-              <a:t>betrachten</a:t>
-            </a:r>
-            <a:r>
-              <a:rPr lang="en-GB" sz="2500" dirty="0">
-                <a:solidFill>
-                  <a:schemeClr val="bg1"/>
-                </a:solidFill>
-              </a:rPr>
-              <a:t> Sie </a:t>
-            </a:r>
-            <a:r>
-              <a:rPr lang="en-GB" sz="2500" dirty="0" err="1">
-                <a:solidFill>
-                  <a:schemeClr val="bg1"/>
-                </a:solidFill>
-              </a:rPr>
-              <a:t>weiterhin</a:t>
-            </a:r>
-            <a:r>
-              <a:rPr lang="en-GB" sz="2500" dirty="0">
-                <a:solidFill>
-                  <a:schemeClr val="bg1"/>
-                </a:solidFill>
-              </a:rPr>
-              <a:t> </a:t>
-            </a:r>
-            <a:r>
-              <a:rPr lang="en-GB" sz="2500" dirty="0" err="1">
-                <a:solidFill>
-                  <a:schemeClr val="bg1"/>
-                </a:solidFill>
-              </a:rPr>
-              <a:t>aufmerksam</a:t>
-            </a:r>
-            <a:r>
-              <a:rPr lang="en-GB" sz="2500" dirty="0">
-                <a:solidFill>
-                  <a:schemeClr val="bg1"/>
-                </a:solidFill>
-              </a:rPr>
-              <a:t> alle </a:t>
-            </a:r>
-            <a:r>
-              <a:rPr lang="en-GB" sz="2500" dirty="0" err="1">
-                <a:solidFill>
-                  <a:schemeClr val="bg1"/>
-                </a:solidFill>
-              </a:rPr>
-              <a:t>Zahlen</a:t>
-            </a:r>
-            <a:r>
-              <a:rPr lang="en-GB" sz="2500" dirty="0">
-                <a:solidFill>
-                  <a:schemeClr val="bg1"/>
-                </a:solidFill>
-              </a:rPr>
-              <a:t>.</a:t>
-            </a:r>
-          </a:p>
-        </p:txBody>
-      </p:sp>
     </p:spTree>
     <p:extLst>
       <p:ext uri="{BB962C8B-B14F-4D97-AF65-F5344CB8AC3E}">
@@ -23845,8 +23736,8 @@
         </p:nvSpPr>
         <p:spPr>
           <a:xfrm>
-            <a:off x="621685" y="392056"/>
-            <a:ext cx="11375042" cy="2462213"/>
+            <a:off x="735985" y="1928315"/>
+            <a:ext cx="11375042" cy="769441"/>
           </a:xfrm>
           <a:prstGeom prst="rect">
             <a:avLst/>
@@ -23861,23 +23752,7 @@
           <a:p>
             <a:r>
               <a:rPr lang="en-GB" sz="2200" dirty="0"/>
-              <a:t>Bei </a:t>
-            </a:r>
-            <a:r>
-              <a:rPr lang="en-GB" sz="2200" dirty="0" err="1"/>
-              <a:t>allen</a:t>
-            </a:r>
-            <a:r>
-              <a:rPr lang="en-GB" sz="2200" dirty="0"/>
-              <a:t> </a:t>
-            </a:r>
-            <a:r>
-              <a:rPr lang="en-GB" sz="2200" dirty="0" err="1"/>
-              <a:t>Aufgabentypen</a:t>
-            </a:r>
-            <a:r>
-              <a:rPr lang="en-GB" sz="2200" dirty="0"/>
-              <a:t> </a:t>
+              <a:t>Sie </a:t>
             </a:r>
             <a:r>
               <a:rPr lang="en-GB" sz="2200" dirty="0" err="1"/>
@@ -23885,7 +23760,79 @@
             </a:r>
             <a:r>
               <a:rPr lang="en-GB" sz="2200" dirty="0"/>
-              <a:t> Sie </a:t>
+              <a:t> </a:t>
+            </a:r>
+            <a:r>
+              <a:rPr lang="en-GB" sz="2200" dirty="0" err="1"/>
+              <a:t>eine</a:t>
+            </a:r>
+            <a:r>
+              <a:rPr lang="en-GB" sz="2200" dirty="0"/>
+              <a:t> </a:t>
+            </a:r>
+            <a:r>
+              <a:rPr lang="en-GB" sz="2200" dirty="0" err="1"/>
+              <a:t>Reihe</a:t>
+            </a:r>
+            <a:r>
+              <a:rPr lang="en-GB" sz="2200" dirty="0"/>
+              <a:t> von </a:t>
+            </a:r>
+            <a:r>
+              <a:rPr lang="en-GB" sz="2200" dirty="0" err="1"/>
+              <a:t>Buchstaben</a:t>
+            </a:r>
+            <a:r>
+              <a:rPr lang="en-GB" sz="2200" dirty="0"/>
+              <a:t> / </a:t>
+            </a:r>
+            <a:r>
+              <a:rPr lang="en-GB" sz="2200" dirty="0" err="1"/>
+              <a:t>Bildern</a:t>
+            </a:r>
+            <a:r>
+              <a:rPr lang="en-GB" sz="2200" dirty="0"/>
+              <a:t> in der Mitte des </a:t>
+            </a:r>
+            <a:r>
+              <a:rPr lang="en-GB" sz="2200" dirty="0" err="1"/>
+              <a:t>Bildschirms</a:t>
+            </a:r>
+            <a:r>
+              <a:rPr lang="en-GB" sz="2200" dirty="0"/>
+              <a:t> </a:t>
+            </a:r>
+            <a:r>
+              <a:rPr lang="en-GB" sz="2200" dirty="0" err="1"/>
+              <a:t>sehen</a:t>
+            </a:r>
+            <a:r>
+              <a:rPr lang="en-GB" sz="2200" dirty="0"/>
+              <a:t>. Manche </a:t>
+            </a:r>
+            <a:r>
+              <a:rPr lang="en-GB" sz="2200" dirty="0" err="1"/>
+              <a:t>dieser</a:t>
+            </a:r>
+            <a:r>
+              <a:rPr lang="en-GB" sz="2200" dirty="0"/>
+              <a:t> </a:t>
+            </a:r>
+            <a:r>
+              <a:rPr lang="en-GB" sz="2200" dirty="0" err="1"/>
+              <a:t>Buchstaben</a:t>
+            </a:r>
+            <a:r>
+              <a:rPr lang="en-GB" sz="2200" dirty="0"/>
+              <a:t> </a:t>
+            </a:r>
+            <a:r>
+              <a:rPr lang="en-GB" sz="2200" dirty="0" err="1"/>
+              <a:t>sind</a:t>
+            </a:r>
+            <a:r>
+              <a:rPr lang="en-GB" sz="2200" dirty="0"/>
+              <a:t> </a:t>
             </a:r>
             <a:r>
               <a:rPr lang="en-GB" sz="2200" dirty="0" err="1"/>
@@ -23893,71 +23840,7 @@
             </a:r>
             <a:r>
               <a:rPr lang="en-GB" sz="2200" dirty="0"/>
-              <a:t> </a:t>
-            </a:r>
-            <a:r>
-              <a:rPr lang="en-GB" sz="2200" dirty="0" err="1"/>
-              <a:t>Gitter</a:t>
-            </a:r>
-            <a:r>
-              <a:rPr lang="en-GB" sz="2200" dirty="0"/>
-              <a:t> </a:t>
-            </a:r>
-            <a:r>
-              <a:rPr lang="en-GB" sz="2200" dirty="0" err="1"/>
-              <a:t>mit</a:t>
-            </a:r>
-            <a:r>
-              <a:rPr lang="en-GB" sz="2200" dirty="0"/>
-              <a:t> 3x3 </a:t>
-            </a:r>
-            <a:r>
-              <a:rPr lang="en-GB" sz="2200" dirty="0" err="1"/>
-              <a:t>Feldern</a:t>
-            </a:r>
-            <a:r>
-              <a:rPr lang="en-GB" sz="2200" dirty="0"/>
-              <a:t> </a:t>
-            </a:r>
-            <a:r>
-              <a:rPr lang="en-GB" sz="2200" dirty="0" err="1"/>
-              <a:t>sehen</a:t>
-            </a:r>
-            <a:r>
-              <a:rPr lang="en-GB" sz="2200" dirty="0"/>
-              <a:t>. In der Mitte dieses </a:t>
-            </a:r>
-            <a:r>
-              <a:rPr lang="en-GB" sz="2200" dirty="0" err="1"/>
-              <a:t>Gitters</a:t>
-            </a:r>
-            <a:r>
-              <a:rPr lang="en-GB" sz="2200" dirty="0"/>
-              <a:t> </a:t>
-            </a:r>
-            <a:r>
-              <a:rPr lang="en-GB" sz="2200" dirty="0" err="1"/>
-              <a:t>befindet</a:t>
-            </a:r>
-            <a:r>
-              <a:rPr lang="en-GB" sz="2200" dirty="0"/>
-              <a:t> </a:t>
-            </a:r>
-            <a:r>
-              <a:rPr lang="en-GB" sz="2200" dirty="0" err="1"/>
-              <a:t>sich</a:t>
-            </a:r>
-            <a:r>
-              <a:rPr lang="en-GB" sz="2200" dirty="0"/>
-              <a:t> </a:t>
-            </a:r>
-            <a:r>
-              <a:rPr lang="en-GB" sz="2200" dirty="0" err="1"/>
-              <a:t>immer</a:t>
-            </a:r>
-            <a:r>
-              <a:rPr lang="en-GB" sz="2200" dirty="0"/>
-              <a:t> </a:t>
+              <a:t> “O” und manche </a:t>
             </a:r>
             <a:r>
               <a:rPr lang="en-GB" sz="2200" dirty="0" err="1"/>
@@ -23965,1898 +23848,51 @@
             </a:r>
             <a:r>
               <a:rPr lang="en-GB" sz="2200" dirty="0"/>
-              <a:t> </a:t>
-            </a:r>
-            <a:r>
-              <a:rPr lang="en-GB" sz="2200" dirty="0" err="1"/>
-              <a:t>Fixationskreuz</a:t>
-            </a:r>
-            <a:r>
-              <a:rPr lang="en-GB" sz="2200" dirty="0"/>
-              <a:t>, an </a:t>
-            </a:r>
-            <a:r>
-              <a:rPr lang="en-GB" sz="2200" dirty="0" err="1"/>
-              <a:t>dem</a:t>
-            </a:r>
-            <a:r>
-              <a:rPr lang="en-GB" sz="2200" dirty="0"/>
-              <a:t> Sie </a:t>
-            </a:r>
-            <a:r>
-              <a:rPr lang="en-GB" sz="2200" dirty="0" err="1"/>
-              <a:t>ihren</a:t>
-            </a:r>
-            <a:r>
-              <a:rPr lang="en-GB" sz="2200" dirty="0"/>
-              <a:t> </a:t>
-            </a:r>
-            <a:r>
-              <a:rPr lang="en-GB" sz="2200" dirty="0" err="1"/>
-              <a:t>Blick</a:t>
-            </a:r>
-            <a:r>
-              <a:rPr lang="en-GB" sz="2200" dirty="0"/>
-              <a:t> </a:t>
-            </a:r>
-            <a:r>
-              <a:rPr lang="en-GB" sz="2200" dirty="0" err="1"/>
-              <a:t>orientieren</a:t>
-            </a:r>
-            <a:r>
-              <a:rPr lang="en-GB" sz="2200" dirty="0"/>
-              <a:t> </a:t>
-            </a:r>
-            <a:r>
-              <a:rPr lang="en-GB" sz="2200" dirty="0" err="1"/>
-              <a:t>können</a:t>
-            </a:r>
-            <a:r>
-              <a:rPr lang="en-GB" sz="2200" dirty="0"/>
-              <a:t>.</a:t>
-            </a:r>
-          </a:p>
-          <a:p>
-            <a:r>
-              <a:rPr lang="en-GB" sz="2200" dirty="0"/>
-              <a:t>Der </a:t>
-            </a:r>
-            <a:r>
-              <a:rPr lang="en-GB" sz="2200" dirty="0" err="1"/>
-              <a:t>Reihe</a:t>
-            </a:r>
-            <a:r>
-              <a:rPr lang="en-GB" sz="2200" dirty="0"/>
-              <a:t> </a:t>
-            </a:r>
-            <a:r>
-              <a:rPr lang="en-GB" sz="2200" dirty="0" err="1"/>
-              <a:t>nach</a:t>
-            </a:r>
-            <a:r>
-              <a:rPr lang="en-GB" sz="2200" dirty="0"/>
-              <a:t> </a:t>
-            </a:r>
-            <a:r>
-              <a:rPr lang="en-GB" sz="2200" dirty="0" err="1"/>
-              <a:t>werden</a:t>
-            </a:r>
-            <a:r>
-              <a:rPr lang="en-GB" sz="2200" dirty="0"/>
-              <a:t> </a:t>
-            </a:r>
-            <a:r>
-              <a:rPr lang="en-GB" sz="2200" dirty="0" err="1"/>
-              <a:t>unterschiedliche</a:t>
-            </a:r>
-            <a:r>
-              <a:rPr lang="en-GB" sz="2200" dirty="0"/>
-              <a:t> </a:t>
-            </a:r>
-            <a:r>
-              <a:rPr lang="en-GB" sz="2200" dirty="0" err="1"/>
-              <a:t>Zahlen</a:t>
-            </a:r>
-            <a:r>
-              <a:rPr lang="en-GB" sz="2200" dirty="0"/>
-              <a:t> in je </a:t>
-            </a:r>
-            <a:r>
-              <a:rPr lang="en-GB" sz="2200" dirty="0" err="1"/>
-              <a:t>einem</a:t>
-            </a:r>
-            <a:r>
-              <a:rPr lang="en-GB" sz="2200" dirty="0"/>
-              <a:t> der 8 </a:t>
-            </a:r>
-            <a:r>
-              <a:rPr lang="en-GB" sz="2200" dirty="0" err="1"/>
-              <a:t>anderen</a:t>
-            </a:r>
-            <a:r>
-              <a:rPr lang="en-GB" sz="2200" dirty="0"/>
-              <a:t> Felder </a:t>
-            </a:r>
-            <a:r>
-              <a:rPr lang="en-GB" sz="2200" dirty="0" err="1"/>
-              <a:t>erscheinen</a:t>
-            </a:r>
-            <a:r>
-              <a:rPr lang="en-GB" sz="2200" dirty="0"/>
-              <a:t>.</a:t>
-            </a:r>
-          </a:p>
-          <a:p>
-            <a:endParaRPr lang="en-GB" sz="2200" dirty="0"/>
-          </a:p>
-          <a:p>
-            <a:r>
-              <a:rPr lang="en-GB" sz="2200" dirty="0" err="1"/>
-              <a:t>Nach</a:t>
-            </a:r>
-            <a:r>
-              <a:rPr lang="en-GB" sz="2200" dirty="0"/>
-              <a:t> je </a:t>
-            </a:r>
-            <a:r>
-              <a:rPr lang="en-GB" sz="2200" dirty="0" err="1"/>
-              <a:t>drei</a:t>
-            </a:r>
-            <a:r>
-              <a:rPr lang="en-GB" sz="2200" dirty="0"/>
-              <a:t> </a:t>
-            </a:r>
-            <a:r>
-              <a:rPr lang="en-GB" sz="2200" dirty="0" err="1"/>
-              <a:t>Zahlen</a:t>
-            </a:r>
-            <a:r>
-              <a:rPr lang="en-GB" sz="2200" dirty="0"/>
-              <a:t> </a:t>
-            </a:r>
-            <a:r>
-              <a:rPr lang="en-GB" sz="2200" dirty="0" err="1"/>
-              <a:t>wird</a:t>
-            </a:r>
-            <a:r>
-              <a:rPr lang="en-GB" sz="2200" dirty="0"/>
-              <a:t> </a:t>
-            </a:r>
-            <a:r>
-              <a:rPr lang="en-GB" sz="2200" dirty="0" err="1"/>
-              <a:t>ein</a:t>
-            </a:r>
-            <a:r>
-              <a:rPr lang="en-GB" sz="2200" dirty="0"/>
-              <a:t> </a:t>
-            </a:r>
-            <a:r>
-              <a:rPr lang="en-GB" sz="2200" dirty="0" err="1"/>
-              <a:t>Fragezeichen</a:t>
-            </a:r>
-            <a:r>
-              <a:rPr lang="en-GB" sz="2200" dirty="0"/>
-              <a:t> </a:t>
-            </a:r>
-            <a:r>
-              <a:rPr lang="en-GB" sz="2200" dirty="0" err="1"/>
-              <a:t>präsentiert</a:t>
-            </a:r>
-            <a:r>
-              <a:rPr lang="en-GB" sz="2200" dirty="0"/>
-              <a:t> und </a:t>
-            </a:r>
-            <a:r>
-              <a:rPr lang="en-GB" sz="2200" dirty="0" err="1"/>
-              <a:t>darauf</a:t>
-            </a:r>
-            <a:r>
-              <a:rPr lang="en-GB" sz="2200" dirty="0"/>
-              <a:t> </a:t>
-            </a:r>
-            <a:r>
-              <a:rPr lang="en-GB" sz="2200" dirty="0" err="1"/>
-              <a:t>folgt</a:t>
-            </a:r>
-            <a:r>
-              <a:rPr lang="en-GB" sz="2200" dirty="0"/>
-              <a:t> </a:t>
-            </a:r>
-            <a:r>
-              <a:rPr lang="en-GB" sz="2200" dirty="0" err="1"/>
-              <a:t>eine</a:t>
-            </a:r>
-            <a:r>
-              <a:rPr lang="en-GB" sz="2200" dirty="0"/>
-              <a:t> </a:t>
-            </a:r>
-            <a:r>
-              <a:rPr lang="en-GB" sz="2200" dirty="0" err="1"/>
-              <a:t>weitere</a:t>
-            </a:r>
-            <a:r>
-              <a:rPr lang="en-GB" sz="2200" dirty="0"/>
-              <a:t> </a:t>
-            </a:r>
-            <a:r>
-              <a:rPr lang="en-GB" sz="2200" dirty="0" err="1"/>
-              <a:t>Zahl</a:t>
-            </a:r>
-            <a:r>
-              <a:rPr lang="en-GB" sz="2200" dirty="0"/>
-              <a:t>.</a:t>
-            </a:r>
-          </a:p>
-          <a:p>
-            <a:endParaRPr lang="en-GB" sz="2200" dirty="0"/>
-          </a:p>
-          <a:p>
-            <a:r>
-              <a:rPr lang="en-GB" sz="2200" dirty="0" err="1"/>
-              <a:t>Schauen</a:t>
-            </a:r>
-            <a:r>
-              <a:rPr lang="en-GB" sz="2200" dirty="0"/>
-              <a:t> Sie </a:t>
-            </a:r>
-            <a:r>
-              <a:rPr lang="en-GB" sz="2200" dirty="0" err="1"/>
-              <a:t>sich</a:t>
-            </a:r>
-            <a:r>
-              <a:rPr lang="en-GB" sz="2200" dirty="0"/>
-              <a:t> alle </a:t>
-            </a:r>
-            <a:r>
-              <a:rPr lang="en-GB" sz="2200" dirty="0" err="1"/>
-              <a:t>Zahlen</a:t>
-            </a:r>
-            <a:r>
-              <a:rPr lang="en-GB" sz="2200" dirty="0"/>
-              <a:t> an und </a:t>
-            </a:r>
-            <a:r>
-              <a:rPr lang="en-GB" sz="2200" dirty="0" err="1"/>
-              <a:t>sprechen</a:t>
-            </a:r>
-            <a:r>
-              <a:rPr lang="en-GB" sz="2200" dirty="0"/>
-              <a:t> Sie </a:t>
-            </a:r>
-            <a:r>
-              <a:rPr lang="en-GB" sz="2200" dirty="0" err="1"/>
-              <a:t>diese</a:t>
-            </a:r>
-            <a:r>
-              <a:rPr lang="en-GB" sz="2200" dirty="0"/>
-              <a:t> </a:t>
-            </a:r>
-            <a:r>
-              <a:rPr lang="en-GB" sz="2200" dirty="0" err="1"/>
-              <a:t>im</a:t>
-            </a:r>
-            <a:r>
-              <a:rPr lang="en-GB" sz="2200" dirty="0"/>
-              <a:t> Kopf still </a:t>
-            </a:r>
-            <a:r>
-              <a:rPr lang="en-GB" sz="2200" dirty="0" err="1"/>
-              <a:t>mit</a:t>
-            </a:r>
-            <a:r>
-              <a:rPr lang="en-GB" sz="2200" dirty="0"/>
-              <a:t>.</a:t>
+              <a:t> “X”. </a:t>
+            </a:r>
+            <a:r>
+              <a:rPr lang="en-GB" sz="2200" dirty="0" err="1"/>
+              <a:t>Zählen</a:t>
+            </a:r>
+            <a:r>
+              <a:rPr lang="en-GB" sz="2200" dirty="0"/>
+              <a:t> Sie, </a:t>
+            </a:r>
+            <a:r>
+              <a:rPr lang="en-GB" sz="2200" dirty="0" err="1"/>
+              <a:t>wie</a:t>
+            </a:r>
+            <a:r>
+              <a:rPr lang="en-GB" sz="2200" dirty="0"/>
+              <a:t> </a:t>
+            </a:r>
+            <a:r>
+              <a:rPr lang="en-GB" sz="2200" dirty="0" err="1"/>
+              <a:t>häufig</a:t>
+            </a:r>
+            <a:r>
+              <a:rPr lang="en-GB" sz="2200" dirty="0"/>
+              <a:t> “X” </a:t>
+            </a:r>
+            <a:r>
+              <a:rPr lang="en-GB" sz="2200" dirty="0" err="1"/>
+              <a:t>aufgetreten</a:t>
+            </a:r>
+            <a:r>
+              <a:rPr lang="en-GB" sz="2200" dirty="0"/>
+              <a:t> </a:t>
+            </a:r>
+            <a:r>
+              <a:rPr lang="en-GB" sz="2200" dirty="0" err="1"/>
+              <a:t>ist</a:t>
+            </a:r>
+            <a:r>
+              <a:rPr lang="en-GB" sz="2200" dirty="0"/>
+              <a:t>. </a:t>
             </a:r>
           </a:p>
         </p:txBody>
       </p:sp>
-      <p:grpSp>
-        <p:nvGrpSpPr>
-          <p:cNvPr id="2" name="Group 1">
-            <a:extLst>
-              <a:ext uri="{FF2B5EF4-FFF2-40B4-BE49-F238E27FC236}">
-                <a16:creationId xmlns:a16="http://schemas.microsoft.com/office/drawing/2014/main" id="{489291BF-E2E7-4C9F-9A90-3122C8060140}"/>
-              </a:ext>
-            </a:extLst>
-          </p:cNvPr>
-          <p:cNvGrpSpPr/>
-          <p:nvPr/>
-        </p:nvGrpSpPr>
-        <p:grpSpPr>
-          <a:xfrm>
-            <a:off x="1687401" y="2891547"/>
-            <a:ext cx="8078920" cy="3423100"/>
-            <a:chOff x="1687401" y="2891547"/>
-            <a:chExt cx="8078920" cy="3423100"/>
-          </a:xfrm>
-        </p:grpSpPr>
-        <p:grpSp>
-          <p:nvGrpSpPr>
-            <p:cNvPr id="21" name="Group 20">
-              <a:extLst>
-                <a:ext uri="{FF2B5EF4-FFF2-40B4-BE49-F238E27FC236}">
-                  <a16:creationId xmlns:a16="http://schemas.microsoft.com/office/drawing/2014/main" id="{2E7F8948-4112-40ED-8343-9D19C9D5ABA8}"/>
-                </a:ext>
-              </a:extLst>
-            </p:cNvPr>
-            <p:cNvGrpSpPr/>
-            <p:nvPr/>
-          </p:nvGrpSpPr>
-          <p:grpSpPr>
-            <a:xfrm>
-              <a:off x="1687401" y="2910043"/>
-              <a:ext cx="1260000" cy="1260000"/>
-              <a:chOff x="2234152" y="3318234"/>
-              <a:chExt cx="1260000" cy="1260000"/>
-            </a:xfrm>
-          </p:grpSpPr>
-          <p:grpSp>
-            <p:nvGrpSpPr>
-              <p:cNvPr id="18" name="Group 17">
-                <a:extLst>
-                  <a:ext uri="{FF2B5EF4-FFF2-40B4-BE49-F238E27FC236}">
-                    <a16:creationId xmlns:a16="http://schemas.microsoft.com/office/drawing/2014/main" id="{634670F6-1C27-418A-BA63-EA09D512BAA9}"/>
-                  </a:ext>
-                </a:extLst>
-              </p:cNvPr>
-              <p:cNvGrpSpPr/>
-              <p:nvPr/>
-            </p:nvGrpSpPr>
-            <p:grpSpPr>
-              <a:xfrm>
-                <a:off x="2234152" y="3318234"/>
-                <a:ext cx="1260000" cy="1260000"/>
-                <a:chOff x="2290713" y="3242561"/>
-                <a:chExt cx="1818854" cy="1800000"/>
-              </a:xfrm>
-            </p:grpSpPr>
-            <p:sp>
-              <p:nvSpPr>
-                <p:cNvPr id="7" name="Rechteck 16">
-                  <a:extLst>
-                    <a:ext uri="{FF2B5EF4-FFF2-40B4-BE49-F238E27FC236}">
-                      <a16:creationId xmlns:a16="http://schemas.microsoft.com/office/drawing/2014/main" id="{38AF6087-D8FC-4E7B-B296-0175DD69B82D}"/>
-                    </a:ext>
-                  </a:extLst>
-                </p:cNvPr>
-                <p:cNvSpPr/>
-                <p:nvPr/>
-              </p:nvSpPr>
-              <p:spPr>
-                <a:xfrm>
-                  <a:off x="2309567" y="3242561"/>
-                  <a:ext cx="1800000" cy="1800000"/>
-                </a:xfrm>
-                <a:prstGeom prst="rect">
-                  <a:avLst/>
-                </a:prstGeom>
-                <a:noFill/>
-                <a:ln w="28575"/>
-              </p:spPr>
-              <p:style>
-                <a:lnRef idx="2">
-                  <a:schemeClr val="dk1"/>
-                </a:lnRef>
-                <a:fillRef idx="1">
-                  <a:schemeClr val="lt1"/>
-                </a:fillRef>
-                <a:effectRef idx="0">
-                  <a:schemeClr val="dk1"/>
-                </a:effectRef>
-                <a:fontRef idx="minor">
-                  <a:schemeClr val="dk1"/>
-                </a:fontRef>
-              </p:style>
-              <p:txBody>
-                <a:bodyPr rtlCol="0" anchor="ctr"/>
-                <a:lstStyle/>
-                <a:p>
-                  <a:pPr algn="ctr"/>
-                  <a:endParaRPr lang="de-DE" dirty="0"/>
-                </a:p>
-              </p:txBody>
-            </p:sp>
-            <p:cxnSp>
-              <p:nvCxnSpPr>
-                <p:cNvPr id="8" name="Gerader Verbinder 17">
-                  <a:extLst>
-                    <a:ext uri="{FF2B5EF4-FFF2-40B4-BE49-F238E27FC236}">
-                      <a16:creationId xmlns:a16="http://schemas.microsoft.com/office/drawing/2014/main" id="{EC5CD337-AF87-42B7-B6D5-38174A5C8C9A}"/>
-                    </a:ext>
-                  </a:extLst>
-                </p:cNvPr>
-                <p:cNvCxnSpPr>
-                  <a:cxnSpLocks/>
-                </p:cNvCxnSpPr>
-                <p:nvPr/>
-              </p:nvCxnSpPr>
-              <p:spPr>
-                <a:xfrm>
-                  <a:off x="2888273" y="3242561"/>
-                  <a:ext cx="0" cy="1800000"/>
-                </a:xfrm>
-                <a:prstGeom prst="line">
-                  <a:avLst/>
-                </a:prstGeom>
-                <a:ln w="28575"/>
-              </p:spPr>
-              <p:style>
-                <a:lnRef idx="1">
-                  <a:schemeClr val="dk1"/>
-                </a:lnRef>
-                <a:fillRef idx="0">
-                  <a:schemeClr val="dk1"/>
-                </a:fillRef>
-                <a:effectRef idx="0">
-                  <a:schemeClr val="dk1"/>
-                </a:effectRef>
-                <a:fontRef idx="minor">
-                  <a:schemeClr val="tx1"/>
-                </a:fontRef>
-              </p:style>
-            </p:cxnSp>
-            <p:cxnSp>
-              <p:nvCxnSpPr>
-                <p:cNvPr id="9" name="Gerader Verbinder 18">
-                  <a:extLst>
-                    <a:ext uri="{FF2B5EF4-FFF2-40B4-BE49-F238E27FC236}">
-                      <a16:creationId xmlns:a16="http://schemas.microsoft.com/office/drawing/2014/main" id="{7900033A-B90C-4717-A18E-E59436CACCF9}"/>
-                    </a:ext>
-                  </a:extLst>
-                </p:cNvPr>
-                <p:cNvCxnSpPr>
-                  <a:cxnSpLocks/>
-                </p:cNvCxnSpPr>
-                <p:nvPr/>
-              </p:nvCxnSpPr>
-              <p:spPr>
-                <a:xfrm>
-                  <a:off x="3503336" y="3242561"/>
-                  <a:ext cx="0" cy="1800000"/>
-                </a:xfrm>
-                <a:prstGeom prst="line">
-                  <a:avLst/>
-                </a:prstGeom>
-                <a:ln w="28575"/>
-              </p:spPr>
-              <p:style>
-                <a:lnRef idx="1">
-                  <a:schemeClr val="dk1"/>
-                </a:lnRef>
-                <a:fillRef idx="0">
-                  <a:schemeClr val="dk1"/>
-                </a:fillRef>
-                <a:effectRef idx="0">
-                  <a:schemeClr val="dk1"/>
-                </a:effectRef>
-                <a:fontRef idx="minor">
-                  <a:schemeClr val="tx1"/>
-                </a:fontRef>
-              </p:style>
-            </p:cxnSp>
-            <p:cxnSp>
-              <p:nvCxnSpPr>
-                <p:cNvPr id="10" name="Gerader Verbinder 19">
-                  <a:extLst>
-                    <a:ext uri="{FF2B5EF4-FFF2-40B4-BE49-F238E27FC236}">
-                      <a16:creationId xmlns:a16="http://schemas.microsoft.com/office/drawing/2014/main" id="{1D23231F-0D6C-4337-A946-0813213A1DFE}"/>
-                    </a:ext>
-                  </a:extLst>
-                </p:cNvPr>
-                <p:cNvCxnSpPr>
-                  <a:cxnSpLocks/>
-                </p:cNvCxnSpPr>
-                <p:nvPr/>
-              </p:nvCxnSpPr>
-              <p:spPr>
-                <a:xfrm>
-                  <a:off x="2290713" y="3835264"/>
-                  <a:ext cx="1800000" cy="0"/>
-                </a:xfrm>
-                <a:prstGeom prst="line">
-                  <a:avLst/>
-                </a:prstGeom>
-                <a:ln w="28575"/>
-              </p:spPr>
-              <p:style>
-                <a:lnRef idx="1">
-                  <a:schemeClr val="dk1"/>
-                </a:lnRef>
-                <a:fillRef idx="0">
-                  <a:schemeClr val="dk1"/>
-                </a:fillRef>
-                <a:effectRef idx="0">
-                  <a:schemeClr val="dk1"/>
-                </a:effectRef>
-                <a:fontRef idx="minor">
-                  <a:schemeClr val="tx1"/>
-                </a:fontRef>
-              </p:style>
-            </p:cxnSp>
-            <p:cxnSp>
-              <p:nvCxnSpPr>
-                <p:cNvPr id="11" name="Gerader Verbinder 20">
-                  <a:extLst>
-                    <a:ext uri="{FF2B5EF4-FFF2-40B4-BE49-F238E27FC236}">
-                      <a16:creationId xmlns:a16="http://schemas.microsoft.com/office/drawing/2014/main" id="{6799A21C-2F75-4C4F-B8EE-12A0F1726907}"/>
-                    </a:ext>
-                  </a:extLst>
-                </p:cNvPr>
-                <p:cNvCxnSpPr>
-                  <a:cxnSpLocks/>
-                </p:cNvCxnSpPr>
-                <p:nvPr/>
-              </p:nvCxnSpPr>
-              <p:spPr>
-                <a:xfrm>
-                  <a:off x="2290713" y="4446460"/>
-                  <a:ext cx="1800000" cy="0"/>
-                </a:xfrm>
-                <a:prstGeom prst="line">
-                  <a:avLst/>
-                </a:prstGeom>
-                <a:ln w="28575"/>
-              </p:spPr>
-              <p:style>
-                <a:lnRef idx="1">
-                  <a:schemeClr val="dk1"/>
-                </a:lnRef>
-                <a:fillRef idx="0">
-                  <a:schemeClr val="dk1"/>
-                </a:fillRef>
-                <a:effectRef idx="0">
-                  <a:schemeClr val="dk1"/>
-                </a:effectRef>
-                <a:fontRef idx="minor">
-                  <a:schemeClr val="tx1"/>
-                </a:fontRef>
-              </p:style>
-            </p:cxnSp>
-          </p:grpSp>
-          <p:sp>
-            <p:nvSpPr>
-              <p:cNvPr id="20" name="TextBox 19">
-                <a:extLst>
-                  <a:ext uri="{FF2B5EF4-FFF2-40B4-BE49-F238E27FC236}">
-                    <a16:creationId xmlns:a16="http://schemas.microsoft.com/office/drawing/2014/main" id="{56789DA2-8CEF-407B-A454-3348BB5BDC35}"/>
-                  </a:ext>
-                </a:extLst>
-              </p:cNvPr>
-              <p:cNvSpPr txBox="1"/>
-              <p:nvPr/>
-            </p:nvSpPr>
-            <p:spPr>
-              <a:xfrm>
-                <a:off x="2695762" y="3683909"/>
-                <a:ext cx="324655" cy="477054"/>
-              </a:xfrm>
-              <a:prstGeom prst="rect">
-                <a:avLst/>
-              </a:prstGeom>
-              <a:noFill/>
-            </p:spPr>
-            <p:txBody>
-              <a:bodyPr wrap="square" rtlCol="0">
-                <a:spAutoFit/>
-              </a:bodyPr>
-              <a:lstStyle/>
-              <a:p>
-                <a:pPr algn="ctr"/>
-                <a:r>
-                  <a:rPr lang="en-GB" sz="2500" dirty="0"/>
-                  <a:t>+</a:t>
-                </a:r>
-              </a:p>
-            </p:txBody>
-          </p:sp>
-        </p:grpSp>
-        <p:grpSp>
-          <p:nvGrpSpPr>
-            <p:cNvPr id="22" name="Group 21">
-              <a:extLst>
-                <a:ext uri="{FF2B5EF4-FFF2-40B4-BE49-F238E27FC236}">
-                  <a16:creationId xmlns:a16="http://schemas.microsoft.com/office/drawing/2014/main" id="{36BDCCF4-2846-42A8-9114-3B1DBEEF5D42}"/>
-                </a:ext>
-              </a:extLst>
-            </p:cNvPr>
-            <p:cNvGrpSpPr/>
-            <p:nvPr/>
-          </p:nvGrpSpPr>
-          <p:grpSpPr>
-            <a:xfrm>
-              <a:off x="3392131" y="3324935"/>
-              <a:ext cx="1260000" cy="1260000"/>
-              <a:chOff x="2234152" y="3318234"/>
-              <a:chExt cx="1260000" cy="1260000"/>
-            </a:xfrm>
-          </p:grpSpPr>
-          <p:grpSp>
-            <p:nvGrpSpPr>
-              <p:cNvPr id="23" name="Group 22">
-                <a:extLst>
-                  <a:ext uri="{FF2B5EF4-FFF2-40B4-BE49-F238E27FC236}">
-                    <a16:creationId xmlns:a16="http://schemas.microsoft.com/office/drawing/2014/main" id="{757BC579-45FB-449E-B591-756F7ED7FB92}"/>
-                  </a:ext>
-                </a:extLst>
-              </p:cNvPr>
-              <p:cNvGrpSpPr/>
-              <p:nvPr/>
-            </p:nvGrpSpPr>
-            <p:grpSpPr>
-              <a:xfrm>
-                <a:off x="2234152" y="3318234"/>
-                <a:ext cx="1260000" cy="1260000"/>
-                <a:chOff x="2290713" y="3242561"/>
-                <a:chExt cx="1818854" cy="1800000"/>
-              </a:xfrm>
-            </p:grpSpPr>
-            <p:sp>
-              <p:nvSpPr>
-                <p:cNvPr id="25" name="Rechteck 16">
-                  <a:extLst>
-                    <a:ext uri="{FF2B5EF4-FFF2-40B4-BE49-F238E27FC236}">
-                      <a16:creationId xmlns:a16="http://schemas.microsoft.com/office/drawing/2014/main" id="{4FC313EF-FF30-4715-BA45-CAEC40E68FE4}"/>
-                    </a:ext>
-                  </a:extLst>
-                </p:cNvPr>
-                <p:cNvSpPr/>
-                <p:nvPr/>
-              </p:nvSpPr>
-              <p:spPr>
-                <a:xfrm>
-                  <a:off x="2309567" y="3242561"/>
-                  <a:ext cx="1800000" cy="1800000"/>
-                </a:xfrm>
-                <a:prstGeom prst="rect">
-                  <a:avLst/>
-                </a:prstGeom>
-                <a:noFill/>
-                <a:ln w="28575"/>
-              </p:spPr>
-              <p:style>
-                <a:lnRef idx="2">
-                  <a:schemeClr val="dk1"/>
-                </a:lnRef>
-                <a:fillRef idx="1">
-                  <a:schemeClr val="lt1"/>
-                </a:fillRef>
-                <a:effectRef idx="0">
-                  <a:schemeClr val="dk1"/>
-                </a:effectRef>
-                <a:fontRef idx="minor">
-                  <a:schemeClr val="dk1"/>
-                </a:fontRef>
-              </p:style>
-              <p:txBody>
-                <a:bodyPr rtlCol="0" anchor="ctr"/>
-                <a:lstStyle/>
-                <a:p>
-                  <a:pPr algn="ctr"/>
-                  <a:endParaRPr lang="de-DE" dirty="0"/>
-                </a:p>
-              </p:txBody>
-            </p:sp>
-            <p:cxnSp>
-              <p:nvCxnSpPr>
-                <p:cNvPr id="26" name="Gerader Verbinder 17">
-                  <a:extLst>
-                    <a:ext uri="{FF2B5EF4-FFF2-40B4-BE49-F238E27FC236}">
-                      <a16:creationId xmlns:a16="http://schemas.microsoft.com/office/drawing/2014/main" id="{55CA8F22-FE31-4B5F-A85F-A5A71D12C9F6}"/>
-                    </a:ext>
-                  </a:extLst>
-                </p:cNvPr>
-                <p:cNvCxnSpPr>
-                  <a:cxnSpLocks/>
-                </p:cNvCxnSpPr>
-                <p:nvPr/>
-              </p:nvCxnSpPr>
-              <p:spPr>
-                <a:xfrm>
-                  <a:off x="2888273" y="3242561"/>
-                  <a:ext cx="0" cy="1800000"/>
-                </a:xfrm>
-                <a:prstGeom prst="line">
-                  <a:avLst/>
-                </a:prstGeom>
-                <a:ln w="28575"/>
-              </p:spPr>
-              <p:style>
-                <a:lnRef idx="1">
-                  <a:schemeClr val="dk1"/>
-                </a:lnRef>
-                <a:fillRef idx="0">
-                  <a:schemeClr val="dk1"/>
-                </a:fillRef>
-                <a:effectRef idx="0">
-                  <a:schemeClr val="dk1"/>
-                </a:effectRef>
-                <a:fontRef idx="minor">
-                  <a:schemeClr val="tx1"/>
-                </a:fontRef>
-              </p:style>
-            </p:cxnSp>
-            <p:cxnSp>
-              <p:nvCxnSpPr>
-                <p:cNvPr id="27" name="Gerader Verbinder 18">
-                  <a:extLst>
-                    <a:ext uri="{FF2B5EF4-FFF2-40B4-BE49-F238E27FC236}">
-                      <a16:creationId xmlns:a16="http://schemas.microsoft.com/office/drawing/2014/main" id="{EC115465-192B-4468-B7F0-D1B7DA9F7CDE}"/>
-                    </a:ext>
-                  </a:extLst>
-                </p:cNvPr>
-                <p:cNvCxnSpPr>
-                  <a:cxnSpLocks/>
-                </p:cNvCxnSpPr>
-                <p:nvPr/>
-              </p:nvCxnSpPr>
-              <p:spPr>
-                <a:xfrm>
-                  <a:off x="3503336" y="3242561"/>
-                  <a:ext cx="0" cy="1800000"/>
-                </a:xfrm>
-                <a:prstGeom prst="line">
-                  <a:avLst/>
-                </a:prstGeom>
-                <a:ln w="28575"/>
-              </p:spPr>
-              <p:style>
-                <a:lnRef idx="1">
-                  <a:schemeClr val="dk1"/>
-                </a:lnRef>
-                <a:fillRef idx="0">
-                  <a:schemeClr val="dk1"/>
-                </a:fillRef>
-                <a:effectRef idx="0">
-                  <a:schemeClr val="dk1"/>
-                </a:effectRef>
-                <a:fontRef idx="minor">
-                  <a:schemeClr val="tx1"/>
-                </a:fontRef>
-              </p:style>
-            </p:cxnSp>
-            <p:cxnSp>
-              <p:nvCxnSpPr>
-                <p:cNvPr id="28" name="Gerader Verbinder 19">
-                  <a:extLst>
-                    <a:ext uri="{FF2B5EF4-FFF2-40B4-BE49-F238E27FC236}">
-                      <a16:creationId xmlns:a16="http://schemas.microsoft.com/office/drawing/2014/main" id="{A080B010-49FE-463F-8D9E-D85D119DF693}"/>
-                    </a:ext>
-                  </a:extLst>
-                </p:cNvPr>
-                <p:cNvCxnSpPr>
-                  <a:cxnSpLocks/>
-                </p:cNvCxnSpPr>
-                <p:nvPr/>
-              </p:nvCxnSpPr>
-              <p:spPr>
-                <a:xfrm>
-                  <a:off x="2290713" y="3835264"/>
-                  <a:ext cx="1800000" cy="0"/>
-                </a:xfrm>
-                <a:prstGeom prst="line">
-                  <a:avLst/>
-                </a:prstGeom>
-                <a:ln w="28575"/>
-              </p:spPr>
-              <p:style>
-                <a:lnRef idx="1">
-                  <a:schemeClr val="dk1"/>
-                </a:lnRef>
-                <a:fillRef idx="0">
-                  <a:schemeClr val="dk1"/>
-                </a:fillRef>
-                <a:effectRef idx="0">
-                  <a:schemeClr val="dk1"/>
-                </a:effectRef>
-                <a:fontRef idx="minor">
-                  <a:schemeClr val="tx1"/>
-                </a:fontRef>
-              </p:style>
-            </p:cxnSp>
-            <p:cxnSp>
-              <p:nvCxnSpPr>
-                <p:cNvPr id="29" name="Gerader Verbinder 20">
-                  <a:extLst>
-                    <a:ext uri="{FF2B5EF4-FFF2-40B4-BE49-F238E27FC236}">
-                      <a16:creationId xmlns:a16="http://schemas.microsoft.com/office/drawing/2014/main" id="{CAAAC883-BF80-459E-A22B-7B9397F49EB7}"/>
-                    </a:ext>
-                  </a:extLst>
-                </p:cNvPr>
-                <p:cNvCxnSpPr>
-                  <a:cxnSpLocks/>
-                </p:cNvCxnSpPr>
-                <p:nvPr/>
-              </p:nvCxnSpPr>
-              <p:spPr>
-                <a:xfrm>
-                  <a:off x="2290713" y="4446460"/>
-                  <a:ext cx="1800000" cy="0"/>
-                </a:xfrm>
-                <a:prstGeom prst="line">
-                  <a:avLst/>
-                </a:prstGeom>
-                <a:ln w="28575"/>
-              </p:spPr>
-              <p:style>
-                <a:lnRef idx="1">
-                  <a:schemeClr val="dk1"/>
-                </a:lnRef>
-                <a:fillRef idx="0">
-                  <a:schemeClr val="dk1"/>
-                </a:fillRef>
-                <a:effectRef idx="0">
-                  <a:schemeClr val="dk1"/>
-                </a:effectRef>
-                <a:fontRef idx="minor">
-                  <a:schemeClr val="tx1"/>
-                </a:fontRef>
-              </p:style>
-            </p:cxnSp>
-          </p:grpSp>
-          <p:sp>
-            <p:nvSpPr>
-              <p:cNvPr id="24" name="TextBox 23">
-                <a:extLst>
-                  <a:ext uri="{FF2B5EF4-FFF2-40B4-BE49-F238E27FC236}">
-                    <a16:creationId xmlns:a16="http://schemas.microsoft.com/office/drawing/2014/main" id="{4275F582-9016-4751-8F0F-DB82D6D358B7}"/>
-                  </a:ext>
-                </a:extLst>
-              </p:cNvPr>
-              <p:cNvSpPr txBox="1"/>
-              <p:nvPr/>
-            </p:nvSpPr>
-            <p:spPr>
-              <a:xfrm>
-                <a:off x="2695762" y="3683909"/>
-                <a:ext cx="324655" cy="477054"/>
-              </a:xfrm>
-              <a:prstGeom prst="rect">
-                <a:avLst/>
-              </a:prstGeom>
-              <a:noFill/>
-            </p:spPr>
-            <p:txBody>
-              <a:bodyPr wrap="square" rtlCol="0">
-                <a:spAutoFit/>
-              </a:bodyPr>
-              <a:lstStyle/>
-              <a:p>
-                <a:pPr algn="ctr"/>
-                <a:r>
-                  <a:rPr lang="en-GB" sz="2500" dirty="0"/>
-                  <a:t>+</a:t>
-                </a:r>
-              </a:p>
-            </p:txBody>
-          </p:sp>
-        </p:grpSp>
-        <p:grpSp>
-          <p:nvGrpSpPr>
-            <p:cNvPr id="30" name="Group 29">
-              <a:extLst>
-                <a:ext uri="{FF2B5EF4-FFF2-40B4-BE49-F238E27FC236}">
-                  <a16:creationId xmlns:a16="http://schemas.microsoft.com/office/drawing/2014/main" id="{96C67222-90B4-47C9-8701-01BA57F4FCAA}"/>
-                </a:ext>
-              </a:extLst>
-            </p:cNvPr>
-            <p:cNvGrpSpPr/>
-            <p:nvPr/>
-          </p:nvGrpSpPr>
-          <p:grpSpPr>
-            <a:xfrm>
-              <a:off x="5096861" y="3739827"/>
-              <a:ext cx="1260000" cy="1260000"/>
-              <a:chOff x="2234152" y="3318234"/>
-              <a:chExt cx="1260000" cy="1260000"/>
-            </a:xfrm>
-          </p:grpSpPr>
-          <p:grpSp>
-            <p:nvGrpSpPr>
-              <p:cNvPr id="31" name="Group 30">
-                <a:extLst>
-                  <a:ext uri="{FF2B5EF4-FFF2-40B4-BE49-F238E27FC236}">
-                    <a16:creationId xmlns:a16="http://schemas.microsoft.com/office/drawing/2014/main" id="{A203B21B-656C-4843-A79D-72B54FF2850C}"/>
-                  </a:ext>
-                </a:extLst>
-              </p:cNvPr>
-              <p:cNvGrpSpPr/>
-              <p:nvPr/>
-            </p:nvGrpSpPr>
-            <p:grpSpPr>
-              <a:xfrm>
-                <a:off x="2234152" y="3318234"/>
-                <a:ext cx="1260000" cy="1260000"/>
-                <a:chOff x="2290713" y="3242561"/>
-                <a:chExt cx="1818854" cy="1800000"/>
-              </a:xfrm>
-            </p:grpSpPr>
-            <p:sp>
-              <p:nvSpPr>
-                <p:cNvPr id="33" name="Rechteck 16">
-                  <a:extLst>
-                    <a:ext uri="{FF2B5EF4-FFF2-40B4-BE49-F238E27FC236}">
-                      <a16:creationId xmlns:a16="http://schemas.microsoft.com/office/drawing/2014/main" id="{6D3A0BDE-6403-4A83-95CC-5A9623E099DB}"/>
-                    </a:ext>
-                  </a:extLst>
-                </p:cNvPr>
-                <p:cNvSpPr/>
-                <p:nvPr/>
-              </p:nvSpPr>
-              <p:spPr>
-                <a:xfrm>
-                  <a:off x="2309567" y="3242561"/>
-                  <a:ext cx="1800000" cy="1800000"/>
-                </a:xfrm>
-                <a:prstGeom prst="rect">
-                  <a:avLst/>
-                </a:prstGeom>
-                <a:noFill/>
-                <a:ln w="28575"/>
-              </p:spPr>
-              <p:style>
-                <a:lnRef idx="2">
-                  <a:schemeClr val="dk1"/>
-                </a:lnRef>
-                <a:fillRef idx="1">
-                  <a:schemeClr val="lt1"/>
-                </a:fillRef>
-                <a:effectRef idx="0">
-                  <a:schemeClr val="dk1"/>
-                </a:effectRef>
-                <a:fontRef idx="minor">
-                  <a:schemeClr val="dk1"/>
-                </a:fontRef>
-              </p:style>
-              <p:txBody>
-                <a:bodyPr rtlCol="0" anchor="ctr"/>
-                <a:lstStyle/>
-                <a:p>
-                  <a:pPr algn="ctr"/>
-                  <a:endParaRPr lang="de-DE" dirty="0"/>
-                </a:p>
-              </p:txBody>
-            </p:sp>
-            <p:cxnSp>
-              <p:nvCxnSpPr>
-                <p:cNvPr id="34" name="Gerader Verbinder 17">
-                  <a:extLst>
-                    <a:ext uri="{FF2B5EF4-FFF2-40B4-BE49-F238E27FC236}">
-                      <a16:creationId xmlns:a16="http://schemas.microsoft.com/office/drawing/2014/main" id="{1671B23E-6D18-46C8-AC07-99CC73817F6E}"/>
-                    </a:ext>
-                  </a:extLst>
-                </p:cNvPr>
-                <p:cNvCxnSpPr>
-                  <a:cxnSpLocks/>
-                </p:cNvCxnSpPr>
-                <p:nvPr/>
-              </p:nvCxnSpPr>
-              <p:spPr>
-                <a:xfrm>
-                  <a:off x="2888273" y="3242561"/>
-                  <a:ext cx="0" cy="1800000"/>
-                </a:xfrm>
-                <a:prstGeom prst="line">
-                  <a:avLst/>
-                </a:prstGeom>
-                <a:ln w="28575"/>
-              </p:spPr>
-              <p:style>
-                <a:lnRef idx="1">
-                  <a:schemeClr val="dk1"/>
-                </a:lnRef>
-                <a:fillRef idx="0">
-                  <a:schemeClr val="dk1"/>
-                </a:fillRef>
-                <a:effectRef idx="0">
-                  <a:schemeClr val="dk1"/>
-                </a:effectRef>
-                <a:fontRef idx="minor">
-                  <a:schemeClr val="tx1"/>
-                </a:fontRef>
-              </p:style>
-            </p:cxnSp>
-            <p:cxnSp>
-              <p:nvCxnSpPr>
-                <p:cNvPr id="35" name="Gerader Verbinder 18">
-                  <a:extLst>
-                    <a:ext uri="{FF2B5EF4-FFF2-40B4-BE49-F238E27FC236}">
-                      <a16:creationId xmlns:a16="http://schemas.microsoft.com/office/drawing/2014/main" id="{6C54582A-02FB-46F6-A1CA-EB992C316D8A}"/>
-                    </a:ext>
-                  </a:extLst>
-                </p:cNvPr>
-                <p:cNvCxnSpPr>
-                  <a:cxnSpLocks/>
-                </p:cNvCxnSpPr>
-                <p:nvPr/>
-              </p:nvCxnSpPr>
-              <p:spPr>
-                <a:xfrm>
-                  <a:off x="3503336" y="3242561"/>
-                  <a:ext cx="0" cy="1800000"/>
-                </a:xfrm>
-                <a:prstGeom prst="line">
-                  <a:avLst/>
-                </a:prstGeom>
-                <a:ln w="28575"/>
-              </p:spPr>
-              <p:style>
-                <a:lnRef idx="1">
-                  <a:schemeClr val="dk1"/>
-                </a:lnRef>
-                <a:fillRef idx="0">
-                  <a:schemeClr val="dk1"/>
-                </a:fillRef>
-                <a:effectRef idx="0">
-                  <a:schemeClr val="dk1"/>
-                </a:effectRef>
-                <a:fontRef idx="minor">
-                  <a:schemeClr val="tx1"/>
-                </a:fontRef>
-              </p:style>
-            </p:cxnSp>
-            <p:cxnSp>
-              <p:nvCxnSpPr>
-                <p:cNvPr id="36" name="Gerader Verbinder 19">
-                  <a:extLst>
-                    <a:ext uri="{FF2B5EF4-FFF2-40B4-BE49-F238E27FC236}">
-                      <a16:creationId xmlns:a16="http://schemas.microsoft.com/office/drawing/2014/main" id="{A1519A7E-011D-4DD9-8317-7BB3A0A6E4DF}"/>
-                    </a:ext>
-                  </a:extLst>
-                </p:cNvPr>
-                <p:cNvCxnSpPr>
-                  <a:cxnSpLocks/>
-                </p:cNvCxnSpPr>
-                <p:nvPr/>
-              </p:nvCxnSpPr>
-              <p:spPr>
-                <a:xfrm>
-                  <a:off x="2290713" y="3835264"/>
-                  <a:ext cx="1800000" cy="0"/>
-                </a:xfrm>
-                <a:prstGeom prst="line">
-                  <a:avLst/>
-                </a:prstGeom>
-                <a:ln w="28575"/>
-              </p:spPr>
-              <p:style>
-                <a:lnRef idx="1">
-                  <a:schemeClr val="dk1"/>
-                </a:lnRef>
-                <a:fillRef idx="0">
-                  <a:schemeClr val="dk1"/>
-                </a:fillRef>
-                <a:effectRef idx="0">
-                  <a:schemeClr val="dk1"/>
-                </a:effectRef>
-                <a:fontRef idx="minor">
-                  <a:schemeClr val="tx1"/>
-                </a:fontRef>
-              </p:style>
-            </p:cxnSp>
-            <p:cxnSp>
-              <p:nvCxnSpPr>
-                <p:cNvPr id="37" name="Gerader Verbinder 20">
-                  <a:extLst>
-                    <a:ext uri="{FF2B5EF4-FFF2-40B4-BE49-F238E27FC236}">
-                      <a16:creationId xmlns:a16="http://schemas.microsoft.com/office/drawing/2014/main" id="{0CE3D3F4-3125-43E5-A7DC-B43A3C04CC76}"/>
-                    </a:ext>
-                  </a:extLst>
-                </p:cNvPr>
-                <p:cNvCxnSpPr>
-                  <a:cxnSpLocks/>
-                </p:cNvCxnSpPr>
-                <p:nvPr/>
-              </p:nvCxnSpPr>
-              <p:spPr>
-                <a:xfrm>
-                  <a:off x="2290713" y="4446460"/>
-                  <a:ext cx="1800000" cy="0"/>
-                </a:xfrm>
-                <a:prstGeom prst="line">
-                  <a:avLst/>
-                </a:prstGeom>
-                <a:ln w="28575"/>
-              </p:spPr>
-              <p:style>
-                <a:lnRef idx="1">
-                  <a:schemeClr val="dk1"/>
-                </a:lnRef>
-                <a:fillRef idx="0">
-                  <a:schemeClr val="dk1"/>
-                </a:fillRef>
-                <a:effectRef idx="0">
-                  <a:schemeClr val="dk1"/>
-                </a:effectRef>
-                <a:fontRef idx="minor">
-                  <a:schemeClr val="tx1"/>
-                </a:fontRef>
-              </p:style>
-            </p:cxnSp>
-          </p:grpSp>
-          <p:sp>
-            <p:nvSpPr>
-              <p:cNvPr id="32" name="TextBox 31">
-                <a:extLst>
-                  <a:ext uri="{FF2B5EF4-FFF2-40B4-BE49-F238E27FC236}">
-                    <a16:creationId xmlns:a16="http://schemas.microsoft.com/office/drawing/2014/main" id="{CAF78867-37DC-4210-9231-749DEF479419}"/>
-                  </a:ext>
-                </a:extLst>
-              </p:cNvPr>
-              <p:cNvSpPr txBox="1"/>
-              <p:nvPr/>
-            </p:nvSpPr>
-            <p:spPr>
-              <a:xfrm>
-                <a:off x="2695762" y="3683909"/>
-                <a:ext cx="324655" cy="477054"/>
-              </a:xfrm>
-              <a:prstGeom prst="rect">
-                <a:avLst/>
-              </a:prstGeom>
-              <a:noFill/>
-            </p:spPr>
-            <p:txBody>
-              <a:bodyPr wrap="square" rtlCol="0">
-                <a:spAutoFit/>
-              </a:bodyPr>
-              <a:lstStyle/>
-              <a:p>
-                <a:pPr algn="ctr"/>
-                <a:r>
-                  <a:rPr lang="en-GB" sz="2500" dirty="0"/>
-                  <a:t>+</a:t>
-                </a:r>
-              </a:p>
-            </p:txBody>
-          </p:sp>
-        </p:grpSp>
-        <p:grpSp>
-          <p:nvGrpSpPr>
-            <p:cNvPr id="38" name="Group 37">
-              <a:extLst>
-                <a:ext uri="{FF2B5EF4-FFF2-40B4-BE49-F238E27FC236}">
-                  <a16:creationId xmlns:a16="http://schemas.microsoft.com/office/drawing/2014/main" id="{B86C4BAD-68D1-42ED-8199-4AD21C96600E}"/>
-                </a:ext>
-              </a:extLst>
-            </p:cNvPr>
-            <p:cNvGrpSpPr/>
-            <p:nvPr/>
-          </p:nvGrpSpPr>
-          <p:grpSpPr>
-            <a:xfrm>
-              <a:off x="1738376" y="2891547"/>
-              <a:ext cx="7145099" cy="2957593"/>
-              <a:chOff x="-2829063" y="2055062"/>
-              <a:chExt cx="7145099" cy="2957593"/>
-            </a:xfrm>
-          </p:grpSpPr>
-          <p:grpSp>
-            <p:nvGrpSpPr>
-              <p:cNvPr id="39" name="Group 38">
-                <a:extLst>
-                  <a:ext uri="{FF2B5EF4-FFF2-40B4-BE49-F238E27FC236}">
-                    <a16:creationId xmlns:a16="http://schemas.microsoft.com/office/drawing/2014/main" id="{AF1F7A30-FEE0-4599-9755-10B519DAFEFC}"/>
-                  </a:ext>
-                </a:extLst>
-              </p:cNvPr>
-              <p:cNvGrpSpPr/>
-              <p:nvPr/>
-            </p:nvGrpSpPr>
-            <p:grpSpPr>
-              <a:xfrm>
-                <a:off x="2234152" y="3318234"/>
-                <a:ext cx="1260000" cy="1260000"/>
-                <a:chOff x="2290713" y="3242561"/>
-                <a:chExt cx="1818854" cy="1800000"/>
-              </a:xfrm>
-            </p:grpSpPr>
-            <p:sp>
-              <p:nvSpPr>
-                <p:cNvPr id="41" name="Rechteck 16">
-                  <a:extLst>
-                    <a:ext uri="{FF2B5EF4-FFF2-40B4-BE49-F238E27FC236}">
-                      <a16:creationId xmlns:a16="http://schemas.microsoft.com/office/drawing/2014/main" id="{ACC14792-1D67-498E-AB56-E53B57CB50CB}"/>
-                    </a:ext>
-                  </a:extLst>
-                </p:cNvPr>
-                <p:cNvSpPr/>
-                <p:nvPr/>
-              </p:nvSpPr>
-              <p:spPr>
-                <a:xfrm>
-                  <a:off x="2309567" y="3242561"/>
-                  <a:ext cx="1800000" cy="1800000"/>
-                </a:xfrm>
-                <a:prstGeom prst="rect">
-                  <a:avLst/>
-                </a:prstGeom>
-                <a:noFill/>
-                <a:ln w="28575"/>
-              </p:spPr>
-              <p:style>
-                <a:lnRef idx="2">
-                  <a:schemeClr val="dk1"/>
-                </a:lnRef>
-                <a:fillRef idx="1">
-                  <a:schemeClr val="lt1"/>
-                </a:fillRef>
-                <a:effectRef idx="0">
-                  <a:schemeClr val="dk1"/>
-                </a:effectRef>
-                <a:fontRef idx="minor">
-                  <a:schemeClr val="dk1"/>
-                </a:fontRef>
-              </p:style>
-              <p:txBody>
-                <a:bodyPr rtlCol="0" anchor="ctr"/>
-                <a:lstStyle/>
-                <a:p>
-                  <a:pPr algn="ctr"/>
-                  <a:endParaRPr lang="de-DE" dirty="0"/>
-                </a:p>
-              </p:txBody>
-            </p:sp>
-            <p:cxnSp>
-              <p:nvCxnSpPr>
-                <p:cNvPr id="42" name="Gerader Verbinder 17">
-                  <a:extLst>
-                    <a:ext uri="{FF2B5EF4-FFF2-40B4-BE49-F238E27FC236}">
-                      <a16:creationId xmlns:a16="http://schemas.microsoft.com/office/drawing/2014/main" id="{306E245C-0A45-4A1D-91C8-989A3AD4DD32}"/>
-                    </a:ext>
-                  </a:extLst>
-                </p:cNvPr>
-                <p:cNvCxnSpPr>
-                  <a:cxnSpLocks/>
-                </p:cNvCxnSpPr>
-                <p:nvPr/>
-              </p:nvCxnSpPr>
-              <p:spPr>
-                <a:xfrm>
-                  <a:off x="2888273" y="3242561"/>
-                  <a:ext cx="0" cy="1800000"/>
-                </a:xfrm>
-                <a:prstGeom prst="line">
-                  <a:avLst/>
-                </a:prstGeom>
-                <a:ln w="28575"/>
-              </p:spPr>
-              <p:style>
-                <a:lnRef idx="1">
-                  <a:schemeClr val="dk1"/>
-                </a:lnRef>
-                <a:fillRef idx="0">
-                  <a:schemeClr val="dk1"/>
-                </a:fillRef>
-                <a:effectRef idx="0">
-                  <a:schemeClr val="dk1"/>
-                </a:effectRef>
-                <a:fontRef idx="minor">
-                  <a:schemeClr val="tx1"/>
-                </a:fontRef>
-              </p:style>
-            </p:cxnSp>
-            <p:cxnSp>
-              <p:nvCxnSpPr>
-                <p:cNvPr id="43" name="Gerader Verbinder 18">
-                  <a:extLst>
-                    <a:ext uri="{FF2B5EF4-FFF2-40B4-BE49-F238E27FC236}">
-                      <a16:creationId xmlns:a16="http://schemas.microsoft.com/office/drawing/2014/main" id="{F2D964DF-F87C-456B-9EBA-A3811F9963C5}"/>
-                    </a:ext>
-                  </a:extLst>
-                </p:cNvPr>
-                <p:cNvCxnSpPr>
-                  <a:cxnSpLocks/>
-                </p:cNvCxnSpPr>
-                <p:nvPr/>
-              </p:nvCxnSpPr>
-              <p:spPr>
-                <a:xfrm>
-                  <a:off x="3503336" y="3242561"/>
-                  <a:ext cx="0" cy="1800000"/>
-                </a:xfrm>
-                <a:prstGeom prst="line">
-                  <a:avLst/>
-                </a:prstGeom>
-                <a:ln w="28575"/>
-              </p:spPr>
-              <p:style>
-                <a:lnRef idx="1">
-                  <a:schemeClr val="dk1"/>
-                </a:lnRef>
-                <a:fillRef idx="0">
-                  <a:schemeClr val="dk1"/>
-                </a:fillRef>
-                <a:effectRef idx="0">
-                  <a:schemeClr val="dk1"/>
-                </a:effectRef>
-                <a:fontRef idx="minor">
-                  <a:schemeClr val="tx1"/>
-                </a:fontRef>
-              </p:style>
-            </p:cxnSp>
-            <p:cxnSp>
-              <p:nvCxnSpPr>
-                <p:cNvPr id="44" name="Gerader Verbinder 19">
-                  <a:extLst>
-                    <a:ext uri="{FF2B5EF4-FFF2-40B4-BE49-F238E27FC236}">
-                      <a16:creationId xmlns:a16="http://schemas.microsoft.com/office/drawing/2014/main" id="{6BF301A7-EF74-4D3C-B602-6852CE8CF0DE}"/>
-                    </a:ext>
-                  </a:extLst>
-                </p:cNvPr>
-                <p:cNvCxnSpPr>
-                  <a:cxnSpLocks/>
-                </p:cNvCxnSpPr>
-                <p:nvPr/>
-              </p:nvCxnSpPr>
-              <p:spPr>
-                <a:xfrm>
-                  <a:off x="2290713" y="3835264"/>
-                  <a:ext cx="1800000" cy="0"/>
-                </a:xfrm>
-                <a:prstGeom prst="line">
-                  <a:avLst/>
-                </a:prstGeom>
-                <a:ln w="28575"/>
-              </p:spPr>
-              <p:style>
-                <a:lnRef idx="1">
-                  <a:schemeClr val="dk1"/>
-                </a:lnRef>
-                <a:fillRef idx="0">
-                  <a:schemeClr val="dk1"/>
-                </a:fillRef>
-                <a:effectRef idx="0">
-                  <a:schemeClr val="dk1"/>
-                </a:effectRef>
-                <a:fontRef idx="minor">
-                  <a:schemeClr val="tx1"/>
-                </a:fontRef>
-              </p:style>
-            </p:cxnSp>
-            <p:cxnSp>
-              <p:nvCxnSpPr>
-                <p:cNvPr id="45" name="Gerader Verbinder 20">
-                  <a:extLst>
-                    <a:ext uri="{FF2B5EF4-FFF2-40B4-BE49-F238E27FC236}">
-                      <a16:creationId xmlns:a16="http://schemas.microsoft.com/office/drawing/2014/main" id="{8656FF72-90EB-4A06-9A08-456FE04C5147}"/>
-                    </a:ext>
-                  </a:extLst>
-                </p:cNvPr>
-                <p:cNvCxnSpPr>
-                  <a:cxnSpLocks/>
-                </p:cNvCxnSpPr>
-                <p:nvPr/>
-              </p:nvCxnSpPr>
-              <p:spPr>
-                <a:xfrm>
-                  <a:off x="2290713" y="4446460"/>
-                  <a:ext cx="1800000" cy="0"/>
-                </a:xfrm>
-                <a:prstGeom prst="line">
-                  <a:avLst/>
-                </a:prstGeom>
-                <a:ln w="28575"/>
-              </p:spPr>
-              <p:style>
-                <a:lnRef idx="1">
-                  <a:schemeClr val="dk1"/>
-                </a:lnRef>
-                <a:fillRef idx="0">
-                  <a:schemeClr val="dk1"/>
-                </a:fillRef>
-                <a:effectRef idx="0">
-                  <a:schemeClr val="dk1"/>
-                </a:effectRef>
-                <a:fontRef idx="minor">
-                  <a:schemeClr val="tx1"/>
-                </a:fontRef>
-              </p:style>
-            </p:cxnSp>
-          </p:grpSp>
-          <p:sp>
-            <p:nvSpPr>
-              <p:cNvPr id="40" name="TextBox 39">
-                <a:extLst>
-                  <a:ext uri="{FF2B5EF4-FFF2-40B4-BE49-F238E27FC236}">
-                    <a16:creationId xmlns:a16="http://schemas.microsoft.com/office/drawing/2014/main" id="{B3A67AD2-19FB-4455-859B-E41B69138CE7}"/>
-                  </a:ext>
-                </a:extLst>
-              </p:cNvPr>
-              <p:cNvSpPr txBox="1"/>
-              <p:nvPr/>
-            </p:nvSpPr>
-            <p:spPr>
-              <a:xfrm>
-                <a:off x="2695762" y="3683909"/>
-                <a:ext cx="324655" cy="477054"/>
-              </a:xfrm>
-              <a:prstGeom prst="rect">
-                <a:avLst/>
-              </a:prstGeom>
-              <a:noFill/>
-            </p:spPr>
-            <p:txBody>
-              <a:bodyPr wrap="square" rtlCol="0">
-                <a:spAutoFit/>
-              </a:bodyPr>
-              <a:lstStyle/>
-              <a:p>
-                <a:pPr algn="ctr"/>
-                <a:r>
-                  <a:rPr lang="en-GB" sz="2500" dirty="0"/>
-                  <a:t>?</a:t>
-                </a:r>
-              </a:p>
-            </p:txBody>
-          </p:sp>
-          <p:sp>
-            <p:nvSpPr>
-              <p:cNvPr id="54" name="TextBox 53">
-                <a:extLst>
-                  <a:ext uri="{FF2B5EF4-FFF2-40B4-BE49-F238E27FC236}">
-                    <a16:creationId xmlns:a16="http://schemas.microsoft.com/office/drawing/2014/main" id="{42B8A53D-D1C5-4E31-B87A-CD5D30438852}"/>
-                  </a:ext>
-                </a:extLst>
-              </p:cNvPr>
-              <p:cNvSpPr txBox="1"/>
-              <p:nvPr/>
-            </p:nvSpPr>
-            <p:spPr>
-              <a:xfrm>
-                <a:off x="-2829063" y="2055062"/>
-                <a:ext cx="324655" cy="477054"/>
-              </a:xfrm>
-              <a:prstGeom prst="rect">
-                <a:avLst/>
-              </a:prstGeom>
-              <a:noFill/>
-            </p:spPr>
-            <p:txBody>
-              <a:bodyPr wrap="square" rtlCol="0">
-                <a:spAutoFit/>
-              </a:bodyPr>
-              <a:lstStyle/>
-              <a:p>
-                <a:pPr algn="ctr"/>
-                <a:r>
-                  <a:rPr lang="en-GB" sz="2500" dirty="0"/>
-                  <a:t>1</a:t>
-                </a:r>
-              </a:p>
-            </p:txBody>
-          </p:sp>
-          <p:sp>
-            <p:nvSpPr>
-              <p:cNvPr id="60" name="TextBox 59">
-                <a:extLst>
-                  <a:ext uri="{FF2B5EF4-FFF2-40B4-BE49-F238E27FC236}">
-                    <a16:creationId xmlns:a16="http://schemas.microsoft.com/office/drawing/2014/main" id="{E5CC10AE-1B01-40D1-921F-8657769B1E08}"/>
-                  </a:ext>
-                </a:extLst>
-              </p:cNvPr>
-              <p:cNvSpPr txBox="1"/>
-              <p:nvPr/>
-            </p:nvSpPr>
-            <p:spPr>
-              <a:xfrm>
-                <a:off x="-707168" y="3311847"/>
-                <a:ext cx="324655" cy="477054"/>
-              </a:xfrm>
-              <a:prstGeom prst="rect">
-                <a:avLst/>
-              </a:prstGeom>
-              <a:noFill/>
-            </p:spPr>
-            <p:txBody>
-              <a:bodyPr wrap="square" rtlCol="0">
-                <a:spAutoFit/>
-              </a:bodyPr>
-              <a:lstStyle/>
-              <a:p>
-                <a:pPr algn="ctr"/>
-                <a:r>
-                  <a:rPr lang="en-GB" sz="2500" dirty="0"/>
-                  <a:t>8</a:t>
-                </a:r>
-              </a:p>
-            </p:txBody>
-          </p:sp>
-          <p:sp>
-            <p:nvSpPr>
-              <p:cNvPr id="61" name="TextBox 60">
-                <a:extLst>
-                  <a:ext uri="{FF2B5EF4-FFF2-40B4-BE49-F238E27FC236}">
-                    <a16:creationId xmlns:a16="http://schemas.microsoft.com/office/drawing/2014/main" id="{A3661BA1-4BA1-450A-AEFF-82EEDD4DC9B8}"/>
-                  </a:ext>
-                </a:extLst>
-              </p:cNvPr>
-              <p:cNvSpPr txBox="1"/>
-              <p:nvPr/>
-            </p:nvSpPr>
-            <p:spPr>
-              <a:xfrm>
-                <a:off x="1417112" y="2863694"/>
-                <a:ext cx="324655" cy="477054"/>
-              </a:xfrm>
-              <a:prstGeom prst="rect">
-                <a:avLst/>
-              </a:prstGeom>
-              <a:noFill/>
-            </p:spPr>
-            <p:txBody>
-              <a:bodyPr wrap="square" rtlCol="0">
-                <a:spAutoFit/>
-              </a:bodyPr>
-              <a:lstStyle/>
-              <a:p>
-                <a:pPr algn="ctr"/>
-                <a:r>
-                  <a:rPr lang="en-GB" sz="2500" dirty="0"/>
-                  <a:t>7</a:t>
-                </a:r>
-              </a:p>
-            </p:txBody>
-          </p:sp>
-          <p:sp>
-            <p:nvSpPr>
-              <p:cNvPr id="62" name="TextBox 61">
-                <a:extLst>
-                  <a:ext uri="{FF2B5EF4-FFF2-40B4-BE49-F238E27FC236}">
-                    <a16:creationId xmlns:a16="http://schemas.microsoft.com/office/drawing/2014/main" id="{0F684347-284C-4169-8CD8-F9CFDEA94B2E}"/>
-                  </a:ext>
-                </a:extLst>
-              </p:cNvPr>
-              <p:cNvSpPr txBox="1"/>
-              <p:nvPr/>
-            </p:nvSpPr>
-            <p:spPr>
-              <a:xfrm>
-                <a:off x="3991381" y="4535601"/>
-                <a:ext cx="324655" cy="477054"/>
-              </a:xfrm>
-              <a:prstGeom prst="rect">
-                <a:avLst/>
-              </a:prstGeom>
-              <a:noFill/>
-            </p:spPr>
-            <p:txBody>
-              <a:bodyPr wrap="square" rtlCol="0">
-                <a:spAutoFit/>
-              </a:bodyPr>
-              <a:lstStyle/>
-              <a:p>
-                <a:pPr algn="ctr"/>
-                <a:r>
-                  <a:rPr lang="en-GB" sz="2500" dirty="0"/>
-                  <a:t>5</a:t>
-                </a:r>
-              </a:p>
-            </p:txBody>
-          </p:sp>
-        </p:grpSp>
-        <p:grpSp>
-          <p:nvGrpSpPr>
-            <p:cNvPr id="46" name="Group 45">
-              <a:extLst>
-                <a:ext uri="{FF2B5EF4-FFF2-40B4-BE49-F238E27FC236}">
-                  <a16:creationId xmlns:a16="http://schemas.microsoft.com/office/drawing/2014/main" id="{02D4FC78-5464-44D2-9BBD-DA989A6346E3}"/>
-                </a:ext>
-              </a:extLst>
-            </p:cNvPr>
-            <p:cNvGrpSpPr/>
-            <p:nvPr/>
-          </p:nvGrpSpPr>
-          <p:grpSpPr>
-            <a:xfrm>
-              <a:off x="8506321" y="4569611"/>
-              <a:ext cx="1260000" cy="1260000"/>
-              <a:chOff x="2234152" y="3318234"/>
-              <a:chExt cx="1260000" cy="1260000"/>
-            </a:xfrm>
-          </p:grpSpPr>
-          <p:grpSp>
-            <p:nvGrpSpPr>
-              <p:cNvPr id="47" name="Group 46">
-                <a:extLst>
-                  <a:ext uri="{FF2B5EF4-FFF2-40B4-BE49-F238E27FC236}">
-                    <a16:creationId xmlns:a16="http://schemas.microsoft.com/office/drawing/2014/main" id="{8F648054-1C93-4ED7-901D-688C660B7C77}"/>
-                  </a:ext>
-                </a:extLst>
-              </p:cNvPr>
-              <p:cNvGrpSpPr/>
-              <p:nvPr/>
-            </p:nvGrpSpPr>
-            <p:grpSpPr>
-              <a:xfrm>
-                <a:off x="2234152" y="3318234"/>
-                <a:ext cx="1260000" cy="1260000"/>
-                <a:chOff x="2290713" y="3242561"/>
-                <a:chExt cx="1818854" cy="1800000"/>
-              </a:xfrm>
-            </p:grpSpPr>
-            <p:sp>
-              <p:nvSpPr>
-                <p:cNvPr id="49" name="Rechteck 16">
-                  <a:extLst>
-                    <a:ext uri="{FF2B5EF4-FFF2-40B4-BE49-F238E27FC236}">
-                      <a16:creationId xmlns:a16="http://schemas.microsoft.com/office/drawing/2014/main" id="{8E4B8E1E-B395-431A-B04C-2AAA92EA887D}"/>
-                    </a:ext>
-                  </a:extLst>
-                </p:cNvPr>
-                <p:cNvSpPr/>
-                <p:nvPr/>
-              </p:nvSpPr>
-              <p:spPr>
-                <a:xfrm>
-                  <a:off x="2309567" y="3242561"/>
-                  <a:ext cx="1800000" cy="1800000"/>
-                </a:xfrm>
-                <a:prstGeom prst="rect">
-                  <a:avLst/>
-                </a:prstGeom>
-                <a:noFill/>
-                <a:ln w="28575"/>
-              </p:spPr>
-              <p:style>
-                <a:lnRef idx="2">
-                  <a:schemeClr val="dk1"/>
-                </a:lnRef>
-                <a:fillRef idx="1">
-                  <a:schemeClr val="lt1"/>
-                </a:fillRef>
-                <a:effectRef idx="0">
-                  <a:schemeClr val="dk1"/>
-                </a:effectRef>
-                <a:fontRef idx="minor">
-                  <a:schemeClr val="dk1"/>
-                </a:fontRef>
-              </p:style>
-              <p:txBody>
-                <a:bodyPr rtlCol="0" anchor="ctr"/>
-                <a:lstStyle/>
-                <a:p>
-                  <a:pPr algn="ctr"/>
-                  <a:endParaRPr lang="de-DE" dirty="0"/>
-                </a:p>
-              </p:txBody>
-            </p:sp>
-            <p:cxnSp>
-              <p:nvCxnSpPr>
-                <p:cNvPr id="50" name="Gerader Verbinder 17">
-                  <a:extLst>
-                    <a:ext uri="{FF2B5EF4-FFF2-40B4-BE49-F238E27FC236}">
-                      <a16:creationId xmlns:a16="http://schemas.microsoft.com/office/drawing/2014/main" id="{E53240EF-CEB0-4BF3-9A37-D30378E45357}"/>
-                    </a:ext>
-                  </a:extLst>
-                </p:cNvPr>
-                <p:cNvCxnSpPr>
-                  <a:cxnSpLocks/>
-                </p:cNvCxnSpPr>
-                <p:nvPr/>
-              </p:nvCxnSpPr>
-              <p:spPr>
-                <a:xfrm>
-                  <a:off x="2888273" y="3242561"/>
-                  <a:ext cx="0" cy="1800000"/>
-                </a:xfrm>
-                <a:prstGeom prst="line">
-                  <a:avLst/>
-                </a:prstGeom>
-                <a:ln w="28575"/>
-              </p:spPr>
-              <p:style>
-                <a:lnRef idx="1">
-                  <a:schemeClr val="dk1"/>
-                </a:lnRef>
-                <a:fillRef idx="0">
-                  <a:schemeClr val="dk1"/>
-                </a:fillRef>
-                <a:effectRef idx="0">
-                  <a:schemeClr val="dk1"/>
-                </a:effectRef>
-                <a:fontRef idx="minor">
-                  <a:schemeClr val="tx1"/>
-                </a:fontRef>
-              </p:style>
-            </p:cxnSp>
-            <p:cxnSp>
-              <p:nvCxnSpPr>
-                <p:cNvPr id="51" name="Gerader Verbinder 18">
-                  <a:extLst>
-                    <a:ext uri="{FF2B5EF4-FFF2-40B4-BE49-F238E27FC236}">
-                      <a16:creationId xmlns:a16="http://schemas.microsoft.com/office/drawing/2014/main" id="{5C901143-46AE-448D-98EF-C0F5ADBA00BE}"/>
-                    </a:ext>
-                  </a:extLst>
-                </p:cNvPr>
-                <p:cNvCxnSpPr>
-                  <a:cxnSpLocks/>
-                </p:cNvCxnSpPr>
-                <p:nvPr/>
-              </p:nvCxnSpPr>
-              <p:spPr>
-                <a:xfrm>
-                  <a:off x="3503336" y="3242561"/>
-                  <a:ext cx="0" cy="1800000"/>
-                </a:xfrm>
-                <a:prstGeom prst="line">
-                  <a:avLst/>
-                </a:prstGeom>
-                <a:ln w="28575"/>
-              </p:spPr>
-              <p:style>
-                <a:lnRef idx="1">
-                  <a:schemeClr val="dk1"/>
-                </a:lnRef>
-                <a:fillRef idx="0">
-                  <a:schemeClr val="dk1"/>
-                </a:fillRef>
-                <a:effectRef idx="0">
-                  <a:schemeClr val="dk1"/>
-                </a:effectRef>
-                <a:fontRef idx="minor">
-                  <a:schemeClr val="tx1"/>
-                </a:fontRef>
-              </p:style>
-            </p:cxnSp>
-            <p:cxnSp>
-              <p:nvCxnSpPr>
-                <p:cNvPr id="52" name="Gerader Verbinder 19">
-                  <a:extLst>
-                    <a:ext uri="{FF2B5EF4-FFF2-40B4-BE49-F238E27FC236}">
-                      <a16:creationId xmlns:a16="http://schemas.microsoft.com/office/drawing/2014/main" id="{386DA72D-3FC6-477E-8321-6ADA16031FA3}"/>
-                    </a:ext>
-                  </a:extLst>
-                </p:cNvPr>
-                <p:cNvCxnSpPr>
-                  <a:cxnSpLocks/>
-                </p:cNvCxnSpPr>
-                <p:nvPr/>
-              </p:nvCxnSpPr>
-              <p:spPr>
-                <a:xfrm>
-                  <a:off x="2290713" y="3835264"/>
-                  <a:ext cx="1800000" cy="0"/>
-                </a:xfrm>
-                <a:prstGeom prst="line">
-                  <a:avLst/>
-                </a:prstGeom>
-                <a:ln w="28575"/>
-              </p:spPr>
-              <p:style>
-                <a:lnRef idx="1">
-                  <a:schemeClr val="dk1"/>
-                </a:lnRef>
-                <a:fillRef idx="0">
-                  <a:schemeClr val="dk1"/>
-                </a:fillRef>
-                <a:effectRef idx="0">
-                  <a:schemeClr val="dk1"/>
-                </a:effectRef>
-                <a:fontRef idx="minor">
-                  <a:schemeClr val="tx1"/>
-                </a:fontRef>
-              </p:style>
-            </p:cxnSp>
-            <p:cxnSp>
-              <p:nvCxnSpPr>
-                <p:cNvPr id="53" name="Gerader Verbinder 20">
-                  <a:extLst>
-                    <a:ext uri="{FF2B5EF4-FFF2-40B4-BE49-F238E27FC236}">
-                      <a16:creationId xmlns:a16="http://schemas.microsoft.com/office/drawing/2014/main" id="{6CF90863-93AF-4CA1-99CF-30F3352F31DB}"/>
-                    </a:ext>
-                  </a:extLst>
-                </p:cNvPr>
-                <p:cNvCxnSpPr>
-                  <a:cxnSpLocks/>
-                </p:cNvCxnSpPr>
-                <p:nvPr/>
-              </p:nvCxnSpPr>
-              <p:spPr>
-                <a:xfrm>
-                  <a:off x="2290713" y="4446460"/>
-                  <a:ext cx="1800000" cy="0"/>
-                </a:xfrm>
-                <a:prstGeom prst="line">
-                  <a:avLst/>
-                </a:prstGeom>
-                <a:ln w="28575"/>
-              </p:spPr>
-              <p:style>
-                <a:lnRef idx="1">
-                  <a:schemeClr val="dk1"/>
-                </a:lnRef>
-                <a:fillRef idx="0">
-                  <a:schemeClr val="dk1"/>
-                </a:fillRef>
-                <a:effectRef idx="0">
-                  <a:schemeClr val="dk1"/>
-                </a:effectRef>
-                <a:fontRef idx="minor">
-                  <a:schemeClr val="tx1"/>
-                </a:fontRef>
-              </p:style>
-            </p:cxnSp>
-          </p:grpSp>
-          <p:sp>
-            <p:nvSpPr>
-              <p:cNvPr id="48" name="TextBox 47">
-                <a:extLst>
-                  <a:ext uri="{FF2B5EF4-FFF2-40B4-BE49-F238E27FC236}">
-                    <a16:creationId xmlns:a16="http://schemas.microsoft.com/office/drawing/2014/main" id="{9955A485-A709-47F4-A11F-A7A8E9F4E5AC}"/>
-                  </a:ext>
-                </a:extLst>
-              </p:cNvPr>
-              <p:cNvSpPr txBox="1"/>
-              <p:nvPr/>
-            </p:nvSpPr>
-            <p:spPr>
-              <a:xfrm>
-                <a:off x="2695762" y="3683909"/>
-                <a:ext cx="324655" cy="477054"/>
-              </a:xfrm>
-              <a:prstGeom prst="rect">
-                <a:avLst/>
-              </a:prstGeom>
-              <a:noFill/>
-            </p:spPr>
-            <p:txBody>
-              <a:bodyPr wrap="square" rtlCol="0">
-                <a:spAutoFit/>
-              </a:bodyPr>
-              <a:lstStyle/>
-              <a:p>
-                <a:pPr algn="ctr"/>
-                <a:r>
-                  <a:rPr lang="en-GB" sz="2500" dirty="0"/>
-                  <a:t>+</a:t>
-                </a:r>
-              </a:p>
-            </p:txBody>
-          </p:sp>
-        </p:grpSp>
-        <p:cxnSp>
-          <p:nvCxnSpPr>
-            <p:cNvPr id="64" name="Straight Arrow Connector 63">
-              <a:extLst>
-                <a:ext uri="{FF2B5EF4-FFF2-40B4-BE49-F238E27FC236}">
-                  <a16:creationId xmlns:a16="http://schemas.microsoft.com/office/drawing/2014/main" id="{5FB8A554-57FA-404F-A8AE-F35C62BD2AD0}"/>
-                </a:ext>
-              </a:extLst>
-            </p:cNvPr>
-            <p:cNvCxnSpPr/>
-            <p:nvPr/>
-          </p:nvCxnSpPr>
-          <p:spPr>
-            <a:xfrm>
-              <a:off x="1707498" y="4551835"/>
-              <a:ext cx="7182507" cy="1762812"/>
-            </a:xfrm>
-            <a:prstGeom prst="straightConnector1">
-              <a:avLst/>
-            </a:prstGeom>
-            <a:ln>
-              <a:solidFill>
-                <a:schemeClr val="tx1"/>
-              </a:solidFill>
-              <a:tailEnd type="triangle"/>
-            </a:ln>
-          </p:spPr>
-          <p:style>
-            <a:lnRef idx="1">
-              <a:schemeClr val="accent1"/>
-            </a:lnRef>
-            <a:fillRef idx="0">
-              <a:schemeClr val="accent1"/>
-            </a:fillRef>
-            <a:effectRef idx="0">
-              <a:schemeClr val="accent1"/>
-            </a:effectRef>
-            <a:fontRef idx="minor">
-              <a:schemeClr val="tx1"/>
-            </a:fontRef>
-          </p:style>
-        </p:cxnSp>
-      </p:grpSp>
       <p:sp>
         <p:nvSpPr>
           <p:cNvPr id="57" name="Arrow: Right 56">
@@ -25918,6 +23954,685 @@
           </a:p>
         </p:txBody>
       </p:sp>
+      <p:grpSp>
+        <p:nvGrpSpPr>
+          <p:cNvPr id="3" name="Group 2">
+            <a:extLst>
+              <a:ext uri="{FF2B5EF4-FFF2-40B4-BE49-F238E27FC236}">
+                <a16:creationId xmlns:a16="http://schemas.microsoft.com/office/drawing/2014/main" id="{DE69AD48-C666-451B-82C4-47CE342B2613}"/>
+              </a:ext>
+            </a:extLst>
+          </p:cNvPr>
+          <p:cNvGrpSpPr/>
+          <p:nvPr/>
+        </p:nvGrpSpPr>
+        <p:grpSpPr>
+          <a:xfrm>
+            <a:off x="1490003" y="3287561"/>
+            <a:ext cx="1246939" cy="1260000"/>
+            <a:chOff x="1858723" y="3291718"/>
+            <a:chExt cx="1246939" cy="1260000"/>
+          </a:xfrm>
+        </p:grpSpPr>
+        <p:sp>
+          <p:nvSpPr>
+            <p:cNvPr id="55" name="Rechteck 16">
+              <a:extLst>
+                <a:ext uri="{FF2B5EF4-FFF2-40B4-BE49-F238E27FC236}">
+                  <a16:creationId xmlns:a16="http://schemas.microsoft.com/office/drawing/2014/main" id="{315FDCAA-8551-489C-A0D3-1A51B04E94CC}"/>
+                </a:ext>
+              </a:extLst>
+            </p:cNvPr>
+            <p:cNvSpPr/>
+            <p:nvPr/>
+          </p:nvSpPr>
+          <p:spPr>
+            <a:xfrm>
+              <a:off x="1858723" y="3291718"/>
+              <a:ext cx="1246939" cy="1260000"/>
+            </a:xfrm>
+            <a:prstGeom prst="rect">
+              <a:avLst/>
+            </a:prstGeom>
+            <a:noFill/>
+            <a:ln w="28575"/>
+          </p:spPr>
+          <p:style>
+            <a:lnRef idx="2">
+              <a:schemeClr val="dk1"/>
+            </a:lnRef>
+            <a:fillRef idx="1">
+              <a:schemeClr val="lt1"/>
+            </a:fillRef>
+            <a:effectRef idx="0">
+              <a:schemeClr val="dk1"/>
+            </a:effectRef>
+            <a:fontRef idx="minor">
+              <a:schemeClr val="dk1"/>
+            </a:fontRef>
+          </p:style>
+          <p:txBody>
+            <a:bodyPr rtlCol="0" anchor="ctr"/>
+            <a:lstStyle/>
+            <a:p>
+              <a:pPr algn="ctr"/>
+              <a:endParaRPr lang="de-DE" dirty="0"/>
+            </a:p>
+          </p:txBody>
+        </p:sp>
+        <p:sp>
+          <p:nvSpPr>
+            <p:cNvPr id="56" name="TextBox 55">
+              <a:extLst>
+                <a:ext uri="{FF2B5EF4-FFF2-40B4-BE49-F238E27FC236}">
+                  <a16:creationId xmlns:a16="http://schemas.microsoft.com/office/drawing/2014/main" id="{F0C928FB-E738-4C8C-9627-9CE9254AB182}"/>
+                </a:ext>
+              </a:extLst>
+            </p:cNvPr>
+            <p:cNvSpPr txBox="1"/>
+            <p:nvPr/>
+          </p:nvSpPr>
+          <p:spPr>
+            <a:xfrm>
+              <a:off x="2319864" y="3683191"/>
+              <a:ext cx="324655" cy="477054"/>
+            </a:xfrm>
+            <a:prstGeom prst="rect">
+              <a:avLst/>
+            </a:prstGeom>
+            <a:noFill/>
+          </p:spPr>
+          <p:txBody>
+            <a:bodyPr wrap="square" rtlCol="0">
+              <a:spAutoFit/>
+            </a:bodyPr>
+            <a:lstStyle/>
+            <a:p>
+              <a:pPr algn="ctr"/>
+              <a:r>
+                <a:rPr lang="en-GB" sz="2500" dirty="0"/>
+                <a:t>O</a:t>
+              </a:r>
+            </a:p>
+          </p:txBody>
+        </p:sp>
+      </p:grpSp>
+      <p:grpSp>
+        <p:nvGrpSpPr>
+          <p:cNvPr id="4" name="Group 3">
+            <a:extLst>
+              <a:ext uri="{FF2B5EF4-FFF2-40B4-BE49-F238E27FC236}">
+                <a16:creationId xmlns:a16="http://schemas.microsoft.com/office/drawing/2014/main" id="{9752A152-F136-4BAE-9BA5-77A6A2CA6666}"/>
+              </a:ext>
+            </a:extLst>
+          </p:cNvPr>
+          <p:cNvGrpSpPr/>
+          <p:nvPr/>
+        </p:nvGrpSpPr>
+        <p:grpSpPr>
+          <a:xfrm>
+            <a:off x="4326987" y="3829289"/>
+            <a:ext cx="1246939" cy="1260000"/>
+            <a:chOff x="3198085" y="3679034"/>
+            <a:chExt cx="1246939" cy="1260000"/>
+          </a:xfrm>
+        </p:grpSpPr>
+        <p:sp>
+          <p:nvSpPr>
+            <p:cNvPr id="58" name="Rechteck 16">
+              <a:extLst>
+                <a:ext uri="{FF2B5EF4-FFF2-40B4-BE49-F238E27FC236}">
+                  <a16:creationId xmlns:a16="http://schemas.microsoft.com/office/drawing/2014/main" id="{899DD459-1D2B-4C68-8716-2AD613D0FC08}"/>
+                </a:ext>
+              </a:extLst>
+            </p:cNvPr>
+            <p:cNvSpPr/>
+            <p:nvPr/>
+          </p:nvSpPr>
+          <p:spPr>
+            <a:xfrm>
+              <a:off x="3198085" y="3679034"/>
+              <a:ext cx="1246939" cy="1260000"/>
+            </a:xfrm>
+            <a:prstGeom prst="rect">
+              <a:avLst/>
+            </a:prstGeom>
+            <a:noFill/>
+            <a:ln w="28575"/>
+          </p:spPr>
+          <p:style>
+            <a:lnRef idx="2">
+              <a:schemeClr val="dk1"/>
+            </a:lnRef>
+            <a:fillRef idx="1">
+              <a:schemeClr val="lt1"/>
+            </a:fillRef>
+            <a:effectRef idx="0">
+              <a:schemeClr val="dk1"/>
+            </a:effectRef>
+            <a:fontRef idx="minor">
+              <a:schemeClr val="dk1"/>
+            </a:fontRef>
+          </p:style>
+          <p:txBody>
+            <a:bodyPr rtlCol="0" anchor="ctr"/>
+            <a:lstStyle/>
+            <a:p>
+              <a:pPr algn="ctr"/>
+              <a:endParaRPr lang="de-DE" dirty="0"/>
+            </a:p>
+          </p:txBody>
+        </p:sp>
+        <p:sp>
+          <p:nvSpPr>
+            <p:cNvPr id="59" name="TextBox 58">
+              <a:extLst>
+                <a:ext uri="{FF2B5EF4-FFF2-40B4-BE49-F238E27FC236}">
+                  <a16:creationId xmlns:a16="http://schemas.microsoft.com/office/drawing/2014/main" id="{662B66FE-D322-40E7-9880-8DA594757149}"/>
+                </a:ext>
+              </a:extLst>
+            </p:cNvPr>
+            <p:cNvSpPr txBox="1"/>
+            <p:nvPr/>
+          </p:nvSpPr>
+          <p:spPr>
+            <a:xfrm>
+              <a:off x="3659226" y="4070507"/>
+              <a:ext cx="324655" cy="477054"/>
+            </a:xfrm>
+            <a:prstGeom prst="rect">
+              <a:avLst/>
+            </a:prstGeom>
+            <a:noFill/>
+          </p:spPr>
+          <p:txBody>
+            <a:bodyPr wrap="square" rtlCol="0">
+              <a:spAutoFit/>
+            </a:bodyPr>
+            <a:lstStyle/>
+            <a:p>
+              <a:pPr algn="ctr"/>
+              <a:r>
+                <a:rPr lang="en-GB" sz="2500" dirty="0"/>
+                <a:t>X</a:t>
+              </a:r>
+            </a:p>
+          </p:txBody>
+        </p:sp>
+      </p:grpSp>
+      <p:grpSp>
+        <p:nvGrpSpPr>
+          <p:cNvPr id="63" name="Group 62">
+            <a:extLst>
+              <a:ext uri="{FF2B5EF4-FFF2-40B4-BE49-F238E27FC236}">
+                <a16:creationId xmlns:a16="http://schemas.microsoft.com/office/drawing/2014/main" id="{D79572F5-D7D5-4569-9E7E-7F654D3CD4A6}"/>
+              </a:ext>
+            </a:extLst>
+          </p:cNvPr>
+          <p:cNvGrpSpPr/>
+          <p:nvPr/>
+        </p:nvGrpSpPr>
+        <p:grpSpPr>
+          <a:xfrm>
+            <a:off x="2908495" y="3544476"/>
+            <a:ext cx="1246939" cy="1260000"/>
+            <a:chOff x="1858723" y="3291718"/>
+            <a:chExt cx="1246939" cy="1260000"/>
+          </a:xfrm>
+        </p:grpSpPr>
+        <p:sp>
+          <p:nvSpPr>
+            <p:cNvPr id="65" name="Rechteck 16">
+              <a:extLst>
+                <a:ext uri="{FF2B5EF4-FFF2-40B4-BE49-F238E27FC236}">
+                  <a16:creationId xmlns:a16="http://schemas.microsoft.com/office/drawing/2014/main" id="{A2913EDF-37F1-4FD6-AED0-BAA1C6D5BF72}"/>
+                </a:ext>
+              </a:extLst>
+            </p:cNvPr>
+            <p:cNvSpPr/>
+            <p:nvPr/>
+          </p:nvSpPr>
+          <p:spPr>
+            <a:xfrm>
+              <a:off x="1858723" y="3291718"/>
+              <a:ext cx="1246939" cy="1260000"/>
+            </a:xfrm>
+            <a:prstGeom prst="rect">
+              <a:avLst/>
+            </a:prstGeom>
+            <a:noFill/>
+            <a:ln w="28575"/>
+          </p:spPr>
+          <p:style>
+            <a:lnRef idx="2">
+              <a:schemeClr val="dk1"/>
+            </a:lnRef>
+            <a:fillRef idx="1">
+              <a:schemeClr val="lt1"/>
+            </a:fillRef>
+            <a:effectRef idx="0">
+              <a:schemeClr val="dk1"/>
+            </a:effectRef>
+            <a:fontRef idx="minor">
+              <a:schemeClr val="dk1"/>
+            </a:fontRef>
+          </p:style>
+          <p:txBody>
+            <a:bodyPr rtlCol="0" anchor="ctr"/>
+            <a:lstStyle/>
+            <a:p>
+              <a:pPr algn="ctr"/>
+              <a:endParaRPr lang="de-DE" dirty="0"/>
+            </a:p>
+          </p:txBody>
+        </p:sp>
+        <p:sp>
+          <p:nvSpPr>
+            <p:cNvPr id="66" name="TextBox 65">
+              <a:extLst>
+                <a:ext uri="{FF2B5EF4-FFF2-40B4-BE49-F238E27FC236}">
+                  <a16:creationId xmlns:a16="http://schemas.microsoft.com/office/drawing/2014/main" id="{D20B8B08-63C7-4C4B-BF74-C942A3F6E54B}"/>
+                </a:ext>
+              </a:extLst>
+            </p:cNvPr>
+            <p:cNvSpPr txBox="1"/>
+            <p:nvPr/>
+          </p:nvSpPr>
+          <p:spPr>
+            <a:xfrm>
+              <a:off x="2319864" y="3683191"/>
+              <a:ext cx="324655" cy="477054"/>
+            </a:xfrm>
+            <a:prstGeom prst="rect">
+              <a:avLst/>
+            </a:prstGeom>
+            <a:noFill/>
+          </p:spPr>
+          <p:txBody>
+            <a:bodyPr wrap="square" rtlCol="0">
+              <a:spAutoFit/>
+            </a:bodyPr>
+            <a:lstStyle/>
+            <a:p>
+              <a:pPr algn="ctr"/>
+              <a:r>
+                <a:rPr lang="en-GB" sz="2500" dirty="0"/>
+                <a:t>O</a:t>
+              </a:r>
+            </a:p>
+          </p:txBody>
+        </p:sp>
+      </p:grpSp>
+      <p:grpSp>
+        <p:nvGrpSpPr>
+          <p:cNvPr id="70" name="Group 69">
+            <a:extLst>
+              <a:ext uri="{FF2B5EF4-FFF2-40B4-BE49-F238E27FC236}">
+                <a16:creationId xmlns:a16="http://schemas.microsoft.com/office/drawing/2014/main" id="{B6D4BEC4-D4B5-471D-BDDE-73DB6CC74562}"/>
+              </a:ext>
+            </a:extLst>
+          </p:cNvPr>
+          <p:cNvGrpSpPr/>
+          <p:nvPr/>
+        </p:nvGrpSpPr>
+        <p:grpSpPr>
+          <a:xfrm>
+            <a:off x="5745479" y="4142379"/>
+            <a:ext cx="1246939" cy="1260000"/>
+            <a:chOff x="1858723" y="3291718"/>
+            <a:chExt cx="1246939" cy="1260000"/>
+          </a:xfrm>
+        </p:grpSpPr>
+        <p:sp>
+          <p:nvSpPr>
+            <p:cNvPr id="71" name="Rechteck 16">
+              <a:extLst>
+                <a:ext uri="{FF2B5EF4-FFF2-40B4-BE49-F238E27FC236}">
+                  <a16:creationId xmlns:a16="http://schemas.microsoft.com/office/drawing/2014/main" id="{0081C2FF-39CE-4D82-8F19-F7ADC47217AC}"/>
+                </a:ext>
+              </a:extLst>
+            </p:cNvPr>
+            <p:cNvSpPr/>
+            <p:nvPr/>
+          </p:nvSpPr>
+          <p:spPr>
+            <a:xfrm>
+              <a:off x="1858723" y="3291718"/>
+              <a:ext cx="1246939" cy="1260000"/>
+            </a:xfrm>
+            <a:prstGeom prst="rect">
+              <a:avLst/>
+            </a:prstGeom>
+            <a:noFill/>
+            <a:ln w="28575"/>
+          </p:spPr>
+          <p:style>
+            <a:lnRef idx="2">
+              <a:schemeClr val="dk1"/>
+            </a:lnRef>
+            <a:fillRef idx="1">
+              <a:schemeClr val="lt1"/>
+            </a:fillRef>
+            <a:effectRef idx="0">
+              <a:schemeClr val="dk1"/>
+            </a:effectRef>
+            <a:fontRef idx="minor">
+              <a:schemeClr val="dk1"/>
+            </a:fontRef>
+          </p:style>
+          <p:txBody>
+            <a:bodyPr rtlCol="0" anchor="ctr"/>
+            <a:lstStyle/>
+            <a:p>
+              <a:pPr algn="ctr"/>
+              <a:endParaRPr lang="de-DE" dirty="0"/>
+            </a:p>
+          </p:txBody>
+        </p:sp>
+        <p:sp>
+          <p:nvSpPr>
+            <p:cNvPr id="72" name="TextBox 71">
+              <a:extLst>
+                <a:ext uri="{FF2B5EF4-FFF2-40B4-BE49-F238E27FC236}">
+                  <a16:creationId xmlns:a16="http://schemas.microsoft.com/office/drawing/2014/main" id="{0FFD68D1-9826-4464-8C8F-39868591C202}"/>
+                </a:ext>
+              </a:extLst>
+            </p:cNvPr>
+            <p:cNvSpPr txBox="1"/>
+            <p:nvPr/>
+          </p:nvSpPr>
+          <p:spPr>
+            <a:xfrm>
+              <a:off x="2319864" y="3683191"/>
+              <a:ext cx="324655" cy="477054"/>
+            </a:xfrm>
+            <a:prstGeom prst="rect">
+              <a:avLst/>
+            </a:prstGeom>
+            <a:noFill/>
+          </p:spPr>
+          <p:txBody>
+            <a:bodyPr wrap="square" rtlCol="0">
+              <a:spAutoFit/>
+            </a:bodyPr>
+            <a:lstStyle/>
+            <a:p>
+              <a:pPr algn="ctr"/>
+              <a:r>
+                <a:rPr lang="en-GB" sz="2500" dirty="0"/>
+                <a:t>O</a:t>
+              </a:r>
+            </a:p>
+          </p:txBody>
+        </p:sp>
+      </p:grpSp>
+      <p:grpSp>
+        <p:nvGrpSpPr>
+          <p:cNvPr id="73" name="Group 72">
+            <a:extLst>
+              <a:ext uri="{FF2B5EF4-FFF2-40B4-BE49-F238E27FC236}">
+                <a16:creationId xmlns:a16="http://schemas.microsoft.com/office/drawing/2014/main" id="{1E798A5A-03AB-4906-849F-125172EEDF64}"/>
+              </a:ext>
+            </a:extLst>
+          </p:cNvPr>
+          <p:cNvGrpSpPr/>
+          <p:nvPr/>
+        </p:nvGrpSpPr>
+        <p:grpSpPr>
+          <a:xfrm>
+            <a:off x="7163572" y="4380906"/>
+            <a:ext cx="1246939" cy="1260000"/>
+            <a:chOff x="1858723" y="3291718"/>
+            <a:chExt cx="1246939" cy="1260000"/>
+          </a:xfrm>
+        </p:grpSpPr>
+        <p:sp>
+          <p:nvSpPr>
+            <p:cNvPr id="74" name="Rechteck 16">
+              <a:extLst>
+                <a:ext uri="{FF2B5EF4-FFF2-40B4-BE49-F238E27FC236}">
+                  <a16:creationId xmlns:a16="http://schemas.microsoft.com/office/drawing/2014/main" id="{ABA0EF9C-E8F7-40C1-8FD7-191F9A4B93EC}"/>
+                </a:ext>
+              </a:extLst>
+            </p:cNvPr>
+            <p:cNvSpPr/>
+            <p:nvPr/>
+          </p:nvSpPr>
+          <p:spPr>
+            <a:xfrm>
+              <a:off x="1858723" y="3291718"/>
+              <a:ext cx="1246939" cy="1260000"/>
+            </a:xfrm>
+            <a:prstGeom prst="rect">
+              <a:avLst/>
+            </a:prstGeom>
+            <a:noFill/>
+            <a:ln w="28575"/>
+          </p:spPr>
+          <p:style>
+            <a:lnRef idx="2">
+              <a:schemeClr val="dk1"/>
+            </a:lnRef>
+            <a:fillRef idx="1">
+              <a:schemeClr val="lt1"/>
+            </a:fillRef>
+            <a:effectRef idx="0">
+              <a:schemeClr val="dk1"/>
+            </a:effectRef>
+            <a:fontRef idx="minor">
+              <a:schemeClr val="dk1"/>
+            </a:fontRef>
+          </p:style>
+          <p:txBody>
+            <a:bodyPr rtlCol="0" anchor="ctr"/>
+            <a:lstStyle/>
+            <a:p>
+              <a:pPr algn="ctr"/>
+              <a:endParaRPr lang="de-DE" dirty="0"/>
+            </a:p>
+          </p:txBody>
+        </p:sp>
+        <p:sp>
+          <p:nvSpPr>
+            <p:cNvPr id="75" name="TextBox 74">
+              <a:extLst>
+                <a:ext uri="{FF2B5EF4-FFF2-40B4-BE49-F238E27FC236}">
+                  <a16:creationId xmlns:a16="http://schemas.microsoft.com/office/drawing/2014/main" id="{7B2DC70E-EDF5-472F-A465-FCC595567C11}"/>
+                </a:ext>
+              </a:extLst>
+            </p:cNvPr>
+            <p:cNvSpPr txBox="1"/>
+            <p:nvPr/>
+          </p:nvSpPr>
+          <p:spPr>
+            <a:xfrm>
+              <a:off x="2319864" y="3683191"/>
+              <a:ext cx="324655" cy="477054"/>
+            </a:xfrm>
+            <a:prstGeom prst="rect">
+              <a:avLst/>
+            </a:prstGeom>
+            <a:noFill/>
+          </p:spPr>
+          <p:txBody>
+            <a:bodyPr wrap="square" rtlCol="0">
+              <a:spAutoFit/>
+            </a:bodyPr>
+            <a:lstStyle/>
+            <a:p>
+              <a:pPr algn="ctr"/>
+              <a:r>
+                <a:rPr lang="en-GB" sz="2500" dirty="0"/>
+                <a:t>X</a:t>
+              </a:r>
+            </a:p>
+          </p:txBody>
+        </p:sp>
+      </p:grpSp>
+      <p:cxnSp>
+        <p:nvCxnSpPr>
+          <p:cNvPr id="12" name="Straight Arrow Connector 11">
+            <a:extLst>
+              <a:ext uri="{FF2B5EF4-FFF2-40B4-BE49-F238E27FC236}">
+                <a16:creationId xmlns:a16="http://schemas.microsoft.com/office/drawing/2014/main" id="{9D51780F-7637-4AA8-BBE7-8A4C40D5E1D3}"/>
+              </a:ext>
+            </a:extLst>
+          </p:cNvPr>
+          <p:cNvCxnSpPr/>
+          <p:nvPr/>
+        </p:nvCxnSpPr>
+        <p:spPr>
+          <a:xfrm>
+            <a:off x="1143000" y="4923692"/>
+            <a:ext cx="7526215" cy="1297131"/>
+          </a:xfrm>
+          <a:prstGeom prst="straightConnector1">
+            <a:avLst/>
+          </a:prstGeom>
+          <a:ln w="38100">
+            <a:solidFill>
+              <a:schemeClr val="tx1">
+                <a:lumMod val="95000"/>
+                <a:lumOff val="5000"/>
+              </a:schemeClr>
+            </a:solidFill>
+            <a:tailEnd type="triangle"/>
+          </a:ln>
+        </p:spPr>
+        <p:style>
+          <a:lnRef idx="1">
+            <a:schemeClr val="accent1"/>
+          </a:lnRef>
+          <a:fillRef idx="0">
+            <a:schemeClr val="accent1"/>
+          </a:fillRef>
+          <a:effectRef idx="0">
+            <a:schemeClr val="accent1"/>
+          </a:effectRef>
+          <a:fontRef idx="minor">
+            <a:schemeClr val="tx1"/>
+          </a:fontRef>
+        </p:style>
+      </p:cxnSp>
+      <p:grpSp>
+        <p:nvGrpSpPr>
+          <p:cNvPr id="76" name="Group 75">
+            <a:extLst>
+              <a:ext uri="{FF2B5EF4-FFF2-40B4-BE49-F238E27FC236}">
+                <a16:creationId xmlns:a16="http://schemas.microsoft.com/office/drawing/2014/main" id="{C906713C-3EA8-411D-8D69-3743D098EDF0}"/>
+              </a:ext>
+            </a:extLst>
+          </p:cNvPr>
+          <p:cNvGrpSpPr/>
+          <p:nvPr/>
+        </p:nvGrpSpPr>
+        <p:grpSpPr>
+          <a:xfrm>
+            <a:off x="8840369" y="4468602"/>
+            <a:ext cx="3065746" cy="1499495"/>
+            <a:chOff x="1415587" y="3300063"/>
+            <a:chExt cx="3065746" cy="1499495"/>
+          </a:xfrm>
+        </p:grpSpPr>
+        <p:sp>
+          <p:nvSpPr>
+            <p:cNvPr id="77" name="Rechteck 16">
+              <a:extLst>
+                <a:ext uri="{FF2B5EF4-FFF2-40B4-BE49-F238E27FC236}">
+                  <a16:creationId xmlns:a16="http://schemas.microsoft.com/office/drawing/2014/main" id="{51A3E090-FAAB-469D-A482-57A2D10B4EA7}"/>
+                </a:ext>
+              </a:extLst>
+            </p:cNvPr>
+            <p:cNvSpPr/>
+            <p:nvPr/>
+          </p:nvSpPr>
+          <p:spPr>
+            <a:xfrm>
+              <a:off x="1859337" y="3300063"/>
+              <a:ext cx="2178246" cy="1499495"/>
+            </a:xfrm>
+            <a:prstGeom prst="rect">
+              <a:avLst/>
+            </a:prstGeom>
+            <a:noFill/>
+            <a:ln w="28575"/>
+          </p:spPr>
+          <p:style>
+            <a:lnRef idx="2">
+              <a:schemeClr val="dk1"/>
+            </a:lnRef>
+            <a:fillRef idx="1">
+              <a:schemeClr val="lt1"/>
+            </a:fillRef>
+            <a:effectRef idx="0">
+              <a:schemeClr val="dk1"/>
+            </a:effectRef>
+            <a:fontRef idx="minor">
+              <a:schemeClr val="dk1"/>
+            </a:fontRef>
+          </p:style>
+          <p:txBody>
+            <a:bodyPr rtlCol="0" anchor="ctr"/>
+            <a:lstStyle/>
+            <a:p>
+              <a:pPr algn="ctr"/>
+              <a:endParaRPr lang="de-DE" dirty="0"/>
+            </a:p>
+          </p:txBody>
+        </p:sp>
+        <p:sp>
+          <p:nvSpPr>
+            <p:cNvPr id="78" name="TextBox 77">
+              <a:extLst>
+                <a:ext uri="{FF2B5EF4-FFF2-40B4-BE49-F238E27FC236}">
+                  <a16:creationId xmlns:a16="http://schemas.microsoft.com/office/drawing/2014/main" id="{D0E0A021-3626-4031-A3C7-68F5A3825DB2}"/>
+                </a:ext>
+              </a:extLst>
+            </p:cNvPr>
+            <p:cNvSpPr txBox="1"/>
+            <p:nvPr/>
+          </p:nvSpPr>
+          <p:spPr>
+            <a:xfrm>
+              <a:off x="1415587" y="3650007"/>
+              <a:ext cx="3065746" cy="861774"/>
+            </a:xfrm>
+            <a:prstGeom prst="rect">
+              <a:avLst/>
+            </a:prstGeom>
+            <a:noFill/>
+          </p:spPr>
+          <p:txBody>
+            <a:bodyPr wrap="square" rtlCol="0">
+              <a:spAutoFit/>
+            </a:bodyPr>
+            <a:lstStyle/>
+            <a:p>
+              <a:pPr algn="ctr"/>
+              <a:r>
+                <a:rPr lang="en-GB" sz="2500" dirty="0"/>
+                <a:t>Wie oft </a:t>
+              </a:r>
+              <a:r>
+                <a:rPr lang="en-GB" sz="2500" dirty="0" err="1"/>
+                <a:t>ist</a:t>
+              </a:r>
+              <a:r>
+                <a:rPr lang="en-GB" sz="2500" dirty="0"/>
+                <a:t> “X” </a:t>
+              </a:r>
+              <a:r>
+                <a:rPr lang="en-GB" sz="2500" dirty="0" err="1"/>
+                <a:t>aufgetreten</a:t>
+              </a:r>
+              <a:r>
+                <a:rPr lang="en-GB" sz="2500" dirty="0"/>
+                <a:t>?</a:t>
+              </a:r>
+            </a:p>
+          </p:txBody>
+        </p:sp>
+      </p:grpSp>
     </p:spTree>
     <p:extLst>
       <p:ext uri="{BB962C8B-B14F-4D97-AF65-F5344CB8AC3E}">

--- a/instructions/instruction_slides.pptx
+++ b/instructions/instruction_slides.pptx
@@ -9,6 +9,8 @@
     <p:sldId id="277" r:id="rId3"/>
     <p:sldId id="282" r:id="rId4"/>
     <p:sldId id="256" r:id="rId5"/>
+    <p:sldId id="283" r:id="rId6"/>
+    <p:sldId id="284" r:id="rId7"/>
   </p:sldIdLst>
   <p:sldSz cx="12192000" cy="6858000"/>
   <p:notesSz cx="6858000" cy="9144000"/>
@@ -115,11 +117,9 @@
             <p14:sldId id="262"/>
             <p14:sldId id="277"/>
             <p14:sldId id="282"/>
-          </p14:sldIdLst>
-        </p14:section>
-        <p14:section name="Probe - No D, No R" id="{9660BA70-5971-410D-91F6-E5DBA2C39BCC}">
-          <p14:sldIdLst>
             <p14:sldId id="256"/>
+            <p14:sldId id="283"/>
+            <p14:sldId id="284"/>
           </p14:sldIdLst>
         </p14:section>
       </p14:sectionLst>
@@ -280,7 +280,7 @@
           <a:p>
             <a:fld id="{720A8C9A-4914-4E30-BB53-2E47D8B0250F}" type="datetimeFigureOut">
               <a:rPr lang="en-GB" smtClean="0"/>
-              <a:t>26/02/2025</a:t>
+              <a:t>27/02/2025</a:t>
             </a:fld>
             <a:endParaRPr lang="en-GB"/>
           </a:p>
@@ -480,7 +480,7 @@
           <a:p>
             <a:fld id="{720A8C9A-4914-4E30-BB53-2E47D8B0250F}" type="datetimeFigureOut">
               <a:rPr lang="en-GB" smtClean="0"/>
-              <a:t>26/02/2025</a:t>
+              <a:t>27/02/2025</a:t>
             </a:fld>
             <a:endParaRPr lang="en-GB"/>
           </a:p>
@@ -690,7 +690,7 @@
           <a:p>
             <a:fld id="{720A8C9A-4914-4E30-BB53-2E47D8B0250F}" type="datetimeFigureOut">
               <a:rPr lang="en-GB" smtClean="0"/>
-              <a:t>26/02/2025</a:t>
+              <a:t>27/02/2025</a:t>
             </a:fld>
             <a:endParaRPr lang="en-GB"/>
           </a:p>
@@ -890,7 +890,7 @@
           <a:p>
             <a:fld id="{720A8C9A-4914-4E30-BB53-2E47D8B0250F}" type="datetimeFigureOut">
               <a:rPr lang="en-GB" smtClean="0"/>
-              <a:t>26/02/2025</a:t>
+              <a:t>27/02/2025</a:t>
             </a:fld>
             <a:endParaRPr lang="en-GB"/>
           </a:p>
@@ -1166,7 +1166,7 @@
           <a:p>
             <a:fld id="{720A8C9A-4914-4E30-BB53-2E47D8B0250F}" type="datetimeFigureOut">
               <a:rPr lang="en-GB" smtClean="0"/>
-              <a:t>26/02/2025</a:t>
+              <a:t>27/02/2025</a:t>
             </a:fld>
             <a:endParaRPr lang="en-GB"/>
           </a:p>
@@ -1434,7 +1434,7 @@
           <a:p>
             <a:fld id="{720A8C9A-4914-4E30-BB53-2E47D8B0250F}" type="datetimeFigureOut">
               <a:rPr lang="en-GB" smtClean="0"/>
-              <a:t>26/02/2025</a:t>
+              <a:t>27/02/2025</a:t>
             </a:fld>
             <a:endParaRPr lang="en-GB"/>
           </a:p>
@@ -1849,7 +1849,7 @@
           <a:p>
             <a:fld id="{720A8C9A-4914-4E30-BB53-2E47D8B0250F}" type="datetimeFigureOut">
               <a:rPr lang="en-GB" smtClean="0"/>
-              <a:t>26/02/2025</a:t>
+              <a:t>27/02/2025</a:t>
             </a:fld>
             <a:endParaRPr lang="en-GB"/>
           </a:p>
@@ -1991,7 +1991,7 @@
           <a:p>
             <a:fld id="{720A8C9A-4914-4E30-BB53-2E47D8B0250F}" type="datetimeFigureOut">
               <a:rPr lang="en-GB" smtClean="0"/>
-              <a:t>26/02/2025</a:t>
+              <a:t>27/02/2025</a:t>
             </a:fld>
             <a:endParaRPr lang="en-GB"/>
           </a:p>
@@ -2104,7 +2104,7 @@
           <a:p>
             <a:fld id="{720A8C9A-4914-4E30-BB53-2E47D8B0250F}" type="datetimeFigureOut">
               <a:rPr lang="en-GB" smtClean="0"/>
-              <a:t>26/02/2025</a:t>
+              <a:t>27/02/2025</a:t>
             </a:fld>
             <a:endParaRPr lang="en-GB"/>
           </a:p>
@@ -2417,7 +2417,7 @@
           <a:p>
             <a:fld id="{720A8C9A-4914-4E30-BB53-2E47D8B0250F}" type="datetimeFigureOut">
               <a:rPr lang="en-GB" smtClean="0"/>
-              <a:t>26/02/2025</a:t>
+              <a:t>27/02/2025</a:t>
             </a:fld>
             <a:endParaRPr lang="en-GB"/>
           </a:p>
@@ -2706,7 +2706,7 @@
           <a:p>
             <a:fld id="{720A8C9A-4914-4E30-BB53-2E47D8B0250F}" type="datetimeFigureOut">
               <a:rPr lang="en-GB" smtClean="0"/>
-              <a:t>26/02/2025</a:t>
+              <a:t>27/02/2025</a:t>
             </a:fld>
             <a:endParaRPr lang="en-GB"/>
           </a:p>
@@ -2949,7 +2949,7 @@
           <a:p>
             <a:fld id="{720A8C9A-4914-4E30-BB53-2E47D8B0250F}" type="datetimeFigureOut">
               <a:rPr lang="en-GB" smtClean="0"/>
-              <a:t>26/02/2025</a:t>
+              <a:t>27/02/2025</a:t>
             </a:fld>
             <a:endParaRPr lang="en-GB"/>
           </a:p>
@@ -3460,7 +3460,15 @@
             </a:r>
             <a:r>
               <a:rPr lang="en-GB" sz="2200" dirty="0"/>
-              <a:t> die Aufgabe </a:t>
+              <a:t> </a:t>
+            </a:r>
+            <a:r>
+              <a:rPr lang="en-GB" sz="2200" dirty="0" err="1"/>
+              <a:t>diesen</a:t>
+            </a:r>
+            <a:r>
+              <a:rPr lang="en-GB" sz="2200" dirty="0"/>
+              <a:t> Block </a:t>
             </a:r>
             <a:r>
               <a:rPr lang="en-GB" sz="2200" dirty="0" err="1"/>
@@ -3522,7 +3530,15 @@
             </a:r>
             <a:r>
               <a:rPr lang="en-GB" sz="2200" dirty="0"/>
-              <a:t> der </a:t>
+              <a:t> </a:t>
+            </a:r>
+            <a:r>
+              <a:rPr lang="en-GB" sz="2200" dirty="0" err="1"/>
+              <a:t>dem</a:t>
+            </a:r>
+            <a:r>
+              <a:rPr lang="en-GB" sz="2200" dirty="0"/>
+              <a:t> </a:t>
             </a:r>
             <a:r>
               <a:rPr lang="en-GB" sz="2200" dirty="0" err="1"/>
@@ -3530,7 +3546,7 @@
             </a:r>
             <a:r>
               <a:rPr lang="en-GB" sz="2200" dirty="0"/>
-              <a:t> Aufgabe </a:t>
+              <a:t> Block </a:t>
             </a:r>
             <a:r>
               <a:rPr lang="en-GB" sz="2200" dirty="0" err="1"/>
@@ -3951,8 +3967,8 @@
         </p:nvSpPr>
         <p:spPr>
           <a:xfrm>
-            <a:off x="735985" y="1928315"/>
-            <a:ext cx="11375042" cy="769441"/>
+            <a:off x="681426" y="1186586"/>
+            <a:ext cx="11375042" cy="1446550"/>
           </a:xfrm>
           <a:prstGeom prst="rect">
             <a:avLst/>
@@ -4100,6 +4116,35 @@
             <a:r>
               <a:rPr lang="en-GB" sz="2200" dirty="0" err="1"/>
               <a:t>ist</a:t>
+            </a:r>
+            <a:r>
+              <a:rPr lang="en-GB" sz="2200" dirty="0"/>
+              <a:t>.</a:t>
+            </a:r>
+          </a:p>
+          <a:p>
+            <a:endParaRPr lang="en-GB" sz="2200" dirty="0"/>
+          </a:p>
+          <a:p>
+            <a:r>
+              <a:rPr lang="en-GB" sz="2200" dirty="0" err="1"/>
+              <a:t>Drücken</a:t>
+            </a:r>
+            <a:r>
+              <a:rPr lang="en-GB" sz="2200" dirty="0"/>
+              <a:t> Sie “M” um </a:t>
+            </a:r>
+            <a:r>
+              <a:rPr lang="en-GB" sz="2200" dirty="0" err="1"/>
+              <a:t>zu</a:t>
+            </a:r>
+            <a:r>
+              <a:rPr lang="en-GB" sz="2200" dirty="0"/>
+              <a:t> </a:t>
+            </a:r>
+            <a:r>
+              <a:rPr lang="en-GB" sz="2200" dirty="0" err="1"/>
+              <a:t>üben</a:t>
             </a:r>
             <a:r>
               <a:rPr lang="en-GB" sz="2200" dirty="0"/>
@@ -4286,7 +4331,7 @@
         </p:nvGrpSpPr>
         <p:grpSpPr>
           <a:xfrm>
-            <a:off x="4326987" y="3829289"/>
+            <a:off x="4326787" y="3834233"/>
             <a:ext cx="1246939" cy="1260000"/>
             <a:chOff x="3198085" y="3679034"/>
             <a:chExt cx="1246939" cy="1260000"/>
@@ -4389,7 +4434,7 @@
         </p:nvGrpSpPr>
         <p:grpSpPr>
           <a:xfrm>
-            <a:off x="2908495" y="3544476"/>
+            <a:off x="2908395" y="3560897"/>
             <a:ext cx="1246939" cy="1260000"/>
             <a:chOff x="1858723" y="3291718"/>
             <a:chExt cx="1246939" cy="1260000"/>
@@ -4492,7 +4537,7 @@
         </p:nvGrpSpPr>
         <p:grpSpPr>
           <a:xfrm>
-            <a:off x="5745479" y="4142379"/>
+            <a:off x="5745179" y="4107569"/>
             <a:ext cx="1246939" cy="1260000"/>
             <a:chOff x="1858723" y="3291718"/>
             <a:chExt cx="1246939" cy="1260000"/>
@@ -4693,13 +4738,15 @@
               </a:ext>
             </a:extLst>
           </p:cNvPr>
-          <p:cNvCxnSpPr/>
+          <p:cNvCxnSpPr>
+            <a:cxnSpLocks/>
+          </p:cNvCxnSpPr>
           <p:nvPr/>
         </p:nvCxnSpPr>
         <p:spPr>
           <a:xfrm>
             <a:off x="1143000" y="4923692"/>
-            <a:ext cx="7526215" cy="1297131"/>
+            <a:ext cx="7267511" cy="1253502"/>
           </a:xfrm>
           <a:prstGeom prst="straightConnector1">
             <a:avLst/>
@@ -4743,7 +4790,7 @@
         </p:nvGrpSpPr>
         <p:grpSpPr>
           <a:xfrm>
-            <a:off x="8840369" y="4468602"/>
+            <a:off x="8757513" y="4261158"/>
             <a:ext cx="3065746" cy="1499495"/>
             <a:chOff x="1415587" y="3300063"/>
             <a:chExt cx="3065746" cy="1499495"/>
@@ -4848,10 +4895,2750 @@
           </p:txBody>
         </p:sp>
       </p:grpSp>
+      <p:sp>
+        <p:nvSpPr>
+          <p:cNvPr id="6" name="Arrow: Right 5">
+            <a:extLst>
+              <a:ext uri="{FF2B5EF4-FFF2-40B4-BE49-F238E27FC236}">
+                <a16:creationId xmlns:a16="http://schemas.microsoft.com/office/drawing/2014/main" id="{5ED71050-CD26-4FB7-8FB8-38B071331843}"/>
+              </a:ext>
+            </a:extLst>
+          </p:cNvPr>
+          <p:cNvSpPr/>
+          <p:nvPr/>
+        </p:nvSpPr>
+        <p:spPr>
+          <a:xfrm>
+            <a:off x="9583615" y="5908431"/>
+            <a:ext cx="483577" cy="312392"/>
+          </a:xfrm>
+          <a:prstGeom prst="rightArrow">
+            <a:avLst/>
+          </a:prstGeom>
+          <a:noFill/>
+          <a:ln w="28575"/>
+        </p:spPr>
+        <p:style>
+          <a:lnRef idx="2">
+            <a:schemeClr val="dk1">
+              <a:shade val="50000"/>
+            </a:schemeClr>
+          </a:lnRef>
+          <a:fillRef idx="1">
+            <a:schemeClr val="dk1"/>
+          </a:fillRef>
+          <a:effectRef idx="0">
+            <a:schemeClr val="dk1"/>
+          </a:effectRef>
+          <a:fontRef idx="minor">
+            <a:schemeClr val="lt1"/>
+          </a:fontRef>
+        </p:style>
+        <p:txBody>
+          <a:bodyPr rtlCol="0" anchor="ctr"/>
+          <a:lstStyle/>
+          <a:p>
+            <a:pPr algn="ctr"/>
+            <a:endParaRPr lang="en-GB"/>
+          </a:p>
+        </p:txBody>
+      </p:sp>
+      <p:sp>
+        <p:nvSpPr>
+          <p:cNvPr id="7" name="TextBox 6">
+            <a:extLst>
+              <a:ext uri="{FF2B5EF4-FFF2-40B4-BE49-F238E27FC236}">
+                <a16:creationId xmlns:a16="http://schemas.microsoft.com/office/drawing/2014/main" id="{861492E7-1221-42F3-94AD-245DD3AA2A87}"/>
+              </a:ext>
+            </a:extLst>
+          </p:cNvPr>
+          <p:cNvSpPr txBox="1"/>
+          <p:nvPr/>
+        </p:nvSpPr>
+        <p:spPr>
+          <a:xfrm>
+            <a:off x="10176834" y="5822820"/>
+            <a:ext cx="668215" cy="477054"/>
+          </a:xfrm>
+          <a:prstGeom prst="rect">
+            <a:avLst/>
+          </a:prstGeom>
+          <a:noFill/>
+        </p:spPr>
+        <p:txBody>
+          <a:bodyPr wrap="square" rtlCol="0">
+            <a:spAutoFit/>
+          </a:bodyPr>
+          <a:lstStyle/>
+          <a:p>
+            <a:r>
+              <a:rPr lang="en-GB" sz="2500" b="1" dirty="0"/>
+              <a:t>2</a:t>
+            </a:r>
+          </a:p>
+        </p:txBody>
+      </p:sp>
     </p:spTree>
     <p:extLst>
       <p:ext uri="{BB962C8B-B14F-4D97-AF65-F5344CB8AC3E}">
         <p14:creationId xmlns:p14="http://schemas.microsoft.com/office/powerpoint/2010/main" val="499898952"/>
+      </p:ext>
+    </p:extLst>
+  </p:cSld>
+  <p:clrMapOvr>
+    <a:masterClrMapping/>
+  </p:clrMapOvr>
+</p:sld>
+</file>
+
+<file path=ppt/slides/slide5.xml><?xml version="1.0" encoding="utf-8"?>
+<p:sld xmlns:a="http://schemas.openxmlformats.org/drawingml/2006/main" xmlns:r="http://schemas.openxmlformats.org/officeDocument/2006/relationships" xmlns:p="http://schemas.openxmlformats.org/presentationml/2006/main">
+  <p:cSld>
+    <p:bg>
+      <p:bgPr>
+        <a:solidFill>
+          <a:srgbClr val="8C8C8C"/>
+        </a:solidFill>
+        <a:effectLst/>
+      </p:bgPr>
+    </p:bg>
+    <p:spTree>
+      <p:nvGrpSpPr>
+        <p:cNvPr id="1" name=""/>
+        <p:cNvGrpSpPr/>
+        <p:nvPr/>
+      </p:nvGrpSpPr>
+      <p:grpSpPr>
+        <a:xfrm>
+          <a:off x="0" y="0"/>
+          <a:ext cx="0" cy="0"/>
+          <a:chOff x="0" y="0"/>
+          <a:chExt cx="0" cy="0"/>
+        </a:xfrm>
+      </p:grpSpPr>
+      <p:sp>
+        <p:nvSpPr>
+          <p:cNvPr id="5" name="TextBox 4">
+            <a:extLst>
+              <a:ext uri="{FF2B5EF4-FFF2-40B4-BE49-F238E27FC236}">
+                <a16:creationId xmlns:a16="http://schemas.microsoft.com/office/drawing/2014/main" id="{7014E9E9-4A3F-4F05-8E1B-1A44006B7C5C}"/>
+              </a:ext>
+            </a:extLst>
+          </p:cNvPr>
+          <p:cNvSpPr txBox="1"/>
+          <p:nvPr/>
+        </p:nvSpPr>
+        <p:spPr>
+          <a:xfrm>
+            <a:off x="681426" y="1186586"/>
+            <a:ext cx="11375042" cy="1785104"/>
+          </a:xfrm>
+          <a:prstGeom prst="rect">
+            <a:avLst/>
+          </a:prstGeom>
+          <a:noFill/>
+        </p:spPr>
+        <p:txBody>
+          <a:bodyPr wrap="square" rtlCol="0">
+            <a:spAutoFit/>
+          </a:bodyPr>
+          <a:lstStyle/>
+          <a:p>
+            <a:r>
+              <a:rPr lang="en-GB" sz="2200" dirty="0"/>
+              <a:t>Sie </a:t>
+            </a:r>
+            <a:r>
+              <a:rPr lang="en-GB" sz="2200" dirty="0" err="1"/>
+              <a:t>werden</a:t>
+            </a:r>
+            <a:r>
+              <a:rPr lang="en-GB" sz="2200" dirty="0"/>
+              <a:t> </a:t>
+            </a:r>
+            <a:r>
+              <a:rPr lang="en-GB" sz="2200" dirty="0" err="1"/>
+              <a:t>eine</a:t>
+            </a:r>
+            <a:r>
+              <a:rPr lang="en-GB" sz="2200" dirty="0"/>
+              <a:t> </a:t>
+            </a:r>
+            <a:r>
+              <a:rPr lang="en-GB" sz="2200" dirty="0" err="1"/>
+              <a:t>Reihe</a:t>
+            </a:r>
+            <a:r>
+              <a:rPr lang="en-GB" sz="2200" dirty="0"/>
+              <a:t> von </a:t>
+            </a:r>
+            <a:r>
+              <a:rPr lang="en-GB" sz="2200" dirty="0" err="1"/>
+              <a:t>Buchstaben</a:t>
+            </a:r>
+            <a:r>
+              <a:rPr lang="en-GB" sz="2200" dirty="0"/>
+              <a:t> / </a:t>
+            </a:r>
+            <a:r>
+              <a:rPr lang="en-GB" sz="2200" dirty="0" err="1"/>
+              <a:t>Bildern</a:t>
+            </a:r>
+            <a:r>
+              <a:rPr lang="en-GB" sz="2200" dirty="0"/>
+              <a:t> in der Mitte des </a:t>
+            </a:r>
+            <a:r>
+              <a:rPr lang="en-GB" sz="2200" dirty="0" err="1"/>
+              <a:t>Bildschirms</a:t>
+            </a:r>
+            <a:r>
+              <a:rPr lang="en-GB" sz="2200" dirty="0"/>
+              <a:t> </a:t>
+            </a:r>
+            <a:r>
+              <a:rPr lang="en-GB" sz="2200" dirty="0" err="1"/>
+              <a:t>sehen</a:t>
+            </a:r>
+            <a:r>
+              <a:rPr lang="en-GB" sz="2200" dirty="0"/>
+              <a:t>. Manche </a:t>
+            </a:r>
+            <a:r>
+              <a:rPr lang="en-GB" sz="2200" dirty="0" err="1"/>
+              <a:t>dieser</a:t>
+            </a:r>
+            <a:r>
+              <a:rPr lang="en-GB" sz="2200" dirty="0"/>
+              <a:t> </a:t>
+            </a:r>
+            <a:r>
+              <a:rPr lang="en-GB" sz="2200" dirty="0" err="1"/>
+              <a:t>Buchstaben</a:t>
+            </a:r>
+            <a:r>
+              <a:rPr lang="en-GB" sz="2200" dirty="0"/>
+              <a:t> </a:t>
+            </a:r>
+            <a:r>
+              <a:rPr lang="en-GB" sz="2200" dirty="0" err="1"/>
+              <a:t>sind</a:t>
+            </a:r>
+            <a:r>
+              <a:rPr lang="en-GB" sz="2200" dirty="0"/>
+              <a:t> </a:t>
+            </a:r>
+            <a:r>
+              <a:rPr lang="en-GB" sz="2200" dirty="0" err="1"/>
+              <a:t>ein</a:t>
+            </a:r>
+            <a:r>
+              <a:rPr lang="en-GB" sz="2200" dirty="0"/>
+              <a:t> “O” und manche </a:t>
+            </a:r>
+            <a:r>
+              <a:rPr lang="en-GB" sz="2200" dirty="0" err="1"/>
+              <a:t>ein</a:t>
+            </a:r>
+            <a:r>
+              <a:rPr lang="en-GB" sz="2200" dirty="0"/>
+              <a:t> “X”.  </a:t>
+            </a:r>
+            <a:r>
+              <a:rPr lang="en-GB" sz="2200" dirty="0" err="1"/>
+              <a:t>Zählen</a:t>
+            </a:r>
+            <a:r>
+              <a:rPr lang="en-GB" sz="2200" dirty="0"/>
+              <a:t> Sie </a:t>
+            </a:r>
+            <a:r>
+              <a:rPr lang="en-GB" sz="2200" dirty="0" err="1"/>
+              <a:t>weiterhin</a:t>
+            </a:r>
+            <a:r>
+              <a:rPr lang="en-GB" sz="2200" dirty="0"/>
+              <a:t> die </a:t>
+            </a:r>
+            <a:r>
+              <a:rPr lang="en-GB" sz="2200" dirty="0" err="1"/>
+              <a:t>Anzahl</a:t>
+            </a:r>
+            <a:r>
+              <a:rPr lang="en-GB" sz="2200" dirty="0"/>
+              <a:t> von “X”.</a:t>
+            </a:r>
+          </a:p>
+          <a:p>
+            <a:endParaRPr lang="en-GB" sz="2200" dirty="0"/>
+          </a:p>
+          <a:p>
+            <a:r>
+              <a:rPr lang="en-GB" sz="2200" dirty="0" err="1"/>
+              <a:t>Drücken</a:t>
+            </a:r>
+            <a:r>
+              <a:rPr lang="en-GB" sz="2200" dirty="0"/>
+              <a:t> Sie die </a:t>
+            </a:r>
+            <a:r>
+              <a:rPr lang="en-GB" sz="2200" b="1" dirty="0" err="1"/>
+              <a:t>linke</a:t>
+            </a:r>
+            <a:r>
+              <a:rPr lang="en-GB" sz="2200" dirty="0"/>
+              <a:t> Taste “C”, </a:t>
+            </a:r>
+            <a:r>
+              <a:rPr lang="en-GB" sz="2200" dirty="0" err="1"/>
+              <a:t>wenn</a:t>
+            </a:r>
+            <a:r>
+              <a:rPr lang="en-GB" sz="2200" dirty="0"/>
+              <a:t> </a:t>
+            </a:r>
+            <a:r>
+              <a:rPr lang="en-GB" sz="2200" dirty="0" err="1"/>
+              <a:t>ein</a:t>
+            </a:r>
+            <a:r>
+              <a:rPr lang="en-GB" sz="2200" dirty="0"/>
+              <a:t> </a:t>
+            </a:r>
+            <a:r>
+              <a:rPr lang="en-GB" sz="2200" b="1" dirty="0"/>
+              <a:t>“X”</a:t>
+            </a:r>
+            <a:r>
+              <a:rPr lang="en-GB" sz="2200" dirty="0"/>
+              <a:t> </a:t>
+            </a:r>
+            <a:r>
+              <a:rPr lang="en-GB" sz="2200" dirty="0" err="1"/>
+              <a:t>auftritt</a:t>
+            </a:r>
+            <a:r>
+              <a:rPr lang="en-GB" sz="2200" dirty="0"/>
+              <a:t> und die </a:t>
+            </a:r>
+            <a:r>
+              <a:rPr lang="en-GB" sz="2200" b="1" dirty="0" err="1"/>
+              <a:t>rechte</a:t>
+            </a:r>
+            <a:r>
+              <a:rPr lang="en-GB" sz="2200" dirty="0"/>
+              <a:t> Taste “M”, </a:t>
+            </a:r>
+            <a:r>
+              <a:rPr lang="en-GB" sz="2200" dirty="0" err="1"/>
+              <a:t>wenn</a:t>
+            </a:r>
+            <a:r>
+              <a:rPr lang="en-GB" sz="2200" dirty="0"/>
+              <a:t> </a:t>
+            </a:r>
+            <a:r>
+              <a:rPr lang="en-GB" sz="2200" dirty="0" err="1"/>
+              <a:t>ein</a:t>
+            </a:r>
+            <a:r>
+              <a:rPr lang="en-GB" sz="2200" dirty="0"/>
+              <a:t> </a:t>
+            </a:r>
+            <a:r>
+              <a:rPr lang="en-GB" sz="2200" b="1" dirty="0"/>
+              <a:t>“O”</a:t>
+            </a:r>
+            <a:r>
+              <a:rPr lang="en-GB" sz="2200" dirty="0"/>
+              <a:t> </a:t>
+            </a:r>
+            <a:r>
+              <a:rPr lang="en-GB" sz="2200" dirty="0" err="1"/>
+              <a:t>auftritt</a:t>
+            </a:r>
+            <a:r>
+              <a:rPr lang="en-GB" sz="2200" dirty="0"/>
+              <a:t>. </a:t>
+            </a:r>
+            <a:r>
+              <a:rPr lang="en-GB" sz="2200" dirty="0" err="1"/>
+              <a:t>Arbeiten</a:t>
+            </a:r>
+            <a:r>
+              <a:rPr lang="en-GB" sz="2200" dirty="0"/>
+              <a:t> Sie so schnell und </a:t>
+            </a:r>
+            <a:r>
+              <a:rPr lang="en-GB" sz="2200" dirty="0" err="1"/>
+              <a:t>genau</a:t>
+            </a:r>
+            <a:r>
+              <a:rPr lang="en-GB" sz="2200" dirty="0"/>
+              <a:t> </a:t>
+            </a:r>
+            <a:r>
+              <a:rPr lang="en-GB" sz="2200" dirty="0" err="1"/>
+              <a:t>wie</a:t>
+            </a:r>
+            <a:r>
+              <a:rPr lang="en-GB" sz="2200" dirty="0"/>
+              <a:t> </a:t>
+            </a:r>
+            <a:r>
+              <a:rPr lang="en-GB" sz="2200" dirty="0" err="1"/>
+              <a:t>möglich</a:t>
+            </a:r>
+            <a:r>
+              <a:rPr lang="en-GB" sz="2200" dirty="0"/>
+              <a:t>.</a:t>
+            </a:r>
+          </a:p>
+        </p:txBody>
+      </p:sp>
+      <p:sp>
+        <p:nvSpPr>
+          <p:cNvPr id="57" name="Arrow: Right 56">
+            <a:extLst>
+              <a:ext uri="{FF2B5EF4-FFF2-40B4-BE49-F238E27FC236}">
+                <a16:creationId xmlns:a16="http://schemas.microsoft.com/office/drawing/2014/main" id="{2911D01B-0656-4E1C-BC44-E11CDAEF3CCF}"/>
+              </a:ext>
+            </a:extLst>
+          </p:cNvPr>
+          <p:cNvSpPr/>
+          <p:nvPr/>
+        </p:nvSpPr>
+        <p:spPr>
+          <a:xfrm>
+            <a:off x="10403341" y="6220823"/>
+            <a:ext cx="1785150" cy="637177"/>
+          </a:xfrm>
+          <a:prstGeom prst="rightArrow">
+            <a:avLst/>
+          </a:prstGeom>
+        </p:spPr>
+        <p:style>
+          <a:lnRef idx="2">
+            <a:schemeClr val="accent1">
+              <a:shade val="50000"/>
+            </a:schemeClr>
+          </a:lnRef>
+          <a:fillRef idx="1">
+            <a:schemeClr val="accent1"/>
+          </a:fillRef>
+          <a:effectRef idx="0">
+            <a:schemeClr val="accent1"/>
+          </a:effectRef>
+          <a:fontRef idx="minor">
+            <a:schemeClr val="lt1"/>
+          </a:fontRef>
+        </p:style>
+        <p:txBody>
+          <a:bodyPr rtlCol="0" anchor="ctr"/>
+          <a:lstStyle/>
+          <a:p>
+            <a:pPr algn="ctr"/>
+            <a:r>
+              <a:rPr lang="en-GB" sz="1500" dirty="0" err="1"/>
+              <a:t>Weiter</a:t>
+            </a:r>
+            <a:r>
+              <a:rPr lang="en-GB" sz="1500" dirty="0"/>
+              <a:t> </a:t>
+            </a:r>
+            <a:r>
+              <a:rPr lang="en-GB" sz="1500" dirty="0" err="1"/>
+              <a:t>mit</a:t>
+            </a:r>
+            <a:r>
+              <a:rPr lang="en-GB" sz="1500" dirty="0"/>
+              <a:t> “M”</a:t>
+            </a:r>
+          </a:p>
+        </p:txBody>
+      </p:sp>
+      <p:grpSp>
+        <p:nvGrpSpPr>
+          <p:cNvPr id="3" name="Group 2">
+            <a:extLst>
+              <a:ext uri="{FF2B5EF4-FFF2-40B4-BE49-F238E27FC236}">
+                <a16:creationId xmlns:a16="http://schemas.microsoft.com/office/drawing/2014/main" id="{DE69AD48-C666-451B-82C4-47CE342B2613}"/>
+              </a:ext>
+            </a:extLst>
+          </p:cNvPr>
+          <p:cNvGrpSpPr/>
+          <p:nvPr/>
+        </p:nvGrpSpPr>
+        <p:grpSpPr>
+          <a:xfrm>
+            <a:off x="1490003" y="3287561"/>
+            <a:ext cx="1246939" cy="1260000"/>
+            <a:chOff x="1858723" y="3291718"/>
+            <a:chExt cx="1246939" cy="1260000"/>
+          </a:xfrm>
+        </p:grpSpPr>
+        <p:sp>
+          <p:nvSpPr>
+            <p:cNvPr id="55" name="Rechteck 16">
+              <a:extLst>
+                <a:ext uri="{FF2B5EF4-FFF2-40B4-BE49-F238E27FC236}">
+                  <a16:creationId xmlns:a16="http://schemas.microsoft.com/office/drawing/2014/main" id="{315FDCAA-8551-489C-A0D3-1A51B04E94CC}"/>
+                </a:ext>
+              </a:extLst>
+            </p:cNvPr>
+            <p:cNvSpPr/>
+            <p:nvPr/>
+          </p:nvSpPr>
+          <p:spPr>
+            <a:xfrm>
+              <a:off x="1858723" y="3291718"/>
+              <a:ext cx="1246939" cy="1260000"/>
+            </a:xfrm>
+            <a:prstGeom prst="rect">
+              <a:avLst/>
+            </a:prstGeom>
+            <a:noFill/>
+            <a:ln w="28575"/>
+          </p:spPr>
+          <p:style>
+            <a:lnRef idx="2">
+              <a:schemeClr val="dk1"/>
+            </a:lnRef>
+            <a:fillRef idx="1">
+              <a:schemeClr val="lt1"/>
+            </a:fillRef>
+            <a:effectRef idx="0">
+              <a:schemeClr val="dk1"/>
+            </a:effectRef>
+            <a:fontRef idx="minor">
+              <a:schemeClr val="dk1"/>
+            </a:fontRef>
+          </p:style>
+          <p:txBody>
+            <a:bodyPr rtlCol="0" anchor="ctr"/>
+            <a:lstStyle/>
+            <a:p>
+              <a:pPr algn="ctr"/>
+              <a:endParaRPr lang="de-DE" dirty="0"/>
+            </a:p>
+          </p:txBody>
+        </p:sp>
+        <p:sp>
+          <p:nvSpPr>
+            <p:cNvPr id="56" name="TextBox 55">
+              <a:extLst>
+                <a:ext uri="{FF2B5EF4-FFF2-40B4-BE49-F238E27FC236}">
+                  <a16:creationId xmlns:a16="http://schemas.microsoft.com/office/drawing/2014/main" id="{F0C928FB-E738-4C8C-9627-9CE9254AB182}"/>
+                </a:ext>
+              </a:extLst>
+            </p:cNvPr>
+            <p:cNvSpPr txBox="1"/>
+            <p:nvPr/>
+          </p:nvSpPr>
+          <p:spPr>
+            <a:xfrm>
+              <a:off x="2319864" y="3683191"/>
+              <a:ext cx="324655" cy="477054"/>
+            </a:xfrm>
+            <a:prstGeom prst="rect">
+              <a:avLst/>
+            </a:prstGeom>
+            <a:noFill/>
+          </p:spPr>
+          <p:txBody>
+            <a:bodyPr wrap="square" rtlCol="0">
+              <a:spAutoFit/>
+            </a:bodyPr>
+            <a:lstStyle/>
+            <a:p>
+              <a:pPr algn="ctr"/>
+              <a:r>
+                <a:rPr lang="en-GB" sz="2500" dirty="0"/>
+                <a:t>O</a:t>
+              </a:r>
+            </a:p>
+          </p:txBody>
+        </p:sp>
+      </p:grpSp>
+      <p:grpSp>
+        <p:nvGrpSpPr>
+          <p:cNvPr id="4" name="Group 3">
+            <a:extLst>
+              <a:ext uri="{FF2B5EF4-FFF2-40B4-BE49-F238E27FC236}">
+                <a16:creationId xmlns:a16="http://schemas.microsoft.com/office/drawing/2014/main" id="{9752A152-F136-4BAE-9BA5-77A6A2CA6666}"/>
+              </a:ext>
+            </a:extLst>
+          </p:cNvPr>
+          <p:cNvGrpSpPr/>
+          <p:nvPr/>
+        </p:nvGrpSpPr>
+        <p:grpSpPr>
+          <a:xfrm>
+            <a:off x="4326787" y="3834233"/>
+            <a:ext cx="1246939" cy="1260000"/>
+            <a:chOff x="3198085" y="3679034"/>
+            <a:chExt cx="1246939" cy="1260000"/>
+          </a:xfrm>
+        </p:grpSpPr>
+        <p:sp>
+          <p:nvSpPr>
+            <p:cNvPr id="58" name="Rechteck 16">
+              <a:extLst>
+                <a:ext uri="{FF2B5EF4-FFF2-40B4-BE49-F238E27FC236}">
+                  <a16:creationId xmlns:a16="http://schemas.microsoft.com/office/drawing/2014/main" id="{899DD459-1D2B-4C68-8716-2AD613D0FC08}"/>
+                </a:ext>
+              </a:extLst>
+            </p:cNvPr>
+            <p:cNvSpPr/>
+            <p:nvPr/>
+          </p:nvSpPr>
+          <p:spPr>
+            <a:xfrm>
+              <a:off x="3198085" y="3679034"/>
+              <a:ext cx="1246939" cy="1260000"/>
+            </a:xfrm>
+            <a:prstGeom prst="rect">
+              <a:avLst/>
+            </a:prstGeom>
+            <a:noFill/>
+            <a:ln w="28575"/>
+          </p:spPr>
+          <p:style>
+            <a:lnRef idx="2">
+              <a:schemeClr val="dk1"/>
+            </a:lnRef>
+            <a:fillRef idx="1">
+              <a:schemeClr val="lt1"/>
+            </a:fillRef>
+            <a:effectRef idx="0">
+              <a:schemeClr val="dk1"/>
+            </a:effectRef>
+            <a:fontRef idx="minor">
+              <a:schemeClr val="dk1"/>
+            </a:fontRef>
+          </p:style>
+          <p:txBody>
+            <a:bodyPr rtlCol="0" anchor="ctr"/>
+            <a:lstStyle/>
+            <a:p>
+              <a:pPr algn="ctr"/>
+              <a:endParaRPr lang="de-DE" dirty="0"/>
+            </a:p>
+          </p:txBody>
+        </p:sp>
+        <p:sp>
+          <p:nvSpPr>
+            <p:cNvPr id="59" name="TextBox 58">
+              <a:extLst>
+                <a:ext uri="{FF2B5EF4-FFF2-40B4-BE49-F238E27FC236}">
+                  <a16:creationId xmlns:a16="http://schemas.microsoft.com/office/drawing/2014/main" id="{662B66FE-D322-40E7-9880-8DA594757149}"/>
+                </a:ext>
+              </a:extLst>
+            </p:cNvPr>
+            <p:cNvSpPr txBox="1"/>
+            <p:nvPr/>
+          </p:nvSpPr>
+          <p:spPr>
+            <a:xfrm>
+              <a:off x="3659226" y="4070507"/>
+              <a:ext cx="324655" cy="477054"/>
+            </a:xfrm>
+            <a:prstGeom prst="rect">
+              <a:avLst/>
+            </a:prstGeom>
+            <a:noFill/>
+          </p:spPr>
+          <p:txBody>
+            <a:bodyPr wrap="square" rtlCol="0">
+              <a:spAutoFit/>
+            </a:bodyPr>
+            <a:lstStyle/>
+            <a:p>
+              <a:pPr algn="ctr"/>
+              <a:r>
+                <a:rPr lang="en-GB" sz="2500" dirty="0"/>
+                <a:t>X</a:t>
+              </a:r>
+            </a:p>
+          </p:txBody>
+        </p:sp>
+      </p:grpSp>
+      <p:grpSp>
+        <p:nvGrpSpPr>
+          <p:cNvPr id="63" name="Group 62">
+            <a:extLst>
+              <a:ext uri="{FF2B5EF4-FFF2-40B4-BE49-F238E27FC236}">
+                <a16:creationId xmlns:a16="http://schemas.microsoft.com/office/drawing/2014/main" id="{D79572F5-D7D5-4569-9E7E-7F654D3CD4A6}"/>
+              </a:ext>
+            </a:extLst>
+          </p:cNvPr>
+          <p:cNvGrpSpPr/>
+          <p:nvPr/>
+        </p:nvGrpSpPr>
+        <p:grpSpPr>
+          <a:xfrm>
+            <a:off x="2908395" y="3560897"/>
+            <a:ext cx="1246939" cy="1260000"/>
+            <a:chOff x="1858723" y="3291718"/>
+            <a:chExt cx="1246939" cy="1260000"/>
+          </a:xfrm>
+        </p:grpSpPr>
+        <p:sp>
+          <p:nvSpPr>
+            <p:cNvPr id="65" name="Rechteck 16">
+              <a:extLst>
+                <a:ext uri="{FF2B5EF4-FFF2-40B4-BE49-F238E27FC236}">
+                  <a16:creationId xmlns:a16="http://schemas.microsoft.com/office/drawing/2014/main" id="{A2913EDF-37F1-4FD6-AED0-BAA1C6D5BF72}"/>
+                </a:ext>
+              </a:extLst>
+            </p:cNvPr>
+            <p:cNvSpPr/>
+            <p:nvPr/>
+          </p:nvSpPr>
+          <p:spPr>
+            <a:xfrm>
+              <a:off x="1858723" y="3291718"/>
+              <a:ext cx="1246939" cy="1260000"/>
+            </a:xfrm>
+            <a:prstGeom prst="rect">
+              <a:avLst/>
+            </a:prstGeom>
+            <a:noFill/>
+            <a:ln w="28575"/>
+          </p:spPr>
+          <p:style>
+            <a:lnRef idx="2">
+              <a:schemeClr val="dk1"/>
+            </a:lnRef>
+            <a:fillRef idx="1">
+              <a:schemeClr val="lt1"/>
+            </a:fillRef>
+            <a:effectRef idx="0">
+              <a:schemeClr val="dk1"/>
+            </a:effectRef>
+            <a:fontRef idx="minor">
+              <a:schemeClr val="dk1"/>
+            </a:fontRef>
+          </p:style>
+          <p:txBody>
+            <a:bodyPr rtlCol="0" anchor="ctr"/>
+            <a:lstStyle/>
+            <a:p>
+              <a:pPr algn="ctr"/>
+              <a:endParaRPr lang="de-DE" dirty="0"/>
+            </a:p>
+          </p:txBody>
+        </p:sp>
+        <p:sp>
+          <p:nvSpPr>
+            <p:cNvPr id="66" name="TextBox 65">
+              <a:extLst>
+                <a:ext uri="{FF2B5EF4-FFF2-40B4-BE49-F238E27FC236}">
+                  <a16:creationId xmlns:a16="http://schemas.microsoft.com/office/drawing/2014/main" id="{D20B8B08-63C7-4C4B-BF74-C942A3F6E54B}"/>
+                </a:ext>
+              </a:extLst>
+            </p:cNvPr>
+            <p:cNvSpPr txBox="1"/>
+            <p:nvPr/>
+          </p:nvSpPr>
+          <p:spPr>
+            <a:xfrm>
+              <a:off x="2319864" y="3683191"/>
+              <a:ext cx="324655" cy="477054"/>
+            </a:xfrm>
+            <a:prstGeom prst="rect">
+              <a:avLst/>
+            </a:prstGeom>
+            <a:noFill/>
+          </p:spPr>
+          <p:txBody>
+            <a:bodyPr wrap="square" rtlCol="0">
+              <a:spAutoFit/>
+            </a:bodyPr>
+            <a:lstStyle/>
+            <a:p>
+              <a:pPr algn="ctr"/>
+              <a:r>
+                <a:rPr lang="en-GB" sz="2500" dirty="0"/>
+                <a:t>O</a:t>
+              </a:r>
+            </a:p>
+          </p:txBody>
+        </p:sp>
+      </p:grpSp>
+      <p:grpSp>
+        <p:nvGrpSpPr>
+          <p:cNvPr id="70" name="Group 69">
+            <a:extLst>
+              <a:ext uri="{FF2B5EF4-FFF2-40B4-BE49-F238E27FC236}">
+                <a16:creationId xmlns:a16="http://schemas.microsoft.com/office/drawing/2014/main" id="{B6D4BEC4-D4B5-471D-BDDE-73DB6CC74562}"/>
+              </a:ext>
+            </a:extLst>
+          </p:cNvPr>
+          <p:cNvGrpSpPr/>
+          <p:nvPr/>
+        </p:nvGrpSpPr>
+        <p:grpSpPr>
+          <a:xfrm>
+            <a:off x="5745179" y="4107569"/>
+            <a:ext cx="1246939" cy="1260000"/>
+            <a:chOff x="1858723" y="3291718"/>
+            <a:chExt cx="1246939" cy="1260000"/>
+          </a:xfrm>
+        </p:grpSpPr>
+        <p:sp>
+          <p:nvSpPr>
+            <p:cNvPr id="71" name="Rechteck 16">
+              <a:extLst>
+                <a:ext uri="{FF2B5EF4-FFF2-40B4-BE49-F238E27FC236}">
+                  <a16:creationId xmlns:a16="http://schemas.microsoft.com/office/drawing/2014/main" id="{0081C2FF-39CE-4D82-8F19-F7ADC47217AC}"/>
+                </a:ext>
+              </a:extLst>
+            </p:cNvPr>
+            <p:cNvSpPr/>
+            <p:nvPr/>
+          </p:nvSpPr>
+          <p:spPr>
+            <a:xfrm>
+              <a:off x="1858723" y="3291718"/>
+              <a:ext cx="1246939" cy="1260000"/>
+            </a:xfrm>
+            <a:prstGeom prst="rect">
+              <a:avLst/>
+            </a:prstGeom>
+            <a:noFill/>
+            <a:ln w="28575"/>
+          </p:spPr>
+          <p:style>
+            <a:lnRef idx="2">
+              <a:schemeClr val="dk1"/>
+            </a:lnRef>
+            <a:fillRef idx="1">
+              <a:schemeClr val="lt1"/>
+            </a:fillRef>
+            <a:effectRef idx="0">
+              <a:schemeClr val="dk1"/>
+            </a:effectRef>
+            <a:fontRef idx="minor">
+              <a:schemeClr val="dk1"/>
+            </a:fontRef>
+          </p:style>
+          <p:txBody>
+            <a:bodyPr rtlCol="0" anchor="ctr"/>
+            <a:lstStyle/>
+            <a:p>
+              <a:pPr algn="ctr"/>
+              <a:endParaRPr lang="de-DE" dirty="0"/>
+            </a:p>
+          </p:txBody>
+        </p:sp>
+        <p:sp>
+          <p:nvSpPr>
+            <p:cNvPr id="72" name="TextBox 71">
+              <a:extLst>
+                <a:ext uri="{FF2B5EF4-FFF2-40B4-BE49-F238E27FC236}">
+                  <a16:creationId xmlns:a16="http://schemas.microsoft.com/office/drawing/2014/main" id="{0FFD68D1-9826-4464-8C8F-39868591C202}"/>
+                </a:ext>
+              </a:extLst>
+            </p:cNvPr>
+            <p:cNvSpPr txBox="1"/>
+            <p:nvPr/>
+          </p:nvSpPr>
+          <p:spPr>
+            <a:xfrm>
+              <a:off x="2319864" y="3683191"/>
+              <a:ext cx="324655" cy="477054"/>
+            </a:xfrm>
+            <a:prstGeom prst="rect">
+              <a:avLst/>
+            </a:prstGeom>
+            <a:noFill/>
+          </p:spPr>
+          <p:txBody>
+            <a:bodyPr wrap="square" rtlCol="0">
+              <a:spAutoFit/>
+            </a:bodyPr>
+            <a:lstStyle/>
+            <a:p>
+              <a:pPr algn="ctr"/>
+              <a:r>
+                <a:rPr lang="en-GB" sz="2500" dirty="0"/>
+                <a:t>O</a:t>
+              </a:r>
+            </a:p>
+          </p:txBody>
+        </p:sp>
+      </p:grpSp>
+      <p:grpSp>
+        <p:nvGrpSpPr>
+          <p:cNvPr id="73" name="Group 72">
+            <a:extLst>
+              <a:ext uri="{FF2B5EF4-FFF2-40B4-BE49-F238E27FC236}">
+                <a16:creationId xmlns:a16="http://schemas.microsoft.com/office/drawing/2014/main" id="{1E798A5A-03AB-4906-849F-125172EEDF64}"/>
+              </a:ext>
+            </a:extLst>
+          </p:cNvPr>
+          <p:cNvGrpSpPr/>
+          <p:nvPr/>
+        </p:nvGrpSpPr>
+        <p:grpSpPr>
+          <a:xfrm>
+            <a:off x="7163572" y="4380906"/>
+            <a:ext cx="1246939" cy="1260000"/>
+            <a:chOff x="1858723" y="3291718"/>
+            <a:chExt cx="1246939" cy="1260000"/>
+          </a:xfrm>
+        </p:grpSpPr>
+        <p:sp>
+          <p:nvSpPr>
+            <p:cNvPr id="74" name="Rechteck 16">
+              <a:extLst>
+                <a:ext uri="{FF2B5EF4-FFF2-40B4-BE49-F238E27FC236}">
+                  <a16:creationId xmlns:a16="http://schemas.microsoft.com/office/drawing/2014/main" id="{ABA0EF9C-E8F7-40C1-8FD7-191F9A4B93EC}"/>
+                </a:ext>
+              </a:extLst>
+            </p:cNvPr>
+            <p:cNvSpPr/>
+            <p:nvPr/>
+          </p:nvSpPr>
+          <p:spPr>
+            <a:xfrm>
+              <a:off x="1858723" y="3291718"/>
+              <a:ext cx="1246939" cy="1260000"/>
+            </a:xfrm>
+            <a:prstGeom prst="rect">
+              <a:avLst/>
+            </a:prstGeom>
+            <a:noFill/>
+            <a:ln w="28575"/>
+          </p:spPr>
+          <p:style>
+            <a:lnRef idx="2">
+              <a:schemeClr val="dk1"/>
+            </a:lnRef>
+            <a:fillRef idx="1">
+              <a:schemeClr val="lt1"/>
+            </a:fillRef>
+            <a:effectRef idx="0">
+              <a:schemeClr val="dk1"/>
+            </a:effectRef>
+            <a:fontRef idx="minor">
+              <a:schemeClr val="dk1"/>
+            </a:fontRef>
+          </p:style>
+          <p:txBody>
+            <a:bodyPr rtlCol="0" anchor="ctr"/>
+            <a:lstStyle/>
+            <a:p>
+              <a:pPr algn="ctr"/>
+              <a:endParaRPr lang="de-DE" dirty="0"/>
+            </a:p>
+          </p:txBody>
+        </p:sp>
+        <p:sp>
+          <p:nvSpPr>
+            <p:cNvPr id="75" name="TextBox 74">
+              <a:extLst>
+                <a:ext uri="{FF2B5EF4-FFF2-40B4-BE49-F238E27FC236}">
+                  <a16:creationId xmlns:a16="http://schemas.microsoft.com/office/drawing/2014/main" id="{7B2DC70E-EDF5-472F-A465-FCC595567C11}"/>
+                </a:ext>
+              </a:extLst>
+            </p:cNvPr>
+            <p:cNvSpPr txBox="1"/>
+            <p:nvPr/>
+          </p:nvSpPr>
+          <p:spPr>
+            <a:xfrm>
+              <a:off x="2319864" y="3683191"/>
+              <a:ext cx="324655" cy="477054"/>
+            </a:xfrm>
+            <a:prstGeom prst="rect">
+              <a:avLst/>
+            </a:prstGeom>
+            <a:noFill/>
+          </p:spPr>
+          <p:txBody>
+            <a:bodyPr wrap="square" rtlCol="0">
+              <a:spAutoFit/>
+            </a:bodyPr>
+            <a:lstStyle/>
+            <a:p>
+              <a:pPr algn="ctr"/>
+              <a:r>
+                <a:rPr lang="en-GB" sz="2500" dirty="0"/>
+                <a:t>X</a:t>
+              </a:r>
+            </a:p>
+          </p:txBody>
+        </p:sp>
+      </p:grpSp>
+      <p:cxnSp>
+        <p:nvCxnSpPr>
+          <p:cNvPr id="12" name="Straight Arrow Connector 11">
+            <a:extLst>
+              <a:ext uri="{FF2B5EF4-FFF2-40B4-BE49-F238E27FC236}">
+                <a16:creationId xmlns:a16="http://schemas.microsoft.com/office/drawing/2014/main" id="{9D51780F-7637-4AA8-BBE7-8A4C40D5E1D3}"/>
+              </a:ext>
+            </a:extLst>
+          </p:cNvPr>
+          <p:cNvCxnSpPr>
+            <a:cxnSpLocks/>
+          </p:cNvCxnSpPr>
+          <p:nvPr/>
+        </p:nvCxnSpPr>
+        <p:spPr>
+          <a:xfrm>
+            <a:off x="1143000" y="4923692"/>
+            <a:ext cx="7267511" cy="1253502"/>
+          </a:xfrm>
+          <a:prstGeom prst="straightConnector1">
+            <a:avLst/>
+          </a:prstGeom>
+          <a:ln w="38100">
+            <a:solidFill>
+              <a:schemeClr val="tx1">
+                <a:lumMod val="95000"/>
+                <a:lumOff val="5000"/>
+              </a:schemeClr>
+            </a:solidFill>
+            <a:tailEnd type="triangle"/>
+          </a:ln>
+        </p:spPr>
+        <p:style>
+          <a:lnRef idx="1">
+            <a:schemeClr val="accent1"/>
+          </a:lnRef>
+          <a:fillRef idx="0">
+            <a:schemeClr val="accent1"/>
+          </a:fillRef>
+          <a:effectRef idx="0">
+            <a:schemeClr val="accent1"/>
+          </a:effectRef>
+          <a:fontRef idx="minor">
+            <a:schemeClr val="tx1"/>
+          </a:fontRef>
+        </p:style>
+      </p:cxnSp>
+      <p:grpSp>
+        <p:nvGrpSpPr>
+          <p:cNvPr id="76" name="Group 75">
+            <a:extLst>
+              <a:ext uri="{FF2B5EF4-FFF2-40B4-BE49-F238E27FC236}">
+                <a16:creationId xmlns:a16="http://schemas.microsoft.com/office/drawing/2014/main" id="{C906713C-3EA8-411D-8D69-3743D098EDF0}"/>
+              </a:ext>
+            </a:extLst>
+          </p:cNvPr>
+          <p:cNvGrpSpPr/>
+          <p:nvPr/>
+        </p:nvGrpSpPr>
+        <p:grpSpPr>
+          <a:xfrm>
+            <a:off x="8757513" y="4261158"/>
+            <a:ext cx="3065746" cy="1499495"/>
+            <a:chOff x="1415587" y="3300063"/>
+            <a:chExt cx="3065746" cy="1499495"/>
+          </a:xfrm>
+        </p:grpSpPr>
+        <p:sp>
+          <p:nvSpPr>
+            <p:cNvPr id="77" name="Rechteck 16">
+              <a:extLst>
+                <a:ext uri="{FF2B5EF4-FFF2-40B4-BE49-F238E27FC236}">
+                  <a16:creationId xmlns:a16="http://schemas.microsoft.com/office/drawing/2014/main" id="{51A3E090-FAAB-469D-A482-57A2D10B4EA7}"/>
+                </a:ext>
+              </a:extLst>
+            </p:cNvPr>
+            <p:cNvSpPr/>
+            <p:nvPr/>
+          </p:nvSpPr>
+          <p:spPr>
+            <a:xfrm>
+              <a:off x="1859337" y="3300063"/>
+              <a:ext cx="2178246" cy="1499495"/>
+            </a:xfrm>
+            <a:prstGeom prst="rect">
+              <a:avLst/>
+            </a:prstGeom>
+            <a:noFill/>
+            <a:ln w="28575"/>
+          </p:spPr>
+          <p:style>
+            <a:lnRef idx="2">
+              <a:schemeClr val="dk1"/>
+            </a:lnRef>
+            <a:fillRef idx="1">
+              <a:schemeClr val="lt1"/>
+            </a:fillRef>
+            <a:effectRef idx="0">
+              <a:schemeClr val="dk1"/>
+            </a:effectRef>
+            <a:fontRef idx="minor">
+              <a:schemeClr val="dk1"/>
+            </a:fontRef>
+          </p:style>
+          <p:txBody>
+            <a:bodyPr rtlCol="0" anchor="ctr"/>
+            <a:lstStyle/>
+            <a:p>
+              <a:pPr algn="ctr"/>
+              <a:endParaRPr lang="de-DE" dirty="0"/>
+            </a:p>
+          </p:txBody>
+        </p:sp>
+        <p:sp>
+          <p:nvSpPr>
+            <p:cNvPr id="78" name="TextBox 77">
+              <a:extLst>
+                <a:ext uri="{FF2B5EF4-FFF2-40B4-BE49-F238E27FC236}">
+                  <a16:creationId xmlns:a16="http://schemas.microsoft.com/office/drawing/2014/main" id="{D0E0A021-3626-4031-A3C7-68F5A3825DB2}"/>
+                </a:ext>
+              </a:extLst>
+            </p:cNvPr>
+            <p:cNvSpPr txBox="1"/>
+            <p:nvPr/>
+          </p:nvSpPr>
+          <p:spPr>
+            <a:xfrm>
+              <a:off x="1415587" y="3650007"/>
+              <a:ext cx="3065746" cy="861774"/>
+            </a:xfrm>
+            <a:prstGeom prst="rect">
+              <a:avLst/>
+            </a:prstGeom>
+            <a:noFill/>
+          </p:spPr>
+          <p:txBody>
+            <a:bodyPr wrap="square" rtlCol="0">
+              <a:spAutoFit/>
+            </a:bodyPr>
+            <a:lstStyle/>
+            <a:p>
+              <a:pPr algn="ctr"/>
+              <a:r>
+                <a:rPr lang="en-GB" sz="2500" dirty="0"/>
+                <a:t>Wie oft </a:t>
+              </a:r>
+              <a:r>
+                <a:rPr lang="en-GB" sz="2500" dirty="0" err="1"/>
+                <a:t>ist</a:t>
+              </a:r>
+              <a:r>
+                <a:rPr lang="en-GB" sz="2500" dirty="0"/>
+                <a:t> “X” </a:t>
+              </a:r>
+              <a:r>
+                <a:rPr lang="en-GB" sz="2500" dirty="0" err="1"/>
+                <a:t>aufgetreten</a:t>
+              </a:r>
+              <a:r>
+                <a:rPr lang="en-GB" sz="2500" dirty="0"/>
+                <a:t>?</a:t>
+              </a:r>
+            </a:p>
+          </p:txBody>
+        </p:sp>
+      </p:grpSp>
+      <p:sp>
+        <p:nvSpPr>
+          <p:cNvPr id="6" name="Arrow: Right 5">
+            <a:extLst>
+              <a:ext uri="{FF2B5EF4-FFF2-40B4-BE49-F238E27FC236}">
+                <a16:creationId xmlns:a16="http://schemas.microsoft.com/office/drawing/2014/main" id="{5ED71050-CD26-4FB7-8FB8-38B071331843}"/>
+              </a:ext>
+            </a:extLst>
+          </p:cNvPr>
+          <p:cNvSpPr/>
+          <p:nvPr/>
+        </p:nvSpPr>
+        <p:spPr>
+          <a:xfrm>
+            <a:off x="9583615" y="5908431"/>
+            <a:ext cx="483577" cy="312392"/>
+          </a:xfrm>
+          <a:prstGeom prst="rightArrow">
+            <a:avLst/>
+          </a:prstGeom>
+          <a:noFill/>
+          <a:ln w="28575"/>
+        </p:spPr>
+        <p:style>
+          <a:lnRef idx="2">
+            <a:schemeClr val="dk1">
+              <a:shade val="50000"/>
+            </a:schemeClr>
+          </a:lnRef>
+          <a:fillRef idx="1">
+            <a:schemeClr val="dk1"/>
+          </a:fillRef>
+          <a:effectRef idx="0">
+            <a:schemeClr val="dk1"/>
+          </a:effectRef>
+          <a:fontRef idx="minor">
+            <a:schemeClr val="lt1"/>
+          </a:fontRef>
+        </p:style>
+        <p:txBody>
+          <a:bodyPr rtlCol="0" anchor="ctr"/>
+          <a:lstStyle/>
+          <a:p>
+            <a:pPr algn="ctr"/>
+            <a:endParaRPr lang="en-GB"/>
+          </a:p>
+        </p:txBody>
+      </p:sp>
+      <p:sp>
+        <p:nvSpPr>
+          <p:cNvPr id="7" name="TextBox 6">
+            <a:extLst>
+              <a:ext uri="{FF2B5EF4-FFF2-40B4-BE49-F238E27FC236}">
+                <a16:creationId xmlns:a16="http://schemas.microsoft.com/office/drawing/2014/main" id="{861492E7-1221-42F3-94AD-245DD3AA2A87}"/>
+              </a:ext>
+            </a:extLst>
+          </p:cNvPr>
+          <p:cNvSpPr txBox="1"/>
+          <p:nvPr/>
+        </p:nvSpPr>
+        <p:spPr>
+          <a:xfrm>
+            <a:off x="10176834" y="5822820"/>
+            <a:ext cx="668215" cy="477054"/>
+          </a:xfrm>
+          <a:prstGeom prst="rect">
+            <a:avLst/>
+          </a:prstGeom>
+          <a:noFill/>
+        </p:spPr>
+        <p:txBody>
+          <a:bodyPr wrap="square" rtlCol="0">
+            <a:spAutoFit/>
+          </a:bodyPr>
+          <a:lstStyle/>
+          <a:p>
+            <a:r>
+              <a:rPr lang="en-GB" sz="2500" b="1" dirty="0"/>
+              <a:t>2</a:t>
+            </a:r>
+          </a:p>
+        </p:txBody>
+      </p:sp>
+      <p:sp>
+        <p:nvSpPr>
+          <p:cNvPr id="25" name="TextBox 24">
+            <a:extLst>
+              <a:ext uri="{FF2B5EF4-FFF2-40B4-BE49-F238E27FC236}">
+                <a16:creationId xmlns:a16="http://schemas.microsoft.com/office/drawing/2014/main" id="{55B3521B-CBB9-4B58-B004-866624F0259A}"/>
+              </a:ext>
+            </a:extLst>
+          </p:cNvPr>
+          <p:cNvSpPr txBox="1"/>
+          <p:nvPr/>
+        </p:nvSpPr>
+        <p:spPr>
+          <a:xfrm>
+            <a:off x="1490003" y="2949639"/>
+            <a:ext cx="1839334" cy="369332"/>
+          </a:xfrm>
+          <a:prstGeom prst="rect">
+            <a:avLst/>
+          </a:prstGeom>
+          <a:noFill/>
+        </p:spPr>
+        <p:txBody>
+          <a:bodyPr wrap="square" rtlCol="0">
+            <a:spAutoFit/>
+          </a:bodyPr>
+          <a:lstStyle/>
+          <a:p>
+            <a:r>
+              <a:rPr lang="en-GB" b="1" dirty="0"/>
+              <a:t>“O” -&gt; </a:t>
+            </a:r>
+            <a:r>
+              <a:rPr lang="en-GB" b="1" dirty="0" err="1"/>
+              <a:t>rechts</a:t>
+            </a:r>
+            <a:endParaRPr lang="en-GB" b="1" dirty="0"/>
+          </a:p>
+        </p:txBody>
+      </p:sp>
+      <p:sp>
+        <p:nvSpPr>
+          <p:cNvPr id="26" name="TextBox 25">
+            <a:extLst>
+              <a:ext uri="{FF2B5EF4-FFF2-40B4-BE49-F238E27FC236}">
+                <a16:creationId xmlns:a16="http://schemas.microsoft.com/office/drawing/2014/main" id="{2C66F72A-C47A-4948-B6B1-C1552C928186}"/>
+              </a:ext>
+            </a:extLst>
+          </p:cNvPr>
+          <p:cNvSpPr txBox="1"/>
+          <p:nvPr/>
+        </p:nvSpPr>
+        <p:spPr>
+          <a:xfrm>
+            <a:off x="2908395" y="3214769"/>
+            <a:ext cx="1839334" cy="369332"/>
+          </a:xfrm>
+          <a:prstGeom prst="rect">
+            <a:avLst/>
+          </a:prstGeom>
+          <a:noFill/>
+        </p:spPr>
+        <p:txBody>
+          <a:bodyPr wrap="square" rtlCol="0">
+            <a:spAutoFit/>
+          </a:bodyPr>
+          <a:lstStyle/>
+          <a:p>
+            <a:r>
+              <a:rPr lang="en-GB" b="1" dirty="0"/>
+              <a:t>“O” -&gt; </a:t>
+            </a:r>
+            <a:r>
+              <a:rPr lang="en-GB" b="1" dirty="0" err="1"/>
+              <a:t>rechts</a:t>
+            </a:r>
+            <a:endParaRPr lang="en-GB" b="1" dirty="0"/>
+          </a:p>
+        </p:txBody>
+      </p:sp>
+      <p:sp>
+        <p:nvSpPr>
+          <p:cNvPr id="27" name="TextBox 26">
+            <a:extLst>
+              <a:ext uri="{FF2B5EF4-FFF2-40B4-BE49-F238E27FC236}">
+                <a16:creationId xmlns:a16="http://schemas.microsoft.com/office/drawing/2014/main" id="{3B3D066B-2ED3-4D5D-8925-AE23D5A17B20}"/>
+              </a:ext>
+            </a:extLst>
+          </p:cNvPr>
+          <p:cNvSpPr txBox="1"/>
+          <p:nvPr/>
+        </p:nvSpPr>
+        <p:spPr>
+          <a:xfrm>
+            <a:off x="4326787" y="3479899"/>
+            <a:ext cx="1839334" cy="369332"/>
+          </a:xfrm>
+          <a:prstGeom prst="rect">
+            <a:avLst/>
+          </a:prstGeom>
+          <a:noFill/>
+        </p:spPr>
+        <p:txBody>
+          <a:bodyPr wrap="square" rtlCol="0">
+            <a:spAutoFit/>
+          </a:bodyPr>
+          <a:lstStyle/>
+          <a:p>
+            <a:r>
+              <a:rPr lang="en-GB" b="1" dirty="0"/>
+              <a:t>“X” -&gt; links</a:t>
+            </a:r>
+          </a:p>
+        </p:txBody>
+      </p:sp>
+      <p:sp>
+        <p:nvSpPr>
+          <p:cNvPr id="28" name="TextBox 27">
+            <a:extLst>
+              <a:ext uri="{FF2B5EF4-FFF2-40B4-BE49-F238E27FC236}">
+                <a16:creationId xmlns:a16="http://schemas.microsoft.com/office/drawing/2014/main" id="{45F8A863-FC92-438B-A2F7-CAA397D9DC63}"/>
+              </a:ext>
+            </a:extLst>
+          </p:cNvPr>
+          <p:cNvSpPr txBox="1"/>
+          <p:nvPr/>
+        </p:nvSpPr>
+        <p:spPr>
+          <a:xfrm>
+            <a:off x="7140054" y="4044868"/>
+            <a:ext cx="1839334" cy="369332"/>
+          </a:xfrm>
+          <a:prstGeom prst="rect">
+            <a:avLst/>
+          </a:prstGeom>
+          <a:noFill/>
+        </p:spPr>
+        <p:txBody>
+          <a:bodyPr wrap="square" rtlCol="0">
+            <a:spAutoFit/>
+          </a:bodyPr>
+          <a:lstStyle/>
+          <a:p>
+            <a:r>
+              <a:rPr lang="en-GB" b="1" dirty="0"/>
+              <a:t>“X” -&gt; links</a:t>
+            </a:r>
+          </a:p>
+        </p:txBody>
+      </p:sp>
+      <p:sp>
+        <p:nvSpPr>
+          <p:cNvPr id="29" name="TextBox 28">
+            <a:extLst>
+              <a:ext uri="{FF2B5EF4-FFF2-40B4-BE49-F238E27FC236}">
+                <a16:creationId xmlns:a16="http://schemas.microsoft.com/office/drawing/2014/main" id="{C7EEAE07-674D-40EF-A494-3E9ADF1065D2}"/>
+              </a:ext>
+            </a:extLst>
+          </p:cNvPr>
+          <p:cNvSpPr txBox="1"/>
+          <p:nvPr/>
+        </p:nvSpPr>
+        <p:spPr>
+          <a:xfrm>
+            <a:off x="5698609" y="3773267"/>
+            <a:ext cx="1839334" cy="369332"/>
+          </a:xfrm>
+          <a:prstGeom prst="rect">
+            <a:avLst/>
+          </a:prstGeom>
+          <a:noFill/>
+        </p:spPr>
+        <p:txBody>
+          <a:bodyPr wrap="square" rtlCol="0">
+            <a:spAutoFit/>
+          </a:bodyPr>
+          <a:lstStyle/>
+          <a:p>
+            <a:r>
+              <a:rPr lang="en-GB" b="1" dirty="0"/>
+              <a:t>“O” -&gt; </a:t>
+            </a:r>
+            <a:r>
+              <a:rPr lang="en-GB" b="1" dirty="0" err="1"/>
+              <a:t>rechts</a:t>
+            </a:r>
+            <a:endParaRPr lang="en-GB" b="1" dirty="0"/>
+          </a:p>
+        </p:txBody>
+      </p:sp>
+    </p:spTree>
+    <p:extLst>
+      <p:ext uri="{BB962C8B-B14F-4D97-AF65-F5344CB8AC3E}">
+        <p14:creationId xmlns:p14="http://schemas.microsoft.com/office/powerpoint/2010/main" val="788510127"/>
+      </p:ext>
+    </p:extLst>
+  </p:cSld>
+  <p:clrMapOvr>
+    <a:masterClrMapping/>
+  </p:clrMapOvr>
+</p:sld>
+</file>
+
+<file path=ppt/slides/slide6.xml><?xml version="1.0" encoding="utf-8"?>
+<p:sld xmlns:a="http://schemas.openxmlformats.org/drawingml/2006/main" xmlns:r="http://schemas.openxmlformats.org/officeDocument/2006/relationships" xmlns:p="http://schemas.openxmlformats.org/presentationml/2006/main">
+  <p:cSld>
+    <p:bg>
+      <p:bgPr>
+        <a:solidFill>
+          <a:srgbClr val="8C8C8C"/>
+        </a:solidFill>
+        <a:effectLst/>
+      </p:bgPr>
+    </p:bg>
+    <p:spTree>
+      <p:nvGrpSpPr>
+        <p:cNvPr id="1" name=""/>
+        <p:cNvGrpSpPr/>
+        <p:nvPr/>
+      </p:nvGrpSpPr>
+      <p:grpSpPr>
+        <a:xfrm>
+          <a:off x="0" y="0"/>
+          <a:ext cx="0" cy="0"/>
+          <a:chOff x="0" y="0"/>
+          <a:chExt cx="0" cy="0"/>
+        </a:xfrm>
+      </p:grpSpPr>
+      <p:sp>
+        <p:nvSpPr>
+          <p:cNvPr id="5" name="TextBox 4">
+            <a:extLst>
+              <a:ext uri="{FF2B5EF4-FFF2-40B4-BE49-F238E27FC236}">
+                <a16:creationId xmlns:a16="http://schemas.microsoft.com/office/drawing/2014/main" id="{7014E9E9-4A3F-4F05-8E1B-1A44006B7C5C}"/>
+              </a:ext>
+            </a:extLst>
+          </p:cNvPr>
+          <p:cNvSpPr txBox="1"/>
+          <p:nvPr/>
+        </p:nvSpPr>
+        <p:spPr>
+          <a:xfrm>
+            <a:off x="681426" y="1186586"/>
+            <a:ext cx="11375042" cy="1815882"/>
+          </a:xfrm>
+          <a:prstGeom prst="rect">
+            <a:avLst/>
+          </a:prstGeom>
+          <a:noFill/>
+        </p:spPr>
+        <p:txBody>
+          <a:bodyPr wrap="square" rtlCol="0">
+            <a:spAutoFit/>
+          </a:bodyPr>
+          <a:lstStyle/>
+          <a:p>
+            <a:r>
+              <a:rPr lang="en-GB" sz="2200" dirty="0"/>
+              <a:t>Sie </a:t>
+            </a:r>
+            <a:r>
+              <a:rPr lang="en-GB" sz="2200" dirty="0" err="1"/>
+              <a:t>werden</a:t>
+            </a:r>
+            <a:r>
+              <a:rPr lang="en-GB" sz="2200" dirty="0"/>
+              <a:t> </a:t>
+            </a:r>
+            <a:r>
+              <a:rPr lang="en-GB" sz="2200" dirty="0" err="1"/>
+              <a:t>eine</a:t>
+            </a:r>
+            <a:r>
+              <a:rPr lang="en-GB" sz="2200" dirty="0"/>
+              <a:t> </a:t>
+            </a:r>
+            <a:r>
+              <a:rPr lang="en-GB" sz="2200" dirty="0" err="1"/>
+              <a:t>Reihe</a:t>
+            </a:r>
+            <a:r>
+              <a:rPr lang="en-GB" sz="2200" dirty="0"/>
+              <a:t> von </a:t>
+            </a:r>
+            <a:r>
+              <a:rPr lang="en-GB" sz="2200" dirty="0" err="1"/>
+              <a:t>Buchstaben</a:t>
+            </a:r>
+            <a:r>
+              <a:rPr lang="en-GB" sz="2200" dirty="0"/>
+              <a:t> / </a:t>
+            </a:r>
+            <a:r>
+              <a:rPr lang="en-GB" sz="2200" dirty="0" err="1"/>
+              <a:t>Bildern</a:t>
+            </a:r>
+            <a:r>
+              <a:rPr lang="en-GB" sz="2200" dirty="0"/>
+              <a:t> in der Mitte des </a:t>
+            </a:r>
+            <a:r>
+              <a:rPr lang="en-GB" sz="2200" dirty="0" err="1"/>
+              <a:t>Bildschirms</a:t>
+            </a:r>
+            <a:r>
+              <a:rPr lang="en-GB" sz="2200" dirty="0"/>
+              <a:t> </a:t>
+            </a:r>
+            <a:r>
+              <a:rPr lang="en-GB" sz="2200" dirty="0" err="1"/>
+              <a:t>sehen</a:t>
+            </a:r>
+            <a:r>
+              <a:rPr lang="en-GB" sz="2200" dirty="0"/>
+              <a:t>. Manche </a:t>
+            </a:r>
+            <a:r>
+              <a:rPr lang="en-GB" sz="2200" dirty="0" err="1"/>
+              <a:t>dieser</a:t>
+            </a:r>
+            <a:r>
+              <a:rPr lang="en-GB" sz="2200" dirty="0"/>
+              <a:t> </a:t>
+            </a:r>
+            <a:r>
+              <a:rPr lang="en-GB" sz="2200" dirty="0" err="1"/>
+              <a:t>Buchstaben</a:t>
+            </a:r>
+            <a:r>
+              <a:rPr lang="en-GB" sz="2200" dirty="0"/>
+              <a:t> </a:t>
+            </a:r>
+            <a:r>
+              <a:rPr lang="en-GB" sz="2200" dirty="0" err="1"/>
+              <a:t>sind</a:t>
+            </a:r>
+            <a:r>
+              <a:rPr lang="en-GB" sz="2200" dirty="0"/>
+              <a:t> </a:t>
+            </a:r>
+            <a:r>
+              <a:rPr lang="en-GB" sz="2200" dirty="0" err="1"/>
+              <a:t>ein</a:t>
+            </a:r>
+            <a:r>
+              <a:rPr lang="en-GB" sz="2200" dirty="0"/>
+              <a:t> “O” und manche </a:t>
+            </a:r>
+            <a:r>
+              <a:rPr lang="en-GB" sz="2200" dirty="0" err="1"/>
+              <a:t>ein</a:t>
+            </a:r>
+            <a:r>
+              <a:rPr lang="en-GB" sz="2200" dirty="0"/>
+              <a:t> “X”. </a:t>
+            </a:r>
+            <a:r>
+              <a:rPr lang="en-GB" sz="2200" dirty="0" err="1"/>
+              <a:t>Zählen</a:t>
+            </a:r>
+            <a:r>
+              <a:rPr lang="en-GB" sz="2200" dirty="0"/>
+              <a:t> Sie </a:t>
+            </a:r>
+            <a:r>
+              <a:rPr lang="en-GB" sz="2200" dirty="0" err="1"/>
+              <a:t>weiterhin</a:t>
+            </a:r>
+            <a:r>
+              <a:rPr lang="en-GB" sz="2200" dirty="0"/>
+              <a:t> die </a:t>
+            </a:r>
+            <a:r>
+              <a:rPr lang="en-GB" sz="2200" dirty="0" err="1"/>
+              <a:t>Anzahl</a:t>
+            </a:r>
+            <a:r>
+              <a:rPr lang="en-GB" sz="2200" dirty="0"/>
+              <a:t> von “X”.</a:t>
+            </a:r>
+          </a:p>
+          <a:p>
+            <a:endParaRPr lang="en-GB" sz="2200" dirty="0"/>
+          </a:p>
+          <a:p>
+            <a:r>
+              <a:rPr lang="en-GB" sz="2200" dirty="0" err="1"/>
+              <a:t>Drücken</a:t>
+            </a:r>
+            <a:r>
+              <a:rPr lang="en-GB" sz="2200" dirty="0"/>
+              <a:t> Sie die </a:t>
+            </a:r>
+            <a:r>
+              <a:rPr lang="en-GB" sz="2400" b="1" dirty="0" err="1"/>
+              <a:t>rechte</a:t>
+            </a:r>
+            <a:r>
+              <a:rPr lang="en-GB" sz="2200" dirty="0"/>
+              <a:t> Taste “M”, </a:t>
+            </a:r>
+            <a:r>
+              <a:rPr lang="en-GB" sz="2200" dirty="0" err="1"/>
+              <a:t>wenn</a:t>
+            </a:r>
+            <a:r>
+              <a:rPr lang="en-GB" sz="2200" dirty="0"/>
+              <a:t> </a:t>
+            </a:r>
+            <a:r>
+              <a:rPr lang="en-GB" sz="2200" dirty="0" err="1"/>
+              <a:t>ein</a:t>
+            </a:r>
+            <a:r>
+              <a:rPr lang="en-GB" sz="2200" dirty="0"/>
+              <a:t> </a:t>
+            </a:r>
+            <a:r>
+              <a:rPr lang="en-GB" sz="2200" b="1" dirty="0"/>
+              <a:t>“X”</a:t>
+            </a:r>
+            <a:r>
+              <a:rPr lang="en-GB" sz="2200" dirty="0"/>
+              <a:t> </a:t>
+            </a:r>
+            <a:r>
+              <a:rPr lang="en-GB" sz="2200" dirty="0" err="1"/>
+              <a:t>auftritt</a:t>
+            </a:r>
+            <a:r>
+              <a:rPr lang="en-GB" sz="2200" dirty="0"/>
+              <a:t> und die </a:t>
+            </a:r>
+            <a:r>
+              <a:rPr lang="en-GB" sz="2200" b="1" dirty="0" err="1"/>
+              <a:t>linke</a:t>
+            </a:r>
+            <a:r>
+              <a:rPr lang="en-GB" sz="2200" dirty="0"/>
+              <a:t> Taste “C”, </a:t>
+            </a:r>
+            <a:r>
+              <a:rPr lang="en-GB" sz="2200" dirty="0" err="1"/>
+              <a:t>wenn</a:t>
+            </a:r>
+            <a:r>
+              <a:rPr lang="en-GB" sz="2200" dirty="0"/>
+              <a:t> </a:t>
+            </a:r>
+            <a:r>
+              <a:rPr lang="en-GB" sz="2200" dirty="0" err="1"/>
+              <a:t>ein</a:t>
+            </a:r>
+            <a:r>
+              <a:rPr lang="en-GB" sz="2200" dirty="0"/>
+              <a:t> </a:t>
+            </a:r>
+            <a:r>
+              <a:rPr lang="en-GB" sz="2200" b="1" dirty="0"/>
+              <a:t>“O” </a:t>
+            </a:r>
+            <a:r>
+              <a:rPr lang="en-GB" sz="2200" dirty="0" err="1"/>
+              <a:t>auftritt</a:t>
+            </a:r>
+            <a:r>
+              <a:rPr lang="en-GB" sz="2200" dirty="0"/>
+              <a:t>. </a:t>
+            </a:r>
+            <a:r>
+              <a:rPr lang="en-GB" sz="2200" dirty="0" err="1"/>
+              <a:t>Arbeiten</a:t>
+            </a:r>
+            <a:r>
+              <a:rPr lang="en-GB" sz="2200" dirty="0"/>
+              <a:t> Sie so schnell und </a:t>
+            </a:r>
+            <a:r>
+              <a:rPr lang="en-GB" sz="2200" dirty="0" err="1"/>
+              <a:t>genau</a:t>
+            </a:r>
+            <a:r>
+              <a:rPr lang="en-GB" sz="2200" dirty="0"/>
+              <a:t> </a:t>
+            </a:r>
+            <a:r>
+              <a:rPr lang="en-GB" sz="2200" dirty="0" err="1"/>
+              <a:t>wie</a:t>
+            </a:r>
+            <a:r>
+              <a:rPr lang="en-GB" sz="2200" dirty="0"/>
+              <a:t> </a:t>
+            </a:r>
+            <a:r>
+              <a:rPr lang="en-GB" sz="2200" dirty="0" err="1"/>
+              <a:t>möglich</a:t>
+            </a:r>
+            <a:r>
+              <a:rPr lang="en-GB" sz="2200" dirty="0"/>
+              <a:t>.</a:t>
+            </a:r>
+          </a:p>
+        </p:txBody>
+      </p:sp>
+      <p:sp>
+        <p:nvSpPr>
+          <p:cNvPr id="57" name="Arrow: Right 56">
+            <a:extLst>
+              <a:ext uri="{FF2B5EF4-FFF2-40B4-BE49-F238E27FC236}">
+                <a16:creationId xmlns:a16="http://schemas.microsoft.com/office/drawing/2014/main" id="{2911D01B-0656-4E1C-BC44-E11CDAEF3CCF}"/>
+              </a:ext>
+            </a:extLst>
+          </p:cNvPr>
+          <p:cNvSpPr/>
+          <p:nvPr/>
+        </p:nvSpPr>
+        <p:spPr>
+          <a:xfrm>
+            <a:off x="10403341" y="6220823"/>
+            <a:ext cx="1785150" cy="637177"/>
+          </a:xfrm>
+          <a:prstGeom prst="rightArrow">
+            <a:avLst/>
+          </a:prstGeom>
+        </p:spPr>
+        <p:style>
+          <a:lnRef idx="2">
+            <a:schemeClr val="accent1">
+              <a:shade val="50000"/>
+            </a:schemeClr>
+          </a:lnRef>
+          <a:fillRef idx="1">
+            <a:schemeClr val="accent1"/>
+          </a:fillRef>
+          <a:effectRef idx="0">
+            <a:schemeClr val="accent1"/>
+          </a:effectRef>
+          <a:fontRef idx="minor">
+            <a:schemeClr val="lt1"/>
+          </a:fontRef>
+        </p:style>
+        <p:txBody>
+          <a:bodyPr rtlCol="0" anchor="ctr"/>
+          <a:lstStyle/>
+          <a:p>
+            <a:pPr algn="ctr"/>
+            <a:r>
+              <a:rPr lang="en-GB" sz="1500" dirty="0" err="1"/>
+              <a:t>Weiter</a:t>
+            </a:r>
+            <a:r>
+              <a:rPr lang="en-GB" sz="1500" dirty="0"/>
+              <a:t> </a:t>
+            </a:r>
+            <a:r>
+              <a:rPr lang="en-GB" sz="1500" dirty="0" err="1"/>
+              <a:t>mit</a:t>
+            </a:r>
+            <a:r>
+              <a:rPr lang="en-GB" sz="1500" dirty="0"/>
+              <a:t> “M”</a:t>
+            </a:r>
+          </a:p>
+        </p:txBody>
+      </p:sp>
+      <p:grpSp>
+        <p:nvGrpSpPr>
+          <p:cNvPr id="3" name="Group 2">
+            <a:extLst>
+              <a:ext uri="{FF2B5EF4-FFF2-40B4-BE49-F238E27FC236}">
+                <a16:creationId xmlns:a16="http://schemas.microsoft.com/office/drawing/2014/main" id="{DE69AD48-C666-451B-82C4-47CE342B2613}"/>
+              </a:ext>
+            </a:extLst>
+          </p:cNvPr>
+          <p:cNvGrpSpPr/>
+          <p:nvPr/>
+        </p:nvGrpSpPr>
+        <p:grpSpPr>
+          <a:xfrm>
+            <a:off x="1490003" y="3287561"/>
+            <a:ext cx="1246939" cy="1260000"/>
+            <a:chOff x="1858723" y="3291718"/>
+            <a:chExt cx="1246939" cy="1260000"/>
+          </a:xfrm>
+        </p:grpSpPr>
+        <p:sp>
+          <p:nvSpPr>
+            <p:cNvPr id="55" name="Rechteck 16">
+              <a:extLst>
+                <a:ext uri="{FF2B5EF4-FFF2-40B4-BE49-F238E27FC236}">
+                  <a16:creationId xmlns:a16="http://schemas.microsoft.com/office/drawing/2014/main" id="{315FDCAA-8551-489C-A0D3-1A51B04E94CC}"/>
+                </a:ext>
+              </a:extLst>
+            </p:cNvPr>
+            <p:cNvSpPr/>
+            <p:nvPr/>
+          </p:nvSpPr>
+          <p:spPr>
+            <a:xfrm>
+              <a:off x="1858723" y="3291718"/>
+              <a:ext cx="1246939" cy="1260000"/>
+            </a:xfrm>
+            <a:prstGeom prst="rect">
+              <a:avLst/>
+            </a:prstGeom>
+            <a:noFill/>
+            <a:ln w="28575"/>
+          </p:spPr>
+          <p:style>
+            <a:lnRef idx="2">
+              <a:schemeClr val="dk1"/>
+            </a:lnRef>
+            <a:fillRef idx="1">
+              <a:schemeClr val="lt1"/>
+            </a:fillRef>
+            <a:effectRef idx="0">
+              <a:schemeClr val="dk1"/>
+            </a:effectRef>
+            <a:fontRef idx="minor">
+              <a:schemeClr val="dk1"/>
+            </a:fontRef>
+          </p:style>
+          <p:txBody>
+            <a:bodyPr rtlCol="0" anchor="ctr"/>
+            <a:lstStyle/>
+            <a:p>
+              <a:pPr algn="ctr"/>
+              <a:endParaRPr lang="de-DE" dirty="0"/>
+            </a:p>
+          </p:txBody>
+        </p:sp>
+        <p:sp>
+          <p:nvSpPr>
+            <p:cNvPr id="56" name="TextBox 55">
+              <a:extLst>
+                <a:ext uri="{FF2B5EF4-FFF2-40B4-BE49-F238E27FC236}">
+                  <a16:creationId xmlns:a16="http://schemas.microsoft.com/office/drawing/2014/main" id="{F0C928FB-E738-4C8C-9627-9CE9254AB182}"/>
+                </a:ext>
+              </a:extLst>
+            </p:cNvPr>
+            <p:cNvSpPr txBox="1"/>
+            <p:nvPr/>
+          </p:nvSpPr>
+          <p:spPr>
+            <a:xfrm>
+              <a:off x="2319864" y="3683191"/>
+              <a:ext cx="324655" cy="477054"/>
+            </a:xfrm>
+            <a:prstGeom prst="rect">
+              <a:avLst/>
+            </a:prstGeom>
+            <a:noFill/>
+          </p:spPr>
+          <p:txBody>
+            <a:bodyPr wrap="square" rtlCol="0">
+              <a:spAutoFit/>
+            </a:bodyPr>
+            <a:lstStyle/>
+            <a:p>
+              <a:pPr algn="ctr"/>
+              <a:r>
+                <a:rPr lang="en-GB" sz="2500" dirty="0"/>
+                <a:t>O</a:t>
+              </a:r>
+            </a:p>
+          </p:txBody>
+        </p:sp>
+      </p:grpSp>
+      <p:grpSp>
+        <p:nvGrpSpPr>
+          <p:cNvPr id="4" name="Group 3">
+            <a:extLst>
+              <a:ext uri="{FF2B5EF4-FFF2-40B4-BE49-F238E27FC236}">
+                <a16:creationId xmlns:a16="http://schemas.microsoft.com/office/drawing/2014/main" id="{9752A152-F136-4BAE-9BA5-77A6A2CA6666}"/>
+              </a:ext>
+            </a:extLst>
+          </p:cNvPr>
+          <p:cNvGrpSpPr/>
+          <p:nvPr/>
+        </p:nvGrpSpPr>
+        <p:grpSpPr>
+          <a:xfrm>
+            <a:off x="4326787" y="3834233"/>
+            <a:ext cx="1246939" cy="1260000"/>
+            <a:chOff x="3198085" y="3679034"/>
+            <a:chExt cx="1246939" cy="1260000"/>
+          </a:xfrm>
+        </p:grpSpPr>
+        <p:sp>
+          <p:nvSpPr>
+            <p:cNvPr id="58" name="Rechteck 16">
+              <a:extLst>
+                <a:ext uri="{FF2B5EF4-FFF2-40B4-BE49-F238E27FC236}">
+                  <a16:creationId xmlns:a16="http://schemas.microsoft.com/office/drawing/2014/main" id="{899DD459-1D2B-4C68-8716-2AD613D0FC08}"/>
+                </a:ext>
+              </a:extLst>
+            </p:cNvPr>
+            <p:cNvSpPr/>
+            <p:nvPr/>
+          </p:nvSpPr>
+          <p:spPr>
+            <a:xfrm>
+              <a:off x="3198085" y="3679034"/>
+              <a:ext cx="1246939" cy="1260000"/>
+            </a:xfrm>
+            <a:prstGeom prst="rect">
+              <a:avLst/>
+            </a:prstGeom>
+            <a:noFill/>
+            <a:ln w="28575"/>
+          </p:spPr>
+          <p:style>
+            <a:lnRef idx="2">
+              <a:schemeClr val="dk1"/>
+            </a:lnRef>
+            <a:fillRef idx="1">
+              <a:schemeClr val="lt1"/>
+            </a:fillRef>
+            <a:effectRef idx="0">
+              <a:schemeClr val="dk1"/>
+            </a:effectRef>
+            <a:fontRef idx="minor">
+              <a:schemeClr val="dk1"/>
+            </a:fontRef>
+          </p:style>
+          <p:txBody>
+            <a:bodyPr rtlCol="0" anchor="ctr"/>
+            <a:lstStyle/>
+            <a:p>
+              <a:pPr algn="ctr"/>
+              <a:endParaRPr lang="de-DE" dirty="0"/>
+            </a:p>
+          </p:txBody>
+        </p:sp>
+        <p:sp>
+          <p:nvSpPr>
+            <p:cNvPr id="59" name="TextBox 58">
+              <a:extLst>
+                <a:ext uri="{FF2B5EF4-FFF2-40B4-BE49-F238E27FC236}">
+                  <a16:creationId xmlns:a16="http://schemas.microsoft.com/office/drawing/2014/main" id="{662B66FE-D322-40E7-9880-8DA594757149}"/>
+                </a:ext>
+              </a:extLst>
+            </p:cNvPr>
+            <p:cNvSpPr txBox="1"/>
+            <p:nvPr/>
+          </p:nvSpPr>
+          <p:spPr>
+            <a:xfrm>
+              <a:off x="3659226" y="4070507"/>
+              <a:ext cx="324655" cy="477054"/>
+            </a:xfrm>
+            <a:prstGeom prst="rect">
+              <a:avLst/>
+            </a:prstGeom>
+            <a:noFill/>
+          </p:spPr>
+          <p:txBody>
+            <a:bodyPr wrap="square" rtlCol="0">
+              <a:spAutoFit/>
+            </a:bodyPr>
+            <a:lstStyle/>
+            <a:p>
+              <a:pPr algn="ctr"/>
+              <a:r>
+                <a:rPr lang="en-GB" sz="2500" dirty="0"/>
+                <a:t>X</a:t>
+              </a:r>
+            </a:p>
+          </p:txBody>
+        </p:sp>
+      </p:grpSp>
+      <p:grpSp>
+        <p:nvGrpSpPr>
+          <p:cNvPr id="63" name="Group 62">
+            <a:extLst>
+              <a:ext uri="{FF2B5EF4-FFF2-40B4-BE49-F238E27FC236}">
+                <a16:creationId xmlns:a16="http://schemas.microsoft.com/office/drawing/2014/main" id="{D79572F5-D7D5-4569-9E7E-7F654D3CD4A6}"/>
+              </a:ext>
+            </a:extLst>
+          </p:cNvPr>
+          <p:cNvGrpSpPr/>
+          <p:nvPr/>
+        </p:nvGrpSpPr>
+        <p:grpSpPr>
+          <a:xfrm>
+            <a:off x="2908395" y="3560897"/>
+            <a:ext cx="1246939" cy="1260000"/>
+            <a:chOff x="1858723" y="3291718"/>
+            <a:chExt cx="1246939" cy="1260000"/>
+          </a:xfrm>
+        </p:grpSpPr>
+        <p:sp>
+          <p:nvSpPr>
+            <p:cNvPr id="65" name="Rechteck 16">
+              <a:extLst>
+                <a:ext uri="{FF2B5EF4-FFF2-40B4-BE49-F238E27FC236}">
+                  <a16:creationId xmlns:a16="http://schemas.microsoft.com/office/drawing/2014/main" id="{A2913EDF-37F1-4FD6-AED0-BAA1C6D5BF72}"/>
+                </a:ext>
+              </a:extLst>
+            </p:cNvPr>
+            <p:cNvSpPr/>
+            <p:nvPr/>
+          </p:nvSpPr>
+          <p:spPr>
+            <a:xfrm>
+              <a:off x="1858723" y="3291718"/>
+              <a:ext cx="1246939" cy="1260000"/>
+            </a:xfrm>
+            <a:prstGeom prst="rect">
+              <a:avLst/>
+            </a:prstGeom>
+            <a:noFill/>
+            <a:ln w="28575"/>
+          </p:spPr>
+          <p:style>
+            <a:lnRef idx="2">
+              <a:schemeClr val="dk1"/>
+            </a:lnRef>
+            <a:fillRef idx="1">
+              <a:schemeClr val="lt1"/>
+            </a:fillRef>
+            <a:effectRef idx="0">
+              <a:schemeClr val="dk1"/>
+            </a:effectRef>
+            <a:fontRef idx="minor">
+              <a:schemeClr val="dk1"/>
+            </a:fontRef>
+          </p:style>
+          <p:txBody>
+            <a:bodyPr rtlCol="0" anchor="ctr"/>
+            <a:lstStyle/>
+            <a:p>
+              <a:pPr algn="ctr"/>
+              <a:endParaRPr lang="de-DE" dirty="0"/>
+            </a:p>
+          </p:txBody>
+        </p:sp>
+        <p:sp>
+          <p:nvSpPr>
+            <p:cNvPr id="66" name="TextBox 65">
+              <a:extLst>
+                <a:ext uri="{FF2B5EF4-FFF2-40B4-BE49-F238E27FC236}">
+                  <a16:creationId xmlns:a16="http://schemas.microsoft.com/office/drawing/2014/main" id="{D20B8B08-63C7-4C4B-BF74-C942A3F6E54B}"/>
+                </a:ext>
+              </a:extLst>
+            </p:cNvPr>
+            <p:cNvSpPr txBox="1"/>
+            <p:nvPr/>
+          </p:nvSpPr>
+          <p:spPr>
+            <a:xfrm>
+              <a:off x="2319864" y="3683191"/>
+              <a:ext cx="324655" cy="477054"/>
+            </a:xfrm>
+            <a:prstGeom prst="rect">
+              <a:avLst/>
+            </a:prstGeom>
+            <a:noFill/>
+          </p:spPr>
+          <p:txBody>
+            <a:bodyPr wrap="square" rtlCol="0">
+              <a:spAutoFit/>
+            </a:bodyPr>
+            <a:lstStyle/>
+            <a:p>
+              <a:pPr algn="ctr"/>
+              <a:r>
+                <a:rPr lang="en-GB" sz="2500" dirty="0"/>
+                <a:t>O</a:t>
+              </a:r>
+            </a:p>
+          </p:txBody>
+        </p:sp>
+      </p:grpSp>
+      <p:grpSp>
+        <p:nvGrpSpPr>
+          <p:cNvPr id="70" name="Group 69">
+            <a:extLst>
+              <a:ext uri="{FF2B5EF4-FFF2-40B4-BE49-F238E27FC236}">
+                <a16:creationId xmlns:a16="http://schemas.microsoft.com/office/drawing/2014/main" id="{B6D4BEC4-D4B5-471D-BDDE-73DB6CC74562}"/>
+              </a:ext>
+            </a:extLst>
+          </p:cNvPr>
+          <p:cNvGrpSpPr/>
+          <p:nvPr/>
+        </p:nvGrpSpPr>
+        <p:grpSpPr>
+          <a:xfrm>
+            <a:off x="5745179" y="4107569"/>
+            <a:ext cx="1246939" cy="1260000"/>
+            <a:chOff x="1858723" y="3291718"/>
+            <a:chExt cx="1246939" cy="1260000"/>
+          </a:xfrm>
+        </p:grpSpPr>
+        <p:sp>
+          <p:nvSpPr>
+            <p:cNvPr id="71" name="Rechteck 16">
+              <a:extLst>
+                <a:ext uri="{FF2B5EF4-FFF2-40B4-BE49-F238E27FC236}">
+                  <a16:creationId xmlns:a16="http://schemas.microsoft.com/office/drawing/2014/main" id="{0081C2FF-39CE-4D82-8F19-F7ADC47217AC}"/>
+                </a:ext>
+              </a:extLst>
+            </p:cNvPr>
+            <p:cNvSpPr/>
+            <p:nvPr/>
+          </p:nvSpPr>
+          <p:spPr>
+            <a:xfrm>
+              <a:off x="1858723" y="3291718"/>
+              <a:ext cx="1246939" cy="1260000"/>
+            </a:xfrm>
+            <a:prstGeom prst="rect">
+              <a:avLst/>
+            </a:prstGeom>
+            <a:noFill/>
+            <a:ln w="28575"/>
+          </p:spPr>
+          <p:style>
+            <a:lnRef idx="2">
+              <a:schemeClr val="dk1"/>
+            </a:lnRef>
+            <a:fillRef idx="1">
+              <a:schemeClr val="lt1"/>
+            </a:fillRef>
+            <a:effectRef idx="0">
+              <a:schemeClr val="dk1"/>
+            </a:effectRef>
+            <a:fontRef idx="minor">
+              <a:schemeClr val="dk1"/>
+            </a:fontRef>
+          </p:style>
+          <p:txBody>
+            <a:bodyPr rtlCol="0" anchor="ctr"/>
+            <a:lstStyle/>
+            <a:p>
+              <a:pPr algn="ctr"/>
+              <a:endParaRPr lang="de-DE" dirty="0"/>
+            </a:p>
+          </p:txBody>
+        </p:sp>
+        <p:sp>
+          <p:nvSpPr>
+            <p:cNvPr id="72" name="TextBox 71">
+              <a:extLst>
+                <a:ext uri="{FF2B5EF4-FFF2-40B4-BE49-F238E27FC236}">
+                  <a16:creationId xmlns:a16="http://schemas.microsoft.com/office/drawing/2014/main" id="{0FFD68D1-9826-4464-8C8F-39868591C202}"/>
+                </a:ext>
+              </a:extLst>
+            </p:cNvPr>
+            <p:cNvSpPr txBox="1"/>
+            <p:nvPr/>
+          </p:nvSpPr>
+          <p:spPr>
+            <a:xfrm>
+              <a:off x="2319864" y="3683191"/>
+              <a:ext cx="324655" cy="477054"/>
+            </a:xfrm>
+            <a:prstGeom prst="rect">
+              <a:avLst/>
+            </a:prstGeom>
+            <a:noFill/>
+          </p:spPr>
+          <p:txBody>
+            <a:bodyPr wrap="square" rtlCol="0">
+              <a:spAutoFit/>
+            </a:bodyPr>
+            <a:lstStyle/>
+            <a:p>
+              <a:pPr algn="ctr"/>
+              <a:r>
+                <a:rPr lang="en-GB" sz="2500" dirty="0"/>
+                <a:t>O</a:t>
+              </a:r>
+            </a:p>
+          </p:txBody>
+        </p:sp>
+      </p:grpSp>
+      <p:grpSp>
+        <p:nvGrpSpPr>
+          <p:cNvPr id="73" name="Group 72">
+            <a:extLst>
+              <a:ext uri="{FF2B5EF4-FFF2-40B4-BE49-F238E27FC236}">
+                <a16:creationId xmlns:a16="http://schemas.microsoft.com/office/drawing/2014/main" id="{1E798A5A-03AB-4906-849F-125172EEDF64}"/>
+              </a:ext>
+            </a:extLst>
+          </p:cNvPr>
+          <p:cNvGrpSpPr/>
+          <p:nvPr/>
+        </p:nvGrpSpPr>
+        <p:grpSpPr>
+          <a:xfrm>
+            <a:off x="7163572" y="4380906"/>
+            <a:ext cx="1246939" cy="1260000"/>
+            <a:chOff x="1858723" y="3291718"/>
+            <a:chExt cx="1246939" cy="1260000"/>
+          </a:xfrm>
+        </p:grpSpPr>
+        <p:sp>
+          <p:nvSpPr>
+            <p:cNvPr id="74" name="Rechteck 16">
+              <a:extLst>
+                <a:ext uri="{FF2B5EF4-FFF2-40B4-BE49-F238E27FC236}">
+                  <a16:creationId xmlns:a16="http://schemas.microsoft.com/office/drawing/2014/main" id="{ABA0EF9C-E8F7-40C1-8FD7-191F9A4B93EC}"/>
+                </a:ext>
+              </a:extLst>
+            </p:cNvPr>
+            <p:cNvSpPr/>
+            <p:nvPr/>
+          </p:nvSpPr>
+          <p:spPr>
+            <a:xfrm>
+              <a:off x="1858723" y="3291718"/>
+              <a:ext cx="1246939" cy="1260000"/>
+            </a:xfrm>
+            <a:prstGeom prst="rect">
+              <a:avLst/>
+            </a:prstGeom>
+            <a:noFill/>
+            <a:ln w="28575"/>
+          </p:spPr>
+          <p:style>
+            <a:lnRef idx="2">
+              <a:schemeClr val="dk1"/>
+            </a:lnRef>
+            <a:fillRef idx="1">
+              <a:schemeClr val="lt1"/>
+            </a:fillRef>
+            <a:effectRef idx="0">
+              <a:schemeClr val="dk1"/>
+            </a:effectRef>
+            <a:fontRef idx="minor">
+              <a:schemeClr val="dk1"/>
+            </a:fontRef>
+          </p:style>
+          <p:txBody>
+            <a:bodyPr rtlCol="0" anchor="ctr"/>
+            <a:lstStyle/>
+            <a:p>
+              <a:pPr algn="ctr"/>
+              <a:endParaRPr lang="de-DE" dirty="0"/>
+            </a:p>
+          </p:txBody>
+        </p:sp>
+        <p:sp>
+          <p:nvSpPr>
+            <p:cNvPr id="75" name="TextBox 74">
+              <a:extLst>
+                <a:ext uri="{FF2B5EF4-FFF2-40B4-BE49-F238E27FC236}">
+                  <a16:creationId xmlns:a16="http://schemas.microsoft.com/office/drawing/2014/main" id="{7B2DC70E-EDF5-472F-A465-FCC595567C11}"/>
+                </a:ext>
+              </a:extLst>
+            </p:cNvPr>
+            <p:cNvSpPr txBox="1"/>
+            <p:nvPr/>
+          </p:nvSpPr>
+          <p:spPr>
+            <a:xfrm>
+              <a:off x="2319864" y="3683191"/>
+              <a:ext cx="324655" cy="477054"/>
+            </a:xfrm>
+            <a:prstGeom prst="rect">
+              <a:avLst/>
+            </a:prstGeom>
+            <a:noFill/>
+          </p:spPr>
+          <p:txBody>
+            <a:bodyPr wrap="square" rtlCol="0">
+              <a:spAutoFit/>
+            </a:bodyPr>
+            <a:lstStyle/>
+            <a:p>
+              <a:pPr algn="ctr"/>
+              <a:r>
+                <a:rPr lang="en-GB" sz="2500" dirty="0"/>
+                <a:t>X</a:t>
+              </a:r>
+            </a:p>
+          </p:txBody>
+        </p:sp>
+      </p:grpSp>
+      <p:cxnSp>
+        <p:nvCxnSpPr>
+          <p:cNvPr id="12" name="Straight Arrow Connector 11">
+            <a:extLst>
+              <a:ext uri="{FF2B5EF4-FFF2-40B4-BE49-F238E27FC236}">
+                <a16:creationId xmlns:a16="http://schemas.microsoft.com/office/drawing/2014/main" id="{9D51780F-7637-4AA8-BBE7-8A4C40D5E1D3}"/>
+              </a:ext>
+            </a:extLst>
+          </p:cNvPr>
+          <p:cNvCxnSpPr>
+            <a:cxnSpLocks/>
+          </p:cNvCxnSpPr>
+          <p:nvPr/>
+        </p:nvCxnSpPr>
+        <p:spPr>
+          <a:xfrm>
+            <a:off x="1143000" y="4923692"/>
+            <a:ext cx="7267511" cy="1253502"/>
+          </a:xfrm>
+          <a:prstGeom prst="straightConnector1">
+            <a:avLst/>
+          </a:prstGeom>
+          <a:ln w="38100">
+            <a:solidFill>
+              <a:schemeClr val="tx1">
+                <a:lumMod val="95000"/>
+                <a:lumOff val="5000"/>
+              </a:schemeClr>
+            </a:solidFill>
+            <a:tailEnd type="triangle"/>
+          </a:ln>
+        </p:spPr>
+        <p:style>
+          <a:lnRef idx="1">
+            <a:schemeClr val="accent1"/>
+          </a:lnRef>
+          <a:fillRef idx="0">
+            <a:schemeClr val="accent1"/>
+          </a:fillRef>
+          <a:effectRef idx="0">
+            <a:schemeClr val="accent1"/>
+          </a:effectRef>
+          <a:fontRef idx="minor">
+            <a:schemeClr val="tx1"/>
+          </a:fontRef>
+        </p:style>
+      </p:cxnSp>
+      <p:grpSp>
+        <p:nvGrpSpPr>
+          <p:cNvPr id="76" name="Group 75">
+            <a:extLst>
+              <a:ext uri="{FF2B5EF4-FFF2-40B4-BE49-F238E27FC236}">
+                <a16:creationId xmlns:a16="http://schemas.microsoft.com/office/drawing/2014/main" id="{C906713C-3EA8-411D-8D69-3743D098EDF0}"/>
+              </a:ext>
+            </a:extLst>
+          </p:cNvPr>
+          <p:cNvGrpSpPr/>
+          <p:nvPr/>
+        </p:nvGrpSpPr>
+        <p:grpSpPr>
+          <a:xfrm>
+            <a:off x="8757513" y="4261158"/>
+            <a:ext cx="3065746" cy="1499495"/>
+            <a:chOff x="1415587" y="3300063"/>
+            <a:chExt cx="3065746" cy="1499495"/>
+          </a:xfrm>
+        </p:grpSpPr>
+        <p:sp>
+          <p:nvSpPr>
+            <p:cNvPr id="77" name="Rechteck 16">
+              <a:extLst>
+                <a:ext uri="{FF2B5EF4-FFF2-40B4-BE49-F238E27FC236}">
+                  <a16:creationId xmlns:a16="http://schemas.microsoft.com/office/drawing/2014/main" id="{51A3E090-FAAB-469D-A482-57A2D10B4EA7}"/>
+                </a:ext>
+              </a:extLst>
+            </p:cNvPr>
+            <p:cNvSpPr/>
+            <p:nvPr/>
+          </p:nvSpPr>
+          <p:spPr>
+            <a:xfrm>
+              <a:off x="1859337" y="3300063"/>
+              <a:ext cx="2178246" cy="1499495"/>
+            </a:xfrm>
+            <a:prstGeom prst="rect">
+              <a:avLst/>
+            </a:prstGeom>
+            <a:noFill/>
+            <a:ln w="28575"/>
+          </p:spPr>
+          <p:style>
+            <a:lnRef idx="2">
+              <a:schemeClr val="dk1"/>
+            </a:lnRef>
+            <a:fillRef idx="1">
+              <a:schemeClr val="lt1"/>
+            </a:fillRef>
+            <a:effectRef idx="0">
+              <a:schemeClr val="dk1"/>
+            </a:effectRef>
+            <a:fontRef idx="minor">
+              <a:schemeClr val="dk1"/>
+            </a:fontRef>
+          </p:style>
+          <p:txBody>
+            <a:bodyPr rtlCol="0" anchor="ctr"/>
+            <a:lstStyle/>
+            <a:p>
+              <a:pPr algn="ctr"/>
+              <a:endParaRPr lang="de-DE" dirty="0"/>
+            </a:p>
+          </p:txBody>
+        </p:sp>
+        <p:sp>
+          <p:nvSpPr>
+            <p:cNvPr id="78" name="TextBox 77">
+              <a:extLst>
+                <a:ext uri="{FF2B5EF4-FFF2-40B4-BE49-F238E27FC236}">
+                  <a16:creationId xmlns:a16="http://schemas.microsoft.com/office/drawing/2014/main" id="{D0E0A021-3626-4031-A3C7-68F5A3825DB2}"/>
+                </a:ext>
+              </a:extLst>
+            </p:cNvPr>
+            <p:cNvSpPr txBox="1"/>
+            <p:nvPr/>
+          </p:nvSpPr>
+          <p:spPr>
+            <a:xfrm>
+              <a:off x="1415587" y="3650007"/>
+              <a:ext cx="3065746" cy="861774"/>
+            </a:xfrm>
+            <a:prstGeom prst="rect">
+              <a:avLst/>
+            </a:prstGeom>
+            <a:noFill/>
+          </p:spPr>
+          <p:txBody>
+            <a:bodyPr wrap="square" rtlCol="0">
+              <a:spAutoFit/>
+            </a:bodyPr>
+            <a:lstStyle/>
+            <a:p>
+              <a:pPr algn="ctr"/>
+              <a:r>
+                <a:rPr lang="en-GB" sz="2500" dirty="0"/>
+                <a:t>Wie oft </a:t>
+              </a:r>
+              <a:r>
+                <a:rPr lang="en-GB" sz="2500" dirty="0" err="1"/>
+                <a:t>ist</a:t>
+              </a:r>
+              <a:r>
+                <a:rPr lang="en-GB" sz="2500" dirty="0"/>
+                <a:t> “X” </a:t>
+              </a:r>
+              <a:r>
+                <a:rPr lang="en-GB" sz="2500" dirty="0" err="1"/>
+                <a:t>aufgetreten</a:t>
+              </a:r>
+              <a:r>
+                <a:rPr lang="en-GB" sz="2500" dirty="0"/>
+                <a:t>?</a:t>
+              </a:r>
+            </a:p>
+          </p:txBody>
+        </p:sp>
+      </p:grpSp>
+      <p:sp>
+        <p:nvSpPr>
+          <p:cNvPr id="6" name="Arrow: Right 5">
+            <a:extLst>
+              <a:ext uri="{FF2B5EF4-FFF2-40B4-BE49-F238E27FC236}">
+                <a16:creationId xmlns:a16="http://schemas.microsoft.com/office/drawing/2014/main" id="{5ED71050-CD26-4FB7-8FB8-38B071331843}"/>
+              </a:ext>
+            </a:extLst>
+          </p:cNvPr>
+          <p:cNvSpPr/>
+          <p:nvPr/>
+        </p:nvSpPr>
+        <p:spPr>
+          <a:xfrm>
+            <a:off x="9583615" y="5908431"/>
+            <a:ext cx="483577" cy="312392"/>
+          </a:xfrm>
+          <a:prstGeom prst="rightArrow">
+            <a:avLst/>
+          </a:prstGeom>
+          <a:noFill/>
+          <a:ln w="28575"/>
+        </p:spPr>
+        <p:style>
+          <a:lnRef idx="2">
+            <a:schemeClr val="dk1">
+              <a:shade val="50000"/>
+            </a:schemeClr>
+          </a:lnRef>
+          <a:fillRef idx="1">
+            <a:schemeClr val="dk1"/>
+          </a:fillRef>
+          <a:effectRef idx="0">
+            <a:schemeClr val="dk1"/>
+          </a:effectRef>
+          <a:fontRef idx="minor">
+            <a:schemeClr val="lt1"/>
+          </a:fontRef>
+        </p:style>
+        <p:txBody>
+          <a:bodyPr rtlCol="0" anchor="ctr"/>
+          <a:lstStyle/>
+          <a:p>
+            <a:pPr algn="ctr"/>
+            <a:endParaRPr lang="en-GB"/>
+          </a:p>
+        </p:txBody>
+      </p:sp>
+      <p:sp>
+        <p:nvSpPr>
+          <p:cNvPr id="7" name="TextBox 6">
+            <a:extLst>
+              <a:ext uri="{FF2B5EF4-FFF2-40B4-BE49-F238E27FC236}">
+                <a16:creationId xmlns:a16="http://schemas.microsoft.com/office/drawing/2014/main" id="{861492E7-1221-42F3-94AD-245DD3AA2A87}"/>
+              </a:ext>
+            </a:extLst>
+          </p:cNvPr>
+          <p:cNvSpPr txBox="1"/>
+          <p:nvPr/>
+        </p:nvSpPr>
+        <p:spPr>
+          <a:xfrm>
+            <a:off x="10176834" y="5822820"/>
+            <a:ext cx="668215" cy="477054"/>
+          </a:xfrm>
+          <a:prstGeom prst="rect">
+            <a:avLst/>
+          </a:prstGeom>
+          <a:noFill/>
+        </p:spPr>
+        <p:txBody>
+          <a:bodyPr wrap="square" rtlCol="0">
+            <a:spAutoFit/>
+          </a:bodyPr>
+          <a:lstStyle/>
+          <a:p>
+            <a:r>
+              <a:rPr lang="en-GB" sz="2500" b="1" dirty="0"/>
+              <a:t>2</a:t>
+            </a:r>
+          </a:p>
+        </p:txBody>
+      </p:sp>
+      <p:sp>
+        <p:nvSpPr>
+          <p:cNvPr id="25" name="TextBox 24">
+            <a:extLst>
+              <a:ext uri="{FF2B5EF4-FFF2-40B4-BE49-F238E27FC236}">
+                <a16:creationId xmlns:a16="http://schemas.microsoft.com/office/drawing/2014/main" id="{55B3521B-CBB9-4B58-B004-866624F0259A}"/>
+              </a:ext>
+            </a:extLst>
+          </p:cNvPr>
+          <p:cNvSpPr txBox="1"/>
+          <p:nvPr/>
+        </p:nvSpPr>
+        <p:spPr>
+          <a:xfrm>
+            <a:off x="1490003" y="2949639"/>
+            <a:ext cx="1839334" cy="369332"/>
+          </a:xfrm>
+          <a:prstGeom prst="rect">
+            <a:avLst/>
+          </a:prstGeom>
+          <a:noFill/>
+        </p:spPr>
+        <p:txBody>
+          <a:bodyPr wrap="square" rtlCol="0">
+            <a:spAutoFit/>
+          </a:bodyPr>
+          <a:lstStyle/>
+          <a:p>
+            <a:r>
+              <a:rPr lang="en-GB" b="1" dirty="0"/>
+              <a:t>“O” -&gt; links</a:t>
+            </a:r>
+          </a:p>
+        </p:txBody>
+      </p:sp>
+      <p:sp>
+        <p:nvSpPr>
+          <p:cNvPr id="26" name="TextBox 25">
+            <a:extLst>
+              <a:ext uri="{FF2B5EF4-FFF2-40B4-BE49-F238E27FC236}">
+                <a16:creationId xmlns:a16="http://schemas.microsoft.com/office/drawing/2014/main" id="{2C66F72A-C47A-4948-B6B1-C1552C928186}"/>
+              </a:ext>
+            </a:extLst>
+          </p:cNvPr>
+          <p:cNvSpPr txBox="1"/>
+          <p:nvPr/>
+        </p:nvSpPr>
+        <p:spPr>
+          <a:xfrm>
+            <a:off x="2908395" y="3214769"/>
+            <a:ext cx="1839334" cy="369332"/>
+          </a:xfrm>
+          <a:prstGeom prst="rect">
+            <a:avLst/>
+          </a:prstGeom>
+          <a:noFill/>
+        </p:spPr>
+        <p:txBody>
+          <a:bodyPr wrap="square" rtlCol="0">
+            <a:spAutoFit/>
+          </a:bodyPr>
+          <a:lstStyle/>
+          <a:p>
+            <a:r>
+              <a:rPr lang="en-GB" b="1" dirty="0"/>
+              <a:t>“O” -&gt; links</a:t>
+            </a:r>
+          </a:p>
+        </p:txBody>
+      </p:sp>
+      <p:sp>
+        <p:nvSpPr>
+          <p:cNvPr id="27" name="TextBox 26">
+            <a:extLst>
+              <a:ext uri="{FF2B5EF4-FFF2-40B4-BE49-F238E27FC236}">
+                <a16:creationId xmlns:a16="http://schemas.microsoft.com/office/drawing/2014/main" id="{3B3D066B-2ED3-4D5D-8925-AE23D5A17B20}"/>
+              </a:ext>
+            </a:extLst>
+          </p:cNvPr>
+          <p:cNvSpPr txBox="1"/>
+          <p:nvPr/>
+        </p:nvSpPr>
+        <p:spPr>
+          <a:xfrm>
+            <a:off x="4326787" y="3479899"/>
+            <a:ext cx="1839334" cy="369332"/>
+          </a:xfrm>
+          <a:prstGeom prst="rect">
+            <a:avLst/>
+          </a:prstGeom>
+          <a:noFill/>
+        </p:spPr>
+        <p:txBody>
+          <a:bodyPr wrap="square" rtlCol="0">
+            <a:spAutoFit/>
+          </a:bodyPr>
+          <a:lstStyle/>
+          <a:p>
+            <a:r>
+              <a:rPr lang="en-GB" b="1" dirty="0"/>
+              <a:t>“X” -&gt; </a:t>
+            </a:r>
+            <a:r>
+              <a:rPr lang="en-GB" b="1" dirty="0" err="1"/>
+              <a:t>rechts</a:t>
+            </a:r>
+            <a:endParaRPr lang="en-GB" b="1" dirty="0"/>
+          </a:p>
+        </p:txBody>
+      </p:sp>
+      <p:sp>
+        <p:nvSpPr>
+          <p:cNvPr id="28" name="TextBox 27">
+            <a:extLst>
+              <a:ext uri="{FF2B5EF4-FFF2-40B4-BE49-F238E27FC236}">
+                <a16:creationId xmlns:a16="http://schemas.microsoft.com/office/drawing/2014/main" id="{45F8A863-FC92-438B-A2F7-CAA397D9DC63}"/>
+              </a:ext>
+            </a:extLst>
+          </p:cNvPr>
+          <p:cNvSpPr txBox="1"/>
+          <p:nvPr/>
+        </p:nvSpPr>
+        <p:spPr>
+          <a:xfrm>
+            <a:off x="7140054" y="4044868"/>
+            <a:ext cx="1839334" cy="369332"/>
+          </a:xfrm>
+          <a:prstGeom prst="rect">
+            <a:avLst/>
+          </a:prstGeom>
+          <a:noFill/>
+        </p:spPr>
+        <p:txBody>
+          <a:bodyPr wrap="square" rtlCol="0">
+            <a:spAutoFit/>
+          </a:bodyPr>
+          <a:lstStyle/>
+          <a:p>
+            <a:r>
+              <a:rPr lang="en-GB" b="1" dirty="0"/>
+              <a:t>“X” -&gt; </a:t>
+            </a:r>
+            <a:r>
+              <a:rPr lang="en-GB" b="1" dirty="0" err="1"/>
+              <a:t>rechts</a:t>
+            </a:r>
+            <a:endParaRPr lang="en-GB" b="1" dirty="0"/>
+          </a:p>
+        </p:txBody>
+      </p:sp>
+      <p:sp>
+        <p:nvSpPr>
+          <p:cNvPr id="29" name="TextBox 28">
+            <a:extLst>
+              <a:ext uri="{FF2B5EF4-FFF2-40B4-BE49-F238E27FC236}">
+                <a16:creationId xmlns:a16="http://schemas.microsoft.com/office/drawing/2014/main" id="{C7EEAE07-674D-40EF-A494-3E9ADF1065D2}"/>
+              </a:ext>
+            </a:extLst>
+          </p:cNvPr>
+          <p:cNvSpPr txBox="1"/>
+          <p:nvPr/>
+        </p:nvSpPr>
+        <p:spPr>
+          <a:xfrm>
+            <a:off x="5698609" y="3773267"/>
+            <a:ext cx="1839334" cy="369332"/>
+          </a:xfrm>
+          <a:prstGeom prst="rect">
+            <a:avLst/>
+          </a:prstGeom>
+          <a:noFill/>
+        </p:spPr>
+        <p:txBody>
+          <a:bodyPr wrap="square" rtlCol="0">
+            <a:spAutoFit/>
+          </a:bodyPr>
+          <a:lstStyle/>
+          <a:p>
+            <a:r>
+              <a:rPr lang="en-GB" b="1" dirty="0"/>
+              <a:t>“O” -&gt; links</a:t>
+            </a:r>
+          </a:p>
+        </p:txBody>
+      </p:sp>
+    </p:spTree>
+    <p:extLst>
+      <p:ext uri="{BB962C8B-B14F-4D97-AF65-F5344CB8AC3E}">
+        <p14:creationId xmlns:p14="http://schemas.microsoft.com/office/powerpoint/2010/main" val="2273264778"/>
       </p:ext>
     </p:extLst>
   </p:cSld>

--- a/instructions/instruction_slides.pptx
+++ b/instructions/instruction_slides.pptx
@@ -9,8 +9,9 @@
     <p:sldId id="277" r:id="rId3"/>
     <p:sldId id="282" r:id="rId4"/>
     <p:sldId id="256" r:id="rId5"/>
-    <p:sldId id="283" r:id="rId6"/>
-    <p:sldId id="284" r:id="rId7"/>
+    <p:sldId id="285" r:id="rId6"/>
+    <p:sldId id="283" r:id="rId7"/>
+    <p:sldId id="284" r:id="rId8"/>
   </p:sldIdLst>
   <p:sldSz cx="12192000" cy="6858000"/>
   <p:notesSz cx="6858000" cy="9144000"/>
@@ -118,6 +119,7 @@
             <p14:sldId id="277"/>
             <p14:sldId id="282"/>
             <p14:sldId id="256"/>
+            <p14:sldId id="285"/>
             <p14:sldId id="283"/>
             <p14:sldId id="284"/>
           </p14:sldIdLst>
@@ -5018,6 +5020,302 @@
       </p:grpSpPr>
       <p:sp>
         <p:nvSpPr>
+          <p:cNvPr id="25" name="TextBox 24">
+            <a:extLst>
+              <a:ext uri="{FF2B5EF4-FFF2-40B4-BE49-F238E27FC236}">
+                <a16:creationId xmlns:a16="http://schemas.microsoft.com/office/drawing/2014/main" id="{FEEA1A1E-6CED-4FD5-B312-FB9CC70D6AD8}"/>
+              </a:ext>
+            </a:extLst>
+          </p:cNvPr>
+          <p:cNvSpPr txBox="1"/>
+          <p:nvPr/>
+        </p:nvSpPr>
+        <p:spPr>
+          <a:xfrm>
+            <a:off x="930111" y="980580"/>
+            <a:ext cx="10331778" cy="707886"/>
+          </a:xfrm>
+          <a:prstGeom prst="rect">
+            <a:avLst/>
+          </a:prstGeom>
+          <a:noFill/>
+        </p:spPr>
+        <p:txBody>
+          <a:bodyPr wrap="square" rtlCol="0">
+            <a:spAutoFit/>
+          </a:bodyPr>
+          <a:lstStyle/>
+          <a:p>
+            <a:pPr algn="ctr"/>
+            <a:r>
+              <a:rPr lang="en-GB" sz="4000" dirty="0" err="1">
+                <a:solidFill>
+                  <a:schemeClr val="bg1"/>
+                </a:solidFill>
+              </a:rPr>
+              <a:t>Übung</a:t>
+            </a:r>
+            <a:r>
+              <a:rPr lang="en-GB" sz="4000" dirty="0">
+                <a:solidFill>
+                  <a:schemeClr val="bg1"/>
+                </a:solidFill>
+              </a:rPr>
+              <a:t> </a:t>
+            </a:r>
+            <a:r>
+              <a:rPr lang="en-GB" sz="4000" dirty="0" err="1">
+                <a:solidFill>
+                  <a:schemeClr val="bg1"/>
+                </a:solidFill>
+              </a:rPr>
+              <a:t>geschafft</a:t>
+            </a:r>
+            <a:r>
+              <a:rPr lang="en-GB" sz="4000" dirty="0">
+                <a:solidFill>
+                  <a:schemeClr val="bg1"/>
+                </a:solidFill>
+              </a:rPr>
+              <a:t>!</a:t>
+            </a:r>
+          </a:p>
+        </p:txBody>
+      </p:sp>
+      <p:sp>
+        <p:nvSpPr>
+          <p:cNvPr id="26" name="TextBox 25">
+            <a:extLst>
+              <a:ext uri="{FF2B5EF4-FFF2-40B4-BE49-F238E27FC236}">
+                <a16:creationId xmlns:a16="http://schemas.microsoft.com/office/drawing/2014/main" id="{2FBA066B-07A5-4FA3-A3A1-F6E337177AFC}"/>
+              </a:ext>
+            </a:extLst>
+          </p:cNvPr>
+          <p:cNvSpPr txBox="1"/>
+          <p:nvPr/>
+        </p:nvSpPr>
+        <p:spPr>
+          <a:xfrm>
+            <a:off x="1150070" y="2398929"/>
+            <a:ext cx="9235126" cy="1446550"/>
+          </a:xfrm>
+          <a:prstGeom prst="rect">
+            <a:avLst/>
+          </a:prstGeom>
+          <a:noFill/>
+        </p:spPr>
+        <p:txBody>
+          <a:bodyPr wrap="square" rtlCol="0">
+            <a:spAutoFit/>
+          </a:bodyPr>
+          <a:lstStyle/>
+          <a:p>
+            <a:r>
+              <a:rPr lang="en-GB" sz="2200" dirty="0"/>
+              <a:t>Sie </a:t>
+            </a:r>
+            <a:r>
+              <a:rPr lang="en-GB" sz="2200" dirty="0" err="1"/>
+              <a:t>haben</a:t>
+            </a:r>
+            <a:r>
+              <a:rPr lang="en-GB" sz="2200" dirty="0"/>
+              <a:t> die </a:t>
+            </a:r>
+            <a:r>
+              <a:rPr lang="en-GB" sz="2200" dirty="0" err="1"/>
+              <a:t>Übungsaufgaben</a:t>
+            </a:r>
+            <a:r>
+              <a:rPr lang="en-GB" sz="2200" dirty="0"/>
+              <a:t> </a:t>
+            </a:r>
+            <a:r>
+              <a:rPr lang="en-GB" sz="2200" dirty="0" err="1"/>
+              <a:t>erfolgreich</a:t>
+            </a:r>
+            <a:r>
+              <a:rPr lang="en-GB" sz="2200" dirty="0"/>
+              <a:t> </a:t>
+            </a:r>
+            <a:r>
+              <a:rPr lang="en-GB" sz="2200" dirty="0" err="1"/>
+              <a:t>abgeschlossen</a:t>
+            </a:r>
+            <a:r>
+              <a:rPr lang="en-GB" sz="2200" dirty="0"/>
+              <a:t>. </a:t>
+            </a:r>
+            <a:r>
+              <a:rPr lang="en-GB" sz="2200" dirty="0" err="1"/>
+              <a:t>Drücken</a:t>
+            </a:r>
+            <a:r>
+              <a:rPr lang="en-GB" sz="2200" dirty="0"/>
+              <a:t> Sie </a:t>
+            </a:r>
+            <a:r>
+              <a:rPr lang="en-GB" sz="2200" b="1" dirty="0"/>
+              <a:t>“R”</a:t>
+            </a:r>
+            <a:r>
+              <a:rPr lang="en-GB" sz="2200" dirty="0"/>
+              <a:t>, um </a:t>
+            </a:r>
+            <a:r>
+              <a:rPr lang="en-GB" sz="2200" dirty="0" err="1"/>
+              <a:t>nochmal</a:t>
+            </a:r>
+            <a:r>
+              <a:rPr lang="en-GB" sz="2200" dirty="0"/>
+              <a:t> </a:t>
+            </a:r>
+            <a:r>
+              <a:rPr lang="en-GB" sz="2200" dirty="0" err="1"/>
+              <a:t>zu</a:t>
+            </a:r>
+            <a:r>
+              <a:rPr lang="en-GB" sz="2200" dirty="0"/>
+              <a:t> </a:t>
+            </a:r>
+            <a:r>
+              <a:rPr lang="en-GB" sz="2200" b="1" dirty="0" err="1"/>
+              <a:t>üben</a:t>
+            </a:r>
+            <a:r>
+              <a:rPr lang="en-GB" sz="2200" dirty="0"/>
+              <a:t>. </a:t>
+            </a:r>
+          </a:p>
+          <a:p>
+            <a:endParaRPr lang="en-GB" sz="2200" dirty="0"/>
+          </a:p>
+          <a:p>
+            <a:r>
+              <a:rPr lang="en-GB" sz="2200" dirty="0" err="1"/>
+              <a:t>Starten</a:t>
+            </a:r>
+            <a:r>
+              <a:rPr lang="en-GB" sz="2200" dirty="0"/>
+              <a:t> Sie die Aufgabe </a:t>
+            </a:r>
+            <a:r>
+              <a:rPr lang="en-GB" sz="2200" dirty="0" err="1"/>
+              <a:t>mit</a:t>
+            </a:r>
+            <a:r>
+              <a:rPr lang="en-GB" sz="2200" dirty="0"/>
+              <a:t> “</a:t>
+            </a:r>
+            <a:r>
+              <a:rPr lang="en-GB" sz="2200"/>
+              <a:t>M”.</a:t>
+            </a:r>
+            <a:endParaRPr lang="en-GB" sz="2200" dirty="0"/>
+          </a:p>
+        </p:txBody>
+      </p:sp>
+      <p:sp>
+        <p:nvSpPr>
+          <p:cNvPr id="27" name="Arrow: Right 26">
+            <a:extLst>
+              <a:ext uri="{FF2B5EF4-FFF2-40B4-BE49-F238E27FC236}">
+                <a16:creationId xmlns:a16="http://schemas.microsoft.com/office/drawing/2014/main" id="{460B8AEC-B493-4A8C-9638-ADB081BA0EDC}"/>
+              </a:ext>
+            </a:extLst>
+          </p:cNvPr>
+          <p:cNvSpPr/>
+          <p:nvPr/>
+        </p:nvSpPr>
+        <p:spPr>
+          <a:xfrm>
+            <a:off x="10403341" y="6220823"/>
+            <a:ext cx="1785150" cy="637177"/>
+          </a:xfrm>
+          <a:prstGeom prst="rightArrow">
+            <a:avLst/>
+          </a:prstGeom>
+        </p:spPr>
+        <p:style>
+          <a:lnRef idx="2">
+            <a:schemeClr val="accent1">
+              <a:shade val="50000"/>
+            </a:schemeClr>
+          </a:lnRef>
+          <a:fillRef idx="1">
+            <a:schemeClr val="accent1"/>
+          </a:fillRef>
+          <a:effectRef idx="0">
+            <a:schemeClr val="accent1"/>
+          </a:effectRef>
+          <a:fontRef idx="minor">
+            <a:schemeClr val="lt1"/>
+          </a:fontRef>
+        </p:style>
+        <p:txBody>
+          <a:bodyPr rtlCol="0" anchor="ctr"/>
+          <a:lstStyle/>
+          <a:p>
+            <a:pPr algn="ctr"/>
+            <a:r>
+              <a:rPr lang="en-GB" sz="1500" dirty="0" err="1"/>
+              <a:t>Starten</a:t>
+            </a:r>
+            <a:r>
+              <a:rPr lang="en-GB" sz="1500" dirty="0"/>
+              <a:t> </a:t>
+            </a:r>
+            <a:r>
+              <a:rPr lang="en-GB" sz="1500" dirty="0" err="1"/>
+              <a:t>mit</a:t>
+            </a:r>
+            <a:r>
+              <a:rPr lang="en-GB" sz="1500" dirty="0"/>
+              <a:t> “M”</a:t>
+            </a:r>
+          </a:p>
+        </p:txBody>
+      </p:sp>
+    </p:spTree>
+    <p:extLst>
+      <p:ext uri="{BB962C8B-B14F-4D97-AF65-F5344CB8AC3E}">
+        <p14:creationId xmlns:p14="http://schemas.microsoft.com/office/powerpoint/2010/main" val="2009955120"/>
+      </p:ext>
+    </p:extLst>
+  </p:cSld>
+  <p:clrMapOvr>
+    <a:masterClrMapping/>
+  </p:clrMapOvr>
+</p:sld>
+</file>
+
+<file path=ppt/slides/slide6.xml><?xml version="1.0" encoding="utf-8"?>
+<p:sld xmlns:a="http://schemas.openxmlformats.org/drawingml/2006/main" xmlns:r="http://schemas.openxmlformats.org/officeDocument/2006/relationships" xmlns:p="http://schemas.openxmlformats.org/presentationml/2006/main">
+  <p:cSld>
+    <p:bg>
+      <p:bgPr>
+        <a:solidFill>
+          <a:srgbClr val="8C8C8C"/>
+        </a:solidFill>
+        <a:effectLst/>
+      </p:bgPr>
+    </p:bg>
+    <p:spTree>
+      <p:nvGrpSpPr>
+        <p:cNvPr id="1" name=""/>
+        <p:cNvGrpSpPr/>
+        <p:nvPr/>
+      </p:nvGrpSpPr>
+      <p:grpSpPr>
+        <a:xfrm>
+          <a:off x="0" y="0"/>
+          <a:ext cx="0" cy="0"/>
+          <a:chOff x="0" y="0"/>
+          <a:chExt cx="0" cy="0"/>
+        </a:xfrm>
+      </p:grpSpPr>
+      <p:sp>
+        <p:nvSpPr>
           <p:cNvPr id="5" name="TextBox 4">
             <a:extLst>
               <a:ext uri="{FF2B5EF4-FFF2-40B4-BE49-F238E27FC236}">
@@ -6324,7 +6622,7 @@
 </p:sld>
 </file>
 
-<file path=ppt/slides/slide6.xml><?xml version="1.0" encoding="utf-8"?>
+<file path=ppt/slides/slide7.xml><?xml version="1.0" encoding="utf-8"?>
 <p:sld xmlns:a="http://schemas.openxmlformats.org/drawingml/2006/main" xmlns:r="http://schemas.openxmlformats.org/officeDocument/2006/relationships" xmlns:p="http://schemas.openxmlformats.org/presentationml/2006/main">
   <p:cSld>
     <p:bg>

--- a/instructions/instruction_slides.pptx
+++ b/instructions/instruction_slides.pptx
@@ -11,7 +11,7 @@
     <p:sldId id="256" r:id="rId5"/>
     <p:sldId id="285" r:id="rId6"/>
     <p:sldId id="283" r:id="rId7"/>
-    <p:sldId id="284" r:id="rId8"/>
+    <p:sldId id="286" r:id="rId8"/>
   </p:sldIdLst>
   <p:sldSz cx="12192000" cy="6858000"/>
   <p:notesSz cx="6858000" cy="9144000"/>
@@ -121,7 +121,7 @@
             <p14:sldId id="256"/>
             <p14:sldId id="285"/>
             <p14:sldId id="283"/>
-            <p14:sldId id="284"/>
+            <p14:sldId id="286"/>
           </p14:sldIdLst>
         </p14:section>
       </p14:sectionLst>
@@ -282,7 +282,7 @@
           <a:p>
             <a:fld id="{720A8C9A-4914-4E30-BB53-2E47D8B0250F}" type="datetimeFigureOut">
               <a:rPr lang="en-GB" smtClean="0"/>
-              <a:t>27/02/2025</a:t>
+              <a:t>30/04/2025</a:t>
             </a:fld>
             <a:endParaRPr lang="en-GB"/>
           </a:p>
@@ -482,7 +482,7 @@
           <a:p>
             <a:fld id="{720A8C9A-4914-4E30-BB53-2E47D8B0250F}" type="datetimeFigureOut">
               <a:rPr lang="en-GB" smtClean="0"/>
-              <a:t>27/02/2025</a:t>
+              <a:t>30/04/2025</a:t>
             </a:fld>
             <a:endParaRPr lang="en-GB"/>
           </a:p>
@@ -692,7 +692,7 @@
           <a:p>
             <a:fld id="{720A8C9A-4914-4E30-BB53-2E47D8B0250F}" type="datetimeFigureOut">
               <a:rPr lang="en-GB" smtClean="0"/>
-              <a:t>27/02/2025</a:t>
+              <a:t>30/04/2025</a:t>
             </a:fld>
             <a:endParaRPr lang="en-GB"/>
           </a:p>
@@ -892,7 +892,7 @@
           <a:p>
             <a:fld id="{720A8C9A-4914-4E30-BB53-2E47D8B0250F}" type="datetimeFigureOut">
               <a:rPr lang="en-GB" smtClean="0"/>
-              <a:t>27/02/2025</a:t>
+              <a:t>30/04/2025</a:t>
             </a:fld>
             <a:endParaRPr lang="en-GB"/>
           </a:p>
@@ -1168,7 +1168,7 @@
           <a:p>
             <a:fld id="{720A8C9A-4914-4E30-BB53-2E47D8B0250F}" type="datetimeFigureOut">
               <a:rPr lang="en-GB" smtClean="0"/>
-              <a:t>27/02/2025</a:t>
+              <a:t>30/04/2025</a:t>
             </a:fld>
             <a:endParaRPr lang="en-GB"/>
           </a:p>
@@ -1436,7 +1436,7 @@
           <a:p>
             <a:fld id="{720A8C9A-4914-4E30-BB53-2E47D8B0250F}" type="datetimeFigureOut">
               <a:rPr lang="en-GB" smtClean="0"/>
-              <a:t>27/02/2025</a:t>
+              <a:t>30/04/2025</a:t>
             </a:fld>
             <a:endParaRPr lang="en-GB"/>
           </a:p>
@@ -1851,7 +1851,7 @@
           <a:p>
             <a:fld id="{720A8C9A-4914-4E30-BB53-2E47D8B0250F}" type="datetimeFigureOut">
               <a:rPr lang="en-GB" smtClean="0"/>
-              <a:t>27/02/2025</a:t>
+              <a:t>30/04/2025</a:t>
             </a:fld>
             <a:endParaRPr lang="en-GB"/>
           </a:p>
@@ -1993,7 +1993,7 @@
           <a:p>
             <a:fld id="{720A8C9A-4914-4E30-BB53-2E47D8B0250F}" type="datetimeFigureOut">
               <a:rPr lang="en-GB" smtClean="0"/>
-              <a:t>27/02/2025</a:t>
+              <a:t>30/04/2025</a:t>
             </a:fld>
             <a:endParaRPr lang="en-GB"/>
           </a:p>
@@ -2106,7 +2106,7 @@
           <a:p>
             <a:fld id="{720A8C9A-4914-4E30-BB53-2E47D8B0250F}" type="datetimeFigureOut">
               <a:rPr lang="en-GB" smtClean="0"/>
-              <a:t>27/02/2025</a:t>
+              <a:t>30/04/2025</a:t>
             </a:fld>
             <a:endParaRPr lang="en-GB"/>
           </a:p>
@@ -2419,7 +2419,7 @@
           <a:p>
             <a:fld id="{720A8C9A-4914-4E30-BB53-2E47D8B0250F}" type="datetimeFigureOut">
               <a:rPr lang="en-GB" smtClean="0"/>
-              <a:t>27/02/2025</a:t>
+              <a:t>30/04/2025</a:t>
             </a:fld>
             <a:endParaRPr lang="en-GB"/>
           </a:p>
@@ -2708,7 +2708,7 @@
           <a:p>
             <a:fld id="{720A8C9A-4914-4E30-BB53-2E47D8B0250F}" type="datetimeFigureOut">
               <a:rPr lang="en-GB" smtClean="0"/>
-              <a:t>27/02/2025</a:t>
+              <a:t>30/04/2025</a:t>
             </a:fld>
             <a:endParaRPr lang="en-GB"/>
           </a:p>
@@ -2951,7 +2951,7 @@
           <a:p>
             <a:fld id="{720A8C9A-4914-4E30-BB53-2E47D8B0250F}" type="datetimeFigureOut">
               <a:rPr lang="en-GB" smtClean="0"/>
-              <a:t>27/02/2025</a:t>
+              <a:t>30/04/2025</a:t>
             </a:fld>
             <a:endParaRPr lang="en-GB"/>
           </a:p>
@@ -4013,15 +4013,7 @@
             </a:r>
             <a:r>
               <a:rPr lang="en-GB" sz="2200" dirty="0" err="1"/>
-              <a:t>Buchstaben</a:t>
-            </a:r>
-            <a:r>
-              <a:rPr lang="en-GB" sz="2200" dirty="0"/>
-              <a:t> / </a:t>
-            </a:r>
-            <a:r>
-              <a:rPr lang="en-GB" sz="2200" dirty="0" err="1"/>
-              <a:t>Bildern</a:t>
+              <a:t>Zahlen</a:t>
             </a:r>
             <a:r>
               <a:rPr lang="en-GB" sz="2200" dirty="0"/>
@@ -4053,7 +4045,7 @@
             </a:r>
             <a:r>
               <a:rPr lang="en-GB" sz="2200" dirty="0" err="1"/>
-              <a:t>Buchstaben</a:t>
+              <a:t>Zahlen</a:t>
             </a:r>
             <a:r>
               <a:rPr lang="en-GB" sz="2200" dirty="0"/>
@@ -4069,19 +4061,19 @@
             </a:r>
             <a:r>
               <a:rPr lang="en-GB" sz="2200" dirty="0" err="1"/>
-              <a:t>ein</a:t>
-            </a:r>
-            <a:r>
-              <a:rPr lang="en-GB" sz="2200" dirty="0"/>
-              <a:t> “O” und manche </a:t>
+              <a:t>eine</a:t>
+            </a:r>
+            <a:r>
+              <a:rPr lang="en-GB" sz="2200" dirty="0"/>
+              <a:t> “7” und manche </a:t>
             </a:r>
             <a:r>
               <a:rPr lang="en-GB" sz="2200" dirty="0" err="1"/>
-              <a:t>ein</a:t>
-            </a:r>
-            <a:r>
-              <a:rPr lang="en-GB" sz="2200" dirty="0"/>
-              <a:t> “X”. </a:t>
+              <a:t>eine</a:t>
+            </a:r>
+            <a:r>
+              <a:rPr lang="en-GB" sz="2200" dirty="0"/>
+              <a:t> “8”. </a:t>
             </a:r>
             <a:r>
               <a:rPr lang="en-GB" sz="2200" dirty="0" err="1"/>
@@ -4105,7 +4097,7 @@
             </a:r>
             <a:r>
               <a:rPr lang="en-GB" sz="2200" dirty="0"/>
-              <a:t> “X” </a:t>
+              <a:t> “7” </a:t>
             </a:r>
             <a:r>
               <a:rPr lang="en-GB" sz="2200" dirty="0" err="1"/>
@@ -4313,7 +4305,7 @@
               <a:pPr algn="ctr"/>
               <a:r>
                 <a:rPr lang="en-GB" sz="2500" dirty="0"/>
-                <a:t>O</a:t>
+                <a:t>8</a:t>
               </a:r>
             </a:p>
           </p:txBody>
@@ -4416,7 +4408,7 @@
               <a:pPr algn="ctr"/>
               <a:r>
                 <a:rPr lang="en-GB" sz="2500" dirty="0"/>
-                <a:t>X</a:t>
+                <a:t>7</a:t>
               </a:r>
             </a:p>
           </p:txBody>
@@ -4519,7 +4511,7 @@
               <a:pPr algn="ctr"/>
               <a:r>
                 <a:rPr lang="en-GB" sz="2500" dirty="0"/>
-                <a:t>O</a:t>
+                <a:t>8</a:t>
               </a:r>
             </a:p>
           </p:txBody>
@@ -4622,7 +4614,7 @@
               <a:pPr algn="ctr"/>
               <a:r>
                 <a:rPr lang="en-GB" sz="2500" dirty="0"/>
-                <a:t>O</a:t>
+                <a:t>8</a:t>
               </a:r>
             </a:p>
           </p:txBody>
@@ -4725,7 +4717,7 @@
               <a:pPr algn="ctr"/>
               <a:r>
                 <a:rPr lang="en-GB" sz="2500" dirty="0"/>
-                <a:t>X</a:t>
+                <a:t>7</a:t>
               </a:r>
             </a:p>
           </p:txBody>
@@ -4883,7 +4875,7 @@
               </a:r>
               <a:r>
                 <a:rPr lang="en-GB" sz="2500" dirty="0"/>
-                <a:t> “X” </a:t>
+                <a:t> “7” </a:t>
               </a:r>
               <a:r>
                 <a:rPr lang="en-GB" sz="2500" dirty="0" err="1"/>
@@ -4980,6 +4972,786 @@
           </a:p>
         </p:txBody>
       </p:sp>
+      <p:cxnSp>
+        <p:nvCxnSpPr>
+          <p:cNvPr id="25" name="Gerader Verbinder 17">
+            <a:extLst>
+              <a:ext uri="{FF2B5EF4-FFF2-40B4-BE49-F238E27FC236}">
+                <a16:creationId xmlns:a16="http://schemas.microsoft.com/office/drawing/2014/main" id="{E07BAC79-659D-49FB-BC79-EC44A8597DD4}"/>
+              </a:ext>
+            </a:extLst>
+          </p:cNvPr>
+          <p:cNvCxnSpPr>
+            <a:cxnSpLocks/>
+          </p:cNvCxnSpPr>
+          <p:nvPr/>
+        </p:nvCxnSpPr>
+        <p:spPr>
+          <a:xfrm>
+            <a:off x="1903959" y="3273286"/>
+            <a:ext cx="0" cy="1260000"/>
+          </a:xfrm>
+          <a:prstGeom prst="line">
+            <a:avLst/>
+          </a:prstGeom>
+          <a:ln w="28575"/>
+        </p:spPr>
+        <p:style>
+          <a:lnRef idx="1">
+            <a:schemeClr val="dk1"/>
+          </a:lnRef>
+          <a:fillRef idx="0">
+            <a:schemeClr val="dk1"/>
+          </a:fillRef>
+          <a:effectRef idx="0">
+            <a:schemeClr val="dk1"/>
+          </a:effectRef>
+          <a:fontRef idx="minor">
+            <a:schemeClr val="tx1"/>
+          </a:fontRef>
+        </p:style>
+      </p:cxnSp>
+      <p:cxnSp>
+        <p:nvCxnSpPr>
+          <p:cNvPr id="26" name="Gerader Verbinder 18">
+            <a:extLst>
+              <a:ext uri="{FF2B5EF4-FFF2-40B4-BE49-F238E27FC236}">
+                <a16:creationId xmlns:a16="http://schemas.microsoft.com/office/drawing/2014/main" id="{3661CB34-D96C-41BE-AE2B-ED3B53C1AC58}"/>
+              </a:ext>
+            </a:extLst>
+          </p:cNvPr>
+          <p:cNvCxnSpPr>
+            <a:cxnSpLocks/>
+          </p:cNvCxnSpPr>
+          <p:nvPr/>
+        </p:nvCxnSpPr>
+        <p:spPr>
+          <a:xfrm>
+            <a:off x="2330040" y="3273286"/>
+            <a:ext cx="0" cy="1260000"/>
+          </a:xfrm>
+          <a:prstGeom prst="line">
+            <a:avLst/>
+          </a:prstGeom>
+          <a:ln w="28575"/>
+        </p:spPr>
+        <p:style>
+          <a:lnRef idx="1">
+            <a:schemeClr val="dk1"/>
+          </a:lnRef>
+          <a:fillRef idx="0">
+            <a:schemeClr val="dk1"/>
+          </a:fillRef>
+          <a:effectRef idx="0">
+            <a:schemeClr val="dk1"/>
+          </a:effectRef>
+          <a:fontRef idx="minor">
+            <a:schemeClr val="tx1"/>
+          </a:fontRef>
+        </p:style>
+      </p:cxnSp>
+      <p:cxnSp>
+        <p:nvCxnSpPr>
+          <p:cNvPr id="27" name="Gerader Verbinder 19">
+            <a:extLst>
+              <a:ext uri="{FF2B5EF4-FFF2-40B4-BE49-F238E27FC236}">
+                <a16:creationId xmlns:a16="http://schemas.microsoft.com/office/drawing/2014/main" id="{D94729C9-182E-45C9-BA1C-5364CE6D9176}"/>
+              </a:ext>
+            </a:extLst>
+          </p:cNvPr>
+          <p:cNvCxnSpPr>
+            <a:cxnSpLocks/>
+          </p:cNvCxnSpPr>
+          <p:nvPr/>
+        </p:nvCxnSpPr>
+        <p:spPr>
+          <a:xfrm>
+            <a:off x="1490003" y="3688178"/>
+            <a:ext cx="1246939" cy="0"/>
+          </a:xfrm>
+          <a:prstGeom prst="line">
+            <a:avLst/>
+          </a:prstGeom>
+          <a:ln w="28575"/>
+        </p:spPr>
+        <p:style>
+          <a:lnRef idx="1">
+            <a:schemeClr val="dk1"/>
+          </a:lnRef>
+          <a:fillRef idx="0">
+            <a:schemeClr val="dk1"/>
+          </a:fillRef>
+          <a:effectRef idx="0">
+            <a:schemeClr val="dk1"/>
+          </a:effectRef>
+          <a:fontRef idx="minor">
+            <a:schemeClr val="tx1"/>
+          </a:fontRef>
+        </p:style>
+      </p:cxnSp>
+      <p:cxnSp>
+        <p:nvCxnSpPr>
+          <p:cNvPr id="28" name="Gerader Verbinder 20">
+            <a:extLst>
+              <a:ext uri="{FF2B5EF4-FFF2-40B4-BE49-F238E27FC236}">
+                <a16:creationId xmlns:a16="http://schemas.microsoft.com/office/drawing/2014/main" id="{D2723D09-0AEE-4498-863B-C4CE24EC1CC3}"/>
+              </a:ext>
+            </a:extLst>
+          </p:cNvPr>
+          <p:cNvCxnSpPr>
+            <a:cxnSpLocks/>
+          </p:cNvCxnSpPr>
+          <p:nvPr/>
+        </p:nvCxnSpPr>
+        <p:spPr>
+          <a:xfrm>
+            <a:off x="1490003" y="4116015"/>
+            <a:ext cx="1246939" cy="0"/>
+          </a:xfrm>
+          <a:prstGeom prst="line">
+            <a:avLst/>
+          </a:prstGeom>
+          <a:ln w="28575"/>
+        </p:spPr>
+        <p:style>
+          <a:lnRef idx="1">
+            <a:schemeClr val="dk1"/>
+          </a:lnRef>
+          <a:fillRef idx="0">
+            <a:schemeClr val="dk1"/>
+          </a:fillRef>
+          <a:effectRef idx="0">
+            <a:schemeClr val="dk1"/>
+          </a:effectRef>
+          <a:fontRef idx="minor">
+            <a:schemeClr val="tx1"/>
+          </a:fontRef>
+        </p:style>
+      </p:cxnSp>
+      <p:cxnSp>
+        <p:nvCxnSpPr>
+          <p:cNvPr id="29" name="Gerader Verbinder 17">
+            <a:extLst>
+              <a:ext uri="{FF2B5EF4-FFF2-40B4-BE49-F238E27FC236}">
+                <a16:creationId xmlns:a16="http://schemas.microsoft.com/office/drawing/2014/main" id="{9E369A1E-6D07-4008-8DF5-C95FDC88CAA6}"/>
+              </a:ext>
+            </a:extLst>
+          </p:cNvPr>
+          <p:cNvCxnSpPr>
+            <a:cxnSpLocks/>
+          </p:cNvCxnSpPr>
+          <p:nvPr/>
+        </p:nvCxnSpPr>
+        <p:spPr>
+          <a:xfrm>
+            <a:off x="3327375" y="3562900"/>
+            <a:ext cx="0" cy="1260000"/>
+          </a:xfrm>
+          <a:prstGeom prst="line">
+            <a:avLst/>
+          </a:prstGeom>
+          <a:ln w="28575"/>
+        </p:spPr>
+        <p:style>
+          <a:lnRef idx="1">
+            <a:schemeClr val="dk1"/>
+          </a:lnRef>
+          <a:fillRef idx="0">
+            <a:schemeClr val="dk1"/>
+          </a:fillRef>
+          <a:effectRef idx="0">
+            <a:schemeClr val="dk1"/>
+          </a:effectRef>
+          <a:fontRef idx="minor">
+            <a:schemeClr val="tx1"/>
+          </a:fontRef>
+        </p:style>
+      </p:cxnSp>
+      <p:cxnSp>
+        <p:nvCxnSpPr>
+          <p:cNvPr id="30" name="Gerader Verbinder 18">
+            <a:extLst>
+              <a:ext uri="{FF2B5EF4-FFF2-40B4-BE49-F238E27FC236}">
+                <a16:creationId xmlns:a16="http://schemas.microsoft.com/office/drawing/2014/main" id="{304000A1-649E-4D30-87E3-298DFEA653FD}"/>
+              </a:ext>
+            </a:extLst>
+          </p:cNvPr>
+          <p:cNvCxnSpPr>
+            <a:cxnSpLocks/>
+          </p:cNvCxnSpPr>
+          <p:nvPr/>
+        </p:nvCxnSpPr>
+        <p:spPr>
+          <a:xfrm>
+            <a:off x="3753456" y="3562900"/>
+            <a:ext cx="0" cy="1260000"/>
+          </a:xfrm>
+          <a:prstGeom prst="line">
+            <a:avLst/>
+          </a:prstGeom>
+          <a:ln w="28575"/>
+        </p:spPr>
+        <p:style>
+          <a:lnRef idx="1">
+            <a:schemeClr val="dk1"/>
+          </a:lnRef>
+          <a:fillRef idx="0">
+            <a:schemeClr val="dk1"/>
+          </a:fillRef>
+          <a:effectRef idx="0">
+            <a:schemeClr val="dk1"/>
+          </a:effectRef>
+          <a:fontRef idx="minor">
+            <a:schemeClr val="tx1"/>
+          </a:fontRef>
+        </p:style>
+      </p:cxnSp>
+      <p:cxnSp>
+        <p:nvCxnSpPr>
+          <p:cNvPr id="31" name="Gerader Verbinder 19">
+            <a:extLst>
+              <a:ext uri="{FF2B5EF4-FFF2-40B4-BE49-F238E27FC236}">
+                <a16:creationId xmlns:a16="http://schemas.microsoft.com/office/drawing/2014/main" id="{009B6D01-4B60-4715-97B0-3E579F053E2A}"/>
+              </a:ext>
+            </a:extLst>
+          </p:cNvPr>
+          <p:cNvCxnSpPr>
+            <a:cxnSpLocks/>
+          </p:cNvCxnSpPr>
+          <p:nvPr/>
+        </p:nvCxnSpPr>
+        <p:spPr>
+          <a:xfrm>
+            <a:off x="2913419" y="3977792"/>
+            <a:ext cx="1246939" cy="0"/>
+          </a:xfrm>
+          <a:prstGeom prst="line">
+            <a:avLst/>
+          </a:prstGeom>
+          <a:ln w="28575"/>
+        </p:spPr>
+        <p:style>
+          <a:lnRef idx="1">
+            <a:schemeClr val="dk1"/>
+          </a:lnRef>
+          <a:fillRef idx="0">
+            <a:schemeClr val="dk1"/>
+          </a:fillRef>
+          <a:effectRef idx="0">
+            <a:schemeClr val="dk1"/>
+          </a:effectRef>
+          <a:fontRef idx="minor">
+            <a:schemeClr val="tx1"/>
+          </a:fontRef>
+        </p:style>
+      </p:cxnSp>
+      <p:cxnSp>
+        <p:nvCxnSpPr>
+          <p:cNvPr id="32" name="Gerader Verbinder 20">
+            <a:extLst>
+              <a:ext uri="{FF2B5EF4-FFF2-40B4-BE49-F238E27FC236}">
+                <a16:creationId xmlns:a16="http://schemas.microsoft.com/office/drawing/2014/main" id="{18563FFA-EB9E-4EB4-B605-15D18E58B4AF}"/>
+              </a:ext>
+            </a:extLst>
+          </p:cNvPr>
+          <p:cNvCxnSpPr>
+            <a:cxnSpLocks/>
+          </p:cNvCxnSpPr>
+          <p:nvPr/>
+        </p:nvCxnSpPr>
+        <p:spPr>
+          <a:xfrm>
+            <a:off x="2913419" y="4405629"/>
+            <a:ext cx="1246939" cy="0"/>
+          </a:xfrm>
+          <a:prstGeom prst="line">
+            <a:avLst/>
+          </a:prstGeom>
+          <a:ln w="28575"/>
+        </p:spPr>
+        <p:style>
+          <a:lnRef idx="1">
+            <a:schemeClr val="dk1"/>
+          </a:lnRef>
+          <a:fillRef idx="0">
+            <a:schemeClr val="dk1"/>
+          </a:fillRef>
+          <a:effectRef idx="0">
+            <a:schemeClr val="dk1"/>
+          </a:effectRef>
+          <a:fontRef idx="minor">
+            <a:schemeClr val="tx1"/>
+          </a:fontRef>
+        </p:style>
+      </p:cxnSp>
+      <p:cxnSp>
+        <p:nvCxnSpPr>
+          <p:cNvPr id="33" name="Gerader Verbinder 17">
+            <a:extLst>
+              <a:ext uri="{FF2B5EF4-FFF2-40B4-BE49-F238E27FC236}">
+                <a16:creationId xmlns:a16="http://schemas.microsoft.com/office/drawing/2014/main" id="{1F7271E8-6413-44A7-A0DC-B4F9BA6451B5}"/>
+              </a:ext>
+            </a:extLst>
+          </p:cNvPr>
+          <p:cNvCxnSpPr>
+            <a:cxnSpLocks/>
+          </p:cNvCxnSpPr>
+          <p:nvPr/>
+        </p:nvCxnSpPr>
+        <p:spPr>
+          <a:xfrm>
+            <a:off x="4740743" y="3846266"/>
+            <a:ext cx="0" cy="1260000"/>
+          </a:xfrm>
+          <a:prstGeom prst="line">
+            <a:avLst/>
+          </a:prstGeom>
+          <a:ln w="28575"/>
+        </p:spPr>
+        <p:style>
+          <a:lnRef idx="1">
+            <a:schemeClr val="dk1"/>
+          </a:lnRef>
+          <a:fillRef idx="0">
+            <a:schemeClr val="dk1"/>
+          </a:fillRef>
+          <a:effectRef idx="0">
+            <a:schemeClr val="dk1"/>
+          </a:effectRef>
+          <a:fontRef idx="minor">
+            <a:schemeClr val="tx1"/>
+          </a:fontRef>
+        </p:style>
+      </p:cxnSp>
+      <p:cxnSp>
+        <p:nvCxnSpPr>
+          <p:cNvPr id="34" name="Gerader Verbinder 18">
+            <a:extLst>
+              <a:ext uri="{FF2B5EF4-FFF2-40B4-BE49-F238E27FC236}">
+                <a16:creationId xmlns:a16="http://schemas.microsoft.com/office/drawing/2014/main" id="{5E36105F-AA61-4011-BC86-5ABDE1FC70B2}"/>
+              </a:ext>
+            </a:extLst>
+          </p:cNvPr>
+          <p:cNvCxnSpPr>
+            <a:cxnSpLocks/>
+          </p:cNvCxnSpPr>
+          <p:nvPr/>
+        </p:nvCxnSpPr>
+        <p:spPr>
+          <a:xfrm>
+            <a:off x="5166824" y="3846266"/>
+            <a:ext cx="0" cy="1260000"/>
+          </a:xfrm>
+          <a:prstGeom prst="line">
+            <a:avLst/>
+          </a:prstGeom>
+          <a:ln w="28575"/>
+        </p:spPr>
+        <p:style>
+          <a:lnRef idx="1">
+            <a:schemeClr val="dk1"/>
+          </a:lnRef>
+          <a:fillRef idx="0">
+            <a:schemeClr val="dk1"/>
+          </a:fillRef>
+          <a:effectRef idx="0">
+            <a:schemeClr val="dk1"/>
+          </a:effectRef>
+          <a:fontRef idx="minor">
+            <a:schemeClr val="tx1"/>
+          </a:fontRef>
+        </p:style>
+      </p:cxnSp>
+      <p:cxnSp>
+        <p:nvCxnSpPr>
+          <p:cNvPr id="35" name="Gerader Verbinder 19">
+            <a:extLst>
+              <a:ext uri="{FF2B5EF4-FFF2-40B4-BE49-F238E27FC236}">
+                <a16:creationId xmlns:a16="http://schemas.microsoft.com/office/drawing/2014/main" id="{075A0641-EC25-4301-B325-FE7A578ADF9B}"/>
+              </a:ext>
+            </a:extLst>
+          </p:cNvPr>
+          <p:cNvCxnSpPr>
+            <a:cxnSpLocks/>
+          </p:cNvCxnSpPr>
+          <p:nvPr/>
+        </p:nvCxnSpPr>
+        <p:spPr>
+          <a:xfrm>
+            <a:off x="4326787" y="4261158"/>
+            <a:ext cx="1246939" cy="0"/>
+          </a:xfrm>
+          <a:prstGeom prst="line">
+            <a:avLst/>
+          </a:prstGeom>
+          <a:ln w="28575"/>
+        </p:spPr>
+        <p:style>
+          <a:lnRef idx="1">
+            <a:schemeClr val="dk1"/>
+          </a:lnRef>
+          <a:fillRef idx="0">
+            <a:schemeClr val="dk1"/>
+          </a:fillRef>
+          <a:effectRef idx="0">
+            <a:schemeClr val="dk1"/>
+          </a:effectRef>
+          <a:fontRef idx="minor">
+            <a:schemeClr val="tx1"/>
+          </a:fontRef>
+        </p:style>
+      </p:cxnSp>
+      <p:cxnSp>
+        <p:nvCxnSpPr>
+          <p:cNvPr id="36" name="Gerader Verbinder 20">
+            <a:extLst>
+              <a:ext uri="{FF2B5EF4-FFF2-40B4-BE49-F238E27FC236}">
+                <a16:creationId xmlns:a16="http://schemas.microsoft.com/office/drawing/2014/main" id="{3F534248-97AE-4F11-B1ED-72B9D2F94F19}"/>
+              </a:ext>
+            </a:extLst>
+          </p:cNvPr>
+          <p:cNvCxnSpPr>
+            <a:cxnSpLocks/>
+          </p:cNvCxnSpPr>
+          <p:nvPr/>
+        </p:nvCxnSpPr>
+        <p:spPr>
+          <a:xfrm>
+            <a:off x="4326787" y="4688995"/>
+            <a:ext cx="1246939" cy="0"/>
+          </a:xfrm>
+          <a:prstGeom prst="line">
+            <a:avLst/>
+          </a:prstGeom>
+          <a:ln w="28575"/>
+        </p:spPr>
+        <p:style>
+          <a:lnRef idx="1">
+            <a:schemeClr val="dk1"/>
+          </a:lnRef>
+          <a:fillRef idx="0">
+            <a:schemeClr val="dk1"/>
+          </a:fillRef>
+          <a:effectRef idx="0">
+            <a:schemeClr val="dk1"/>
+          </a:effectRef>
+          <a:fontRef idx="minor">
+            <a:schemeClr val="tx1"/>
+          </a:fontRef>
+        </p:style>
+      </p:cxnSp>
+      <p:cxnSp>
+        <p:nvCxnSpPr>
+          <p:cNvPr id="37" name="Gerader Verbinder 17">
+            <a:extLst>
+              <a:ext uri="{FF2B5EF4-FFF2-40B4-BE49-F238E27FC236}">
+                <a16:creationId xmlns:a16="http://schemas.microsoft.com/office/drawing/2014/main" id="{2DA93C3B-8D87-4B91-87C7-A1456595475E}"/>
+              </a:ext>
+            </a:extLst>
+          </p:cNvPr>
+          <p:cNvCxnSpPr>
+            <a:cxnSpLocks/>
+          </p:cNvCxnSpPr>
+          <p:nvPr/>
+        </p:nvCxnSpPr>
+        <p:spPr>
+          <a:xfrm>
+            <a:off x="6139181" y="4116015"/>
+            <a:ext cx="0" cy="1260000"/>
+          </a:xfrm>
+          <a:prstGeom prst="line">
+            <a:avLst/>
+          </a:prstGeom>
+          <a:ln w="28575"/>
+        </p:spPr>
+        <p:style>
+          <a:lnRef idx="1">
+            <a:schemeClr val="dk1"/>
+          </a:lnRef>
+          <a:fillRef idx="0">
+            <a:schemeClr val="dk1"/>
+          </a:fillRef>
+          <a:effectRef idx="0">
+            <a:schemeClr val="dk1"/>
+          </a:effectRef>
+          <a:fontRef idx="minor">
+            <a:schemeClr val="tx1"/>
+          </a:fontRef>
+        </p:style>
+      </p:cxnSp>
+      <p:cxnSp>
+        <p:nvCxnSpPr>
+          <p:cNvPr id="38" name="Gerader Verbinder 18">
+            <a:extLst>
+              <a:ext uri="{FF2B5EF4-FFF2-40B4-BE49-F238E27FC236}">
+                <a16:creationId xmlns:a16="http://schemas.microsoft.com/office/drawing/2014/main" id="{8FFAFC45-C987-4EA9-9A80-29EAD9EAE10D}"/>
+              </a:ext>
+            </a:extLst>
+          </p:cNvPr>
+          <p:cNvCxnSpPr>
+            <a:cxnSpLocks/>
+          </p:cNvCxnSpPr>
+          <p:nvPr/>
+        </p:nvCxnSpPr>
+        <p:spPr>
+          <a:xfrm>
+            <a:off x="6565262" y="4116015"/>
+            <a:ext cx="0" cy="1260000"/>
+          </a:xfrm>
+          <a:prstGeom prst="line">
+            <a:avLst/>
+          </a:prstGeom>
+          <a:ln w="28575"/>
+        </p:spPr>
+        <p:style>
+          <a:lnRef idx="1">
+            <a:schemeClr val="dk1"/>
+          </a:lnRef>
+          <a:fillRef idx="0">
+            <a:schemeClr val="dk1"/>
+          </a:fillRef>
+          <a:effectRef idx="0">
+            <a:schemeClr val="dk1"/>
+          </a:effectRef>
+          <a:fontRef idx="minor">
+            <a:schemeClr val="tx1"/>
+          </a:fontRef>
+        </p:style>
+      </p:cxnSp>
+      <p:cxnSp>
+        <p:nvCxnSpPr>
+          <p:cNvPr id="39" name="Gerader Verbinder 19">
+            <a:extLst>
+              <a:ext uri="{FF2B5EF4-FFF2-40B4-BE49-F238E27FC236}">
+                <a16:creationId xmlns:a16="http://schemas.microsoft.com/office/drawing/2014/main" id="{E62AEFCD-2CC0-438B-9125-9AC2DBCE1A50}"/>
+              </a:ext>
+            </a:extLst>
+          </p:cNvPr>
+          <p:cNvCxnSpPr>
+            <a:cxnSpLocks/>
+          </p:cNvCxnSpPr>
+          <p:nvPr/>
+        </p:nvCxnSpPr>
+        <p:spPr>
+          <a:xfrm>
+            <a:off x="5725225" y="4530907"/>
+            <a:ext cx="1246939" cy="0"/>
+          </a:xfrm>
+          <a:prstGeom prst="line">
+            <a:avLst/>
+          </a:prstGeom>
+          <a:ln w="28575"/>
+        </p:spPr>
+        <p:style>
+          <a:lnRef idx="1">
+            <a:schemeClr val="dk1"/>
+          </a:lnRef>
+          <a:fillRef idx="0">
+            <a:schemeClr val="dk1"/>
+          </a:fillRef>
+          <a:effectRef idx="0">
+            <a:schemeClr val="dk1"/>
+          </a:effectRef>
+          <a:fontRef idx="minor">
+            <a:schemeClr val="tx1"/>
+          </a:fontRef>
+        </p:style>
+      </p:cxnSp>
+      <p:cxnSp>
+        <p:nvCxnSpPr>
+          <p:cNvPr id="40" name="Gerader Verbinder 20">
+            <a:extLst>
+              <a:ext uri="{FF2B5EF4-FFF2-40B4-BE49-F238E27FC236}">
+                <a16:creationId xmlns:a16="http://schemas.microsoft.com/office/drawing/2014/main" id="{529ED704-C932-4BC3-8934-D37607D876FB}"/>
+              </a:ext>
+            </a:extLst>
+          </p:cNvPr>
+          <p:cNvCxnSpPr>
+            <a:cxnSpLocks/>
+          </p:cNvCxnSpPr>
+          <p:nvPr/>
+        </p:nvCxnSpPr>
+        <p:spPr>
+          <a:xfrm>
+            <a:off x="5725225" y="4958744"/>
+            <a:ext cx="1246939" cy="0"/>
+          </a:xfrm>
+          <a:prstGeom prst="line">
+            <a:avLst/>
+          </a:prstGeom>
+          <a:ln w="28575"/>
+        </p:spPr>
+        <p:style>
+          <a:lnRef idx="1">
+            <a:schemeClr val="dk1"/>
+          </a:lnRef>
+          <a:fillRef idx="0">
+            <a:schemeClr val="dk1"/>
+          </a:fillRef>
+          <a:effectRef idx="0">
+            <a:schemeClr val="dk1"/>
+          </a:effectRef>
+          <a:fontRef idx="minor">
+            <a:schemeClr val="tx1"/>
+          </a:fontRef>
+        </p:style>
+      </p:cxnSp>
+      <p:cxnSp>
+        <p:nvCxnSpPr>
+          <p:cNvPr id="41" name="Gerader Verbinder 17">
+            <a:extLst>
+              <a:ext uri="{FF2B5EF4-FFF2-40B4-BE49-F238E27FC236}">
+                <a16:creationId xmlns:a16="http://schemas.microsoft.com/office/drawing/2014/main" id="{F7DADA57-80BE-4507-8BCB-92A0A2A199DB}"/>
+              </a:ext>
+            </a:extLst>
+          </p:cNvPr>
+          <p:cNvCxnSpPr>
+            <a:cxnSpLocks/>
+          </p:cNvCxnSpPr>
+          <p:nvPr/>
+        </p:nvCxnSpPr>
+        <p:spPr>
+          <a:xfrm>
+            <a:off x="7565829" y="4391201"/>
+            <a:ext cx="0" cy="1260000"/>
+          </a:xfrm>
+          <a:prstGeom prst="line">
+            <a:avLst/>
+          </a:prstGeom>
+          <a:ln w="28575"/>
+        </p:spPr>
+        <p:style>
+          <a:lnRef idx="1">
+            <a:schemeClr val="dk1"/>
+          </a:lnRef>
+          <a:fillRef idx="0">
+            <a:schemeClr val="dk1"/>
+          </a:fillRef>
+          <a:effectRef idx="0">
+            <a:schemeClr val="dk1"/>
+          </a:effectRef>
+          <a:fontRef idx="minor">
+            <a:schemeClr val="tx1"/>
+          </a:fontRef>
+        </p:style>
+      </p:cxnSp>
+      <p:cxnSp>
+        <p:nvCxnSpPr>
+          <p:cNvPr id="42" name="Gerader Verbinder 18">
+            <a:extLst>
+              <a:ext uri="{FF2B5EF4-FFF2-40B4-BE49-F238E27FC236}">
+                <a16:creationId xmlns:a16="http://schemas.microsoft.com/office/drawing/2014/main" id="{E1C4958A-5CF8-4603-A959-804D6FD60663}"/>
+              </a:ext>
+            </a:extLst>
+          </p:cNvPr>
+          <p:cNvCxnSpPr>
+            <a:cxnSpLocks/>
+          </p:cNvCxnSpPr>
+          <p:nvPr/>
+        </p:nvCxnSpPr>
+        <p:spPr>
+          <a:xfrm>
+            <a:off x="7991910" y="4391201"/>
+            <a:ext cx="0" cy="1260000"/>
+          </a:xfrm>
+          <a:prstGeom prst="line">
+            <a:avLst/>
+          </a:prstGeom>
+          <a:ln w="28575"/>
+        </p:spPr>
+        <p:style>
+          <a:lnRef idx="1">
+            <a:schemeClr val="dk1"/>
+          </a:lnRef>
+          <a:fillRef idx="0">
+            <a:schemeClr val="dk1"/>
+          </a:fillRef>
+          <a:effectRef idx="0">
+            <a:schemeClr val="dk1"/>
+          </a:effectRef>
+          <a:fontRef idx="minor">
+            <a:schemeClr val="tx1"/>
+          </a:fontRef>
+        </p:style>
+      </p:cxnSp>
+      <p:cxnSp>
+        <p:nvCxnSpPr>
+          <p:cNvPr id="43" name="Gerader Verbinder 19">
+            <a:extLst>
+              <a:ext uri="{FF2B5EF4-FFF2-40B4-BE49-F238E27FC236}">
+                <a16:creationId xmlns:a16="http://schemas.microsoft.com/office/drawing/2014/main" id="{96806178-2C1E-4384-B288-5BBE9EC5B0E0}"/>
+              </a:ext>
+            </a:extLst>
+          </p:cNvPr>
+          <p:cNvCxnSpPr>
+            <a:cxnSpLocks/>
+          </p:cNvCxnSpPr>
+          <p:nvPr/>
+        </p:nvCxnSpPr>
+        <p:spPr>
+          <a:xfrm>
+            <a:off x="7151873" y="4806093"/>
+            <a:ext cx="1246939" cy="0"/>
+          </a:xfrm>
+          <a:prstGeom prst="line">
+            <a:avLst/>
+          </a:prstGeom>
+          <a:ln w="28575"/>
+        </p:spPr>
+        <p:style>
+          <a:lnRef idx="1">
+            <a:schemeClr val="dk1"/>
+          </a:lnRef>
+          <a:fillRef idx="0">
+            <a:schemeClr val="dk1"/>
+          </a:fillRef>
+          <a:effectRef idx="0">
+            <a:schemeClr val="dk1"/>
+          </a:effectRef>
+          <a:fontRef idx="minor">
+            <a:schemeClr val="tx1"/>
+          </a:fontRef>
+        </p:style>
+      </p:cxnSp>
+      <p:cxnSp>
+        <p:nvCxnSpPr>
+          <p:cNvPr id="44" name="Gerader Verbinder 20">
+            <a:extLst>
+              <a:ext uri="{FF2B5EF4-FFF2-40B4-BE49-F238E27FC236}">
+                <a16:creationId xmlns:a16="http://schemas.microsoft.com/office/drawing/2014/main" id="{7C2521E2-D15D-451C-A4B0-6577E68772F0}"/>
+              </a:ext>
+            </a:extLst>
+          </p:cNvPr>
+          <p:cNvCxnSpPr>
+            <a:cxnSpLocks/>
+          </p:cNvCxnSpPr>
+          <p:nvPr/>
+        </p:nvCxnSpPr>
+        <p:spPr>
+          <a:xfrm>
+            <a:off x="7151873" y="5233930"/>
+            <a:ext cx="1246939" cy="0"/>
+          </a:xfrm>
+          <a:prstGeom prst="line">
+            <a:avLst/>
+          </a:prstGeom>
+          <a:ln w="28575"/>
+        </p:spPr>
+        <p:style>
+          <a:lnRef idx="1">
+            <a:schemeClr val="dk1"/>
+          </a:lnRef>
+          <a:fillRef idx="0">
+            <a:schemeClr val="dk1"/>
+          </a:fillRef>
+          <a:effectRef idx="0">
+            <a:schemeClr val="dk1"/>
+          </a:effectRef>
+          <a:fontRef idx="minor">
+            <a:schemeClr val="tx1"/>
+          </a:fontRef>
+        </p:style>
+      </p:cxnSp>
     </p:spTree>
     <p:extLst>
       <p:ext uri="{BB962C8B-B14F-4D97-AF65-F5344CB8AC3E}">
@@ -5372,15 +6144,7 @@
             </a:r>
             <a:r>
               <a:rPr lang="en-GB" sz="2200" dirty="0" err="1"/>
-              <a:t>Buchstaben</a:t>
-            </a:r>
-            <a:r>
-              <a:rPr lang="en-GB" sz="2200" dirty="0"/>
-              <a:t> / </a:t>
-            </a:r>
-            <a:r>
-              <a:rPr lang="en-GB" sz="2200" dirty="0" err="1"/>
-              <a:t>Bildern</a:t>
+              <a:t>Zahlen</a:t>
             </a:r>
             <a:r>
               <a:rPr lang="en-GB" sz="2200" dirty="0"/>
@@ -5412,7 +6176,7 @@
             </a:r>
             <a:r>
               <a:rPr lang="en-GB" sz="2200" dirty="0" err="1"/>
-              <a:t>Buchstaben</a:t>
+              <a:t>Zahlen</a:t>
             </a:r>
             <a:r>
               <a:rPr lang="en-GB" sz="2200" dirty="0"/>
@@ -5428,19 +6192,19 @@
             </a:r>
             <a:r>
               <a:rPr lang="en-GB" sz="2200" dirty="0" err="1"/>
-              <a:t>ein</a:t>
-            </a:r>
-            <a:r>
-              <a:rPr lang="en-GB" sz="2200" dirty="0"/>
-              <a:t> “O” und manche </a:t>
+              <a:t>eine</a:t>
+            </a:r>
+            <a:r>
+              <a:rPr lang="en-GB" sz="2200" dirty="0"/>
+              <a:t> “7” und manche </a:t>
             </a:r>
             <a:r>
               <a:rPr lang="en-GB" sz="2200" dirty="0" err="1"/>
-              <a:t>ein</a:t>
-            </a:r>
-            <a:r>
-              <a:rPr lang="en-GB" sz="2200" dirty="0"/>
-              <a:t> “X”.  </a:t>
+              <a:t>eine</a:t>
+            </a:r>
+            <a:r>
+              <a:rPr lang="en-GB" sz="2200" dirty="0"/>
+              <a:t> “8”. </a:t>
             </a:r>
             <a:r>
               <a:rPr lang="en-GB" sz="2200" dirty="0" err="1"/>
@@ -5456,15 +6220,39 @@
             </a:r>
             <a:r>
               <a:rPr lang="en-GB" sz="2200" dirty="0"/>
-              <a:t> die </a:t>
+              <a:t> , </a:t>
             </a:r>
             <a:r>
               <a:rPr lang="en-GB" sz="2200" dirty="0" err="1"/>
-              <a:t>Anzahl</a:t>
-            </a:r>
-            <a:r>
-              <a:rPr lang="en-GB" sz="2200" dirty="0"/>
-              <a:t> von “X”.</a:t>
+              <a:t>wie</a:t>
+            </a:r>
+            <a:r>
+              <a:rPr lang="en-GB" sz="2200" dirty="0"/>
+              <a:t> </a:t>
+            </a:r>
+            <a:r>
+              <a:rPr lang="en-GB" sz="2200" dirty="0" err="1"/>
+              <a:t>häufig</a:t>
+            </a:r>
+            <a:r>
+              <a:rPr lang="en-GB" sz="2200" dirty="0"/>
+              <a:t> “7” </a:t>
+            </a:r>
+            <a:r>
+              <a:rPr lang="en-GB" sz="2200" dirty="0" err="1"/>
+              <a:t>aufgetreten</a:t>
+            </a:r>
+            <a:r>
+              <a:rPr lang="en-GB" sz="2200" dirty="0"/>
+              <a:t> </a:t>
+            </a:r>
+            <a:r>
+              <a:rPr lang="en-GB" sz="2200" dirty="0" err="1"/>
+              <a:t>ist</a:t>
+            </a:r>
+            <a:r>
+              <a:rPr lang="en-GB" sz="2200" dirty="0"/>
+              <a:t>.</a:t>
             </a:r>
           </a:p>
           <a:p>
@@ -5497,7 +6285,7 @@
             </a:r>
             <a:r>
               <a:rPr lang="en-GB" sz="2200" dirty="0" err="1"/>
-              <a:t>ein</a:t>
+              <a:t>eine</a:t>
             </a:r>
             <a:r>
               <a:rPr lang="en-GB" sz="2200" dirty="0"/>
@@ -5505,7 +6293,7 @@
             </a:r>
             <a:r>
               <a:rPr lang="en-GB" sz="2200" b="1" dirty="0"/>
-              <a:t>“X”</a:t>
+              <a:t>“7”</a:t>
             </a:r>
             <a:r>
               <a:rPr lang="en-GB" sz="2200" dirty="0"/>
@@ -5537,7 +6325,7 @@
             </a:r>
             <a:r>
               <a:rPr lang="en-GB" sz="2200" dirty="0" err="1"/>
-              <a:t>ein</a:t>
+              <a:t>eine</a:t>
             </a:r>
             <a:r>
               <a:rPr lang="en-GB" sz="2200" dirty="0"/>
@@ -5545,7 +6333,7 @@
             </a:r>
             <a:r>
               <a:rPr lang="en-GB" sz="2200" b="1" dirty="0"/>
-              <a:t>“O”</a:t>
+              <a:t>“8”</a:t>
             </a:r>
             <a:r>
               <a:rPr lang="en-GB" sz="2200" dirty="0"/>
@@ -5752,7 +6540,7 @@
               <a:pPr algn="ctr"/>
               <a:r>
                 <a:rPr lang="en-GB" sz="2500" dirty="0"/>
-                <a:t>O</a:t>
+                <a:t>8</a:t>
               </a:r>
             </a:p>
           </p:txBody>
@@ -5855,7 +6643,7 @@
               <a:pPr algn="ctr"/>
               <a:r>
                 <a:rPr lang="en-GB" sz="2500" dirty="0"/>
-                <a:t>X</a:t>
+                <a:t>7</a:t>
               </a:r>
             </a:p>
           </p:txBody>
@@ -5958,7 +6746,7 @@
               <a:pPr algn="ctr"/>
               <a:r>
                 <a:rPr lang="en-GB" sz="2500" dirty="0"/>
-                <a:t>O</a:t>
+                <a:t>8</a:t>
               </a:r>
             </a:p>
           </p:txBody>
@@ -6061,7 +6849,7 @@
               <a:pPr algn="ctr"/>
               <a:r>
                 <a:rPr lang="en-GB" sz="2500" dirty="0"/>
-                <a:t>O</a:t>
+                <a:t>8</a:t>
               </a:r>
             </a:p>
           </p:txBody>
@@ -6164,7 +6952,7 @@
               <a:pPr algn="ctr"/>
               <a:r>
                 <a:rPr lang="en-GB" sz="2500" dirty="0"/>
-                <a:t>X</a:t>
+                <a:t>7</a:t>
               </a:r>
             </a:p>
           </p:txBody>
@@ -6322,7 +7110,7 @@
               </a:r>
               <a:r>
                 <a:rPr lang="en-GB" sz="2500" dirty="0"/>
-                <a:t> “X” </a:t>
+                <a:t> “7” </a:t>
               </a:r>
               <a:r>
                 <a:rPr lang="en-GB" sz="2500" dirty="0" err="1"/>
@@ -6449,7 +7237,7 @@
           <a:p>
             <a:r>
               <a:rPr lang="en-GB" b="1" dirty="0"/>
-              <a:t>“O” -&gt; </a:t>
+              <a:t>“8” -&gt; </a:t>
             </a:r>
             <a:r>
               <a:rPr lang="en-GB" b="1" dirty="0" err="1"/>
@@ -6489,7 +7277,7 @@
           <a:p>
             <a:r>
               <a:rPr lang="en-GB" b="1" dirty="0"/>
-              <a:t>“O” -&gt; </a:t>
+              <a:t>“8” -&gt; </a:t>
             </a:r>
             <a:r>
               <a:rPr lang="en-GB" b="1" dirty="0" err="1"/>
@@ -6529,7 +7317,7 @@
           <a:p>
             <a:r>
               <a:rPr lang="en-GB" b="1" dirty="0"/>
-              <a:t>“X” -&gt; links</a:t>
+              <a:t>“7” -&gt; links</a:t>
             </a:r>
           </a:p>
         </p:txBody>
@@ -6564,7 +7352,7 @@
           <a:p>
             <a:r>
               <a:rPr lang="en-GB" b="1" dirty="0"/>
-              <a:t>“X” -&gt; links</a:t>
+              <a:t>“7” -&gt; links</a:t>
             </a:r>
           </a:p>
         </p:txBody>
@@ -6599,7 +7387,7 @@
           <a:p>
             <a:r>
               <a:rPr lang="en-GB" b="1" dirty="0"/>
-              <a:t>“O” -&gt; </a:t>
+              <a:t>“8” -&gt; </a:t>
             </a:r>
             <a:r>
               <a:rPr lang="en-GB" b="1" dirty="0" err="1"/>
@@ -6609,6 +7397,1016 @@
           </a:p>
         </p:txBody>
       </p:sp>
+      <p:sp>
+        <p:nvSpPr>
+          <p:cNvPr id="31" name="Rechteck 16">
+            <a:extLst>
+              <a:ext uri="{FF2B5EF4-FFF2-40B4-BE49-F238E27FC236}">
+                <a16:creationId xmlns:a16="http://schemas.microsoft.com/office/drawing/2014/main" id="{63CC5F48-A447-4B7F-9541-14E49613F314}"/>
+              </a:ext>
+            </a:extLst>
+          </p:cNvPr>
+          <p:cNvSpPr/>
+          <p:nvPr/>
+        </p:nvSpPr>
+        <p:spPr>
+          <a:xfrm>
+            <a:off x="1490003" y="3287561"/>
+            <a:ext cx="1246939" cy="1260000"/>
+          </a:xfrm>
+          <a:prstGeom prst="rect">
+            <a:avLst/>
+          </a:prstGeom>
+          <a:noFill/>
+          <a:ln w="28575"/>
+        </p:spPr>
+        <p:style>
+          <a:lnRef idx="2">
+            <a:schemeClr val="dk1"/>
+          </a:lnRef>
+          <a:fillRef idx="1">
+            <a:schemeClr val="lt1"/>
+          </a:fillRef>
+          <a:effectRef idx="0">
+            <a:schemeClr val="dk1"/>
+          </a:effectRef>
+          <a:fontRef idx="minor">
+            <a:schemeClr val="dk1"/>
+          </a:fontRef>
+        </p:style>
+        <p:txBody>
+          <a:bodyPr rtlCol="0" anchor="ctr"/>
+          <a:lstStyle/>
+          <a:p>
+            <a:pPr algn="ctr"/>
+            <a:endParaRPr lang="de-DE" dirty="0"/>
+          </a:p>
+        </p:txBody>
+      </p:sp>
+      <p:sp>
+        <p:nvSpPr>
+          <p:cNvPr id="34" name="Rechteck 16">
+            <a:extLst>
+              <a:ext uri="{FF2B5EF4-FFF2-40B4-BE49-F238E27FC236}">
+                <a16:creationId xmlns:a16="http://schemas.microsoft.com/office/drawing/2014/main" id="{C093C49A-6D7D-4EA3-AD58-4C1EE7675310}"/>
+              </a:ext>
+            </a:extLst>
+          </p:cNvPr>
+          <p:cNvSpPr/>
+          <p:nvPr/>
+        </p:nvSpPr>
+        <p:spPr>
+          <a:xfrm>
+            <a:off x="4326787" y="3834233"/>
+            <a:ext cx="1246939" cy="1260000"/>
+          </a:xfrm>
+          <a:prstGeom prst="rect">
+            <a:avLst/>
+          </a:prstGeom>
+          <a:noFill/>
+          <a:ln w="28575"/>
+        </p:spPr>
+        <p:style>
+          <a:lnRef idx="2">
+            <a:schemeClr val="dk1"/>
+          </a:lnRef>
+          <a:fillRef idx="1">
+            <a:schemeClr val="lt1"/>
+          </a:fillRef>
+          <a:effectRef idx="0">
+            <a:schemeClr val="dk1"/>
+          </a:effectRef>
+          <a:fontRef idx="minor">
+            <a:schemeClr val="dk1"/>
+          </a:fontRef>
+        </p:style>
+        <p:txBody>
+          <a:bodyPr rtlCol="0" anchor="ctr"/>
+          <a:lstStyle/>
+          <a:p>
+            <a:pPr algn="ctr"/>
+            <a:endParaRPr lang="de-DE" dirty="0"/>
+          </a:p>
+        </p:txBody>
+      </p:sp>
+      <p:sp>
+        <p:nvSpPr>
+          <p:cNvPr id="37" name="Rechteck 16">
+            <a:extLst>
+              <a:ext uri="{FF2B5EF4-FFF2-40B4-BE49-F238E27FC236}">
+                <a16:creationId xmlns:a16="http://schemas.microsoft.com/office/drawing/2014/main" id="{AD93F5FA-83A9-425A-B82C-28B70E7248C9}"/>
+              </a:ext>
+            </a:extLst>
+          </p:cNvPr>
+          <p:cNvSpPr/>
+          <p:nvPr/>
+        </p:nvSpPr>
+        <p:spPr>
+          <a:xfrm>
+            <a:off x="2908395" y="3560897"/>
+            <a:ext cx="1246939" cy="1260000"/>
+          </a:xfrm>
+          <a:prstGeom prst="rect">
+            <a:avLst/>
+          </a:prstGeom>
+          <a:noFill/>
+          <a:ln w="28575"/>
+        </p:spPr>
+        <p:style>
+          <a:lnRef idx="2">
+            <a:schemeClr val="dk1"/>
+          </a:lnRef>
+          <a:fillRef idx="1">
+            <a:schemeClr val="lt1"/>
+          </a:fillRef>
+          <a:effectRef idx="0">
+            <a:schemeClr val="dk1"/>
+          </a:effectRef>
+          <a:fontRef idx="minor">
+            <a:schemeClr val="dk1"/>
+          </a:fontRef>
+        </p:style>
+        <p:txBody>
+          <a:bodyPr rtlCol="0" anchor="ctr"/>
+          <a:lstStyle/>
+          <a:p>
+            <a:pPr algn="ctr"/>
+            <a:endParaRPr lang="de-DE" dirty="0"/>
+          </a:p>
+        </p:txBody>
+      </p:sp>
+      <p:sp>
+        <p:nvSpPr>
+          <p:cNvPr id="40" name="Rechteck 16">
+            <a:extLst>
+              <a:ext uri="{FF2B5EF4-FFF2-40B4-BE49-F238E27FC236}">
+                <a16:creationId xmlns:a16="http://schemas.microsoft.com/office/drawing/2014/main" id="{10D1B706-C12B-4B94-A226-C2B5A403F12D}"/>
+              </a:ext>
+            </a:extLst>
+          </p:cNvPr>
+          <p:cNvSpPr/>
+          <p:nvPr/>
+        </p:nvSpPr>
+        <p:spPr>
+          <a:xfrm>
+            <a:off x="5745179" y="4107569"/>
+            <a:ext cx="1246939" cy="1260000"/>
+          </a:xfrm>
+          <a:prstGeom prst="rect">
+            <a:avLst/>
+          </a:prstGeom>
+          <a:noFill/>
+          <a:ln w="28575"/>
+        </p:spPr>
+        <p:style>
+          <a:lnRef idx="2">
+            <a:schemeClr val="dk1"/>
+          </a:lnRef>
+          <a:fillRef idx="1">
+            <a:schemeClr val="lt1"/>
+          </a:fillRef>
+          <a:effectRef idx="0">
+            <a:schemeClr val="dk1"/>
+          </a:effectRef>
+          <a:fontRef idx="minor">
+            <a:schemeClr val="dk1"/>
+          </a:fontRef>
+        </p:style>
+        <p:txBody>
+          <a:bodyPr rtlCol="0" anchor="ctr"/>
+          <a:lstStyle/>
+          <a:p>
+            <a:pPr algn="ctr"/>
+            <a:endParaRPr lang="de-DE" dirty="0"/>
+          </a:p>
+        </p:txBody>
+      </p:sp>
+      <p:sp>
+        <p:nvSpPr>
+          <p:cNvPr id="43" name="Rechteck 16">
+            <a:extLst>
+              <a:ext uri="{FF2B5EF4-FFF2-40B4-BE49-F238E27FC236}">
+                <a16:creationId xmlns:a16="http://schemas.microsoft.com/office/drawing/2014/main" id="{9DE201C6-0675-4E37-A346-BDDECFE4E0D0}"/>
+              </a:ext>
+            </a:extLst>
+          </p:cNvPr>
+          <p:cNvSpPr/>
+          <p:nvPr/>
+        </p:nvSpPr>
+        <p:spPr>
+          <a:xfrm>
+            <a:off x="7163572" y="4380906"/>
+            <a:ext cx="1246939" cy="1260000"/>
+          </a:xfrm>
+          <a:prstGeom prst="rect">
+            <a:avLst/>
+          </a:prstGeom>
+          <a:noFill/>
+          <a:ln w="28575"/>
+        </p:spPr>
+        <p:style>
+          <a:lnRef idx="2">
+            <a:schemeClr val="dk1"/>
+          </a:lnRef>
+          <a:fillRef idx="1">
+            <a:schemeClr val="lt1"/>
+          </a:fillRef>
+          <a:effectRef idx="0">
+            <a:schemeClr val="dk1"/>
+          </a:effectRef>
+          <a:fontRef idx="minor">
+            <a:schemeClr val="dk1"/>
+          </a:fontRef>
+        </p:style>
+        <p:txBody>
+          <a:bodyPr rtlCol="0" anchor="ctr"/>
+          <a:lstStyle/>
+          <a:p>
+            <a:pPr algn="ctr"/>
+            <a:endParaRPr lang="de-DE" dirty="0"/>
+          </a:p>
+        </p:txBody>
+      </p:sp>
+      <p:cxnSp>
+        <p:nvCxnSpPr>
+          <p:cNvPr id="45" name="Gerader Verbinder 17">
+            <a:extLst>
+              <a:ext uri="{FF2B5EF4-FFF2-40B4-BE49-F238E27FC236}">
+                <a16:creationId xmlns:a16="http://schemas.microsoft.com/office/drawing/2014/main" id="{8FCC9CA1-2A1F-473A-ADE5-00C316112BEE}"/>
+              </a:ext>
+            </a:extLst>
+          </p:cNvPr>
+          <p:cNvCxnSpPr>
+            <a:cxnSpLocks/>
+          </p:cNvCxnSpPr>
+          <p:nvPr/>
+        </p:nvCxnSpPr>
+        <p:spPr>
+          <a:xfrm>
+            <a:off x="1903959" y="3273286"/>
+            <a:ext cx="0" cy="1260000"/>
+          </a:xfrm>
+          <a:prstGeom prst="line">
+            <a:avLst/>
+          </a:prstGeom>
+          <a:ln w="28575"/>
+        </p:spPr>
+        <p:style>
+          <a:lnRef idx="1">
+            <a:schemeClr val="dk1"/>
+          </a:lnRef>
+          <a:fillRef idx="0">
+            <a:schemeClr val="dk1"/>
+          </a:fillRef>
+          <a:effectRef idx="0">
+            <a:schemeClr val="dk1"/>
+          </a:effectRef>
+          <a:fontRef idx="minor">
+            <a:schemeClr val="tx1"/>
+          </a:fontRef>
+        </p:style>
+      </p:cxnSp>
+      <p:cxnSp>
+        <p:nvCxnSpPr>
+          <p:cNvPr id="46" name="Gerader Verbinder 18">
+            <a:extLst>
+              <a:ext uri="{FF2B5EF4-FFF2-40B4-BE49-F238E27FC236}">
+                <a16:creationId xmlns:a16="http://schemas.microsoft.com/office/drawing/2014/main" id="{258B92B0-D95F-46CA-81A8-BC66D3935E5A}"/>
+              </a:ext>
+            </a:extLst>
+          </p:cNvPr>
+          <p:cNvCxnSpPr>
+            <a:cxnSpLocks/>
+          </p:cNvCxnSpPr>
+          <p:nvPr/>
+        </p:nvCxnSpPr>
+        <p:spPr>
+          <a:xfrm>
+            <a:off x="2330040" y="3273286"/>
+            <a:ext cx="0" cy="1260000"/>
+          </a:xfrm>
+          <a:prstGeom prst="line">
+            <a:avLst/>
+          </a:prstGeom>
+          <a:ln w="28575"/>
+        </p:spPr>
+        <p:style>
+          <a:lnRef idx="1">
+            <a:schemeClr val="dk1"/>
+          </a:lnRef>
+          <a:fillRef idx="0">
+            <a:schemeClr val="dk1"/>
+          </a:fillRef>
+          <a:effectRef idx="0">
+            <a:schemeClr val="dk1"/>
+          </a:effectRef>
+          <a:fontRef idx="minor">
+            <a:schemeClr val="tx1"/>
+          </a:fontRef>
+        </p:style>
+      </p:cxnSp>
+      <p:cxnSp>
+        <p:nvCxnSpPr>
+          <p:cNvPr id="47" name="Gerader Verbinder 19">
+            <a:extLst>
+              <a:ext uri="{FF2B5EF4-FFF2-40B4-BE49-F238E27FC236}">
+                <a16:creationId xmlns:a16="http://schemas.microsoft.com/office/drawing/2014/main" id="{045600C7-ED41-4460-9553-9792720E8CB0}"/>
+              </a:ext>
+            </a:extLst>
+          </p:cNvPr>
+          <p:cNvCxnSpPr>
+            <a:cxnSpLocks/>
+          </p:cNvCxnSpPr>
+          <p:nvPr/>
+        </p:nvCxnSpPr>
+        <p:spPr>
+          <a:xfrm>
+            <a:off x="1490003" y="3688178"/>
+            <a:ext cx="1246939" cy="0"/>
+          </a:xfrm>
+          <a:prstGeom prst="line">
+            <a:avLst/>
+          </a:prstGeom>
+          <a:ln w="28575"/>
+        </p:spPr>
+        <p:style>
+          <a:lnRef idx="1">
+            <a:schemeClr val="dk1"/>
+          </a:lnRef>
+          <a:fillRef idx="0">
+            <a:schemeClr val="dk1"/>
+          </a:fillRef>
+          <a:effectRef idx="0">
+            <a:schemeClr val="dk1"/>
+          </a:effectRef>
+          <a:fontRef idx="minor">
+            <a:schemeClr val="tx1"/>
+          </a:fontRef>
+        </p:style>
+      </p:cxnSp>
+      <p:cxnSp>
+        <p:nvCxnSpPr>
+          <p:cNvPr id="48" name="Gerader Verbinder 20">
+            <a:extLst>
+              <a:ext uri="{FF2B5EF4-FFF2-40B4-BE49-F238E27FC236}">
+                <a16:creationId xmlns:a16="http://schemas.microsoft.com/office/drawing/2014/main" id="{2C45E925-8E83-47BD-9DF1-4AA68713FAE4}"/>
+              </a:ext>
+            </a:extLst>
+          </p:cNvPr>
+          <p:cNvCxnSpPr>
+            <a:cxnSpLocks/>
+          </p:cNvCxnSpPr>
+          <p:nvPr/>
+        </p:nvCxnSpPr>
+        <p:spPr>
+          <a:xfrm>
+            <a:off x="1490003" y="4116015"/>
+            <a:ext cx="1246939" cy="0"/>
+          </a:xfrm>
+          <a:prstGeom prst="line">
+            <a:avLst/>
+          </a:prstGeom>
+          <a:ln w="28575"/>
+        </p:spPr>
+        <p:style>
+          <a:lnRef idx="1">
+            <a:schemeClr val="dk1"/>
+          </a:lnRef>
+          <a:fillRef idx="0">
+            <a:schemeClr val="dk1"/>
+          </a:fillRef>
+          <a:effectRef idx="0">
+            <a:schemeClr val="dk1"/>
+          </a:effectRef>
+          <a:fontRef idx="minor">
+            <a:schemeClr val="tx1"/>
+          </a:fontRef>
+        </p:style>
+      </p:cxnSp>
+      <p:cxnSp>
+        <p:nvCxnSpPr>
+          <p:cNvPr id="49" name="Gerader Verbinder 17">
+            <a:extLst>
+              <a:ext uri="{FF2B5EF4-FFF2-40B4-BE49-F238E27FC236}">
+                <a16:creationId xmlns:a16="http://schemas.microsoft.com/office/drawing/2014/main" id="{0F7F8935-BB9D-4412-8616-932D7613AA41}"/>
+              </a:ext>
+            </a:extLst>
+          </p:cNvPr>
+          <p:cNvCxnSpPr>
+            <a:cxnSpLocks/>
+          </p:cNvCxnSpPr>
+          <p:nvPr/>
+        </p:nvCxnSpPr>
+        <p:spPr>
+          <a:xfrm>
+            <a:off x="3327375" y="3562900"/>
+            <a:ext cx="0" cy="1260000"/>
+          </a:xfrm>
+          <a:prstGeom prst="line">
+            <a:avLst/>
+          </a:prstGeom>
+          <a:ln w="28575"/>
+        </p:spPr>
+        <p:style>
+          <a:lnRef idx="1">
+            <a:schemeClr val="dk1"/>
+          </a:lnRef>
+          <a:fillRef idx="0">
+            <a:schemeClr val="dk1"/>
+          </a:fillRef>
+          <a:effectRef idx="0">
+            <a:schemeClr val="dk1"/>
+          </a:effectRef>
+          <a:fontRef idx="minor">
+            <a:schemeClr val="tx1"/>
+          </a:fontRef>
+        </p:style>
+      </p:cxnSp>
+      <p:cxnSp>
+        <p:nvCxnSpPr>
+          <p:cNvPr id="50" name="Gerader Verbinder 18">
+            <a:extLst>
+              <a:ext uri="{FF2B5EF4-FFF2-40B4-BE49-F238E27FC236}">
+                <a16:creationId xmlns:a16="http://schemas.microsoft.com/office/drawing/2014/main" id="{64362855-CE6C-4038-861E-8C0777B69D4F}"/>
+              </a:ext>
+            </a:extLst>
+          </p:cNvPr>
+          <p:cNvCxnSpPr>
+            <a:cxnSpLocks/>
+          </p:cNvCxnSpPr>
+          <p:nvPr/>
+        </p:nvCxnSpPr>
+        <p:spPr>
+          <a:xfrm>
+            <a:off x="3753456" y="3562900"/>
+            <a:ext cx="0" cy="1260000"/>
+          </a:xfrm>
+          <a:prstGeom prst="line">
+            <a:avLst/>
+          </a:prstGeom>
+          <a:ln w="28575"/>
+        </p:spPr>
+        <p:style>
+          <a:lnRef idx="1">
+            <a:schemeClr val="dk1"/>
+          </a:lnRef>
+          <a:fillRef idx="0">
+            <a:schemeClr val="dk1"/>
+          </a:fillRef>
+          <a:effectRef idx="0">
+            <a:schemeClr val="dk1"/>
+          </a:effectRef>
+          <a:fontRef idx="minor">
+            <a:schemeClr val="tx1"/>
+          </a:fontRef>
+        </p:style>
+      </p:cxnSp>
+      <p:cxnSp>
+        <p:nvCxnSpPr>
+          <p:cNvPr id="51" name="Gerader Verbinder 19">
+            <a:extLst>
+              <a:ext uri="{FF2B5EF4-FFF2-40B4-BE49-F238E27FC236}">
+                <a16:creationId xmlns:a16="http://schemas.microsoft.com/office/drawing/2014/main" id="{62271103-EBA2-4889-BA2D-E926E7239163}"/>
+              </a:ext>
+            </a:extLst>
+          </p:cNvPr>
+          <p:cNvCxnSpPr>
+            <a:cxnSpLocks/>
+          </p:cNvCxnSpPr>
+          <p:nvPr/>
+        </p:nvCxnSpPr>
+        <p:spPr>
+          <a:xfrm>
+            <a:off x="2913419" y="3977792"/>
+            <a:ext cx="1246939" cy="0"/>
+          </a:xfrm>
+          <a:prstGeom prst="line">
+            <a:avLst/>
+          </a:prstGeom>
+          <a:ln w="28575"/>
+        </p:spPr>
+        <p:style>
+          <a:lnRef idx="1">
+            <a:schemeClr val="dk1"/>
+          </a:lnRef>
+          <a:fillRef idx="0">
+            <a:schemeClr val="dk1"/>
+          </a:fillRef>
+          <a:effectRef idx="0">
+            <a:schemeClr val="dk1"/>
+          </a:effectRef>
+          <a:fontRef idx="minor">
+            <a:schemeClr val="tx1"/>
+          </a:fontRef>
+        </p:style>
+      </p:cxnSp>
+      <p:cxnSp>
+        <p:nvCxnSpPr>
+          <p:cNvPr id="52" name="Gerader Verbinder 20">
+            <a:extLst>
+              <a:ext uri="{FF2B5EF4-FFF2-40B4-BE49-F238E27FC236}">
+                <a16:creationId xmlns:a16="http://schemas.microsoft.com/office/drawing/2014/main" id="{FD80FDAE-B742-4E8D-A9CC-B78F4F0CEF3D}"/>
+              </a:ext>
+            </a:extLst>
+          </p:cNvPr>
+          <p:cNvCxnSpPr>
+            <a:cxnSpLocks/>
+          </p:cNvCxnSpPr>
+          <p:nvPr/>
+        </p:nvCxnSpPr>
+        <p:spPr>
+          <a:xfrm>
+            <a:off x="2913419" y="4405629"/>
+            <a:ext cx="1246939" cy="0"/>
+          </a:xfrm>
+          <a:prstGeom prst="line">
+            <a:avLst/>
+          </a:prstGeom>
+          <a:ln w="28575"/>
+        </p:spPr>
+        <p:style>
+          <a:lnRef idx="1">
+            <a:schemeClr val="dk1"/>
+          </a:lnRef>
+          <a:fillRef idx="0">
+            <a:schemeClr val="dk1"/>
+          </a:fillRef>
+          <a:effectRef idx="0">
+            <a:schemeClr val="dk1"/>
+          </a:effectRef>
+          <a:fontRef idx="minor">
+            <a:schemeClr val="tx1"/>
+          </a:fontRef>
+        </p:style>
+      </p:cxnSp>
+      <p:cxnSp>
+        <p:nvCxnSpPr>
+          <p:cNvPr id="53" name="Gerader Verbinder 17">
+            <a:extLst>
+              <a:ext uri="{FF2B5EF4-FFF2-40B4-BE49-F238E27FC236}">
+                <a16:creationId xmlns:a16="http://schemas.microsoft.com/office/drawing/2014/main" id="{D1FBDE34-CE07-47F4-A5EF-F9E8036831F3}"/>
+              </a:ext>
+            </a:extLst>
+          </p:cNvPr>
+          <p:cNvCxnSpPr>
+            <a:cxnSpLocks/>
+          </p:cNvCxnSpPr>
+          <p:nvPr/>
+        </p:nvCxnSpPr>
+        <p:spPr>
+          <a:xfrm>
+            <a:off x="4740743" y="3846266"/>
+            <a:ext cx="0" cy="1260000"/>
+          </a:xfrm>
+          <a:prstGeom prst="line">
+            <a:avLst/>
+          </a:prstGeom>
+          <a:ln w="28575"/>
+        </p:spPr>
+        <p:style>
+          <a:lnRef idx="1">
+            <a:schemeClr val="dk1"/>
+          </a:lnRef>
+          <a:fillRef idx="0">
+            <a:schemeClr val="dk1"/>
+          </a:fillRef>
+          <a:effectRef idx="0">
+            <a:schemeClr val="dk1"/>
+          </a:effectRef>
+          <a:fontRef idx="minor">
+            <a:schemeClr val="tx1"/>
+          </a:fontRef>
+        </p:style>
+      </p:cxnSp>
+      <p:cxnSp>
+        <p:nvCxnSpPr>
+          <p:cNvPr id="54" name="Gerader Verbinder 18">
+            <a:extLst>
+              <a:ext uri="{FF2B5EF4-FFF2-40B4-BE49-F238E27FC236}">
+                <a16:creationId xmlns:a16="http://schemas.microsoft.com/office/drawing/2014/main" id="{8F35545E-AE6A-40E0-A863-797C20417C19}"/>
+              </a:ext>
+            </a:extLst>
+          </p:cNvPr>
+          <p:cNvCxnSpPr>
+            <a:cxnSpLocks/>
+          </p:cNvCxnSpPr>
+          <p:nvPr/>
+        </p:nvCxnSpPr>
+        <p:spPr>
+          <a:xfrm>
+            <a:off x="5166824" y="3846266"/>
+            <a:ext cx="0" cy="1260000"/>
+          </a:xfrm>
+          <a:prstGeom prst="line">
+            <a:avLst/>
+          </a:prstGeom>
+          <a:ln w="28575"/>
+        </p:spPr>
+        <p:style>
+          <a:lnRef idx="1">
+            <a:schemeClr val="dk1"/>
+          </a:lnRef>
+          <a:fillRef idx="0">
+            <a:schemeClr val="dk1"/>
+          </a:fillRef>
+          <a:effectRef idx="0">
+            <a:schemeClr val="dk1"/>
+          </a:effectRef>
+          <a:fontRef idx="minor">
+            <a:schemeClr val="tx1"/>
+          </a:fontRef>
+        </p:style>
+      </p:cxnSp>
+      <p:cxnSp>
+        <p:nvCxnSpPr>
+          <p:cNvPr id="60" name="Gerader Verbinder 19">
+            <a:extLst>
+              <a:ext uri="{FF2B5EF4-FFF2-40B4-BE49-F238E27FC236}">
+                <a16:creationId xmlns:a16="http://schemas.microsoft.com/office/drawing/2014/main" id="{17512A2F-B632-4CB3-AD17-E803B77A3ED6}"/>
+              </a:ext>
+            </a:extLst>
+          </p:cNvPr>
+          <p:cNvCxnSpPr>
+            <a:cxnSpLocks/>
+          </p:cNvCxnSpPr>
+          <p:nvPr/>
+        </p:nvCxnSpPr>
+        <p:spPr>
+          <a:xfrm>
+            <a:off x="4326787" y="4261158"/>
+            <a:ext cx="1246939" cy="0"/>
+          </a:xfrm>
+          <a:prstGeom prst="line">
+            <a:avLst/>
+          </a:prstGeom>
+          <a:ln w="28575"/>
+        </p:spPr>
+        <p:style>
+          <a:lnRef idx="1">
+            <a:schemeClr val="dk1"/>
+          </a:lnRef>
+          <a:fillRef idx="0">
+            <a:schemeClr val="dk1"/>
+          </a:fillRef>
+          <a:effectRef idx="0">
+            <a:schemeClr val="dk1"/>
+          </a:effectRef>
+          <a:fontRef idx="minor">
+            <a:schemeClr val="tx1"/>
+          </a:fontRef>
+        </p:style>
+      </p:cxnSp>
+      <p:cxnSp>
+        <p:nvCxnSpPr>
+          <p:cNvPr id="61" name="Gerader Verbinder 20">
+            <a:extLst>
+              <a:ext uri="{FF2B5EF4-FFF2-40B4-BE49-F238E27FC236}">
+                <a16:creationId xmlns:a16="http://schemas.microsoft.com/office/drawing/2014/main" id="{4BA97223-329D-42AE-96E3-0DE1824C2244}"/>
+              </a:ext>
+            </a:extLst>
+          </p:cNvPr>
+          <p:cNvCxnSpPr>
+            <a:cxnSpLocks/>
+          </p:cNvCxnSpPr>
+          <p:nvPr/>
+        </p:nvCxnSpPr>
+        <p:spPr>
+          <a:xfrm>
+            <a:off x="4326787" y="4688995"/>
+            <a:ext cx="1246939" cy="0"/>
+          </a:xfrm>
+          <a:prstGeom prst="line">
+            <a:avLst/>
+          </a:prstGeom>
+          <a:ln w="28575"/>
+        </p:spPr>
+        <p:style>
+          <a:lnRef idx="1">
+            <a:schemeClr val="dk1"/>
+          </a:lnRef>
+          <a:fillRef idx="0">
+            <a:schemeClr val="dk1"/>
+          </a:fillRef>
+          <a:effectRef idx="0">
+            <a:schemeClr val="dk1"/>
+          </a:effectRef>
+          <a:fontRef idx="minor">
+            <a:schemeClr val="tx1"/>
+          </a:fontRef>
+        </p:style>
+      </p:cxnSp>
+      <p:cxnSp>
+        <p:nvCxnSpPr>
+          <p:cNvPr id="62" name="Gerader Verbinder 17">
+            <a:extLst>
+              <a:ext uri="{FF2B5EF4-FFF2-40B4-BE49-F238E27FC236}">
+                <a16:creationId xmlns:a16="http://schemas.microsoft.com/office/drawing/2014/main" id="{62D84D06-F4AA-4EDD-BC69-42D581C4732C}"/>
+              </a:ext>
+            </a:extLst>
+          </p:cNvPr>
+          <p:cNvCxnSpPr>
+            <a:cxnSpLocks/>
+          </p:cNvCxnSpPr>
+          <p:nvPr/>
+        </p:nvCxnSpPr>
+        <p:spPr>
+          <a:xfrm>
+            <a:off x="6139181" y="4116015"/>
+            <a:ext cx="0" cy="1260000"/>
+          </a:xfrm>
+          <a:prstGeom prst="line">
+            <a:avLst/>
+          </a:prstGeom>
+          <a:ln w="28575"/>
+        </p:spPr>
+        <p:style>
+          <a:lnRef idx="1">
+            <a:schemeClr val="dk1"/>
+          </a:lnRef>
+          <a:fillRef idx="0">
+            <a:schemeClr val="dk1"/>
+          </a:fillRef>
+          <a:effectRef idx="0">
+            <a:schemeClr val="dk1"/>
+          </a:effectRef>
+          <a:fontRef idx="minor">
+            <a:schemeClr val="tx1"/>
+          </a:fontRef>
+        </p:style>
+      </p:cxnSp>
+      <p:cxnSp>
+        <p:nvCxnSpPr>
+          <p:cNvPr id="64" name="Gerader Verbinder 18">
+            <a:extLst>
+              <a:ext uri="{FF2B5EF4-FFF2-40B4-BE49-F238E27FC236}">
+                <a16:creationId xmlns:a16="http://schemas.microsoft.com/office/drawing/2014/main" id="{F1836907-8610-4062-8320-58042459D7EC}"/>
+              </a:ext>
+            </a:extLst>
+          </p:cNvPr>
+          <p:cNvCxnSpPr>
+            <a:cxnSpLocks/>
+          </p:cNvCxnSpPr>
+          <p:nvPr/>
+        </p:nvCxnSpPr>
+        <p:spPr>
+          <a:xfrm>
+            <a:off x="6565262" y="4116015"/>
+            <a:ext cx="0" cy="1260000"/>
+          </a:xfrm>
+          <a:prstGeom prst="line">
+            <a:avLst/>
+          </a:prstGeom>
+          <a:ln w="28575"/>
+        </p:spPr>
+        <p:style>
+          <a:lnRef idx="1">
+            <a:schemeClr val="dk1"/>
+          </a:lnRef>
+          <a:fillRef idx="0">
+            <a:schemeClr val="dk1"/>
+          </a:fillRef>
+          <a:effectRef idx="0">
+            <a:schemeClr val="dk1"/>
+          </a:effectRef>
+          <a:fontRef idx="minor">
+            <a:schemeClr val="tx1"/>
+          </a:fontRef>
+        </p:style>
+      </p:cxnSp>
+      <p:cxnSp>
+        <p:nvCxnSpPr>
+          <p:cNvPr id="67" name="Gerader Verbinder 19">
+            <a:extLst>
+              <a:ext uri="{FF2B5EF4-FFF2-40B4-BE49-F238E27FC236}">
+                <a16:creationId xmlns:a16="http://schemas.microsoft.com/office/drawing/2014/main" id="{6919B838-6F54-4F6D-B077-89C1BB2A474D}"/>
+              </a:ext>
+            </a:extLst>
+          </p:cNvPr>
+          <p:cNvCxnSpPr>
+            <a:cxnSpLocks/>
+          </p:cNvCxnSpPr>
+          <p:nvPr/>
+        </p:nvCxnSpPr>
+        <p:spPr>
+          <a:xfrm>
+            <a:off x="5725225" y="4530907"/>
+            <a:ext cx="1246939" cy="0"/>
+          </a:xfrm>
+          <a:prstGeom prst="line">
+            <a:avLst/>
+          </a:prstGeom>
+          <a:ln w="28575"/>
+        </p:spPr>
+        <p:style>
+          <a:lnRef idx="1">
+            <a:schemeClr val="dk1"/>
+          </a:lnRef>
+          <a:fillRef idx="0">
+            <a:schemeClr val="dk1"/>
+          </a:fillRef>
+          <a:effectRef idx="0">
+            <a:schemeClr val="dk1"/>
+          </a:effectRef>
+          <a:fontRef idx="minor">
+            <a:schemeClr val="tx1"/>
+          </a:fontRef>
+        </p:style>
+      </p:cxnSp>
+      <p:cxnSp>
+        <p:nvCxnSpPr>
+          <p:cNvPr id="68" name="Gerader Verbinder 20">
+            <a:extLst>
+              <a:ext uri="{FF2B5EF4-FFF2-40B4-BE49-F238E27FC236}">
+                <a16:creationId xmlns:a16="http://schemas.microsoft.com/office/drawing/2014/main" id="{F3658279-DFFA-4B1C-8DAA-DA6FCAA64A44}"/>
+              </a:ext>
+            </a:extLst>
+          </p:cNvPr>
+          <p:cNvCxnSpPr>
+            <a:cxnSpLocks/>
+          </p:cNvCxnSpPr>
+          <p:nvPr/>
+        </p:nvCxnSpPr>
+        <p:spPr>
+          <a:xfrm>
+            <a:off x="5725225" y="4958744"/>
+            <a:ext cx="1246939" cy="0"/>
+          </a:xfrm>
+          <a:prstGeom prst="line">
+            <a:avLst/>
+          </a:prstGeom>
+          <a:ln w="28575"/>
+        </p:spPr>
+        <p:style>
+          <a:lnRef idx="1">
+            <a:schemeClr val="dk1"/>
+          </a:lnRef>
+          <a:fillRef idx="0">
+            <a:schemeClr val="dk1"/>
+          </a:fillRef>
+          <a:effectRef idx="0">
+            <a:schemeClr val="dk1"/>
+          </a:effectRef>
+          <a:fontRef idx="minor">
+            <a:schemeClr val="tx1"/>
+          </a:fontRef>
+        </p:style>
+      </p:cxnSp>
+      <p:cxnSp>
+        <p:nvCxnSpPr>
+          <p:cNvPr id="69" name="Gerader Verbinder 17">
+            <a:extLst>
+              <a:ext uri="{FF2B5EF4-FFF2-40B4-BE49-F238E27FC236}">
+                <a16:creationId xmlns:a16="http://schemas.microsoft.com/office/drawing/2014/main" id="{79D8E291-3BD8-4FDF-9C8F-80065C8C3939}"/>
+              </a:ext>
+            </a:extLst>
+          </p:cNvPr>
+          <p:cNvCxnSpPr>
+            <a:cxnSpLocks/>
+          </p:cNvCxnSpPr>
+          <p:nvPr/>
+        </p:nvCxnSpPr>
+        <p:spPr>
+          <a:xfrm>
+            <a:off x="7565829" y="4391201"/>
+            <a:ext cx="0" cy="1260000"/>
+          </a:xfrm>
+          <a:prstGeom prst="line">
+            <a:avLst/>
+          </a:prstGeom>
+          <a:ln w="28575"/>
+        </p:spPr>
+        <p:style>
+          <a:lnRef idx="1">
+            <a:schemeClr val="dk1"/>
+          </a:lnRef>
+          <a:fillRef idx="0">
+            <a:schemeClr val="dk1"/>
+          </a:fillRef>
+          <a:effectRef idx="0">
+            <a:schemeClr val="dk1"/>
+          </a:effectRef>
+          <a:fontRef idx="minor">
+            <a:schemeClr val="tx1"/>
+          </a:fontRef>
+        </p:style>
+      </p:cxnSp>
+      <p:cxnSp>
+        <p:nvCxnSpPr>
+          <p:cNvPr id="79" name="Gerader Verbinder 18">
+            <a:extLst>
+              <a:ext uri="{FF2B5EF4-FFF2-40B4-BE49-F238E27FC236}">
+                <a16:creationId xmlns:a16="http://schemas.microsoft.com/office/drawing/2014/main" id="{D8AE1C46-6E4C-4B8B-A96E-8FF2CBE14289}"/>
+              </a:ext>
+            </a:extLst>
+          </p:cNvPr>
+          <p:cNvCxnSpPr>
+            <a:cxnSpLocks/>
+          </p:cNvCxnSpPr>
+          <p:nvPr/>
+        </p:nvCxnSpPr>
+        <p:spPr>
+          <a:xfrm>
+            <a:off x="7991910" y="4391201"/>
+            <a:ext cx="0" cy="1260000"/>
+          </a:xfrm>
+          <a:prstGeom prst="line">
+            <a:avLst/>
+          </a:prstGeom>
+          <a:ln w="28575"/>
+        </p:spPr>
+        <p:style>
+          <a:lnRef idx="1">
+            <a:schemeClr val="dk1"/>
+          </a:lnRef>
+          <a:fillRef idx="0">
+            <a:schemeClr val="dk1"/>
+          </a:fillRef>
+          <a:effectRef idx="0">
+            <a:schemeClr val="dk1"/>
+          </a:effectRef>
+          <a:fontRef idx="minor">
+            <a:schemeClr val="tx1"/>
+          </a:fontRef>
+        </p:style>
+      </p:cxnSp>
+      <p:cxnSp>
+        <p:nvCxnSpPr>
+          <p:cNvPr id="80" name="Gerader Verbinder 19">
+            <a:extLst>
+              <a:ext uri="{FF2B5EF4-FFF2-40B4-BE49-F238E27FC236}">
+                <a16:creationId xmlns:a16="http://schemas.microsoft.com/office/drawing/2014/main" id="{834FD95A-486E-49A3-A35C-332D13372B07}"/>
+              </a:ext>
+            </a:extLst>
+          </p:cNvPr>
+          <p:cNvCxnSpPr>
+            <a:cxnSpLocks/>
+          </p:cNvCxnSpPr>
+          <p:nvPr/>
+        </p:nvCxnSpPr>
+        <p:spPr>
+          <a:xfrm>
+            <a:off x="7151873" y="4806093"/>
+            <a:ext cx="1246939" cy="0"/>
+          </a:xfrm>
+          <a:prstGeom prst="line">
+            <a:avLst/>
+          </a:prstGeom>
+          <a:ln w="28575"/>
+        </p:spPr>
+        <p:style>
+          <a:lnRef idx="1">
+            <a:schemeClr val="dk1"/>
+          </a:lnRef>
+          <a:fillRef idx="0">
+            <a:schemeClr val="dk1"/>
+          </a:fillRef>
+          <a:effectRef idx="0">
+            <a:schemeClr val="dk1"/>
+          </a:effectRef>
+          <a:fontRef idx="minor">
+            <a:schemeClr val="tx1"/>
+          </a:fontRef>
+        </p:style>
+      </p:cxnSp>
+      <p:cxnSp>
+        <p:nvCxnSpPr>
+          <p:cNvPr id="81" name="Gerader Verbinder 20">
+            <a:extLst>
+              <a:ext uri="{FF2B5EF4-FFF2-40B4-BE49-F238E27FC236}">
+                <a16:creationId xmlns:a16="http://schemas.microsoft.com/office/drawing/2014/main" id="{AEB13BF8-C6D8-4782-82D6-EAAD059803FE}"/>
+              </a:ext>
+            </a:extLst>
+          </p:cNvPr>
+          <p:cNvCxnSpPr>
+            <a:cxnSpLocks/>
+          </p:cNvCxnSpPr>
+          <p:nvPr/>
+        </p:nvCxnSpPr>
+        <p:spPr>
+          <a:xfrm>
+            <a:off x="7151873" y="5233930"/>
+            <a:ext cx="1246939" cy="0"/>
+          </a:xfrm>
+          <a:prstGeom prst="line">
+            <a:avLst/>
+          </a:prstGeom>
+          <a:ln w="28575"/>
+        </p:spPr>
+        <p:style>
+          <a:lnRef idx="1">
+            <a:schemeClr val="dk1"/>
+          </a:lnRef>
+          <a:fillRef idx="0">
+            <a:schemeClr val="dk1"/>
+          </a:fillRef>
+          <a:effectRef idx="0">
+            <a:schemeClr val="dk1"/>
+          </a:effectRef>
+          <a:fontRef idx="minor">
+            <a:schemeClr val="tx1"/>
+          </a:fontRef>
+        </p:style>
+      </p:cxnSp>
     </p:spTree>
     <p:extLst>
       <p:ext uri="{BB962C8B-B14F-4D97-AF65-F5344CB8AC3E}">
@@ -6662,7 +8460,7 @@
         <p:spPr>
           <a:xfrm>
             <a:off x="681426" y="1186586"/>
-            <a:ext cx="11375042" cy="1815882"/>
+            <a:ext cx="11375042" cy="1785104"/>
           </a:xfrm>
           <a:prstGeom prst="rect">
             <a:avLst/>
@@ -6705,15 +8503,7 @@
             </a:r>
             <a:r>
               <a:rPr lang="en-GB" sz="2200" dirty="0" err="1"/>
-              <a:t>Buchstaben</a:t>
-            </a:r>
-            <a:r>
-              <a:rPr lang="en-GB" sz="2200" dirty="0"/>
-              <a:t> / </a:t>
-            </a:r>
-            <a:r>
-              <a:rPr lang="en-GB" sz="2200" dirty="0" err="1"/>
-              <a:t>Bildern</a:t>
+              <a:t>Zahlen</a:t>
             </a:r>
             <a:r>
               <a:rPr lang="en-GB" sz="2200" dirty="0"/>
@@ -6745,7 +8535,7 @@
             </a:r>
             <a:r>
               <a:rPr lang="en-GB" sz="2200" dirty="0" err="1"/>
-              <a:t>Buchstaben</a:t>
+              <a:t>Zahlen</a:t>
             </a:r>
             <a:r>
               <a:rPr lang="en-GB" sz="2200" dirty="0"/>
@@ -6761,19 +8551,19 @@
             </a:r>
             <a:r>
               <a:rPr lang="en-GB" sz="2200" dirty="0" err="1"/>
-              <a:t>ein</a:t>
-            </a:r>
-            <a:r>
-              <a:rPr lang="en-GB" sz="2200" dirty="0"/>
-              <a:t> “O” und manche </a:t>
+              <a:t>eine</a:t>
+            </a:r>
+            <a:r>
+              <a:rPr lang="en-GB" sz="2200" dirty="0"/>
+              <a:t> “7” und manche </a:t>
             </a:r>
             <a:r>
               <a:rPr lang="en-GB" sz="2200" dirty="0" err="1"/>
-              <a:t>ein</a:t>
-            </a:r>
-            <a:r>
-              <a:rPr lang="en-GB" sz="2200" dirty="0"/>
-              <a:t> “X”. </a:t>
+              <a:t>eine</a:t>
+            </a:r>
+            <a:r>
+              <a:rPr lang="en-GB" sz="2200" dirty="0"/>
+              <a:t> “8”. </a:t>
             </a:r>
             <a:r>
               <a:rPr lang="en-GB" sz="2200" dirty="0" err="1"/>
@@ -6789,15 +8579,39 @@
             </a:r>
             <a:r>
               <a:rPr lang="en-GB" sz="2200" dirty="0"/>
-              <a:t> die </a:t>
+              <a:t> , </a:t>
             </a:r>
             <a:r>
               <a:rPr lang="en-GB" sz="2200" dirty="0" err="1"/>
-              <a:t>Anzahl</a:t>
-            </a:r>
-            <a:r>
-              <a:rPr lang="en-GB" sz="2200" dirty="0"/>
-              <a:t> von “X”.</a:t>
+              <a:t>wie</a:t>
+            </a:r>
+            <a:r>
+              <a:rPr lang="en-GB" sz="2200" dirty="0"/>
+              <a:t> </a:t>
+            </a:r>
+            <a:r>
+              <a:rPr lang="en-GB" sz="2200" dirty="0" err="1"/>
+              <a:t>häufig</a:t>
+            </a:r>
+            <a:r>
+              <a:rPr lang="en-GB" sz="2200" dirty="0"/>
+              <a:t> “7” </a:t>
+            </a:r>
+            <a:r>
+              <a:rPr lang="en-GB" sz="2200" dirty="0" err="1"/>
+              <a:t>aufgetreten</a:t>
+            </a:r>
+            <a:r>
+              <a:rPr lang="en-GB" sz="2200" dirty="0"/>
+              <a:t> </a:t>
+            </a:r>
+            <a:r>
+              <a:rPr lang="en-GB" sz="2200" dirty="0" err="1"/>
+              <a:t>ist</a:t>
+            </a:r>
+            <a:r>
+              <a:rPr lang="en-GB" sz="2200" dirty="0"/>
+              <a:t>.</a:t>
             </a:r>
           </a:p>
           <a:p>
@@ -6813,7 +8627,7 @@
               <a:t> Sie die </a:t>
             </a:r>
             <a:r>
-              <a:rPr lang="en-GB" sz="2400" b="1" dirty="0" err="1"/>
+              <a:rPr lang="en-GB" sz="2200" b="1" dirty="0" err="1"/>
               <a:t>rechte</a:t>
             </a:r>
             <a:r>
@@ -6830,7 +8644,7 @@
             </a:r>
             <a:r>
               <a:rPr lang="en-GB" sz="2200" dirty="0" err="1"/>
-              <a:t>ein</a:t>
+              <a:t>eine</a:t>
             </a:r>
             <a:r>
               <a:rPr lang="en-GB" sz="2200" dirty="0"/>
@@ -6838,7 +8652,7 @@
             </a:r>
             <a:r>
               <a:rPr lang="en-GB" sz="2200" b="1" dirty="0"/>
-              <a:t>“X”</a:t>
+              <a:t>“7”</a:t>
             </a:r>
             <a:r>
               <a:rPr lang="en-GB" sz="2200" dirty="0"/>
@@ -6870,7 +8684,7 @@
             </a:r>
             <a:r>
               <a:rPr lang="en-GB" sz="2200" dirty="0" err="1"/>
-              <a:t>ein</a:t>
+              <a:t>eine</a:t>
             </a:r>
             <a:r>
               <a:rPr lang="en-GB" sz="2200" dirty="0"/>
@@ -6878,7 +8692,11 @@
             </a:r>
             <a:r>
               <a:rPr lang="en-GB" sz="2200" b="1" dirty="0"/>
-              <a:t>“O” </a:t>
+              <a:t>“8”</a:t>
+            </a:r>
+            <a:r>
+              <a:rPr lang="en-GB" sz="2200" dirty="0"/>
+              <a:t> </a:t>
             </a:r>
             <a:r>
               <a:rPr lang="en-GB" sz="2200" dirty="0" err="1"/>
@@ -7081,7 +8899,7 @@
               <a:pPr algn="ctr"/>
               <a:r>
                 <a:rPr lang="en-GB" sz="2500" dirty="0"/>
-                <a:t>O</a:t>
+                <a:t>8</a:t>
               </a:r>
             </a:p>
           </p:txBody>
@@ -7184,7 +9002,7 @@
               <a:pPr algn="ctr"/>
               <a:r>
                 <a:rPr lang="en-GB" sz="2500" dirty="0"/>
-                <a:t>X</a:t>
+                <a:t>7</a:t>
               </a:r>
             </a:p>
           </p:txBody>
@@ -7287,7 +9105,7 @@
               <a:pPr algn="ctr"/>
               <a:r>
                 <a:rPr lang="en-GB" sz="2500" dirty="0"/>
-                <a:t>O</a:t>
+                <a:t>8</a:t>
               </a:r>
             </a:p>
           </p:txBody>
@@ -7390,7 +9208,7 @@
               <a:pPr algn="ctr"/>
               <a:r>
                 <a:rPr lang="en-GB" sz="2500" dirty="0"/>
-                <a:t>O</a:t>
+                <a:t>8</a:t>
               </a:r>
             </a:p>
           </p:txBody>
@@ -7493,7 +9311,7 @@
               <a:pPr algn="ctr"/>
               <a:r>
                 <a:rPr lang="en-GB" sz="2500" dirty="0"/>
-                <a:t>X</a:t>
+                <a:t>7</a:t>
               </a:r>
             </a:p>
           </p:txBody>
@@ -7651,7 +9469,7 @@
               </a:r>
               <a:r>
                 <a:rPr lang="en-GB" sz="2500" dirty="0"/>
-                <a:t> “X” </a:t>
+                <a:t> “7” </a:t>
               </a:r>
               <a:r>
                 <a:rPr lang="en-GB" sz="2500" dirty="0" err="1"/>
@@ -7778,7 +9596,7 @@
           <a:p>
             <a:r>
               <a:rPr lang="en-GB" b="1" dirty="0"/>
-              <a:t>“O” -&gt; links</a:t>
+              <a:t>“8” -&gt; links</a:t>
             </a:r>
           </a:p>
         </p:txBody>
@@ -7813,7 +9631,7 @@
           <a:p>
             <a:r>
               <a:rPr lang="en-GB" b="1" dirty="0"/>
-              <a:t>“O” -&gt; links</a:t>
+              <a:t>“8” -&gt; links</a:t>
             </a:r>
           </a:p>
         </p:txBody>
@@ -7848,7 +9666,7 @@
           <a:p>
             <a:r>
               <a:rPr lang="en-GB" b="1" dirty="0"/>
-              <a:t>“X” -&gt; </a:t>
+              <a:t>“7” -&gt; </a:t>
             </a:r>
             <a:r>
               <a:rPr lang="en-GB" b="1" dirty="0" err="1"/>
@@ -7888,7 +9706,7 @@
           <a:p>
             <a:r>
               <a:rPr lang="en-GB" b="1" dirty="0"/>
-              <a:t>“X” -&gt; </a:t>
+              <a:t>“7” -&gt; </a:t>
             </a:r>
             <a:r>
               <a:rPr lang="en-GB" b="1" dirty="0" err="1"/>
@@ -7928,15 +9746,1025 @@
           <a:p>
             <a:r>
               <a:rPr lang="en-GB" b="1" dirty="0"/>
-              <a:t>“O” -&gt; links</a:t>
+              <a:t>“8” -&gt; links</a:t>
             </a:r>
           </a:p>
         </p:txBody>
       </p:sp>
+      <p:sp>
+        <p:nvSpPr>
+          <p:cNvPr id="31" name="Rechteck 16">
+            <a:extLst>
+              <a:ext uri="{FF2B5EF4-FFF2-40B4-BE49-F238E27FC236}">
+                <a16:creationId xmlns:a16="http://schemas.microsoft.com/office/drawing/2014/main" id="{63CC5F48-A447-4B7F-9541-14E49613F314}"/>
+              </a:ext>
+            </a:extLst>
+          </p:cNvPr>
+          <p:cNvSpPr/>
+          <p:nvPr/>
+        </p:nvSpPr>
+        <p:spPr>
+          <a:xfrm>
+            <a:off x="1490003" y="3287561"/>
+            <a:ext cx="1246939" cy="1260000"/>
+          </a:xfrm>
+          <a:prstGeom prst="rect">
+            <a:avLst/>
+          </a:prstGeom>
+          <a:noFill/>
+          <a:ln w="28575"/>
+        </p:spPr>
+        <p:style>
+          <a:lnRef idx="2">
+            <a:schemeClr val="dk1"/>
+          </a:lnRef>
+          <a:fillRef idx="1">
+            <a:schemeClr val="lt1"/>
+          </a:fillRef>
+          <a:effectRef idx="0">
+            <a:schemeClr val="dk1"/>
+          </a:effectRef>
+          <a:fontRef idx="minor">
+            <a:schemeClr val="dk1"/>
+          </a:fontRef>
+        </p:style>
+        <p:txBody>
+          <a:bodyPr rtlCol="0" anchor="ctr"/>
+          <a:lstStyle/>
+          <a:p>
+            <a:pPr algn="ctr"/>
+            <a:endParaRPr lang="de-DE" dirty="0"/>
+          </a:p>
+        </p:txBody>
+      </p:sp>
+      <p:sp>
+        <p:nvSpPr>
+          <p:cNvPr id="34" name="Rechteck 16">
+            <a:extLst>
+              <a:ext uri="{FF2B5EF4-FFF2-40B4-BE49-F238E27FC236}">
+                <a16:creationId xmlns:a16="http://schemas.microsoft.com/office/drawing/2014/main" id="{C093C49A-6D7D-4EA3-AD58-4C1EE7675310}"/>
+              </a:ext>
+            </a:extLst>
+          </p:cNvPr>
+          <p:cNvSpPr/>
+          <p:nvPr/>
+        </p:nvSpPr>
+        <p:spPr>
+          <a:xfrm>
+            <a:off x="4326787" y="3834233"/>
+            <a:ext cx="1246939" cy="1260000"/>
+          </a:xfrm>
+          <a:prstGeom prst="rect">
+            <a:avLst/>
+          </a:prstGeom>
+          <a:noFill/>
+          <a:ln w="28575"/>
+        </p:spPr>
+        <p:style>
+          <a:lnRef idx="2">
+            <a:schemeClr val="dk1"/>
+          </a:lnRef>
+          <a:fillRef idx="1">
+            <a:schemeClr val="lt1"/>
+          </a:fillRef>
+          <a:effectRef idx="0">
+            <a:schemeClr val="dk1"/>
+          </a:effectRef>
+          <a:fontRef idx="minor">
+            <a:schemeClr val="dk1"/>
+          </a:fontRef>
+        </p:style>
+        <p:txBody>
+          <a:bodyPr rtlCol="0" anchor="ctr"/>
+          <a:lstStyle/>
+          <a:p>
+            <a:pPr algn="ctr"/>
+            <a:endParaRPr lang="de-DE" dirty="0"/>
+          </a:p>
+        </p:txBody>
+      </p:sp>
+      <p:sp>
+        <p:nvSpPr>
+          <p:cNvPr id="37" name="Rechteck 16">
+            <a:extLst>
+              <a:ext uri="{FF2B5EF4-FFF2-40B4-BE49-F238E27FC236}">
+                <a16:creationId xmlns:a16="http://schemas.microsoft.com/office/drawing/2014/main" id="{AD93F5FA-83A9-425A-B82C-28B70E7248C9}"/>
+              </a:ext>
+            </a:extLst>
+          </p:cNvPr>
+          <p:cNvSpPr/>
+          <p:nvPr/>
+        </p:nvSpPr>
+        <p:spPr>
+          <a:xfrm>
+            <a:off x="2908395" y="3560897"/>
+            <a:ext cx="1246939" cy="1260000"/>
+          </a:xfrm>
+          <a:prstGeom prst="rect">
+            <a:avLst/>
+          </a:prstGeom>
+          <a:noFill/>
+          <a:ln w="28575"/>
+        </p:spPr>
+        <p:style>
+          <a:lnRef idx="2">
+            <a:schemeClr val="dk1"/>
+          </a:lnRef>
+          <a:fillRef idx="1">
+            <a:schemeClr val="lt1"/>
+          </a:fillRef>
+          <a:effectRef idx="0">
+            <a:schemeClr val="dk1"/>
+          </a:effectRef>
+          <a:fontRef idx="minor">
+            <a:schemeClr val="dk1"/>
+          </a:fontRef>
+        </p:style>
+        <p:txBody>
+          <a:bodyPr rtlCol="0" anchor="ctr"/>
+          <a:lstStyle/>
+          <a:p>
+            <a:pPr algn="ctr"/>
+            <a:endParaRPr lang="de-DE" dirty="0"/>
+          </a:p>
+        </p:txBody>
+      </p:sp>
+      <p:sp>
+        <p:nvSpPr>
+          <p:cNvPr id="40" name="Rechteck 16">
+            <a:extLst>
+              <a:ext uri="{FF2B5EF4-FFF2-40B4-BE49-F238E27FC236}">
+                <a16:creationId xmlns:a16="http://schemas.microsoft.com/office/drawing/2014/main" id="{10D1B706-C12B-4B94-A226-C2B5A403F12D}"/>
+              </a:ext>
+            </a:extLst>
+          </p:cNvPr>
+          <p:cNvSpPr/>
+          <p:nvPr/>
+        </p:nvSpPr>
+        <p:spPr>
+          <a:xfrm>
+            <a:off x="5745179" y="4107569"/>
+            <a:ext cx="1246939" cy="1260000"/>
+          </a:xfrm>
+          <a:prstGeom prst="rect">
+            <a:avLst/>
+          </a:prstGeom>
+          <a:noFill/>
+          <a:ln w="28575"/>
+        </p:spPr>
+        <p:style>
+          <a:lnRef idx="2">
+            <a:schemeClr val="dk1"/>
+          </a:lnRef>
+          <a:fillRef idx="1">
+            <a:schemeClr val="lt1"/>
+          </a:fillRef>
+          <a:effectRef idx="0">
+            <a:schemeClr val="dk1"/>
+          </a:effectRef>
+          <a:fontRef idx="minor">
+            <a:schemeClr val="dk1"/>
+          </a:fontRef>
+        </p:style>
+        <p:txBody>
+          <a:bodyPr rtlCol="0" anchor="ctr"/>
+          <a:lstStyle/>
+          <a:p>
+            <a:pPr algn="ctr"/>
+            <a:endParaRPr lang="de-DE" dirty="0"/>
+          </a:p>
+        </p:txBody>
+      </p:sp>
+      <p:sp>
+        <p:nvSpPr>
+          <p:cNvPr id="43" name="Rechteck 16">
+            <a:extLst>
+              <a:ext uri="{FF2B5EF4-FFF2-40B4-BE49-F238E27FC236}">
+                <a16:creationId xmlns:a16="http://schemas.microsoft.com/office/drawing/2014/main" id="{9DE201C6-0675-4E37-A346-BDDECFE4E0D0}"/>
+              </a:ext>
+            </a:extLst>
+          </p:cNvPr>
+          <p:cNvSpPr/>
+          <p:nvPr/>
+        </p:nvSpPr>
+        <p:spPr>
+          <a:xfrm>
+            <a:off x="7163572" y="4380906"/>
+            <a:ext cx="1246939" cy="1260000"/>
+          </a:xfrm>
+          <a:prstGeom prst="rect">
+            <a:avLst/>
+          </a:prstGeom>
+          <a:noFill/>
+          <a:ln w="28575"/>
+        </p:spPr>
+        <p:style>
+          <a:lnRef idx="2">
+            <a:schemeClr val="dk1"/>
+          </a:lnRef>
+          <a:fillRef idx="1">
+            <a:schemeClr val="lt1"/>
+          </a:fillRef>
+          <a:effectRef idx="0">
+            <a:schemeClr val="dk1"/>
+          </a:effectRef>
+          <a:fontRef idx="minor">
+            <a:schemeClr val="dk1"/>
+          </a:fontRef>
+        </p:style>
+        <p:txBody>
+          <a:bodyPr rtlCol="0" anchor="ctr"/>
+          <a:lstStyle/>
+          <a:p>
+            <a:pPr algn="ctr"/>
+            <a:endParaRPr lang="de-DE" dirty="0"/>
+          </a:p>
+        </p:txBody>
+      </p:sp>
+      <p:cxnSp>
+        <p:nvCxnSpPr>
+          <p:cNvPr id="45" name="Gerader Verbinder 17">
+            <a:extLst>
+              <a:ext uri="{FF2B5EF4-FFF2-40B4-BE49-F238E27FC236}">
+                <a16:creationId xmlns:a16="http://schemas.microsoft.com/office/drawing/2014/main" id="{8FCC9CA1-2A1F-473A-ADE5-00C316112BEE}"/>
+              </a:ext>
+            </a:extLst>
+          </p:cNvPr>
+          <p:cNvCxnSpPr>
+            <a:cxnSpLocks/>
+          </p:cNvCxnSpPr>
+          <p:nvPr/>
+        </p:nvCxnSpPr>
+        <p:spPr>
+          <a:xfrm>
+            <a:off x="1903959" y="3273286"/>
+            <a:ext cx="0" cy="1260000"/>
+          </a:xfrm>
+          <a:prstGeom prst="line">
+            <a:avLst/>
+          </a:prstGeom>
+          <a:ln w="28575"/>
+        </p:spPr>
+        <p:style>
+          <a:lnRef idx="1">
+            <a:schemeClr val="dk1"/>
+          </a:lnRef>
+          <a:fillRef idx="0">
+            <a:schemeClr val="dk1"/>
+          </a:fillRef>
+          <a:effectRef idx="0">
+            <a:schemeClr val="dk1"/>
+          </a:effectRef>
+          <a:fontRef idx="minor">
+            <a:schemeClr val="tx1"/>
+          </a:fontRef>
+        </p:style>
+      </p:cxnSp>
+      <p:cxnSp>
+        <p:nvCxnSpPr>
+          <p:cNvPr id="46" name="Gerader Verbinder 18">
+            <a:extLst>
+              <a:ext uri="{FF2B5EF4-FFF2-40B4-BE49-F238E27FC236}">
+                <a16:creationId xmlns:a16="http://schemas.microsoft.com/office/drawing/2014/main" id="{258B92B0-D95F-46CA-81A8-BC66D3935E5A}"/>
+              </a:ext>
+            </a:extLst>
+          </p:cNvPr>
+          <p:cNvCxnSpPr>
+            <a:cxnSpLocks/>
+          </p:cNvCxnSpPr>
+          <p:nvPr/>
+        </p:nvCxnSpPr>
+        <p:spPr>
+          <a:xfrm>
+            <a:off x="2330040" y="3273286"/>
+            <a:ext cx="0" cy="1260000"/>
+          </a:xfrm>
+          <a:prstGeom prst="line">
+            <a:avLst/>
+          </a:prstGeom>
+          <a:ln w="28575"/>
+        </p:spPr>
+        <p:style>
+          <a:lnRef idx="1">
+            <a:schemeClr val="dk1"/>
+          </a:lnRef>
+          <a:fillRef idx="0">
+            <a:schemeClr val="dk1"/>
+          </a:fillRef>
+          <a:effectRef idx="0">
+            <a:schemeClr val="dk1"/>
+          </a:effectRef>
+          <a:fontRef idx="minor">
+            <a:schemeClr val="tx1"/>
+          </a:fontRef>
+        </p:style>
+      </p:cxnSp>
+      <p:cxnSp>
+        <p:nvCxnSpPr>
+          <p:cNvPr id="47" name="Gerader Verbinder 19">
+            <a:extLst>
+              <a:ext uri="{FF2B5EF4-FFF2-40B4-BE49-F238E27FC236}">
+                <a16:creationId xmlns:a16="http://schemas.microsoft.com/office/drawing/2014/main" id="{045600C7-ED41-4460-9553-9792720E8CB0}"/>
+              </a:ext>
+            </a:extLst>
+          </p:cNvPr>
+          <p:cNvCxnSpPr>
+            <a:cxnSpLocks/>
+          </p:cNvCxnSpPr>
+          <p:nvPr/>
+        </p:nvCxnSpPr>
+        <p:spPr>
+          <a:xfrm>
+            <a:off x="1490003" y="3688178"/>
+            <a:ext cx="1246939" cy="0"/>
+          </a:xfrm>
+          <a:prstGeom prst="line">
+            <a:avLst/>
+          </a:prstGeom>
+          <a:ln w="28575"/>
+        </p:spPr>
+        <p:style>
+          <a:lnRef idx="1">
+            <a:schemeClr val="dk1"/>
+          </a:lnRef>
+          <a:fillRef idx="0">
+            <a:schemeClr val="dk1"/>
+          </a:fillRef>
+          <a:effectRef idx="0">
+            <a:schemeClr val="dk1"/>
+          </a:effectRef>
+          <a:fontRef idx="minor">
+            <a:schemeClr val="tx1"/>
+          </a:fontRef>
+        </p:style>
+      </p:cxnSp>
+      <p:cxnSp>
+        <p:nvCxnSpPr>
+          <p:cNvPr id="48" name="Gerader Verbinder 20">
+            <a:extLst>
+              <a:ext uri="{FF2B5EF4-FFF2-40B4-BE49-F238E27FC236}">
+                <a16:creationId xmlns:a16="http://schemas.microsoft.com/office/drawing/2014/main" id="{2C45E925-8E83-47BD-9DF1-4AA68713FAE4}"/>
+              </a:ext>
+            </a:extLst>
+          </p:cNvPr>
+          <p:cNvCxnSpPr>
+            <a:cxnSpLocks/>
+          </p:cNvCxnSpPr>
+          <p:nvPr/>
+        </p:nvCxnSpPr>
+        <p:spPr>
+          <a:xfrm>
+            <a:off x="1490003" y="4116015"/>
+            <a:ext cx="1246939" cy="0"/>
+          </a:xfrm>
+          <a:prstGeom prst="line">
+            <a:avLst/>
+          </a:prstGeom>
+          <a:ln w="28575"/>
+        </p:spPr>
+        <p:style>
+          <a:lnRef idx="1">
+            <a:schemeClr val="dk1"/>
+          </a:lnRef>
+          <a:fillRef idx="0">
+            <a:schemeClr val="dk1"/>
+          </a:fillRef>
+          <a:effectRef idx="0">
+            <a:schemeClr val="dk1"/>
+          </a:effectRef>
+          <a:fontRef idx="minor">
+            <a:schemeClr val="tx1"/>
+          </a:fontRef>
+        </p:style>
+      </p:cxnSp>
+      <p:cxnSp>
+        <p:nvCxnSpPr>
+          <p:cNvPr id="49" name="Gerader Verbinder 17">
+            <a:extLst>
+              <a:ext uri="{FF2B5EF4-FFF2-40B4-BE49-F238E27FC236}">
+                <a16:creationId xmlns:a16="http://schemas.microsoft.com/office/drawing/2014/main" id="{0F7F8935-BB9D-4412-8616-932D7613AA41}"/>
+              </a:ext>
+            </a:extLst>
+          </p:cNvPr>
+          <p:cNvCxnSpPr>
+            <a:cxnSpLocks/>
+          </p:cNvCxnSpPr>
+          <p:nvPr/>
+        </p:nvCxnSpPr>
+        <p:spPr>
+          <a:xfrm>
+            <a:off x="3327375" y="3562900"/>
+            <a:ext cx="0" cy="1260000"/>
+          </a:xfrm>
+          <a:prstGeom prst="line">
+            <a:avLst/>
+          </a:prstGeom>
+          <a:ln w="28575"/>
+        </p:spPr>
+        <p:style>
+          <a:lnRef idx="1">
+            <a:schemeClr val="dk1"/>
+          </a:lnRef>
+          <a:fillRef idx="0">
+            <a:schemeClr val="dk1"/>
+          </a:fillRef>
+          <a:effectRef idx="0">
+            <a:schemeClr val="dk1"/>
+          </a:effectRef>
+          <a:fontRef idx="minor">
+            <a:schemeClr val="tx1"/>
+          </a:fontRef>
+        </p:style>
+      </p:cxnSp>
+      <p:cxnSp>
+        <p:nvCxnSpPr>
+          <p:cNvPr id="50" name="Gerader Verbinder 18">
+            <a:extLst>
+              <a:ext uri="{FF2B5EF4-FFF2-40B4-BE49-F238E27FC236}">
+                <a16:creationId xmlns:a16="http://schemas.microsoft.com/office/drawing/2014/main" id="{64362855-CE6C-4038-861E-8C0777B69D4F}"/>
+              </a:ext>
+            </a:extLst>
+          </p:cNvPr>
+          <p:cNvCxnSpPr>
+            <a:cxnSpLocks/>
+          </p:cNvCxnSpPr>
+          <p:nvPr/>
+        </p:nvCxnSpPr>
+        <p:spPr>
+          <a:xfrm>
+            <a:off x="3753456" y="3562900"/>
+            <a:ext cx="0" cy="1260000"/>
+          </a:xfrm>
+          <a:prstGeom prst="line">
+            <a:avLst/>
+          </a:prstGeom>
+          <a:ln w="28575"/>
+        </p:spPr>
+        <p:style>
+          <a:lnRef idx="1">
+            <a:schemeClr val="dk1"/>
+          </a:lnRef>
+          <a:fillRef idx="0">
+            <a:schemeClr val="dk1"/>
+          </a:fillRef>
+          <a:effectRef idx="0">
+            <a:schemeClr val="dk1"/>
+          </a:effectRef>
+          <a:fontRef idx="minor">
+            <a:schemeClr val="tx1"/>
+          </a:fontRef>
+        </p:style>
+      </p:cxnSp>
+      <p:cxnSp>
+        <p:nvCxnSpPr>
+          <p:cNvPr id="51" name="Gerader Verbinder 19">
+            <a:extLst>
+              <a:ext uri="{FF2B5EF4-FFF2-40B4-BE49-F238E27FC236}">
+                <a16:creationId xmlns:a16="http://schemas.microsoft.com/office/drawing/2014/main" id="{62271103-EBA2-4889-BA2D-E926E7239163}"/>
+              </a:ext>
+            </a:extLst>
+          </p:cNvPr>
+          <p:cNvCxnSpPr>
+            <a:cxnSpLocks/>
+          </p:cNvCxnSpPr>
+          <p:nvPr/>
+        </p:nvCxnSpPr>
+        <p:spPr>
+          <a:xfrm>
+            <a:off x="2913419" y="3977792"/>
+            <a:ext cx="1246939" cy="0"/>
+          </a:xfrm>
+          <a:prstGeom prst="line">
+            <a:avLst/>
+          </a:prstGeom>
+          <a:ln w="28575"/>
+        </p:spPr>
+        <p:style>
+          <a:lnRef idx="1">
+            <a:schemeClr val="dk1"/>
+          </a:lnRef>
+          <a:fillRef idx="0">
+            <a:schemeClr val="dk1"/>
+          </a:fillRef>
+          <a:effectRef idx="0">
+            <a:schemeClr val="dk1"/>
+          </a:effectRef>
+          <a:fontRef idx="minor">
+            <a:schemeClr val="tx1"/>
+          </a:fontRef>
+        </p:style>
+      </p:cxnSp>
+      <p:cxnSp>
+        <p:nvCxnSpPr>
+          <p:cNvPr id="52" name="Gerader Verbinder 20">
+            <a:extLst>
+              <a:ext uri="{FF2B5EF4-FFF2-40B4-BE49-F238E27FC236}">
+                <a16:creationId xmlns:a16="http://schemas.microsoft.com/office/drawing/2014/main" id="{FD80FDAE-B742-4E8D-A9CC-B78F4F0CEF3D}"/>
+              </a:ext>
+            </a:extLst>
+          </p:cNvPr>
+          <p:cNvCxnSpPr>
+            <a:cxnSpLocks/>
+          </p:cNvCxnSpPr>
+          <p:nvPr/>
+        </p:nvCxnSpPr>
+        <p:spPr>
+          <a:xfrm>
+            <a:off x="2913419" y="4405629"/>
+            <a:ext cx="1246939" cy="0"/>
+          </a:xfrm>
+          <a:prstGeom prst="line">
+            <a:avLst/>
+          </a:prstGeom>
+          <a:ln w="28575"/>
+        </p:spPr>
+        <p:style>
+          <a:lnRef idx="1">
+            <a:schemeClr val="dk1"/>
+          </a:lnRef>
+          <a:fillRef idx="0">
+            <a:schemeClr val="dk1"/>
+          </a:fillRef>
+          <a:effectRef idx="0">
+            <a:schemeClr val="dk1"/>
+          </a:effectRef>
+          <a:fontRef idx="minor">
+            <a:schemeClr val="tx1"/>
+          </a:fontRef>
+        </p:style>
+      </p:cxnSp>
+      <p:cxnSp>
+        <p:nvCxnSpPr>
+          <p:cNvPr id="53" name="Gerader Verbinder 17">
+            <a:extLst>
+              <a:ext uri="{FF2B5EF4-FFF2-40B4-BE49-F238E27FC236}">
+                <a16:creationId xmlns:a16="http://schemas.microsoft.com/office/drawing/2014/main" id="{D1FBDE34-CE07-47F4-A5EF-F9E8036831F3}"/>
+              </a:ext>
+            </a:extLst>
+          </p:cNvPr>
+          <p:cNvCxnSpPr>
+            <a:cxnSpLocks/>
+          </p:cNvCxnSpPr>
+          <p:nvPr/>
+        </p:nvCxnSpPr>
+        <p:spPr>
+          <a:xfrm>
+            <a:off x="4740743" y="3846266"/>
+            <a:ext cx="0" cy="1260000"/>
+          </a:xfrm>
+          <a:prstGeom prst="line">
+            <a:avLst/>
+          </a:prstGeom>
+          <a:ln w="28575"/>
+        </p:spPr>
+        <p:style>
+          <a:lnRef idx="1">
+            <a:schemeClr val="dk1"/>
+          </a:lnRef>
+          <a:fillRef idx="0">
+            <a:schemeClr val="dk1"/>
+          </a:fillRef>
+          <a:effectRef idx="0">
+            <a:schemeClr val="dk1"/>
+          </a:effectRef>
+          <a:fontRef idx="minor">
+            <a:schemeClr val="tx1"/>
+          </a:fontRef>
+        </p:style>
+      </p:cxnSp>
+      <p:cxnSp>
+        <p:nvCxnSpPr>
+          <p:cNvPr id="54" name="Gerader Verbinder 18">
+            <a:extLst>
+              <a:ext uri="{FF2B5EF4-FFF2-40B4-BE49-F238E27FC236}">
+                <a16:creationId xmlns:a16="http://schemas.microsoft.com/office/drawing/2014/main" id="{8F35545E-AE6A-40E0-A863-797C20417C19}"/>
+              </a:ext>
+            </a:extLst>
+          </p:cNvPr>
+          <p:cNvCxnSpPr>
+            <a:cxnSpLocks/>
+          </p:cNvCxnSpPr>
+          <p:nvPr/>
+        </p:nvCxnSpPr>
+        <p:spPr>
+          <a:xfrm>
+            <a:off x="5166824" y="3846266"/>
+            <a:ext cx="0" cy="1260000"/>
+          </a:xfrm>
+          <a:prstGeom prst="line">
+            <a:avLst/>
+          </a:prstGeom>
+          <a:ln w="28575"/>
+        </p:spPr>
+        <p:style>
+          <a:lnRef idx="1">
+            <a:schemeClr val="dk1"/>
+          </a:lnRef>
+          <a:fillRef idx="0">
+            <a:schemeClr val="dk1"/>
+          </a:fillRef>
+          <a:effectRef idx="0">
+            <a:schemeClr val="dk1"/>
+          </a:effectRef>
+          <a:fontRef idx="minor">
+            <a:schemeClr val="tx1"/>
+          </a:fontRef>
+        </p:style>
+      </p:cxnSp>
+      <p:cxnSp>
+        <p:nvCxnSpPr>
+          <p:cNvPr id="60" name="Gerader Verbinder 19">
+            <a:extLst>
+              <a:ext uri="{FF2B5EF4-FFF2-40B4-BE49-F238E27FC236}">
+                <a16:creationId xmlns:a16="http://schemas.microsoft.com/office/drawing/2014/main" id="{17512A2F-B632-4CB3-AD17-E803B77A3ED6}"/>
+              </a:ext>
+            </a:extLst>
+          </p:cNvPr>
+          <p:cNvCxnSpPr>
+            <a:cxnSpLocks/>
+          </p:cNvCxnSpPr>
+          <p:nvPr/>
+        </p:nvCxnSpPr>
+        <p:spPr>
+          <a:xfrm>
+            <a:off x="4326787" y="4261158"/>
+            <a:ext cx="1246939" cy="0"/>
+          </a:xfrm>
+          <a:prstGeom prst="line">
+            <a:avLst/>
+          </a:prstGeom>
+          <a:ln w="28575"/>
+        </p:spPr>
+        <p:style>
+          <a:lnRef idx="1">
+            <a:schemeClr val="dk1"/>
+          </a:lnRef>
+          <a:fillRef idx="0">
+            <a:schemeClr val="dk1"/>
+          </a:fillRef>
+          <a:effectRef idx="0">
+            <a:schemeClr val="dk1"/>
+          </a:effectRef>
+          <a:fontRef idx="minor">
+            <a:schemeClr val="tx1"/>
+          </a:fontRef>
+        </p:style>
+      </p:cxnSp>
+      <p:cxnSp>
+        <p:nvCxnSpPr>
+          <p:cNvPr id="61" name="Gerader Verbinder 20">
+            <a:extLst>
+              <a:ext uri="{FF2B5EF4-FFF2-40B4-BE49-F238E27FC236}">
+                <a16:creationId xmlns:a16="http://schemas.microsoft.com/office/drawing/2014/main" id="{4BA97223-329D-42AE-96E3-0DE1824C2244}"/>
+              </a:ext>
+            </a:extLst>
+          </p:cNvPr>
+          <p:cNvCxnSpPr>
+            <a:cxnSpLocks/>
+          </p:cNvCxnSpPr>
+          <p:nvPr/>
+        </p:nvCxnSpPr>
+        <p:spPr>
+          <a:xfrm>
+            <a:off x="4326787" y="4688995"/>
+            <a:ext cx="1246939" cy="0"/>
+          </a:xfrm>
+          <a:prstGeom prst="line">
+            <a:avLst/>
+          </a:prstGeom>
+          <a:ln w="28575"/>
+        </p:spPr>
+        <p:style>
+          <a:lnRef idx="1">
+            <a:schemeClr val="dk1"/>
+          </a:lnRef>
+          <a:fillRef idx="0">
+            <a:schemeClr val="dk1"/>
+          </a:fillRef>
+          <a:effectRef idx="0">
+            <a:schemeClr val="dk1"/>
+          </a:effectRef>
+          <a:fontRef idx="minor">
+            <a:schemeClr val="tx1"/>
+          </a:fontRef>
+        </p:style>
+      </p:cxnSp>
+      <p:cxnSp>
+        <p:nvCxnSpPr>
+          <p:cNvPr id="62" name="Gerader Verbinder 17">
+            <a:extLst>
+              <a:ext uri="{FF2B5EF4-FFF2-40B4-BE49-F238E27FC236}">
+                <a16:creationId xmlns:a16="http://schemas.microsoft.com/office/drawing/2014/main" id="{62D84D06-F4AA-4EDD-BC69-42D581C4732C}"/>
+              </a:ext>
+            </a:extLst>
+          </p:cNvPr>
+          <p:cNvCxnSpPr>
+            <a:cxnSpLocks/>
+          </p:cNvCxnSpPr>
+          <p:nvPr/>
+        </p:nvCxnSpPr>
+        <p:spPr>
+          <a:xfrm>
+            <a:off x="6139181" y="4116015"/>
+            <a:ext cx="0" cy="1260000"/>
+          </a:xfrm>
+          <a:prstGeom prst="line">
+            <a:avLst/>
+          </a:prstGeom>
+          <a:ln w="28575"/>
+        </p:spPr>
+        <p:style>
+          <a:lnRef idx="1">
+            <a:schemeClr val="dk1"/>
+          </a:lnRef>
+          <a:fillRef idx="0">
+            <a:schemeClr val="dk1"/>
+          </a:fillRef>
+          <a:effectRef idx="0">
+            <a:schemeClr val="dk1"/>
+          </a:effectRef>
+          <a:fontRef idx="minor">
+            <a:schemeClr val="tx1"/>
+          </a:fontRef>
+        </p:style>
+      </p:cxnSp>
+      <p:cxnSp>
+        <p:nvCxnSpPr>
+          <p:cNvPr id="64" name="Gerader Verbinder 18">
+            <a:extLst>
+              <a:ext uri="{FF2B5EF4-FFF2-40B4-BE49-F238E27FC236}">
+                <a16:creationId xmlns:a16="http://schemas.microsoft.com/office/drawing/2014/main" id="{F1836907-8610-4062-8320-58042459D7EC}"/>
+              </a:ext>
+            </a:extLst>
+          </p:cNvPr>
+          <p:cNvCxnSpPr>
+            <a:cxnSpLocks/>
+          </p:cNvCxnSpPr>
+          <p:nvPr/>
+        </p:nvCxnSpPr>
+        <p:spPr>
+          <a:xfrm>
+            <a:off x="6565262" y="4116015"/>
+            <a:ext cx="0" cy="1260000"/>
+          </a:xfrm>
+          <a:prstGeom prst="line">
+            <a:avLst/>
+          </a:prstGeom>
+          <a:ln w="28575"/>
+        </p:spPr>
+        <p:style>
+          <a:lnRef idx="1">
+            <a:schemeClr val="dk1"/>
+          </a:lnRef>
+          <a:fillRef idx="0">
+            <a:schemeClr val="dk1"/>
+          </a:fillRef>
+          <a:effectRef idx="0">
+            <a:schemeClr val="dk1"/>
+          </a:effectRef>
+          <a:fontRef idx="minor">
+            <a:schemeClr val="tx1"/>
+          </a:fontRef>
+        </p:style>
+      </p:cxnSp>
+      <p:cxnSp>
+        <p:nvCxnSpPr>
+          <p:cNvPr id="67" name="Gerader Verbinder 19">
+            <a:extLst>
+              <a:ext uri="{FF2B5EF4-FFF2-40B4-BE49-F238E27FC236}">
+                <a16:creationId xmlns:a16="http://schemas.microsoft.com/office/drawing/2014/main" id="{6919B838-6F54-4F6D-B077-89C1BB2A474D}"/>
+              </a:ext>
+            </a:extLst>
+          </p:cNvPr>
+          <p:cNvCxnSpPr>
+            <a:cxnSpLocks/>
+          </p:cNvCxnSpPr>
+          <p:nvPr/>
+        </p:nvCxnSpPr>
+        <p:spPr>
+          <a:xfrm>
+            <a:off x="5725225" y="4530907"/>
+            <a:ext cx="1246939" cy="0"/>
+          </a:xfrm>
+          <a:prstGeom prst="line">
+            <a:avLst/>
+          </a:prstGeom>
+          <a:ln w="28575"/>
+        </p:spPr>
+        <p:style>
+          <a:lnRef idx="1">
+            <a:schemeClr val="dk1"/>
+          </a:lnRef>
+          <a:fillRef idx="0">
+            <a:schemeClr val="dk1"/>
+          </a:fillRef>
+          <a:effectRef idx="0">
+            <a:schemeClr val="dk1"/>
+          </a:effectRef>
+          <a:fontRef idx="minor">
+            <a:schemeClr val="tx1"/>
+          </a:fontRef>
+        </p:style>
+      </p:cxnSp>
+      <p:cxnSp>
+        <p:nvCxnSpPr>
+          <p:cNvPr id="68" name="Gerader Verbinder 20">
+            <a:extLst>
+              <a:ext uri="{FF2B5EF4-FFF2-40B4-BE49-F238E27FC236}">
+                <a16:creationId xmlns:a16="http://schemas.microsoft.com/office/drawing/2014/main" id="{F3658279-DFFA-4B1C-8DAA-DA6FCAA64A44}"/>
+              </a:ext>
+            </a:extLst>
+          </p:cNvPr>
+          <p:cNvCxnSpPr>
+            <a:cxnSpLocks/>
+          </p:cNvCxnSpPr>
+          <p:nvPr/>
+        </p:nvCxnSpPr>
+        <p:spPr>
+          <a:xfrm>
+            <a:off x="5725225" y="4958744"/>
+            <a:ext cx="1246939" cy="0"/>
+          </a:xfrm>
+          <a:prstGeom prst="line">
+            <a:avLst/>
+          </a:prstGeom>
+          <a:ln w="28575"/>
+        </p:spPr>
+        <p:style>
+          <a:lnRef idx="1">
+            <a:schemeClr val="dk1"/>
+          </a:lnRef>
+          <a:fillRef idx="0">
+            <a:schemeClr val="dk1"/>
+          </a:fillRef>
+          <a:effectRef idx="0">
+            <a:schemeClr val="dk1"/>
+          </a:effectRef>
+          <a:fontRef idx="minor">
+            <a:schemeClr val="tx1"/>
+          </a:fontRef>
+        </p:style>
+      </p:cxnSp>
+      <p:cxnSp>
+        <p:nvCxnSpPr>
+          <p:cNvPr id="69" name="Gerader Verbinder 17">
+            <a:extLst>
+              <a:ext uri="{FF2B5EF4-FFF2-40B4-BE49-F238E27FC236}">
+                <a16:creationId xmlns:a16="http://schemas.microsoft.com/office/drawing/2014/main" id="{79D8E291-3BD8-4FDF-9C8F-80065C8C3939}"/>
+              </a:ext>
+            </a:extLst>
+          </p:cNvPr>
+          <p:cNvCxnSpPr>
+            <a:cxnSpLocks/>
+          </p:cNvCxnSpPr>
+          <p:nvPr/>
+        </p:nvCxnSpPr>
+        <p:spPr>
+          <a:xfrm>
+            <a:off x="7565829" y="4391201"/>
+            <a:ext cx="0" cy="1260000"/>
+          </a:xfrm>
+          <a:prstGeom prst="line">
+            <a:avLst/>
+          </a:prstGeom>
+          <a:ln w="28575"/>
+        </p:spPr>
+        <p:style>
+          <a:lnRef idx="1">
+            <a:schemeClr val="dk1"/>
+          </a:lnRef>
+          <a:fillRef idx="0">
+            <a:schemeClr val="dk1"/>
+          </a:fillRef>
+          <a:effectRef idx="0">
+            <a:schemeClr val="dk1"/>
+          </a:effectRef>
+          <a:fontRef idx="minor">
+            <a:schemeClr val="tx1"/>
+          </a:fontRef>
+        </p:style>
+      </p:cxnSp>
+      <p:cxnSp>
+        <p:nvCxnSpPr>
+          <p:cNvPr id="79" name="Gerader Verbinder 18">
+            <a:extLst>
+              <a:ext uri="{FF2B5EF4-FFF2-40B4-BE49-F238E27FC236}">
+                <a16:creationId xmlns:a16="http://schemas.microsoft.com/office/drawing/2014/main" id="{D8AE1C46-6E4C-4B8B-A96E-8FF2CBE14289}"/>
+              </a:ext>
+            </a:extLst>
+          </p:cNvPr>
+          <p:cNvCxnSpPr>
+            <a:cxnSpLocks/>
+          </p:cNvCxnSpPr>
+          <p:nvPr/>
+        </p:nvCxnSpPr>
+        <p:spPr>
+          <a:xfrm>
+            <a:off x="7991910" y="4391201"/>
+            <a:ext cx="0" cy="1260000"/>
+          </a:xfrm>
+          <a:prstGeom prst="line">
+            <a:avLst/>
+          </a:prstGeom>
+          <a:ln w="28575"/>
+        </p:spPr>
+        <p:style>
+          <a:lnRef idx="1">
+            <a:schemeClr val="dk1"/>
+          </a:lnRef>
+          <a:fillRef idx="0">
+            <a:schemeClr val="dk1"/>
+          </a:fillRef>
+          <a:effectRef idx="0">
+            <a:schemeClr val="dk1"/>
+          </a:effectRef>
+          <a:fontRef idx="minor">
+            <a:schemeClr val="tx1"/>
+          </a:fontRef>
+        </p:style>
+      </p:cxnSp>
+      <p:cxnSp>
+        <p:nvCxnSpPr>
+          <p:cNvPr id="80" name="Gerader Verbinder 19">
+            <a:extLst>
+              <a:ext uri="{FF2B5EF4-FFF2-40B4-BE49-F238E27FC236}">
+                <a16:creationId xmlns:a16="http://schemas.microsoft.com/office/drawing/2014/main" id="{834FD95A-486E-49A3-A35C-332D13372B07}"/>
+              </a:ext>
+            </a:extLst>
+          </p:cNvPr>
+          <p:cNvCxnSpPr>
+            <a:cxnSpLocks/>
+          </p:cNvCxnSpPr>
+          <p:nvPr/>
+        </p:nvCxnSpPr>
+        <p:spPr>
+          <a:xfrm>
+            <a:off x="7151873" y="4806093"/>
+            <a:ext cx="1246939" cy="0"/>
+          </a:xfrm>
+          <a:prstGeom prst="line">
+            <a:avLst/>
+          </a:prstGeom>
+          <a:ln w="28575"/>
+        </p:spPr>
+        <p:style>
+          <a:lnRef idx="1">
+            <a:schemeClr val="dk1"/>
+          </a:lnRef>
+          <a:fillRef idx="0">
+            <a:schemeClr val="dk1"/>
+          </a:fillRef>
+          <a:effectRef idx="0">
+            <a:schemeClr val="dk1"/>
+          </a:effectRef>
+          <a:fontRef idx="minor">
+            <a:schemeClr val="tx1"/>
+          </a:fontRef>
+        </p:style>
+      </p:cxnSp>
+      <p:cxnSp>
+        <p:nvCxnSpPr>
+          <p:cNvPr id="81" name="Gerader Verbinder 20">
+            <a:extLst>
+              <a:ext uri="{FF2B5EF4-FFF2-40B4-BE49-F238E27FC236}">
+                <a16:creationId xmlns:a16="http://schemas.microsoft.com/office/drawing/2014/main" id="{AEB13BF8-C6D8-4782-82D6-EAAD059803FE}"/>
+              </a:ext>
+            </a:extLst>
+          </p:cNvPr>
+          <p:cNvCxnSpPr>
+            <a:cxnSpLocks/>
+          </p:cNvCxnSpPr>
+          <p:nvPr/>
+        </p:nvCxnSpPr>
+        <p:spPr>
+          <a:xfrm>
+            <a:off x="7151873" y="5233930"/>
+            <a:ext cx="1246939" cy="0"/>
+          </a:xfrm>
+          <a:prstGeom prst="line">
+            <a:avLst/>
+          </a:prstGeom>
+          <a:ln w="28575"/>
+        </p:spPr>
+        <p:style>
+          <a:lnRef idx="1">
+            <a:schemeClr val="dk1"/>
+          </a:lnRef>
+          <a:fillRef idx="0">
+            <a:schemeClr val="dk1"/>
+          </a:fillRef>
+          <a:effectRef idx="0">
+            <a:schemeClr val="dk1"/>
+          </a:effectRef>
+          <a:fontRef idx="minor">
+            <a:schemeClr val="tx1"/>
+          </a:fontRef>
+        </p:style>
+      </p:cxnSp>
     </p:spTree>
     <p:extLst>
       <p:ext uri="{BB962C8B-B14F-4D97-AF65-F5344CB8AC3E}">
-        <p14:creationId xmlns:p14="http://schemas.microsoft.com/office/powerpoint/2010/main" val="2273264778"/>
+        <p14:creationId xmlns:p14="http://schemas.microsoft.com/office/powerpoint/2010/main" val="3434751472"/>
       </p:ext>
     </p:extLst>
   </p:cSld>

--- a/instructions/instruction_slides.pptx
+++ b/instructions/instruction_slides.pptx
@@ -282,7 +282,7 @@
           <a:p>
             <a:fld id="{720A8C9A-4914-4E30-BB53-2E47D8B0250F}" type="datetimeFigureOut">
               <a:rPr lang="en-GB" smtClean="0"/>
-              <a:t>30/04/2025</a:t>
+              <a:t>23/06/2025</a:t>
             </a:fld>
             <a:endParaRPr lang="en-GB"/>
           </a:p>
@@ -482,7 +482,7 @@
           <a:p>
             <a:fld id="{720A8C9A-4914-4E30-BB53-2E47D8B0250F}" type="datetimeFigureOut">
               <a:rPr lang="en-GB" smtClean="0"/>
-              <a:t>30/04/2025</a:t>
+              <a:t>23/06/2025</a:t>
             </a:fld>
             <a:endParaRPr lang="en-GB"/>
           </a:p>
@@ -692,7 +692,7 @@
           <a:p>
             <a:fld id="{720A8C9A-4914-4E30-BB53-2E47D8B0250F}" type="datetimeFigureOut">
               <a:rPr lang="en-GB" smtClean="0"/>
-              <a:t>30/04/2025</a:t>
+              <a:t>23/06/2025</a:t>
             </a:fld>
             <a:endParaRPr lang="en-GB"/>
           </a:p>
@@ -892,7 +892,7 @@
           <a:p>
             <a:fld id="{720A8C9A-4914-4E30-BB53-2E47D8B0250F}" type="datetimeFigureOut">
               <a:rPr lang="en-GB" smtClean="0"/>
-              <a:t>30/04/2025</a:t>
+              <a:t>23/06/2025</a:t>
             </a:fld>
             <a:endParaRPr lang="en-GB"/>
           </a:p>
@@ -1168,7 +1168,7 @@
           <a:p>
             <a:fld id="{720A8C9A-4914-4E30-BB53-2E47D8B0250F}" type="datetimeFigureOut">
               <a:rPr lang="en-GB" smtClean="0"/>
-              <a:t>30/04/2025</a:t>
+              <a:t>23/06/2025</a:t>
             </a:fld>
             <a:endParaRPr lang="en-GB"/>
           </a:p>
@@ -1436,7 +1436,7 @@
           <a:p>
             <a:fld id="{720A8C9A-4914-4E30-BB53-2E47D8B0250F}" type="datetimeFigureOut">
               <a:rPr lang="en-GB" smtClean="0"/>
-              <a:t>30/04/2025</a:t>
+              <a:t>23/06/2025</a:t>
             </a:fld>
             <a:endParaRPr lang="en-GB"/>
           </a:p>
@@ -1851,7 +1851,7 @@
           <a:p>
             <a:fld id="{720A8C9A-4914-4E30-BB53-2E47D8B0250F}" type="datetimeFigureOut">
               <a:rPr lang="en-GB" smtClean="0"/>
-              <a:t>30/04/2025</a:t>
+              <a:t>23/06/2025</a:t>
             </a:fld>
             <a:endParaRPr lang="en-GB"/>
           </a:p>
@@ -1993,7 +1993,7 @@
           <a:p>
             <a:fld id="{720A8C9A-4914-4E30-BB53-2E47D8B0250F}" type="datetimeFigureOut">
               <a:rPr lang="en-GB" smtClean="0"/>
-              <a:t>30/04/2025</a:t>
+              <a:t>23/06/2025</a:t>
             </a:fld>
             <a:endParaRPr lang="en-GB"/>
           </a:p>
@@ -2106,7 +2106,7 @@
           <a:p>
             <a:fld id="{720A8C9A-4914-4E30-BB53-2E47D8B0250F}" type="datetimeFigureOut">
               <a:rPr lang="en-GB" smtClean="0"/>
-              <a:t>30/04/2025</a:t>
+              <a:t>23/06/2025</a:t>
             </a:fld>
             <a:endParaRPr lang="en-GB"/>
           </a:p>
@@ -2419,7 +2419,7 @@
           <a:p>
             <a:fld id="{720A8C9A-4914-4E30-BB53-2E47D8B0250F}" type="datetimeFigureOut">
               <a:rPr lang="en-GB" smtClean="0"/>
-              <a:t>30/04/2025</a:t>
+              <a:t>23/06/2025</a:t>
             </a:fld>
             <a:endParaRPr lang="en-GB"/>
           </a:p>
@@ -2708,7 +2708,7 @@
           <a:p>
             <a:fld id="{720A8C9A-4914-4E30-BB53-2E47D8B0250F}" type="datetimeFigureOut">
               <a:rPr lang="en-GB" smtClean="0"/>
-              <a:t>30/04/2025</a:t>
+              <a:t>23/06/2025</a:t>
             </a:fld>
             <a:endParaRPr lang="en-GB"/>
           </a:p>
@@ -2951,7 +2951,7 @@
           <a:p>
             <a:fld id="{720A8C9A-4914-4E30-BB53-2E47D8B0250F}" type="datetimeFigureOut">
               <a:rPr lang="en-GB" smtClean="0"/>
-              <a:t>30/04/2025</a:t>
+              <a:t>23/06/2025</a:t>
             </a:fld>
             <a:endParaRPr lang="en-GB"/>
           </a:p>
@@ -4073,7 +4073,7 @@
             </a:r>
             <a:r>
               <a:rPr lang="en-GB" sz="2200" dirty="0"/>
-              <a:t> “8”. </a:t>
+              <a:t> “3”. </a:t>
             </a:r>
             <a:r>
               <a:rPr lang="en-GB" sz="2200" dirty="0" err="1"/>
@@ -4305,7 +4305,7 @@
               <a:pPr algn="ctr"/>
               <a:r>
                 <a:rPr lang="en-GB" sz="2500" dirty="0"/>
-                <a:t>8</a:t>
+                <a:t>3</a:t>
               </a:r>
             </a:p>
           </p:txBody>
@@ -4511,7 +4511,7 @@
               <a:pPr algn="ctr"/>
               <a:r>
                 <a:rPr lang="en-GB" sz="2500" dirty="0"/>
-                <a:t>8</a:t>
+                <a:t>3</a:t>
               </a:r>
             </a:p>
           </p:txBody>
@@ -4614,7 +4614,7 @@
               <a:pPr algn="ctr"/>
               <a:r>
                 <a:rPr lang="en-GB" sz="2500" dirty="0"/>
-                <a:t>8</a:t>
+                <a:t>3</a:t>
               </a:r>
             </a:p>
           </p:txBody>
@@ -6204,7 +6204,7 @@
             </a:r>
             <a:r>
               <a:rPr lang="en-GB" sz="2200" dirty="0"/>
-              <a:t> “8”. </a:t>
+              <a:t> “3”. </a:t>
             </a:r>
             <a:r>
               <a:rPr lang="en-GB" sz="2200" dirty="0" err="1"/>
@@ -6333,7 +6333,7 @@
             </a:r>
             <a:r>
               <a:rPr lang="en-GB" sz="2200" b="1" dirty="0"/>
-              <a:t>“8”</a:t>
+              <a:t>“3”</a:t>
             </a:r>
             <a:r>
               <a:rPr lang="en-GB" sz="2200" dirty="0"/>
@@ -6540,7 +6540,7 @@
               <a:pPr algn="ctr"/>
               <a:r>
                 <a:rPr lang="en-GB" sz="2500" dirty="0"/>
-                <a:t>8</a:t>
+                <a:t>3</a:t>
               </a:r>
             </a:p>
           </p:txBody>
@@ -6746,7 +6746,7 @@
               <a:pPr algn="ctr"/>
               <a:r>
                 <a:rPr lang="en-GB" sz="2500" dirty="0"/>
-                <a:t>8</a:t>
+                <a:t>3</a:t>
               </a:r>
             </a:p>
           </p:txBody>
@@ -6849,7 +6849,7 @@
               <a:pPr algn="ctr"/>
               <a:r>
                 <a:rPr lang="en-GB" sz="2500" dirty="0"/>
-                <a:t>8</a:t>
+                <a:t>3</a:t>
               </a:r>
             </a:p>
           </p:txBody>
@@ -7237,7 +7237,7 @@
           <a:p>
             <a:r>
               <a:rPr lang="en-GB" b="1" dirty="0"/>
-              <a:t>“8” -&gt; </a:t>
+              <a:t>“3” -&gt; </a:t>
             </a:r>
             <a:r>
               <a:rPr lang="en-GB" b="1" dirty="0" err="1"/>
@@ -7277,7 +7277,7 @@
           <a:p>
             <a:r>
               <a:rPr lang="en-GB" b="1" dirty="0"/>
-              <a:t>“8” -&gt; </a:t>
+              <a:t>“3” -&gt; </a:t>
             </a:r>
             <a:r>
               <a:rPr lang="en-GB" b="1" dirty="0" err="1"/>
@@ -7387,7 +7387,7 @@
           <a:p>
             <a:r>
               <a:rPr lang="en-GB" b="1" dirty="0"/>
-              <a:t>“8” -&gt; </a:t>
+              <a:t>“3” -&gt; </a:t>
             </a:r>
             <a:r>
               <a:rPr lang="en-GB" b="1" dirty="0" err="1"/>
@@ -8563,7 +8563,7 @@
             </a:r>
             <a:r>
               <a:rPr lang="en-GB" sz="2200" dirty="0"/>
-              <a:t> “8”. </a:t>
+              <a:t> “3”. </a:t>
             </a:r>
             <a:r>
               <a:rPr lang="en-GB" sz="2200" dirty="0" err="1"/>
@@ -8692,7 +8692,7 @@
             </a:r>
             <a:r>
               <a:rPr lang="en-GB" sz="2200" b="1" dirty="0"/>
-              <a:t>“8”</a:t>
+              <a:t>“3”</a:t>
             </a:r>
             <a:r>
               <a:rPr lang="en-GB" sz="2200" dirty="0"/>
@@ -8899,7 +8899,7 @@
               <a:pPr algn="ctr"/>
               <a:r>
                 <a:rPr lang="en-GB" sz="2500" dirty="0"/>
-                <a:t>8</a:t>
+                <a:t>3</a:t>
               </a:r>
             </a:p>
           </p:txBody>
@@ -9105,7 +9105,7 @@
               <a:pPr algn="ctr"/>
               <a:r>
                 <a:rPr lang="en-GB" sz="2500" dirty="0"/>
-                <a:t>8</a:t>
+                <a:t>3</a:t>
               </a:r>
             </a:p>
           </p:txBody>
@@ -9208,7 +9208,7 @@
               <a:pPr algn="ctr"/>
               <a:r>
                 <a:rPr lang="en-GB" sz="2500" dirty="0"/>
-                <a:t>8</a:t>
+                <a:t>3</a:t>
               </a:r>
             </a:p>
           </p:txBody>
@@ -9596,7 +9596,7 @@
           <a:p>
             <a:r>
               <a:rPr lang="en-GB" b="1" dirty="0"/>
-              <a:t>“8” -&gt; links</a:t>
+              <a:t>“3” -&gt; links</a:t>
             </a:r>
           </a:p>
         </p:txBody>
@@ -9631,7 +9631,7 @@
           <a:p>
             <a:r>
               <a:rPr lang="en-GB" b="1" dirty="0"/>
-              <a:t>“8” -&gt; links</a:t>
+              <a:t>“3” -&gt; links</a:t>
             </a:r>
           </a:p>
         </p:txBody>
@@ -9746,7 +9746,7 @@
           <a:p>
             <a:r>
               <a:rPr lang="en-GB" b="1" dirty="0"/>
-              <a:t>“8” -&gt; links</a:t>
+              <a:t>“3” -&gt; links</a:t>
             </a:r>
           </a:p>
         </p:txBody>
